--- a/Doxygen/physics/1. Pool End Game/figures.pptx
+++ b/Doxygen/physics/1. Pool End Game/figures.pptx
@@ -4,10 +4,17 @@
   <p:sldMasterIdLst>
     <p:sldMasterId id="2147483660" r:id="rId1"/>
   </p:sldMasterIdLst>
+  <p:notesMasterIdLst>
+    <p:notesMasterId r:id="rId9"/>
+  </p:notesMasterIdLst>
   <p:sldIdLst>
     <p:sldId id="256" r:id="rId2"/>
     <p:sldId id="258" r:id="rId3"/>
     <p:sldId id="257" r:id="rId4"/>
+    <p:sldId id="301" r:id="rId5"/>
+    <p:sldId id="327" r:id="rId6"/>
+    <p:sldId id="328" r:id="rId7"/>
+    <p:sldId id="329" r:id="rId8"/>
   </p:sldIdLst>
   <p:sldSz cx="9144000" cy="6858000" type="screen4x3"/>
   <p:notesSz cx="6858000" cy="9144000"/>
@@ -106,7 +113,624 @@
       </a:defRPr>
     </a:lvl9pPr>
   </p:defaultTextStyle>
+  <p:extLst>
+    <p:ext uri="{EFAFB233-063F-42B5-8137-9DF3F51BA10A}">
+      <p15:sldGuideLst xmlns:p15="http://schemas.microsoft.com/office/powerpoint/2012/main"/>
+    </p:ext>
+  </p:extLst>
 </p:presentation>
+</file>
+
+<file path=ppt/notesMasters/notesMaster1.xml><?xml version="1.0" encoding="utf-8"?>
+<p:notesMaster xmlns:a="http://schemas.openxmlformats.org/drawingml/2006/main" xmlns:r="http://schemas.openxmlformats.org/officeDocument/2006/relationships" xmlns:p="http://schemas.openxmlformats.org/presentationml/2006/main">
+  <p:cSld>
+    <p:bg>
+      <p:bgRef idx="1001">
+        <a:schemeClr val="bg1"/>
+      </p:bgRef>
+    </p:bg>
+    <p:spTree>
+      <p:nvGrpSpPr>
+        <p:cNvPr id="1" name=""/>
+        <p:cNvGrpSpPr/>
+        <p:nvPr/>
+      </p:nvGrpSpPr>
+      <p:grpSpPr>
+        <a:xfrm>
+          <a:off x="0" y="0"/>
+          <a:ext cx="0" cy="0"/>
+          <a:chOff x="0" y="0"/>
+          <a:chExt cx="0" cy="0"/>
+        </a:xfrm>
+      </p:grpSpPr>
+      <p:sp>
+        <p:nvSpPr>
+          <p:cNvPr id="2" name="Header Placeholder 1"/>
+          <p:cNvSpPr>
+            <a:spLocks noGrp="1"/>
+          </p:cNvSpPr>
+          <p:nvPr>
+            <p:ph type="hdr" sz="quarter"/>
+          </p:nvPr>
+        </p:nvSpPr>
+        <p:spPr>
+          <a:xfrm>
+            <a:off x="0" y="0"/>
+            <a:ext cx="2971800" cy="458788"/>
+          </a:xfrm>
+          <a:prstGeom prst="rect">
+            <a:avLst/>
+          </a:prstGeom>
+        </p:spPr>
+        <p:txBody>
+          <a:bodyPr vert="horz" lIns="91440" tIns="45720" rIns="91440" bIns="45720" rtlCol="0"/>
+          <a:lstStyle>
+            <a:lvl1pPr algn="l">
+              <a:defRPr sz="1200"/>
+            </a:lvl1pPr>
+          </a:lstStyle>
+          <a:p>
+            <a:endParaRPr lang="en-US"/>
+          </a:p>
+        </p:txBody>
+      </p:sp>
+      <p:sp>
+        <p:nvSpPr>
+          <p:cNvPr id="3" name="Date Placeholder 2"/>
+          <p:cNvSpPr>
+            <a:spLocks noGrp="1"/>
+          </p:cNvSpPr>
+          <p:nvPr>
+            <p:ph type="dt" idx="1"/>
+          </p:nvPr>
+        </p:nvSpPr>
+        <p:spPr>
+          <a:xfrm>
+            <a:off x="3884613" y="0"/>
+            <a:ext cx="2971800" cy="458788"/>
+          </a:xfrm>
+          <a:prstGeom prst="rect">
+            <a:avLst/>
+          </a:prstGeom>
+        </p:spPr>
+        <p:txBody>
+          <a:bodyPr vert="horz" lIns="91440" tIns="45720" rIns="91440" bIns="45720" rtlCol="0"/>
+          <a:lstStyle>
+            <a:lvl1pPr algn="r">
+              <a:defRPr sz="1200"/>
+            </a:lvl1pPr>
+          </a:lstStyle>
+          <a:p>
+            <a:fld id="{7D0E2FA4-032C-404F-8FB9-E4E398410F6B}" type="datetimeFigureOut">
+              <a:rPr lang="en-US" smtClean="0"/>
+              <a:t>12/5/2023</a:t>
+            </a:fld>
+            <a:endParaRPr lang="en-US"/>
+          </a:p>
+        </p:txBody>
+      </p:sp>
+      <p:sp>
+        <p:nvSpPr>
+          <p:cNvPr id="4" name="Slide Image Placeholder 3"/>
+          <p:cNvSpPr>
+            <a:spLocks noGrp="1" noRot="1" noChangeAspect="1"/>
+          </p:cNvSpPr>
+          <p:nvPr>
+            <p:ph type="sldImg" idx="2"/>
+          </p:nvPr>
+        </p:nvSpPr>
+        <p:spPr>
+          <a:xfrm>
+            <a:off x="1371600" y="1143000"/>
+            <a:ext cx="4114800" cy="3086100"/>
+          </a:xfrm>
+          <a:prstGeom prst="rect">
+            <a:avLst/>
+          </a:prstGeom>
+          <a:noFill/>
+          <a:ln w="12700">
+            <a:solidFill>
+              <a:prstClr val="black"/>
+            </a:solidFill>
+          </a:ln>
+        </p:spPr>
+        <p:txBody>
+          <a:bodyPr vert="horz" lIns="91440" tIns="45720" rIns="91440" bIns="45720" rtlCol="0" anchor="ctr"/>
+          <a:lstStyle/>
+          <a:p>
+            <a:endParaRPr lang="en-US"/>
+          </a:p>
+        </p:txBody>
+      </p:sp>
+      <p:sp>
+        <p:nvSpPr>
+          <p:cNvPr id="5" name="Notes Placeholder 4"/>
+          <p:cNvSpPr>
+            <a:spLocks noGrp="1"/>
+          </p:cNvSpPr>
+          <p:nvPr>
+            <p:ph type="body" sz="quarter" idx="3"/>
+          </p:nvPr>
+        </p:nvSpPr>
+        <p:spPr>
+          <a:xfrm>
+            <a:off x="685800" y="4400550"/>
+            <a:ext cx="5486400" cy="3600450"/>
+          </a:xfrm>
+          <a:prstGeom prst="rect">
+            <a:avLst/>
+          </a:prstGeom>
+        </p:spPr>
+        <p:txBody>
+          <a:bodyPr vert="horz" lIns="91440" tIns="45720" rIns="91440" bIns="45720" rtlCol="0"/>
+          <a:lstStyle/>
+          <a:p>
+            <a:pPr lvl="0"/>
+            <a:r>
+              <a:rPr lang="en-US"/>
+              <a:t>Click to edit Master text styles</a:t>
+            </a:r>
+          </a:p>
+          <a:p>
+            <a:pPr lvl="1"/>
+            <a:r>
+              <a:rPr lang="en-US"/>
+              <a:t>Second level</a:t>
+            </a:r>
+          </a:p>
+          <a:p>
+            <a:pPr lvl="2"/>
+            <a:r>
+              <a:rPr lang="en-US"/>
+              <a:t>Third level</a:t>
+            </a:r>
+          </a:p>
+          <a:p>
+            <a:pPr lvl="3"/>
+            <a:r>
+              <a:rPr lang="en-US"/>
+              <a:t>Fourth level</a:t>
+            </a:r>
+          </a:p>
+          <a:p>
+            <a:pPr lvl="4"/>
+            <a:r>
+              <a:rPr lang="en-US"/>
+              <a:t>Fifth level</a:t>
+            </a:r>
+          </a:p>
+        </p:txBody>
+      </p:sp>
+      <p:sp>
+        <p:nvSpPr>
+          <p:cNvPr id="6" name="Footer Placeholder 5"/>
+          <p:cNvSpPr>
+            <a:spLocks noGrp="1"/>
+          </p:cNvSpPr>
+          <p:nvPr>
+            <p:ph type="ftr" sz="quarter" idx="4"/>
+          </p:nvPr>
+        </p:nvSpPr>
+        <p:spPr>
+          <a:xfrm>
+            <a:off x="0" y="8685213"/>
+            <a:ext cx="2971800" cy="458787"/>
+          </a:xfrm>
+          <a:prstGeom prst="rect">
+            <a:avLst/>
+          </a:prstGeom>
+        </p:spPr>
+        <p:txBody>
+          <a:bodyPr vert="horz" lIns="91440" tIns="45720" rIns="91440" bIns="45720" rtlCol="0" anchor="b"/>
+          <a:lstStyle>
+            <a:lvl1pPr algn="l">
+              <a:defRPr sz="1200"/>
+            </a:lvl1pPr>
+          </a:lstStyle>
+          <a:p>
+            <a:endParaRPr lang="en-US"/>
+          </a:p>
+        </p:txBody>
+      </p:sp>
+      <p:sp>
+        <p:nvSpPr>
+          <p:cNvPr id="7" name="Slide Number Placeholder 6"/>
+          <p:cNvSpPr>
+            <a:spLocks noGrp="1"/>
+          </p:cNvSpPr>
+          <p:nvPr>
+            <p:ph type="sldNum" sz="quarter" idx="5"/>
+          </p:nvPr>
+        </p:nvSpPr>
+        <p:spPr>
+          <a:xfrm>
+            <a:off x="3884613" y="8685213"/>
+            <a:ext cx="2971800" cy="458787"/>
+          </a:xfrm>
+          <a:prstGeom prst="rect">
+            <a:avLst/>
+          </a:prstGeom>
+        </p:spPr>
+        <p:txBody>
+          <a:bodyPr vert="horz" lIns="91440" tIns="45720" rIns="91440" bIns="45720" rtlCol="0" anchor="b"/>
+          <a:lstStyle>
+            <a:lvl1pPr algn="r">
+              <a:defRPr sz="1200"/>
+            </a:lvl1pPr>
+          </a:lstStyle>
+          <a:p>
+            <a:fld id="{35C12614-9E27-4617-94A5-18DE964988CF}" type="slidenum">
+              <a:rPr lang="en-US" smtClean="0"/>
+              <a:t>‹#›</a:t>
+            </a:fld>
+            <a:endParaRPr lang="en-US"/>
+          </a:p>
+        </p:txBody>
+      </p:sp>
+    </p:spTree>
+    <p:extLst>
+      <p:ext uri="{BB962C8B-B14F-4D97-AF65-F5344CB8AC3E}">
+        <p14:creationId xmlns:p14="http://schemas.microsoft.com/office/powerpoint/2010/main" val="454768960"/>
+      </p:ext>
+    </p:extLst>
+  </p:cSld>
+  <p:clrMap bg1="lt1" tx1="dk1" bg2="lt2" tx2="dk2" accent1="accent1" accent2="accent2" accent3="accent3" accent4="accent4" accent5="accent5" accent6="accent6" hlink="hlink" folHlink="folHlink"/>
+  <p:notesStyle>
+    <a:lvl1pPr marL="0" algn="l" defTabSz="914400" rtl="0" eaLnBrk="1" latinLnBrk="0" hangingPunct="1">
+      <a:defRPr sz="1200" kern="1200">
+        <a:solidFill>
+          <a:schemeClr val="tx1"/>
+        </a:solidFill>
+        <a:latin typeface="+mn-lt"/>
+        <a:ea typeface="+mn-ea"/>
+        <a:cs typeface="+mn-cs"/>
+      </a:defRPr>
+    </a:lvl1pPr>
+    <a:lvl2pPr marL="457200" algn="l" defTabSz="914400" rtl="0" eaLnBrk="1" latinLnBrk="0" hangingPunct="1">
+      <a:defRPr sz="1200" kern="1200">
+        <a:solidFill>
+          <a:schemeClr val="tx1"/>
+        </a:solidFill>
+        <a:latin typeface="+mn-lt"/>
+        <a:ea typeface="+mn-ea"/>
+        <a:cs typeface="+mn-cs"/>
+      </a:defRPr>
+    </a:lvl2pPr>
+    <a:lvl3pPr marL="914400" algn="l" defTabSz="914400" rtl="0" eaLnBrk="1" latinLnBrk="0" hangingPunct="1">
+      <a:defRPr sz="1200" kern="1200">
+        <a:solidFill>
+          <a:schemeClr val="tx1"/>
+        </a:solidFill>
+        <a:latin typeface="+mn-lt"/>
+        <a:ea typeface="+mn-ea"/>
+        <a:cs typeface="+mn-cs"/>
+      </a:defRPr>
+    </a:lvl3pPr>
+    <a:lvl4pPr marL="1371600" algn="l" defTabSz="914400" rtl="0" eaLnBrk="1" latinLnBrk="0" hangingPunct="1">
+      <a:defRPr sz="1200" kern="1200">
+        <a:solidFill>
+          <a:schemeClr val="tx1"/>
+        </a:solidFill>
+        <a:latin typeface="+mn-lt"/>
+        <a:ea typeface="+mn-ea"/>
+        <a:cs typeface="+mn-cs"/>
+      </a:defRPr>
+    </a:lvl4pPr>
+    <a:lvl5pPr marL="1828800" algn="l" defTabSz="914400" rtl="0" eaLnBrk="1" latinLnBrk="0" hangingPunct="1">
+      <a:defRPr sz="1200" kern="1200">
+        <a:solidFill>
+          <a:schemeClr val="tx1"/>
+        </a:solidFill>
+        <a:latin typeface="+mn-lt"/>
+        <a:ea typeface="+mn-ea"/>
+        <a:cs typeface="+mn-cs"/>
+      </a:defRPr>
+    </a:lvl5pPr>
+    <a:lvl6pPr marL="2286000" algn="l" defTabSz="914400" rtl="0" eaLnBrk="1" latinLnBrk="0" hangingPunct="1">
+      <a:defRPr sz="1200" kern="1200">
+        <a:solidFill>
+          <a:schemeClr val="tx1"/>
+        </a:solidFill>
+        <a:latin typeface="+mn-lt"/>
+        <a:ea typeface="+mn-ea"/>
+        <a:cs typeface="+mn-cs"/>
+      </a:defRPr>
+    </a:lvl6pPr>
+    <a:lvl7pPr marL="2743200" algn="l" defTabSz="914400" rtl="0" eaLnBrk="1" latinLnBrk="0" hangingPunct="1">
+      <a:defRPr sz="1200" kern="1200">
+        <a:solidFill>
+          <a:schemeClr val="tx1"/>
+        </a:solidFill>
+        <a:latin typeface="+mn-lt"/>
+        <a:ea typeface="+mn-ea"/>
+        <a:cs typeface="+mn-cs"/>
+      </a:defRPr>
+    </a:lvl7pPr>
+    <a:lvl8pPr marL="3200400" algn="l" defTabSz="914400" rtl="0" eaLnBrk="1" latinLnBrk="0" hangingPunct="1">
+      <a:defRPr sz="1200" kern="1200">
+        <a:solidFill>
+          <a:schemeClr val="tx1"/>
+        </a:solidFill>
+        <a:latin typeface="+mn-lt"/>
+        <a:ea typeface="+mn-ea"/>
+        <a:cs typeface="+mn-cs"/>
+      </a:defRPr>
+    </a:lvl8pPr>
+    <a:lvl9pPr marL="3657600" algn="l" defTabSz="914400" rtl="0" eaLnBrk="1" latinLnBrk="0" hangingPunct="1">
+      <a:defRPr sz="1200" kern="1200">
+        <a:solidFill>
+          <a:schemeClr val="tx1"/>
+        </a:solidFill>
+        <a:latin typeface="+mn-lt"/>
+        <a:ea typeface="+mn-ea"/>
+        <a:cs typeface="+mn-cs"/>
+      </a:defRPr>
+    </a:lvl9pPr>
+  </p:notesStyle>
+</p:notesMaster>
+</file>
+
+<file path=ppt/notesSlides/notesSlide1.xml><?xml version="1.0" encoding="utf-8"?>
+<p:notes xmlns:a="http://schemas.openxmlformats.org/drawingml/2006/main" xmlns:r="http://schemas.openxmlformats.org/officeDocument/2006/relationships" xmlns:p="http://schemas.openxmlformats.org/presentationml/2006/main">
+  <p:cSld>
+    <p:spTree>
+      <p:nvGrpSpPr>
+        <p:cNvPr id="1" name=""/>
+        <p:cNvGrpSpPr/>
+        <p:nvPr/>
+      </p:nvGrpSpPr>
+      <p:grpSpPr>
+        <a:xfrm>
+          <a:off x="0" y="0"/>
+          <a:ext cx="0" cy="0"/>
+          <a:chOff x="0" y="0"/>
+          <a:chExt cx="0" cy="0"/>
+        </a:xfrm>
+      </p:grpSpPr>
+      <p:sp>
+        <p:nvSpPr>
+          <p:cNvPr id="2" name="Slide Image Placeholder 1"/>
+          <p:cNvSpPr>
+            <a:spLocks noGrp="1" noRot="1" noChangeAspect="1"/>
+          </p:cNvSpPr>
+          <p:nvPr>
+            <p:ph type="sldImg"/>
+          </p:nvPr>
+        </p:nvSpPr>
+        <p:spPr/>
+      </p:sp>
+      <p:sp>
+        <p:nvSpPr>
+          <p:cNvPr id="3" name="Notes Placeholder 2"/>
+          <p:cNvSpPr>
+            <a:spLocks noGrp="1"/>
+          </p:cNvSpPr>
+          <p:nvPr>
+            <p:ph type="body" idx="1"/>
+          </p:nvPr>
+        </p:nvSpPr>
+        <p:spPr/>
+        <p:txBody>
+          <a:bodyPr/>
+          <a:lstStyle/>
+          <a:p>
+            <a:r>
+              <a:rPr lang="en-US" dirty="0"/>
+              <a:t>Emphasize that we are finished talking about distance. Now we want to talk about computing the new</a:t>
+            </a:r>
+            <a:r>
+              <a:rPr lang="en-US" baseline="0" dirty="0"/>
+              <a:t> velocity vectors after collision. So tell them to resent their brains here.</a:t>
+            </a:r>
+          </a:p>
+          <a:p>
+            <a:endParaRPr lang="en-US" dirty="0"/>
+          </a:p>
+          <a:p>
+            <a:r>
+              <a:rPr lang="en-US" dirty="0"/>
+              <a:t>The</a:t>
+            </a:r>
+            <a:r>
+              <a:rPr lang="en-US" baseline="0" dirty="0"/>
+              <a:t> primes on the green vector names are the velocities after collision. Here you see both before and after. Yes, these are different vectors than I’ve used up to now in the bug example. Get over it.  “</a:t>
+            </a:r>
+            <a:r>
+              <a:rPr lang="en-US" sz="1300" dirty="0"/>
+              <a:t>A foolish consistency is the hobgoblin of little minds” --- Emerson.</a:t>
+            </a:r>
+            <a:endParaRPr lang="en-US" dirty="0"/>
+          </a:p>
+        </p:txBody>
+      </p:sp>
+      <p:sp>
+        <p:nvSpPr>
+          <p:cNvPr id="4" name="Slide Number Placeholder 3"/>
+          <p:cNvSpPr>
+            <a:spLocks noGrp="1"/>
+          </p:cNvSpPr>
+          <p:nvPr>
+            <p:ph type="sldNum" sz="quarter" idx="10"/>
+          </p:nvPr>
+        </p:nvSpPr>
+        <p:spPr/>
+        <p:txBody>
+          <a:bodyPr/>
+          <a:lstStyle/>
+          <a:p>
+            <a:fld id="{513FBD7A-0E24-493F-9645-920964AB6E55}" type="slidenum">
+              <a:rPr lang="en-US" smtClean="0">
+                <a:solidFill>
+                  <a:prstClr val="black"/>
+                </a:solidFill>
+              </a:rPr>
+              <a:pPr/>
+              <a:t>5</a:t>
+            </a:fld>
+            <a:endParaRPr lang="en-US">
+              <a:solidFill>
+                <a:prstClr val="black"/>
+              </a:solidFill>
+            </a:endParaRPr>
+          </a:p>
+        </p:txBody>
+      </p:sp>
+    </p:spTree>
+    <p:extLst>
+      <p:ext uri="{BB962C8B-B14F-4D97-AF65-F5344CB8AC3E}">
+        <p14:creationId xmlns:p14="http://schemas.microsoft.com/office/powerpoint/2010/main" val="1225653374"/>
+      </p:ext>
+    </p:extLst>
+  </p:cSld>
+  <p:clrMapOvr>
+    <a:masterClrMapping/>
+  </p:clrMapOvr>
+</p:notes>
+</file>
+
+<file path=ppt/notesSlides/notesSlide2.xml><?xml version="1.0" encoding="utf-8"?>
+<p:notes xmlns:a="http://schemas.openxmlformats.org/drawingml/2006/main" xmlns:r="http://schemas.openxmlformats.org/officeDocument/2006/relationships" xmlns:p="http://schemas.openxmlformats.org/presentationml/2006/main">
+  <p:cSld>
+    <p:spTree>
+      <p:nvGrpSpPr>
+        <p:cNvPr id="1" name=""/>
+        <p:cNvGrpSpPr/>
+        <p:nvPr/>
+      </p:nvGrpSpPr>
+      <p:grpSpPr>
+        <a:xfrm>
+          <a:off x="0" y="0"/>
+          <a:ext cx="0" cy="0"/>
+          <a:chOff x="0" y="0"/>
+          <a:chExt cx="0" cy="0"/>
+        </a:xfrm>
+      </p:grpSpPr>
+      <p:sp>
+        <p:nvSpPr>
+          <p:cNvPr id="2" name="Slide Image Placeholder 1"/>
+          <p:cNvSpPr>
+            <a:spLocks noGrp="1" noRot="1" noChangeAspect="1"/>
+          </p:cNvSpPr>
+          <p:nvPr>
+            <p:ph type="sldImg"/>
+          </p:nvPr>
+        </p:nvSpPr>
+        <p:spPr/>
+      </p:sp>
+      <p:sp>
+        <p:nvSpPr>
+          <p:cNvPr id="3" name="Notes Placeholder 2"/>
+          <p:cNvSpPr>
+            <a:spLocks noGrp="1"/>
+          </p:cNvSpPr>
+          <p:nvPr>
+            <p:ph type="body" idx="1"/>
+          </p:nvPr>
+        </p:nvSpPr>
+        <p:spPr/>
+        <p:txBody>
+          <a:bodyPr/>
+          <a:lstStyle/>
+          <a:p>
+            <a:r>
+              <a:rPr lang="en-US" dirty="0"/>
+              <a:t>Here we see a tangent at the POI. It’s orthogonal to the line joining the balls’ centers. Hopefully I don’t need to define tangent; high school math has to teach them *something*!</a:t>
+            </a:r>
+          </a:p>
+          <a:p>
+            <a:endParaRPr lang="en-US" dirty="0"/>
+          </a:p>
+          <a:p>
+            <a:r>
+              <a:rPr lang="en-US" dirty="0"/>
+              <a:t>Vector</a:t>
+            </a:r>
+            <a:r>
+              <a:rPr lang="en-US" baseline="0" dirty="0"/>
+              <a:t> n-hat is the tangent normal which we get by subtracting the balls’ positions and normalizing (remind them what that is) .</a:t>
+            </a:r>
+          </a:p>
+          <a:p>
+            <a:endParaRPr lang="en-US" baseline="0" dirty="0"/>
+          </a:p>
+          <a:p>
+            <a:r>
+              <a:rPr lang="en-US" baseline="0" dirty="0"/>
+              <a:t>It could point either way, but you need to get it right in code or your collisions will be backwards.</a:t>
+            </a:r>
+          </a:p>
+          <a:p>
+            <a:endParaRPr lang="en-US" baseline="0" dirty="0"/>
+          </a:p>
+          <a:p>
+            <a:r>
+              <a:rPr lang="en-US" baseline="0" dirty="0"/>
+              <a:t>Your coding team should adopt a convention as to which way </a:t>
+            </a:r>
+            <a:r>
+              <a:rPr lang="en-US" baseline="0" dirty="0" err="1"/>
+              <a:t>normals</a:t>
+            </a:r>
+            <a:r>
+              <a:rPr lang="en-US" baseline="0" dirty="0"/>
+              <a:t> should point and stick to it!</a:t>
+            </a:r>
+          </a:p>
+          <a:p>
+            <a:endParaRPr lang="en-US" baseline="0" dirty="0"/>
+          </a:p>
+          <a:p>
+            <a:r>
+              <a:rPr lang="en-US" baseline="0" dirty="0"/>
+              <a:t>Emphasize that the component of the balls’ velocity along the tangent is not changed by the collision. It’s only the component normal to the tangent that changes. We saw that in ball-wall and ball-line collision response.</a:t>
+            </a:r>
+            <a:endParaRPr lang="en-US" dirty="0"/>
+          </a:p>
+        </p:txBody>
+      </p:sp>
+      <p:sp>
+        <p:nvSpPr>
+          <p:cNvPr id="4" name="Slide Number Placeholder 3"/>
+          <p:cNvSpPr>
+            <a:spLocks noGrp="1"/>
+          </p:cNvSpPr>
+          <p:nvPr>
+            <p:ph type="sldNum" sz="quarter" idx="10"/>
+          </p:nvPr>
+        </p:nvSpPr>
+        <p:spPr/>
+        <p:txBody>
+          <a:bodyPr/>
+          <a:lstStyle/>
+          <a:p>
+            <a:fld id="{513FBD7A-0E24-493F-9645-920964AB6E55}" type="slidenum">
+              <a:rPr lang="en-US" smtClean="0">
+                <a:solidFill>
+                  <a:prstClr val="black"/>
+                </a:solidFill>
+              </a:rPr>
+              <a:pPr/>
+              <a:t>6</a:t>
+            </a:fld>
+            <a:endParaRPr lang="en-US">
+              <a:solidFill>
+                <a:prstClr val="black"/>
+              </a:solidFill>
+            </a:endParaRPr>
+          </a:p>
+        </p:txBody>
+      </p:sp>
+    </p:spTree>
+    <p:extLst>
+      <p:ext uri="{BB962C8B-B14F-4D97-AF65-F5344CB8AC3E}">
+        <p14:creationId xmlns:p14="http://schemas.microsoft.com/office/powerpoint/2010/main" val="3139298591"/>
+      </p:ext>
+    </p:extLst>
+  </p:cSld>
+  <p:clrMapOvr>
+    <a:masterClrMapping/>
+  </p:clrMapOvr>
+</p:notes>
 </file>
 
 <file path=ppt/slideLayouts/slideLayout1.xml><?xml version="1.0" encoding="utf-8"?>
@@ -240,7 +864,7 @@
           <a:p>
             <a:fld id="{FB8B2293-C92A-45D8-B67B-C67BEF3F85AE}" type="datetimeFigureOut">
               <a:rPr lang="en-US" smtClean="0"/>
-              <a:t>12/4/2023</a:t>
+              <a:t>12/5/2023</a:t>
             </a:fld>
             <a:endParaRPr lang="en-US"/>
           </a:p>
@@ -410,7 +1034,7 @@
           <a:p>
             <a:fld id="{FB8B2293-C92A-45D8-B67B-C67BEF3F85AE}" type="datetimeFigureOut">
               <a:rPr lang="en-US" smtClean="0"/>
-              <a:t>12/4/2023</a:t>
+              <a:t>12/5/2023</a:t>
             </a:fld>
             <a:endParaRPr lang="en-US"/>
           </a:p>
@@ -590,7 +1214,7 @@
           <a:p>
             <a:fld id="{FB8B2293-C92A-45D8-B67B-C67BEF3F85AE}" type="datetimeFigureOut">
               <a:rPr lang="en-US" smtClean="0"/>
-              <a:t>12/4/2023</a:t>
+              <a:t>12/5/2023</a:t>
             </a:fld>
             <a:endParaRPr lang="en-US"/>
           </a:p>
@@ -760,7 +1384,7 @@
           <a:p>
             <a:fld id="{FB8B2293-C92A-45D8-B67B-C67BEF3F85AE}" type="datetimeFigureOut">
               <a:rPr lang="en-US" smtClean="0"/>
-              <a:t>12/4/2023</a:t>
+              <a:t>12/5/2023</a:t>
             </a:fld>
             <a:endParaRPr lang="en-US"/>
           </a:p>
@@ -1004,7 +1628,7 @@
           <a:p>
             <a:fld id="{FB8B2293-C92A-45D8-B67B-C67BEF3F85AE}" type="datetimeFigureOut">
               <a:rPr lang="en-US" smtClean="0"/>
-              <a:t>12/4/2023</a:t>
+              <a:t>12/5/2023</a:t>
             </a:fld>
             <a:endParaRPr lang="en-US"/>
           </a:p>
@@ -1236,7 +1860,7 @@
           <a:p>
             <a:fld id="{FB8B2293-C92A-45D8-B67B-C67BEF3F85AE}" type="datetimeFigureOut">
               <a:rPr lang="en-US" smtClean="0"/>
-              <a:t>12/4/2023</a:t>
+              <a:t>12/5/2023</a:t>
             </a:fld>
             <a:endParaRPr lang="en-US"/>
           </a:p>
@@ -1603,7 +2227,7 @@
           <a:p>
             <a:fld id="{FB8B2293-C92A-45D8-B67B-C67BEF3F85AE}" type="datetimeFigureOut">
               <a:rPr lang="en-US" smtClean="0"/>
-              <a:t>12/4/2023</a:t>
+              <a:t>12/5/2023</a:t>
             </a:fld>
             <a:endParaRPr lang="en-US"/>
           </a:p>
@@ -1721,7 +2345,7 @@
           <a:p>
             <a:fld id="{FB8B2293-C92A-45D8-B67B-C67BEF3F85AE}" type="datetimeFigureOut">
               <a:rPr lang="en-US" smtClean="0"/>
-              <a:t>12/4/2023</a:t>
+              <a:t>12/5/2023</a:t>
             </a:fld>
             <a:endParaRPr lang="en-US"/>
           </a:p>
@@ -1816,7 +2440,7 @@
           <a:p>
             <a:fld id="{FB8B2293-C92A-45D8-B67B-C67BEF3F85AE}" type="datetimeFigureOut">
               <a:rPr lang="en-US" smtClean="0"/>
-              <a:t>12/4/2023</a:t>
+              <a:t>12/5/2023</a:t>
             </a:fld>
             <a:endParaRPr lang="en-US"/>
           </a:p>
@@ -2093,7 +2717,7 @@
           <a:p>
             <a:fld id="{FB8B2293-C92A-45D8-B67B-C67BEF3F85AE}" type="datetimeFigureOut">
               <a:rPr lang="en-US" smtClean="0"/>
-              <a:t>12/4/2023</a:t>
+              <a:t>12/5/2023</a:t>
             </a:fld>
             <a:endParaRPr lang="en-US"/>
           </a:p>
@@ -2350,7 +2974,7 @@
           <a:p>
             <a:fld id="{FB8B2293-C92A-45D8-B67B-C67BEF3F85AE}" type="datetimeFigureOut">
               <a:rPr lang="en-US" smtClean="0"/>
-              <a:t>12/4/2023</a:t>
+              <a:t>12/5/2023</a:t>
             </a:fld>
             <a:endParaRPr lang="en-US"/>
           </a:p>
@@ -2563,7 +3187,7 @@
           <a:p>
             <a:fld id="{FB8B2293-C92A-45D8-B67B-C67BEF3F85AE}" type="datetimeFigureOut">
               <a:rPr lang="en-US" smtClean="0"/>
-              <a:t>12/4/2023</a:t>
+              <a:t>12/5/2023</a:t>
             </a:fld>
             <a:endParaRPr lang="en-US"/>
           </a:p>
@@ -3093,8 +3717,8 @@
           </a:p>
         </p:txBody>
       </p:sp>
-      <mc:AlternateContent xmlns:mc="http://schemas.openxmlformats.org/markup-compatibility/2006">
-        <mc:Choice xmlns:a14="http://schemas.microsoft.com/office/drawing/2010/main" Requires="a14">
+      <mc:AlternateContent xmlns:mc="http://schemas.openxmlformats.org/markup-compatibility/2006" xmlns:a14="http://schemas.microsoft.com/office/drawing/2010/main">
+        <mc:Choice Requires="a14">
           <p:sp>
             <p:nvSpPr>
               <p:cNvPr id="6" name="TextBox 5">
@@ -3166,7 +3790,7 @@
             </p:txBody>
           </p:sp>
         </mc:Choice>
-        <mc:Fallback>
+        <mc:Fallback xmlns="">
           <p:sp>
             <p:nvSpPr>
               <p:cNvPr id="6" name="TextBox 5">
@@ -3211,8 +3835,8 @@
           </p:sp>
         </mc:Fallback>
       </mc:AlternateContent>
-      <mc:AlternateContent xmlns:mc="http://schemas.openxmlformats.org/markup-compatibility/2006">
-        <mc:Choice xmlns:a14="http://schemas.microsoft.com/office/drawing/2010/main" Requires="a14">
+      <mc:AlternateContent xmlns:mc="http://schemas.openxmlformats.org/markup-compatibility/2006" xmlns:a14="http://schemas.microsoft.com/office/drawing/2010/main">
+        <mc:Choice Requires="a14">
           <p:sp>
             <p:nvSpPr>
               <p:cNvPr id="7" name="TextBox 6">
@@ -3297,7 +3921,7 @@
             </p:txBody>
           </p:sp>
         </mc:Choice>
-        <mc:Fallback>
+        <mc:Fallback xmlns="">
           <p:sp>
             <p:nvSpPr>
               <p:cNvPr id="7" name="TextBox 6">
@@ -3342,8 +3966,8 @@
           </p:sp>
         </mc:Fallback>
       </mc:AlternateContent>
-      <mc:AlternateContent xmlns:mc="http://schemas.openxmlformats.org/markup-compatibility/2006">
-        <mc:Choice xmlns:a14="http://schemas.microsoft.com/office/drawing/2010/main" Requires="a14">
+      <mc:AlternateContent xmlns:mc="http://schemas.openxmlformats.org/markup-compatibility/2006" xmlns:a14="http://schemas.microsoft.com/office/drawing/2010/main">
+        <mc:Choice Requires="a14">
           <p:sp>
             <p:nvSpPr>
               <p:cNvPr id="8" name="TextBox 7">
@@ -3428,7 +4052,7 @@
             </p:txBody>
           </p:sp>
         </mc:Choice>
-        <mc:Fallback>
+        <mc:Fallback xmlns="">
           <p:sp>
             <p:nvSpPr>
               <p:cNvPr id="8" name="TextBox 7">
@@ -3833,8 +4457,8 @@
           </a:p>
         </p:txBody>
       </p:sp>
-      <mc:AlternateContent xmlns:mc="http://schemas.openxmlformats.org/markup-compatibility/2006">
-        <mc:Choice xmlns:a14="http://schemas.microsoft.com/office/drawing/2010/main" Requires="a14">
+      <mc:AlternateContent xmlns:mc="http://schemas.openxmlformats.org/markup-compatibility/2006" xmlns:a14="http://schemas.microsoft.com/office/drawing/2010/main">
+        <mc:Choice Requires="a14">
           <p:sp>
             <p:nvSpPr>
               <p:cNvPr id="6" name="TextBox 5">
@@ -3906,7 +4530,7 @@
             </p:txBody>
           </p:sp>
         </mc:Choice>
-        <mc:Fallback>
+        <mc:Fallback xmlns="">
           <p:sp>
             <p:nvSpPr>
               <p:cNvPr id="6" name="TextBox 5">
@@ -3951,8 +4575,8 @@
           </p:sp>
         </mc:Fallback>
       </mc:AlternateContent>
-      <mc:AlternateContent xmlns:mc="http://schemas.openxmlformats.org/markup-compatibility/2006">
-        <mc:Choice xmlns:a14="http://schemas.microsoft.com/office/drawing/2010/main" Requires="a14">
+      <mc:AlternateContent xmlns:mc="http://schemas.openxmlformats.org/markup-compatibility/2006" xmlns:a14="http://schemas.microsoft.com/office/drawing/2010/main">
+        <mc:Choice Requires="a14">
           <p:sp>
             <p:nvSpPr>
               <p:cNvPr id="7" name="TextBox 6">
@@ -4037,7 +4661,7 @@
             </p:txBody>
           </p:sp>
         </mc:Choice>
-        <mc:Fallback>
+        <mc:Fallback xmlns="">
           <p:sp>
             <p:nvSpPr>
               <p:cNvPr id="7" name="TextBox 6">
@@ -4082,8 +4706,8 @@
           </p:sp>
         </mc:Fallback>
       </mc:AlternateContent>
-      <mc:AlternateContent xmlns:mc="http://schemas.openxmlformats.org/markup-compatibility/2006">
-        <mc:Choice xmlns:a14="http://schemas.microsoft.com/office/drawing/2010/main" Requires="a14">
+      <mc:AlternateContent xmlns:mc="http://schemas.openxmlformats.org/markup-compatibility/2006" xmlns:a14="http://schemas.microsoft.com/office/drawing/2010/main">
+        <mc:Choice Requires="a14">
           <p:sp>
             <p:nvSpPr>
               <p:cNvPr id="8" name="TextBox 7">
@@ -4112,7 +4736,6 @@
               </a:bodyPr>
               <a:lstStyle/>
               <a:p>
-                <a:pPr/>
                 <a14:m>
                   <m:oMath xmlns:m="http://schemas.openxmlformats.org/officeDocument/2006/math">
                     <m:sSub>
@@ -4177,7 +4800,7 @@
             </p:txBody>
           </p:sp>
         </mc:Choice>
-        <mc:Fallback>
+        <mc:Fallback xmlns="">
           <p:sp>
             <p:nvSpPr>
               <p:cNvPr id="8" name="TextBox 7">
@@ -4286,8 +4909,8 @@
           </a:p>
         </p:txBody>
       </p:sp>
-      <mc:AlternateContent xmlns:mc="http://schemas.openxmlformats.org/markup-compatibility/2006">
-        <mc:Choice xmlns:a14="http://schemas.microsoft.com/office/drawing/2010/main" Requires="a14">
+      <mc:AlternateContent xmlns:mc="http://schemas.openxmlformats.org/markup-compatibility/2006" xmlns:a14="http://schemas.microsoft.com/office/drawing/2010/main">
+        <mc:Choice Requires="a14">
           <p:sp>
             <p:nvSpPr>
               <p:cNvPr id="10" name="TextBox 9">
@@ -4345,7 +4968,7 @@
             </p:txBody>
           </p:sp>
         </mc:Choice>
-        <mc:Fallback>
+        <mc:Fallback xmlns="">
           <p:sp>
             <p:nvSpPr>
               <p:cNvPr id="10" name="TextBox 9">
@@ -4528,8 +5151,8 @@
           </a:fontRef>
         </p:style>
       </p:cxnSp>
-      <mc:AlternateContent xmlns:mc="http://schemas.openxmlformats.org/markup-compatibility/2006">
-        <mc:Choice xmlns:a14="http://schemas.microsoft.com/office/drawing/2010/main" Requires="a14">
+      <mc:AlternateContent xmlns:mc="http://schemas.openxmlformats.org/markup-compatibility/2006" xmlns:a14="http://schemas.microsoft.com/office/drawing/2010/main">
+        <mc:Choice Requires="a14">
           <p:sp>
             <p:nvSpPr>
               <p:cNvPr id="21" name="TextBox 20">
@@ -4558,7 +5181,6 @@
               </a:bodyPr>
               <a:lstStyle/>
               <a:p>
-                <a:pPr/>
                 <a14:m>
                   <m:oMath xmlns:m="http://schemas.openxmlformats.org/officeDocument/2006/math">
                     <m:sSub>
@@ -4612,7 +5234,7 @@
             </p:txBody>
           </p:sp>
         </mc:Choice>
-        <mc:Fallback>
+        <mc:Fallback xmlns="">
           <p:sp>
             <p:nvSpPr>
               <p:cNvPr id="21" name="TextBox 20">
@@ -4993,8 +5615,8 @@
             </a:p>
           </p:txBody>
         </p:sp>
-        <mc:AlternateContent xmlns:mc="http://schemas.openxmlformats.org/markup-compatibility/2006">
-          <mc:Choice xmlns:a14="http://schemas.microsoft.com/office/drawing/2010/main" Requires="a14">
+        <mc:AlternateContent xmlns:mc="http://schemas.openxmlformats.org/markup-compatibility/2006" xmlns:a14="http://schemas.microsoft.com/office/drawing/2010/main">
+          <mc:Choice Requires="a14">
             <p:sp>
               <p:nvSpPr>
                 <p:cNvPr id="6" name="TextBox 5">
@@ -5066,7 +5688,7 @@
               </p:txBody>
             </p:sp>
           </mc:Choice>
-          <mc:Fallback>
+          <mc:Fallback xmlns="">
             <p:sp>
               <p:nvSpPr>
                 <p:cNvPr id="6" name="TextBox 5">
@@ -5111,8 +5733,8 @@
             </p:sp>
           </mc:Fallback>
         </mc:AlternateContent>
-        <mc:AlternateContent xmlns:mc="http://schemas.openxmlformats.org/markup-compatibility/2006">
-          <mc:Choice xmlns:a14="http://schemas.microsoft.com/office/drawing/2010/main" Requires="a14">
+        <mc:AlternateContent xmlns:mc="http://schemas.openxmlformats.org/markup-compatibility/2006" xmlns:a14="http://schemas.microsoft.com/office/drawing/2010/main">
+          <mc:Choice Requires="a14">
             <p:sp>
               <p:nvSpPr>
                 <p:cNvPr id="7" name="TextBox 6">
@@ -5197,7 +5819,7 @@
               </p:txBody>
             </p:sp>
           </mc:Choice>
-          <mc:Fallback>
+          <mc:Fallback xmlns="">
             <p:sp>
               <p:nvSpPr>
                 <p:cNvPr id="7" name="TextBox 6">
@@ -5242,8 +5864,8 @@
             </p:sp>
           </mc:Fallback>
         </mc:AlternateContent>
-        <mc:AlternateContent xmlns:mc="http://schemas.openxmlformats.org/markup-compatibility/2006">
-          <mc:Choice xmlns:a14="http://schemas.microsoft.com/office/drawing/2010/main" Requires="a14">
+        <mc:AlternateContent xmlns:mc="http://schemas.openxmlformats.org/markup-compatibility/2006" xmlns:a14="http://schemas.microsoft.com/office/drawing/2010/main">
+          <mc:Choice Requires="a14">
             <p:sp>
               <p:nvSpPr>
                 <p:cNvPr id="8" name="TextBox 7">
@@ -5272,7 +5894,6 @@
                 </a:bodyPr>
                 <a:lstStyle/>
                 <a:p>
-                  <a:pPr/>
                   <a14:m>
                     <m:oMath xmlns:m="http://schemas.openxmlformats.org/officeDocument/2006/math">
                       <m:sSub>
@@ -5337,7 +5958,7 @@
               </p:txBody>
             </p:sp>
           </mc:Choice>
-          <mc:Fallback>
+          <mc:Fallback xmlns="">
             <p:sp>
               <p:nvSpPr>
                 <p:cNvPr id="8" name="TextBox 7">
@@ -5382,8 +6003,8 @@
             </p:sp>
           </mc:Fallback>
         </mc:AlternateContent>
-        <mc:AlternateContent xmlns:mc="http://schemas.openxmlformats.org/markup-compatibility/2006">
-          <mc:Choice xmlns:a14="http://schemas.microsoft.com/office/drawing/2010/main" Requires="a14">
+        <mc:AlternateContent xmlns:mc="http://schemas.openxmlformats.org/markup-compatibility/2006" xmlns:a14="http://schemas.microsoft.com/office/drawing/2010/main">
+          <mc:Choice Requires="a14">
             <p:sp>
               <p:nvSpPr>
                 <p:cNvPr id="10" name="TextBox 9">
@@ -5441,7 +6062,7 @@
               </p:txBody>
             </p:sp>
           </mc:Choice>
-          <mc:Fallback>
+          <mc:Fallback xmlns="">
             <p:sp>
               <p:nvSpPr>
                 <p:cNvPr id="10" name="TextBox 9">
@@ -5668,8 +6289,8 @@
             </a:fontRef>
           </p:style>
         </p:cxnSp>
-        <mc:AlternateContent xmlns:mc="http://schemas.openxmlformats.org/markup-compatibility/2006">
-          <mc:Choice xmlns:a14="http://schemas.microsoft.com/office/drawing/2010/main" Requires="a14">
+        <mc:AlternateContent xmlns:mc="http://schemas.openxmlformats.org/markup-compatibility/2006" xmlns:a14="http://schemas.microsoft.com/office/drawing/2010/main">
+          <mc:Choice Requires="a14">
             <p:sp>
               <p:nvSpPr>
                 <p:cNvPr id="15" name="TextBox 14">
@@ -5741,7 +6362,7 @@
               </p:txBody>
             </p:sp>
           </mc:Choice>
-          <mc:Fallback>
+          <mc:Fallback xmlns="">
             <p:sp>
               <p:nvSpPr>
                 <p:cNvPr id="15" name="TextBox 14">
@@ -5839,8 +6460,8 @@
             </a:fontRef>
           </p:style>
         </p:cxnSp>
-        <mc:AlternateContent xmlns:mc="http://schemas.openxmlformats.org/markup-compatibility/2006">
-          <mc:Choice xmlns:a14="http://schemas.microsoft.com/office/drawing/2010/main" Requires="a14">
+        <mc:AlternateContent xmlns:mc="http://schemas.openxmlformats.org/markup-compatibility/2006" xmlns:a14="http://schemas.microsoft.com/office/drawing/2010/main">
+          <mc:Choice Requires="a14">
             <p:sp>
               <p:nvSpPr>
                 <p:cNvPr id="17" name="TextBox 16">
@@ -5898,7 +6519,7 @@
               </p:txBody>
             </p:sp>
           </mc:Choice>
-          <mc:Fallback>
+          <mc:Fallback xmlns="">
             <p:sp>
               <p:nvSpPr>
                 <p:cNvPr id="17" name="TextBox 16">
@@ -6066,8 +6687,8 @@
             </a:p>
           </p:txBody>
         </p:sp>
-        <mc:AlternateContent xmlns:mc="http://schemas.openxmlformats.org/markup-compatibility/2006">
-          <mc:Choice xmlns:a14="http://schemas.microsoft.com/office/drawing/2010/main" Requires="a14">
+        <mc:AlternateContent xmlns:mc="http://schemas.openxmlformats.org/markup-compatibility/2006" xmlns:a14="http://schemas.microsoft.com/office/drawing/2010/main">
+          <mc:Choice Requires="a14">
             <p:sp>
               <p:nvSpPr>
                 <p:cNvPr id="20" name="TextBox 19">
@@ -6125,7 +6746,7 @@
               </p:txBody>
             </p:sp>
           </mc:Choice>
-          <mc:Fallback>
+          <mc:Fallback xmlns="">
             <p:sp>
               <p:nvSpPr>
                 <p:cNvPr id="20" name="TextBox 19">
@@ -6170,8 +6791,8 @@
             </p:sp>
           </mc:Fallback>
         </mc:AlternateContent>
-        <mc:AlternateContent xmlns:mc="http://schemas.openxmlformats.org/markup-compatibility/2006">
-          <mc:Choice xmlns:a14="http://schemas.microsoft.com/office/drawing/2010/main" Requires="a14">
+        <mc:AlternateContent xmlns:mc="http://schemas.openxmlformats.org/markup-compatibility/2006" xmlns:a14="http://schemas.microsoft.com/office/drawing/2010/main">
+          <mc:Choice Requires="a14">
             <p:sp>
               <p:nvSpPr>
                 <p:cNvPr id="21" name="TextBox 20">
@@ -6200,7 +6821,6 @@
                 </a:bodyPr>
                 <a:lstStyle/>
                 <a:p>
-                  <a:pPr/>
                   <a14:m>
                     <m:oMath xmlns:m="http://schemas.openxmlformats.org/officeDocument/2006/math">
                       <m:sSub>
@@ -6254,7 +6874,7 @@
               </p:txBody>
             </p:sp>
           </mc:Choice>
-          <mc:Fallback>
+          <mc:Fallback xmlns="">
             <p:sp>
               <p:nvSpPr>
                 <p:cNvPr id="21" name="TextBox 20">
@@ -6524,6 +7144,3706 @@
     <p:extLst>
       <p:ext uri="{BB962C8B-B14F-4D97-AF65-F5344CB8AC3E}">
         <p14:creationId xmlns:p14="http://schemas.microsoft.com/office/powerpoint/2010/main" val="1114008998"/>
+      </p:ext>
+    </p:extLst>
+  </p:cSld>
+  <p:clrMapOvr>
+    <a:masterClrMapping/>
+  </p:clrMapOvr>
+</p:sld>
+</file>
+
+<file path=ppt/slides/slide4.xml><?xml version="1.0" encoding="utf-8"?>
+<p:sld xmlns:a="http://schemas.openxmlformats.org/drawingml/2006/main" xmlns:r="http://schemas.openxmlformats.org/officeDocument/2006/relationships" xmlns:p="http://schemas.openxmlformats.org/presentationml/2006/main">
+  <p:cSld>
+    <p:spTree>
+      <p:nvGrpSpPr>
+        <p:cNvPr id="1" name=""/>
+        <p:cNvGrpSpPr/>
+        <p:nvPr/>
+      </p:nvGrpSpPr>
+      <p:grpSpPr>
+        <a:xfrm>
+          <a:off x="0" y="0"/>
+          <a:ext cx="0" cy="0"/>
+          <a:chOff x="0" y="0"/>
+          <a:chExt cx="0" cy="0"/>
+        </a:xfrm>
+      </p:grpSpPr>
+      <p:pic>
+        <p:nvPicPr>
+          <p:cNvPr id="7" name="Picture 6"/>
+          <p:cNvPicPr>
+            <a:picLocks noChangeAspect="1"/>
+          </p:cNvPicPr>
+          <p:nvPr/>
+        </p:nvPicPr>
+        <p:blipFill>
+          <a:blip r:embed="rId2"/>
+          <a:stretch>
+            <a:fillRect/>
+          </a:stretch>
+        </p:blipFill>
+        <p:spPr>
+          <a:xfrm>
+            <a:off x="864548" y="1504783"/>
+            <a:ext cx="7414903" cy="3848433"/>
+          </a:xfrm>
+          <a:prstGeom prst="rect">
+            <a:avLst/>
+          </a:prstGeom>
+        </p:spPr>
+      </p:pic>
+      <p:cxnSp>
+        <p:nvCxnSpPr>
+          <p:cNvPr id="3" name="Straight Connector 2"/>
+          <p:cNvCxnSpPr/>
+          <p:nvPr/>
+        </p:nvCxnSpPr>
+        <p:spPr>
+          <a:xfrm>
+            <a:off x="2921000" y="2026920"/>
+            <a:ext cx="3107121" cy="1244600"/>
+          </a:xfrm>
+          <a:prstGeom prst="line">
+            <a:avLst/>
+          </a:prstGeom>
+          <a:ln w="38100">
+            <a:solidFill>
+              <a:srgbClr val="FFFF00"/>
+            </a:solidFill>
+            <a:prstDash val="dash"/>
+          </a:ln>
+          <a:effectLst>
+            <a:outerShdw blurRad="50800" dist="38100" dir="2700000" algn="tl" rotWithShape="0">
+              <a:prstClr val="black">
+                <a:alpha val="40000"/>
+              </a:prstClr>
+            </a:outerShdw>
+          </a:effectLst>
+        </p:spPr>
+        <p:style>
+          <a:lnRef idx="1">
+            <a:schemeClr val="accent1"/>
+          </a:lnRef>
+          <a:fillRef idx="0">
+            <a:schemeClr val="accent1"/>
+          </a:fillRef>
+          <a:effectRef idx="0">
+            <a:schemeClr val="accent1"/>
+          </a:effectRef>
+          <a:fontRef idx="minor">
+            <a:schemeClr val="tx1"/>
+          </a:fontRef>
+        </p:style>
+      </p:cxnSp>
+      <p:sp>
+        <p:nvSpPr>
+          <p:cNvPr id="17" name="TextBox 16"/>
+          <p:cNvSpPr txBox="1"/>
+          <p:nvPr/>
+        </p:nvSpPr>
+        <p:spPr>
+          <a:xfrm rot="1318868">
+            <a:off x="3168689" y="2625862"/>
+            <a:ext cx="2447385" cy="369332"/>
+          </a:xfrm>
+          <a:prstGeom prst="rect">
+            <a:avLst/>
+          </a:prstGeom>
+          <a:noFill/>
+        </p:spPr>
+        <p:txBody>
+          <a:bodyPr wrap="square" rtlCol="0">
+            <a:spAutoFit/>
+          </a:bodyPr>
+          <a:lstStyle/>
+          <a:p>
+            <a:r>
+              <a:rPr lang="en-US" dirty="0">
+                <a:solidFill>
+                  <a:prstClr val="white"/>
+                </a:solidFill>
+                <a:effectLst>
+                  <a:outerShdw blurRad="38100" dist="38100" dir="2700000" algn="tl">
+                    <a:srgbClr val="000000">
+                      <a:alpha val="43137"/>
+                    </a:srgbClr>
+                  </a:outerShdw>
+                </a:effectLst>
+              </a:rPr>
+              <a:t>Initial path of cue-ball</a:t>
+            </a:r>
+          </a:p>
+        </p:txBody>
+      </p:sp>
+      <p:sp>
+        <p:nvSpPr>
+          <p:cNvPr id="27" name="TextBox 26"/>
+          <p:cNvSpPr txBox="1"/>
+          <p:nvPr/>
+        </p:nvSpPr>
+        <p:spPr>
+          <a:xfrm rot="2061807">
+            <a:off x="3700502" y="2246733"/>
+            <a:ext cx="2937873" cy="369332"/>
+          </a:xfrm>
+          <a:prstGeom prst="rect">
+            <a:avLst/>
+          </a:prstGeom>
+          <a:noFill/>
+        </p:spPr>
+        <p:txBody>
+          <a:bodyPr wrap="square" rtlCol="0">
+            <a:spAutoFit/>
+          </a:bodyPr>
+          <a:lstStyle/>
+          <a:p>
+            <a:r>
+              <a:rPr lang="en-US" dirty="0">
+                <a:solidFill>
+                  <a:prstClr val="white"/>
+                </a:solidFill>
+                <a:effectLst>
+                  <a:outerShdw blurRad="38100" dist="38100" dir="2700000" algn="tl">
+                    <a:srgbClr val="000000">
+                      <a:alpha val="43137"/>
+                    </a:srgbClr>
+                  </a:outerShdw>
+                </a:effectLst>
+              </a:rPr>
+              <a:t>Line joining centers at TOI</a:t>
+            </a:r>
+          </a:p>
+        </p:txBody>
+      </p:sp>
+      <p:sp>
+        <p:nvSpPr>
+          <p:cNvPr id="32" name="TextBox 31"/>
+          <p:cNvSpPr txBox="1"/>
+          <p:nvPr/>
+        </p:nvSpPr>
+        <p:spPr>
+          <a:xfrm rot="18260767">
+            <a:off x="3649933" y="4097385"/>
+            <a:ext cx="2937873" cy="369332"/>
+          </a:xfrm>
+          <a:prstGeom prst="rect">
+            <a:avLst/>
+          </a:prstGeom>
+          <a:noFill/>
+        </p:spPr>
+        <p:txBody>
+          <a:bodyPr wrap="square" rtlCol="0">
+            <a:spAutoFit/>
+          </a:bodyPr>
+          <a:lstStyle/>
+          <a:p>
+            <a:pPr algn="ctr"/>
+            <a:r>
+              <a:rPr lang="en-US" dirty="0">
+                <a:solidFill>
+                  <a:prstClr val="white"/>
+                </a:solidFill>
+                <a:effectLst>
+                  <a:outerShdw blurRad="38100" dist="38100" dir="2700000" algn="tl">
+                    <a:srgbClr val="000000">
+                      <a:alpha val="43137"/>
+                    </a:srgbClr>
+                  </a:outerShdw>
+                </a:effectLst>
+              </a:rPr>
+              <a:t>Tangent to balls at POI</a:t>
+            </a:r>
+          </a:p>
+        </p:txBody>
+      </p:sp>
+      <p:cxnSp>
+        <p:nvCxnSpPr>
+          <p:cNvPr id="26" name="Straight Connector 25"/>
+          <p:cNvCxnSpPr/>
+          <p:nvPr/>
+        </p:nvCxnSpPr>
+        <p:spPr>
+          <a:xfrm flipV="1">
+            <a:off x="4641354" y="1950735"/>
+            <a:ext cx="2303006" cy="3375645"/>
+          </a:xfrm>
+          <a:prstGeom prst="line">
+            <a:avLst/>
+          </a:prstGeom>
+          <a:ln w="38100">
+            <a:solidFill>
+              <a:schemeClr val="bg1"/>
+            </a:solidFill>
+            <a:prstDash val="dash"/>
+          </a:ln>
+          <a:effectLst>
+            <a:outerShdw blurRad="50800" dist="38100" dir="2700000" algn="tl" rotWithShape="0">
+              <a:prstClr val="black">
+                <a:alpha val="40000"/>
+              </a:prstClr>
+            </a:outerShdw>
+          </a:effectLst>
+        </p:spPr>
+        <p:style>
+          <a:lnRef idx="1">
+            <a:schemeClr val="accent1"/>
+          </a:lnRef>
+          <a:fillRef idx="0">
+            <a:schemeClr val="accent1"/>
+          </a:fillRef>
+          <a:effectRef idx="0">
+            <a:schemeClr val="accent1"/>
+          </a:effectRef>
+          <a:fontRef idx="minor">
+            <a:schemeClr val="tx1"/>
+          </a:fontRef>
+        </p:style>
+      </p:cxnSp>
+      <p:cxnSp>
+        <p:nvCxnSpPr>
+          <p:cNvPr id="6" name="Straight Connector 5"/>
+          <p:cNvCxnSpPr/>
+          <p:nvPr/>
+        </p:nvCxnSpPr>
+        <p:spPr>
+          <a:xfrm flipH="1" flipV="1">
+            <a:off x="3496458" y="1531620"/>
+            <a:ext cx="4756002" cy="3244743"/>
+          </a:xfrm>
+          <a:prstGeom prst="line">
+            <a:avLst/>
+          </a:prstGeom>
+          <a:ln w="38100">
+            <a:solidFill>
+              <a:schemeClr val="bg1"/>
+            </a:solidFill>
+          </a:ln>
+          <a:effectLst>
+            <a:outerShdw blurRad="50800" dist="38100" dir="2700000" algn="tl" rotWithShape="0">
+              <a:prstClr val="black">
+                <a:alpha val="40000"/>
+              </a:prstClr>
+            </a:outerShdw>
+          </a:effectLst>
+        </p:spPr>
+        <p:style>
+          <a:lnRef idx="1">
+            <a:schemeClr val="accent1"/>
+          </a:lnRef>
+          <a:fillRef idx="0">
+            <a:schemeClr val="accent1"/>
+          </a:fillRef>
+          <a:effectRef idx="0">
+            <a:schemeClr val="accent1"/>
+          </a:effectRef>
+          <a:fontRef idx="minor">
+            <a:schemeClr val="tx1"/>
+          </a:fontRef>
+        </p:style>
+      </p:cxnSp>
+    </p:spTree>
+    <p:extLst>
+      <p:ext uri="{BB962C8B-B14F-4D97-AF65-F5344CB8AC3E}">
+        <p14:creationId xmlns:p14="http://schemas.microsoft.com/office/powerpoint/2010/main" val="2528482832"/>
+      </p:ext>
+    </p:extLst>
+  </p:cSld>
+  <p:clrMapOvr>
+    <a:masterClrMapping/>
+  </p:clrMapOvr>
+  <p:timing>
+    <p:tnLst>
+      <p:par>
+        <p:cTn id="1" dur="indefinite" restart="never" nodeType="tmRoot">
+          <p:childTnLst>
+            <p:seq concurrent="1" nextAc="seek">
+              <p:cTn id="2" dur="indefinite" nodeType="mainSeq">
+                <p:childTnLst>
+                  <p:par>
+                    <p:cTn id="3" fill="hold">
+                      <p:stCondLst>
+                        <p:cond delay="indefinite"/>
+                      </p:stCondLst>
+                      <p:childTnLst>
+                        <p:par>
+                          <p:cTn id="4" fill="hold">
+                            <p:stCondLst>
+                              <p:cond delay="0"/>
+                            </p:stCondLst>
+                            <p:childTnLst>
+                              <p:par>
+                                <p:cTn id="5" presetID="10" presetClass="entr" presetSubtype="0" fill="hold" nodeType="clickEffect">
+                                  <p:stCondLst>
+                                    <p:cond delay="0"/>
+                                  </p:stCondLst>
+                                  <p:childTnLst>
+                                    <p:set>
+                                      <p:cBhvr>
+                                        <p:cTn id="6" dur="1" fill="hold">
+                                          <p:stCondLst>
+                                            <p:cond delay="0"/>
+                                          </p:stCondLst>
+                                        </p:cTn>
+                                        <p:tgtEl>
+                                          <p:spTgt spid="3"/>
+                                        </p:tgtEl>
+                                        <p:attrNameLst>
+                                          <p:attrName>style.visibility</p:attrName>
+                                        </p:attrNameLst>
+                                      </p:cBhvr>
+                                      <p:to>
+                                        <p:strVal val="visible"/>
+                                      </p:to>
+                                    </p:set>
+                                    <p:animEffect transition="in" filter="fade">
+                                      <p:cBhvr>
+                                        <p:cTn id="7" dur="500"/>
+                                        <p:tgtEl>
+                                          <p:spTgt spid="3"/>
+                                        </p:tgtEl>
+                                      </p:cBhvr>
+                                    </p:animEffect>
+                                  </p:childTnLst>
+                                </p:cTn>
+                              </p:par>
+                              <p:par>
+                                <p:cTn id="8" presetID="10" presetClass="entr" presetSubtype="0" fill="hold" grpId="0" nodeType="withEffect">
+                                  <p:stCondLst>
+                                    <p:cond delay="0"/>
+                                  </p:stCondLst>
+                                  <p:childTnLst>
+                                    <p:set>
+                                      <p:cBhvr>
+                                        <p:cTn id="9" dur="1" fill="hold">
+                                          <p:stCondLst>
+                                            <p:cond delay="0"/>
+                                          </p:stCondLst>
+                                        </p:cTn>
+                                        <p:tgtEl>
+                                          <p:spTgt spid="17"/>
+                                        </p:tgtEl>
+                                        <p:attrNameLst>
+                                          <p:attrName>style.visibility</p:attrName>
+                                        </p:attrNameLst>
+                                      </p:cBhvr>
+                                      <p:to>
+                                        <p:strVal val="visible"/>
+                                      </p:to>
+                                    </p:set>
+                                    <p:animEffect transition="in" filter="fade">
+                                      <p:cBhvr>
+                                        <p:cTn id="10" dur="500"/>
+                                        <p:tgtEl>
+                                          <p:spTgt spid="17"/>
+                                        </p:tgtEl>
+                                      </p:cBhvr>
+                                    </p:animEffect>
+                                  </p:childTnLst>
+                                </p:cTn>
+                              </p:par>
+                            </p:childTnLst>
+                          </p:cTn>
+                        </p:par>
+                      </p:childTnLst>
+                    </p:cTn>
+                  </p:par>
+                  <p:par>
+                    <p:cTn id="11" fill="hold">
+                      <p:stCondLst>
+                        <p:cond delay="indefinite"/>
+                      </p:stCondLst>
+                      <p:childTnLst>
+                        <p:par>
+                          <p:cTn id="12" fill="hold">
+                            <p:stCondLst>
+                              <p:cond delay="0"/>
+                            </p:stCondLst>
+                            <p:childTnLst>
+                              <p:par>
+                                <p:cTn id="13" presetID="10" presetClass="entr" presetSubtype="0" fill="hold" nodeType="clickEffect">
+                                  <p:stCondLst>
+                                    <p:cond delay="0"/>
+                                  </p:stCondLst>
+                                  <p:childTnLst>
+                                    <p:set>
+                                      <p:cBhvr>
+                                        <p:cTn id="14" dur="1" fill="hold">
+                                          <p:stCondLst>
+                                            <p:cond delay="0"/>
+                                          </p:stCondLst>
+                                        </p:cTn>
+                                        <p:tgtEl>
+                                          <p:spTgt spid="6"/>
+                                        </p:tgtEl>
+                                        <p:attrNameLst>
+                                          <p:attrName>style.visibility</p:attrName>
+                                        </p:attrNameLst>
+                                      </p:cBhvr>
+                                      <p:to>
+                                        <p:strVal val="visible"/>
+                                      </p:to>
+                                    </p:set>
+                                    <p:animEffect transition="in" filter="fade">
+                                      <p:cBhvr>
+                                        <p:cTn id="15" dur="500"/>
+                                        <p:tgtEl>
+                                          <p:spTgt spid="6"/>
+                                        </p:tgtEl>
+                                      </p:cBhvr>
+                                    </p:animEffect>
+                                  </p:childTnLst>
+                                </p:cTn>
+                              </p:par>
+                              <p:par>
+                                <p:cTn id="16" presetID="10" presetClass="entr" presetSubtype="0" fill="hold" grpId="0" nodeType="withEffect">
+                                  <p:stCondLst>
+                                    <p:cond delay="0"/>
+                                  </p:stCondLst>
+                                  <p:childTnLst>
+                                    <p:set>
+                                      <p:cBhvr>
+                                        <p:cTn id="17" dur="1" fill="hold">
+                                          <p:stCondLst>
+                                            <p:cond delay="0"/>
+                                          </p:stCondLst>
+                                        </p:cTn>
+                                        <p:tgtEl>
+                                          <p:spTgt spid="27"/>
+                                        </p:tgtEl>
+                                        <p:attrNameLst>
+                                          <p:attrName>style.visibility</p:attrName>
+                                        </p:attrNameLst>
+                                      </p:cBhvr>
+                                      <p:to>
+                                        <p:strVal val="visible"/>
+                                      </p:to>
+                                    </p:set>
+                                    <p:animEffect transition="in" filter="fade">
+                                      <p:cBhvr>
+                                        <p:cTn id="18" dur="500"/>
+                                        <p:tgtEl>
+                                          <p:spTgt spid="27"/>
+                                        </p:tgtEl>
+                                      </p:cBhvr>
+                                    </p:animEffect>
+                                  </p:childTnLst>
+                                </p:cTn>
+                              </p:par>
+                            </p:childTnLst>
+                          </p:cTn>
+                        </p:par>
+                      </p:childTnLst>
+                    </p:cTn>
+                  </p:par>
+                  <p:par>
+                    <p:cTn id="19" fill="hold">
+                      <p:stCondLst>
+                        <p:cond delay="indefinite"/>
+                      </p:stCondLst>
+                      <p:childTnLst>
+                        <p:par>
+                          <p:cTn id="20" fill="hold">
+                            <p:stCondLst>
+                              <p:cond delay="0"/>
+                            </p:stCondLst>
+                            <p:childTnLst>
+                              <p:par>
+                                <p:cTn id="21" presetID="10" presetClass="entr" presetSubtype="0" fill="hold" nodeType="clickEffect">
+                                  <p:stCondLst>
+                                    <p:cond delay="0"/>
+                                  </p:stCondLst>
+                                  <p:childTnLst>
+                                    <p:set>
+                                      <p:cBhvr>
+                                        <p:cTn id="22" dur="1" fill="hold">
+                                          <p:stCondLst>
+                                            <p:cond delay="0"/>
+                                          </p:stCondLst>
+                                        </p:cTn>
+                                        <p:tgtEl>
+                                          <p:spTgt spid="26"/>
+                                        </p:tgtEl>
+                                        <p:attrNameLst>
+                                          <p:attrName>style.visibility</p:attrName>
+                                        </p:attrNameLst>
+                                      </p:cBhvr>
+                                      <p:to>
+                                        <p:strVal val="visible"/>
+                                      </p:to>
+                                    </p:set>
+                                    <p:animEffect transition="in" filter="fade">
+                                      <p:cBhvr>
+                                        <p:cTn id="23" dur="500"/>
+                                        <p:tgtEl>
+                                          <p:spTgt spid="26"/>
+                                        </p:tgtEl>
+                                      </p:cBhvr>
+                                    </p:animEffect>
+                                  </p:childTnLst>
+                                </p:cTn>
+                              </p:par>
+                              <p:par>
+                                <p:cTn id="24" presetID="10" presetClass="entr" presetSubtype="0" fill="hold" grpId="0" nodeType="withEffect">
+                                  <p:stCondLst>
+                                    <p:cond delay="0"/>
+                                  </p:stCondLst>
+                                  <p:childTnLst>
+                                    <p:set>
+                                      <p:cBhvr>
+                                        <p:cTn id="25" dur="1" fill="hold">
+                                          <p:stCondLst>
+                                            <p:cond delay="0"/>
+                                          </p:stCondLst>
+                                        </p:cTn>
+                                        <p:tgtEl>
+                                          <p:spTgt spid="32"/>
+                                        </p:tgtEl>
+                                        <p:attrNameLst>
+                                          <p:attrName>style.visibility</p:attrName>
+                                        </p:attrNameLst>
+                                      </p:cBhvr>
+                                      <p:to>
+                                        <p:strVal val="visible"/>
+                                      </p:to>
+                                    </p:set>
+                                    <p:animEffect transition="in" filter="fade">
+                                      <p:cBhvr>
+                                        <p:cTn id="26" dur="500"/>
+                                        <p:tgtEl>
+                                          <p:spTgt spid="32"/>
+                                        </p:tgtEl>
+                                      </p:cBhvr>
+                                    </p:animEffect>
+                                  </p:childTnLst>
+                                </p:cTn>
+                              </p:par>
+                            </p:childTnLst>
+                          </p:cTn>
+                        </p:par>
+                      </p:childTnLst>
+                    </p:cTn>
+                  </p:par>
+                </p:childTnLst>
+              </p:cTn>
+              <p:prevCondLst>
+                <p:cond evt="onPrev" delay="0">
+                  <p:tgtEl>
+                    <p:sldTgt/>
+                  </p:tgtEl>
+                </p:cond>
+              </p:prevCondLst>
+              <p:nextCondLst>
+                <p:cond evt="onNext" delay="0">
+                  <p:tgtEl>
+                    <p:sldTgt/>
+                  </p:tgtEl>
+                </p:cond>
+              </p:nextCondLst>
+            </p:seq>
+          </p:childTnLst>
+        </p:cTn>
+      </p:par>
+    </p:tnLst>
+    <p:bldLst>
+      <p:bldP spid="17" grpId="0"/>
+      <p:bldP spid="27" grpId="0"/>
+      <p:bldP spid="32" grpId="0"/>
+    </p:bldLst>
+  </p:timing>
+</p:sld>
+</file>
+
+<file path=ppt/slides/slide5.xml><?xml version="1.0" encoding="utf-8"?>
+<p:sld xmlns:a="http://schemas.openxmlformats.org/drawingml/2006/main" xmlns:r="http://schemas.openxmlformats.org/officeDocument/2006/relationships" xmlns:p="http://schemas.openxmlformats.org/presentationml/2006/main">
+  <p:cSld>
+    <p:spTree>
+      <p:nvGrpSpPr>
+        <p:cNvPr id="1" name=""/>
+        <p:cNvGrpSpPr/>
+        <p:nvPr/>
+      </p:nvGrpSpPr>
+      <p:grpSpPr>
+        <a:xfrm>
+          <a:off x="0" y="0"/>
+          <a:ext cx="0" cy="0"/>
+          <a:chOff x="0" y="0"/>
+          <a:chExt cx="0" cy="0"/>
+        </a:xfrm>
+      </p:grpSpPr>
+      <p:sp>
+        <p:nvSpPr>
+          <p:cNvPr id="7" name="Oval 6"/>
+          <p:cNvSpPr/>
+          <p:nvPr/>
+        </p:nvSpPr>
+        <p:spPr>
+          <a:xfrm>
+            <a:off x="3173413" y="2339292"/>
+            <a:ext cx="1667336" cy="1689479"/>
+          </a:xfrm>
+          <a:prstGeom prst="ellipse">
+            <a:avLst/>
+          </a:prstGeom>
+          <a:solidFill>
+            <a:srgbClr val="D1FFFF"/>
+          </a:solidFill>
+          <a:ln w="19050">
+            <a:solidFill>
+              <a:schemeClr val="tx1"/>
+            </a:solidFill>
+          </a:ln>
+          <a:effectLst>
+            <a:outerShdw blurRad="50800" dist="38100" dir="2700000" algn="tl" rotWithShape="0">
+              <a:prstClr val="black">
+                <a:alpha val="40000"/>
+              </a:prstClr>
+            </a:outerShdw>
+          </a:effectLst>
+        </p:spPr>
+        <p:style>
+          <a:lnRef idx="2">
+            <a:schemeClr val="accent1">
+              <a:shade val="50000"/>
+            </a:schemeClr>
+          </a:lnRef>
+          <a:fillRef idx="1">
+            <a:schemeClr val="accent1"/>
+          </a:fillRef>
+          <a:effectRef idx="0">
+            <a:schemeClr val="accent1"/>
+          </a:effectRef>
+          <a:fontRef idx="minor">
+            <a:schemeClr val="lt1"/>
+          </a:fontRef>
+        </p:style>
+        <p:txBody>
+          <a:bodyPr rtlCol="0" anchor="ctr"/>
+          <a:lstStyle/>
+          <a:p>
+            <a:pPr algn="ctr"/>
+            <a:endParaRPr lang="en-US">
+              <a:solidFill>
+                <a:prstClr val="white"/>
+              </a:solidFill>
+            </a:endParaRPr>
+          </a:p>
+        </p:txBody>
+      </p:sp>
+      <p:sp>
+        <p:nvSpPr>
+          <p:cNvPr id="8" name="Oval 7"/>
+          <p:cNvSpPr/>
+          <p:nvPr/>
+        </p:nvSpPr>
+        <p:spPr>
+          <a:xfrm>
+            <a:off x="4621213" y="3190959"/>
+            <a:ext cx="1667336" cy="1689479"/>
+          </a:xfrm>
+          <a:prstGeom prst="ellipse">
+            <a:avLst/>
+          </a:prstGeom>
+          <a:solidFill>
+            <a:srgbClr val="FDB1ED"/>
+          </a:solidFill>
+          <a:ln w="19050">
+            <a:solidFill>
+              <a:schemeClr val="tx1"/>
+            </a:solidFill>
+          </a:ln>
+          <a:effectLst>
+            <a:outerShdw blurRad="50800" dist="38100" dir="2700000" algn="tl" rotWithShape="0">
+              <a:prstClr val="black">
+                <a:alpha val="40000"/>
+              </a:prstClr>
+            </a:outerShdw>
+          </a:effectLst>
+        </p:spPr>
+        <p:style>
+          <a:lnRef idx="2">
+            <a:schemeClr val="accent1">
+              <a:shade val="50000"/>
+            </a:schemeClr>
+          </a:lnRef>
+          <a:fillRef idx="1">
+            <a:schemeClr val="accent1"/>
+          </a:fillRef>
+          <a:effectRef idx="0">
+            <a:schemeClr val="accent1"/>
+          </a:effectRef>
+          <a:fontRef idx="minor">
+            <a:schemeClr val="lt1"/>
+          </a:fontRef>
+        </p:style>
+        <p:txBody>
+          <a:bodyPr rtlCol="0" anchor="ctr"/>
+          <a:lstStyle/>
+          <a:p>
+            <a:pPr algn="ctr"/>
+            <a:endParaRPr lang="en-US">
+              <a:solidFill>
+                <a:prstClr val="white"/>
+              </a:solidFill>
+            </a:endParaRPr>
+          </a:p>
+        </p:txBody>
+      </p:sp>
+      <p:cxnSp>
+        <p:nvCxnSpPr>
+          <p:cNvPr id="11" name="Straight Arrow Connector 10"/>
+          <p:cNvCxnSpPr/>
+          <p:nvPr/>
+        </p:nvCxnSpPr>
+        <p:spPr>
+          <a:xfrm>
+            <a:off x="5099195" y="2685268"/>
+            <a:ext cx="355686" cy="1388530"/>
+          </a:xfrm>
+          <a:prstGeom prst="straightConnector1">
+            <a:avLst/>
+          </a:prstGeom>
+          <a:ln w="25400" cap="rnd">
+            <a:solidFill>
+              <a:schemeClr val="tx1"/>
+            </a:solidFill>
+            <a:headEnd type="arrow"/>
+            <a:tailEnd type="none"/>
+          </a:ln>
+          <a:effectLst>
+            <a:outerShdw blurRad="50800" dist="38100" dir="2700000" algn="tl" rotWithShape="0">
+              <a:prstClr val="black">
+                <a:alpha val="40000"/>
+              </a:prstClr>
+            </a:outerShdw>
+          </a:effectLst>
+        </p:spPr>
+        <p:style>
+          <a:lnRef idx="1">
+            <a:schemeClr val="accent1"/>
+          </a:lnRef>
+          <a:fillRef idx="0">
+            <a:schemeClr val="accent1"/>
+          </a:fillRef>
+          <a:effectRef idx="0">
+            <a:schemeClr val="accent1"/>
+          </a:effectRef>
+          <a:fontRef idx="minor">
+            <a:schemeClr val="tx1"/>
+          </a:fontRef>
+        </p:style>
+      </p:cxnSp>
+      <p:cxnSp>
+        <p:nvCxnSpPr>
+          <p:cNvPr id="14" name="Straight Arrow Connector 13"/>
+          <p:cNvCxnSpPr/>
+          <p:nvPr/>
+        </p:nvCxnSpPr>
+        <p:spPr>
+          <a:xfrm flipH="1" flipV="1">
+            <a:off x="4007562" y="3206952"/>
+            <a:ext cx="409606" cy="574025"/>
+          </a:xfrm>
+          <a:prstGeom prst="straightConnector1">
+            <a:avLst/>
+          </a:prstGeom>
+          <a:ln w="25400" cap="rnd">
+            <a:solidFill>
+              <a:schemeClr val="tx1"/>
+            </a:solidFill>
+            <a:headEnd type="arrow"/>
+            <a:tailEnd type="none"/>
+          </a:ln>
+          <a:effectLst>
+            <a:outerShdw blurRad="50800" dist="38100" dir="2700000" algn="tl" rotWithShape="0">
+              <a:prstClr val="black">
+                <a:alpha val="40000"/>
+              </a:prstClr>
+            </a:outerShdw>
+          </a:effectLst>
+        </p:spPr>
+        <p:style>
+          <a:lnRef idx="1">
+            <a:schemeClr val="accent1"/>
+          </a:lnRef>
+          <a:fillRef idx="0">
+            <a:schemeClr val="accent1"/>
+          </a:fillRef>
+          <a:effectRef idx="0">
+            <a:schemeClr val="accent1"/>
+          </a:effectRef>
+          <a:fontRef idx="minor">
+            <a:schemeClr val="tx1"/>
+          </a:fontRef>
+        </p:style>
+      </p:cxnSp>
+      <mc:AlternateContent xmlns:mc="http://schemas.openxmlformats.org/markup-compatibility/2006" xmlns:a14="http://schemas.microsoft.com/office/drawing/2010/main">
+        <mc:Choice Requires="a14">
+          <p:sp>
+            <p:nvSpPr>
+              <p:cNvPr id="19" name="TextBox 18"/>
+              <p:cNvSpPr txBox="1"/>
+              <p:nvPr/>
+            </p:nvSpPr>
+            <p:spPr>
+              <a:xfrm>
+                <a:off x="2660324" y="2983976"/>
+                <a:ext cx="513089" cy="400110"/>
+              </a:xfrm>
+              <a:prstGeom prst="rect">
+                <a:avLst/>
+              </a:prstGeom>
+              <a:noFill/>
+            </p:spPr>
+            <p:txBody>
+              <a:bodyPr wrap="none" rtlCol="0">
+                <a:spAutoFit/>
+              </a:bodyPr>
+              <a:lstStyle/>
+              <a:p>
+                <a:pPr/>
+                <a14:m>
+                  <m:oMathPara xmlns:m="http://schemas.openxmlformats.org/officeDocument/2006/math">
+                    <m:oMathParaPr>
+                      <m:jc m:val="centerGroup"/>
+                    </m:oMathParaPr>
+                    <m:oMath xmlns:m="http://schemas.openxmlformats.org/officeDocument/2006/math">
+                      <m:sSub>
+                        <m:sSubPr>
+                          <m:ctrlPr>
+                            <a:rPr lang="en-US" sz="2000" i="1" smtClean="0">
+                              <a:solidFill>
+                                <a:prstClr val="black"/>
+                              </a:solidFill>
+                              <a:latin typeface="Cambria Math" panose="02040503050406030204" pitchFamily="18" charset="0"/>
+                              <a:ea typeface="Cambria Math"/>
+                            </a:rPr>
+                          </m:ctrlPr>
+                        </m:sSubPr>
+                        <m:e>
+                          <m:r>
+                            <a:rPr lang="en-US" sz="2000" i="1" smtClean="0">
+                              <a:solidFill>
+                                <a:prstClr val="black"/>
+                              </a:solidFill>
+                              <a:latin typeface="Cambria Math"/>
+                              <a:ea typeface="Cambria Math"/>
+                            </a:rPr>
+                            <m:t>𝐵</m:t>
+                          </m:r>
+                        </m:e>
+                        <m:sub>
+                          <m:r>
+                            <a:rPr lang="en-US" sz="2000" i="1" smtClean="0">
+                              <a:solidFill>
+                                <a:prstClr val="black"/>
+                              </a:solidFill>
+                              <a:latin typeface="Cambria Math"/>
+                              <a:ea typeface="Cambria Math"/>
+                            </a:rPr>
+                            <m:t>1</m:t>
+                          </m:r>
+                        </m:sub>
+                      </m:sSub>
+                    </m:oMath>
+                  </m:oMathPara>
+                </a14:m>
+                <a:endParaRPr lang="en-US" sz="2000" dirty="0">
+                  <a:solidFill>
+                    <a:prstClr val="black"/>
+                  </a:solidFill>
+                </a:endParaRPr>
+              </a:p>
+            </p:txBody>
+          </p:sp>
+        </mc:Choice>
+        <mc:Fallback xmlns="">
+          <p:sp>
+            <p:nvSpPr>
+              <p:cNvPr id="19" name="TextBox 18"/>
+              <p:cNvSpPr txBox="1">
+                <a:spLocks noRot="1" noChangeAspect="1" noMove="1" noResize="1" noEditPoints="1" noAdjustHandles="1" noChangeArrowheads="1" noChangeShapeType="1" noTextEdit="1"/>
+              </p:cNvSpPr>
+              <p:nvPr/>
+            </p:nvSpPr>
+            <p:spPr>
+              <a:xfrm>
+                <a:off x="2660324" y="2983976"/>
+                <a:ext cx="513089" cy="400110"/>
+              </a:xfrm>
+              <a:prstGeom prst="rect">
+                <a:avLst/>
+              </a:prstGeom>
+              <a:blipFill rotWithShape="1">
+                <a:blip r:embed="rId3"/>
+                <a:stretch>
+                  <a:fillRect/>
+                </a:stretch>
+              </a:blipFill>
+            </p:spPr>
+            <p:txBody>
+              <a:bodyPr/>
+              <a:lstStyle/>
+              <a:p>
+                <a:r>
+                  <a:rPr lang="en-US">
+                    <a:noFill/>
+                  </a:rPr>
+                  <a:t> </a:t>
+                </a:r>
+              </a:p>
+            </p:txBody>
+          </p:sp>
+        </mc:Fallback>
+      </mc:AlternateContent>
+      <mc:AlternateContent xmlns:mc="http://schemas.openxmlformats.org/markup-compatibility/2006" xmlns:a14="http://schemas.microsoft.com/office/drawing/2010/main">
+        <mc:Choice Requires="a14">
+          <p:sp>
+            <p:nvSpPr>
+              <p:cNvPr id="20" name="TextBox 19"/>
+              <p:cNvSpPr txBox="1"/>
+              <p:nvPr/>
+            </p:nvSpPr>
+            <p:spPr>
+              <a:xfrm>
+                <a:off x="6288549" y="3835643"/>
+                <a:ext cx="519053" cy="400110"/>
+              </a:xfrm>
+              <a:prstGeom prst="rect">
+                <a:avLst/>
+              </a:prstGeom>
+              <a:noFill/>
+            </p:spPr>
+            <p:txBody>
+              <a:bodyPr wrap="none" rtlCol="0">
+                <a:spAutoFit/>
+              </a:bodyPr>
+              <a:lstStyle/>
+              <a:p>
+                <a:pPr/>
+                <a14:m>
+                  <m:oMathPara xmlns:m="http://schemas.openxmlformats.org/officeDocument/2006/math">
+                    <m:oMathParaPr>
+                      <m:jc m:val="centerGroup"/>
+                    </m:oMathParaPr>
+                    <m:oMath xmlns:m="http://schemas.openxmlformats.org/officeDocument/2006/math">
+                      <m:sSub>
+                        <m:sSubPr>
+                          <m:ctrlPr>
+                            <a:rPr lang="en-US" sz="2000" i="1" smtClean="0">
+                              <a:solidFill>
+                                <a:prstClr val="black"/>
+                              </a:solidFill>
+                              <a:latin typeface="Cambria Math" panose="02040503050406030204" pitchFamily="18" charset="0"/>
+                              <a:ea typeface="Cambria Math"/>
+                            </a:rPr>
+                          </m:ctrlPr>
+                        </m:sSubPr>
+                        <m:e>
+                          <m:r>
+                            <a:rPr lang="en-US" sz="2000" i="1" smtClean="0">
+                              <a:solidFill>
+                                <a:prstClr val="black"/>
+                              </a:solidFill>
+                              <a:latin typeface="Cambria Math"/>
+                              <a:ea typeface="Cambria Math"/>
+                            </a:rPr>
+                            <m:t>𝐵</m:t>
+                          </m:r>
+                        </m:e>
+                        <m:sub>
+                          <m:r>
+                            <a:rPr lang="en-US" sz="2000" i="1" smtClean="0">
+                              <a:solidFill>
+                                <a:prstClr val="black"/>
+                              </a:solidFill>
+                              <a:latin typeface="Cambria Math"/>
+                              <a:ea typeface="Cambria Math"/>
+                            </a:rPr>
+                            <m:t>2</m:t>
+                          </m:r>
+                        </m:sub>
+                      </m:sSub>
+                    </m:oMath>
+                  </m:oMathPara>
+                </a14:m>
+                <a:endParaRPr lang="en-US" sz="2000" dirty="0">
+                  <a:solidFill>
+                    <a:prstClr val="black"/>
+                  </a:solidFill>
+                </a:endParaRPr>
+              </a:p>
+            </p:txBody>
+          </p:sp>
+        </mc:Choice>
+        <mc:Fallback xmlns="">
+          <p:sp>
+            <p:nvSpPr>
+              <p:cNvPr id="20" name="TextBox 19"/>
+              <p:cNvSpPr txBox="1">
+                <a:spLocks noRot="1" noChangeAspect="1" noMove="1" noResize="1" noEditPoints="1" noAdjustHandles="1" noChangeArrowheads="1" noChangeShapeType="1" noTextEdit="1"/>
+              </p:cNvSpPr>
+              <p:nvPr/>
+            </p:nvSpPr>
+            <p:spPr>
+              <a:xfrm>
+                <a:off x="6288549" y="3835643"/>
+                <a:ext cx="519053" cy="400110"/>
+              </a:xfrm>
+              <a:prstGeom prst="rect">
+                <a:avLst/>
+              </a:prstGeom>
+              <a:blipFill rotWithShape="1">
+                <a:blip r:embed="rId4"/>
+                <a:stretch>
+                  <a:fillRect/>
+                </a:stretch>
+              </a:blipFill>
+            </p:spPr>
+            <p:txBody>
+              <a:bodyPr/>
+              <a:lstStyle/>
+              <a:p>
+                <a:r>
+                  <a:rPr lang="en-US">
+                    <a:noFill/>
+                  </a:rPr>
+                  <a:t> </a:t>
+                </a:r>
+              </a:p>
+            </p:txBody>
+          </p:sp>
+        </mc:Fallback>
+      </mc:AlternateContent>
+      <p:sp>
+        <p:nvSpPr>
+          <p:cNvPr id="18" name="TextBox 17"/>
+          <p:cNvSpPr txBox="1"/>
+          <p:nvPr/>
+        </p:nvSpPr>
+        <p:spPr>
+          <a:xfrm>
+            <a:off x="6094941" y="3184032"/>
+            <a:ext cx="990600" cy="369332"/>
+          </a:xfrm>
+          <a:prstGeom prst="rect">
+            <a:avLst/>
+          </a:prstGeom>
+          <a:noFill/>
+        </p:spPr>
+        <p:txBody>
+          <a:bodyPr wrap="square" rtlCol="0">
+            <a:spAutoFit/>
+          </a:bodyPr>
+          <a:lstStyle/>
+          <a:p>
+            <a:endParaRPr lang="en-US" dirty="0">
+              <a:solidFill>
+                <a:prstClr val="black"/>
+              </a:solidFill>
+            </a:endParaRPr>
+          </a:p>
+        </p:txBody>
+      </p:sp>
+      <mc:AlternateContent xmlns:mc="http://schemas.openxmlformats.org/markup-compatibility/2006" xmlns:a14="http://schemas.microsoft.com/office/drawing/2010/main">
+        <mc:Choice Requires="a14">
+          <p:sp>
+            <p:nvSpPr>
+              <p:cNvPr id="21" name="TextBox 20"/>
+              <p:cNvSpPr txBox="1"/>
+              <p:nvPr/>
+            </p:nvSpPr>
+            <p:spPr>
+              <a:xfrm>
+                <a:off x="5237020" y="3379533"/>
+                <a:ext cx="519053" cy="400110"/>
+              </a:xfrm>
+              <a:prstGeom prst="rect">
+                <a:avLst/>
+              </a:prstGeom>
+              <a:noFill/>
+            </p:spPr>
+            <p:txBody>
+              <a:bodyPr wrap="square" rtlCol="0">
+                <a:spAutoFit/>
+              </a:bodyPr>
+              <a:lstStyle/>
+              <a:p>
+                <a:pPr/>
+                <a14:m>
+                  <m:oMathPara xmlns:m="http://schemas.openxmlformats.org/officeDocument/2006/math">
+                    <m:oMathParaPr>
+                      <m:jc m:val="centerGroup"/>
+                    </m:oMathParaPr>
+                    <m:oMath xmlns:m="http://schemas.openxmlformats.org/officeDocument/2006/math">
+                      <m:acc>
+                        <m:accPr>
+                          <m:chr m:val="⃗"/>
+                          <m:ctrlPr>
+                            <a:rPr lang="en-US" sz="2000" i="1" smtClean="0">
+                              <a:solidFill>
+                                <a:prstClr val="black"/>
+                              </a:solidFill>
+                              <a:latin typeface="Cambria Math" panose="02040503050406030204" pitchFamily="18" charset="0"/>
+                            </a:rPr>
+                          </m:ctrlPr>
+                        </m:accPr>
+                        <m:e>
+                          <m:r>
+                            <a:rPr lang="en-US" sz="2000" i="1" smtClean="0">
+                              <a:solidFill>
+                                <a:prstClr val="black"/>
+                              </a:solidFill>
+                              <a:latin typeface="Cambria Math"/>
+                            </a:rPr>
+                            <m:t>𝑣</m:t>
+                          </m:r>
+                        </m:e>
+                      </m:acc>
+                    </m:oMath>
+                  </m:oMathPara>
+                </a14:m>
+                <a:endParaRPr lang="en-US" sz="2000" dirty="0">
+                  <a:solidFill>
+                    <a:prstClr val="black"/>
+                  </a:solidFill>
+                </a:endParaRPr>
+              </a:p>
+            </p:txBody>
+          </p:sp>
+        </mc:Choice>
+        <mc:Fallback xmlns="">
+          <p:sp>
+            <p:nvSpPr>
+              <p:cNvPr id="21" name="TextBox 20"/>
+              <p:cNvSpPr txBox="1">
+                <a:spLocks noRot="1" noChangeAspect="1" noMove="1" noResize="1" noEditPoints="1" noAdjustHandles="1" noChangeArrowheads="1" noChangeShapeType="1" noTextEdit="1"/>
+              </p:cNvSpPr>
+              <p:nvPr/>
+            </p:nvSpPr>
+            <p:spPr>
+              <a:xfrm>
+                <a:off x="5237020" y="3379533"/>
+                <a:ext cx="519053" cy="400110"/>
+              </a:xfrm>
+              <a:prstGeom prst="rect">
+                <a:avLst/>
+              </a:prstGeom>
+              <a:blipFill rotWithShape="1">
+                <a:blip r:embed="rId5"/>
+                <a:stretch>
+                  <a:fillRect t="-18182" r="-34118"/>
+                </a:stretch>
+              </a:blipFill>
+            </p:spPr>
+            <p:txBody>
+              <a:bodyPr/>
+              <a:lstStyle/>
+              <a:p>
+                <a:r>
+                  <a:rPr lang="en-US">
+                    <a:noFill/>
+                  </a:rPr>
+                  <a:t> </a:t>
+                </a:r>
+              </a:p>
+            </p:txBody>
+          </p:sp>
+        </mc:Fallback>
+      </mc:AlternateContent>
+      <mc:AlternateContent xmlns:mc="http://schemas.openxmlformats.org/markup-compatibility/2006" xmlns:a14="http://schemas.microsoft.com/office/drawing/2010/main">
+        <mc:Choice Requires="a14">
+          <p:sp>
+            <p:nvSpPr>
+              <p:cNvPr id="23" name="TextBox 22"/>
+              <p:cNvSpPr txBox="1"/>
+              <p:nvPr/>
+            </p:nvSpPr>
+            <p:spPr>
+              <a:xfrm>
+                <a:off x="3766586" y="3307374"/>
+                <a:ext cx="519053" cy="400110"/>
+              </a:xfrm>
+              <a:prstGeom prst="rect">
+                <a:avLst/>
+              </a:prstGeom>
+              <a:noFill/>
+            </p:spPr>
+            <p:txBody>
+              <a:bodyPr wrap="square" rtlCol="0">
+                <a:spAutoFit/>
+              </a:bodyPr>
+              <a:lstStyle/>
+              <a:p>
+                <a:pPr/>
+                <a14:m>
+                  <m:oMathPara xmlns:m="http://schemas.openxmlformats.org/officeDocument/2006/math">
+                    <m:oMathParaPr>
+                      <m:jc m:val="centerGroup"/>
+                    </m:oMathParaPr>
+                    <m:oMath xmlns:m="http://schemas.openxmlformats.org/officeDocument/2006/math">
+                      <m:acc>
+                        <m:accPr>
+                          <m:chr m:val="⃗"/>
+                          <m:ctrlPr>
+                            <a:rPr lang="en-US" sz="2000" i="1">
+                              <a:solidFill>
+                                <a:prstClr val="black"/>
+                              </a:solidFill>
+                              <a:latin typeface="Cambria Math" panose="02040503050406030204" pitchFamily="18" charset="0"/>
+                            </a:rPr>
+                          </m:ctrlPr>
+                        </m:accPr>
+                        <m:e>
+                          <m:r>
+                            <a:rPr lang="en-US" sz="2000" i="1">
+                              <a:solidFill>
+                                <a:prstClr val="black"/>
+                              </a:solidFill>
+                              <a:latin typeface="Cambria Math"/>
+                            </a:rPr>
+                            <m:t>𝑢</m:t>
+                          </m:r>
+                        </m:e>
+                      </m:acc>
+                    </m:oMath>
+                  </m:oMathPara>
+                </a14:m>
+                <a:endParaRPr lang="en-US" sz="2000" dirty="0">
+                  <a:solidFill>
+                    <a:prstClr val="black"/>
+                  </a:solidFill>
+                </a:endParaRPr>
+              </a:p>
+            </p:txBody>
+          </p:sp>
+        </mc:Choice>
+        <mc:Fallback xmlns="">
+          <p:sp>
+            <p:nvSpPr>
+              <p:cNvPr id="23" name="TextBox 22"/>
+              <p:cNvSpPr txBox="1">
+                <a:spLocks noRot="1" noChangeAspect="1" noMove="1" noResize="1" noEditPoints="1" noAdjustHandles="1" noChangeArrowheads="1" noChangeShapeType="1" noTextEdit="1"/>
+              </p:cNvSpPr>
+              <p:nvPr/>
+            </p:nvSpPr>
+            <p:spPr>
+              <a:xfrm>
+                <a:off x="3766586" y="3307374"/>
+                <a:ext cx="519053" cy="400110"/>
+              </a:xfrm>
+              <a:prstGeom prst="rect">
+                <a:avLst/>
+              </a:prstGeom>
+              <a:blipFill rotWithShape="1">
+                <a:blip r:embed="rId6"/>
+                <a:stretch>
+                  <a:fillRect/>
+                </a:stretch>
+              </a:blipFill>
+            </p:spPr>
+            <p:txBody>
+              <a:bodyPr/>
+              <a:lstStyle/>
+              <a:p>
+                <a:r>
+                  <a:rPr lang="en-US">
+                    <a:noFill/>
+                  </a:rPr>
+                  <a:t> </a:t>
+                </a:r>
+              </a:p>
+            </p:txBody>
+          </p:sp>
+        </mc:Fallback>
+      </mc:AlternateContent>
+      <p:sp>
+        <p:nvSpPr>
+          <p:cNvPr id="41" name="TextBox 40"/>
+          <p:cNvSpPr txBox="1"/>
+          <p:nvPr/>
+        </p:nvSpPr>
+        <p:spPr>
+          <a:xfrm>
+            <a:off x="4750689" y="3369237"/>
+            <a:ext cx="551754" cy="400110"/>
+          </a:xfrm>
+          <a:prstGeom prst="rect">
+            <a:avLst/>
+          </a:prstGeom>
+          <a:noFill/>
+        </p:spPr>
+        <p:txBody>
+          <a:bodyPr wrap="none" rtlCol="0">
+            <a:spAutoFit/>
+          </a:bodyPr>
+          <a:lstStyle/>
+          <a:p>
+            <a:r>
+              <a:rPr lang="en-US" sz="2000" dirty="0">
+                <a:solidFill>
+                  <a:prstClr val="black"/>
+                </a:solidFill>
+              </a:rPr>
+              <a:t>POI</a:t>
+            </a:r>
+          </a:p>
+        </p:txBody>
+      </p:sp>
+      <p:sp>
+        <p:nvSpPr>
+          <p:cNvPr id="42" name="Oval 41"/>
+          <p:cNvSpPr/>
+          <p:nvPr/>
+        </p:nvSpPr>
+        <p:spPr>
+          <a:xfrm>
+            <a:off x="4680036" y="3589611"/>
+            <a:ext cx="92084" cy="85534"/>
+          </a:xfrm>
+          <a:prstGeom prst="ellipse">
+            <a:avLst/>
+          </a:prstGeom>
+          <a:solidFill>
+            <a:schemeClr val="tx1"/>
+          </a:solidFill>
+          <a:ln w="19050">
+            <a:solidFill>
+              <a:schemeClr val="tx1"/>
+            </a:solidFill>
+          </a:ln>
+        </p:spPr>
+        <p:style>
+          <a:lnRef idx="2">
+            <a:schemeClr val="accent1">
+              <a:shade val="50000"/>
+            </a:schemeClr>
+          </a:lnRef>
+          <a:fillRef idx="1">
+            <a:schemeClr val="accent1"/>
+          </a:fillRef>
+          <a:effectRef idx="0">
+            <a:schemeClr val="accent1"/>
+          </a:effectRef>
+          <a:fontRef idx="minor">
+            <a:schemeClr val="lt1"/>
+          </a:fontRef>
+        </p:style>
+        <p:txBody>
+          <a:bodyPr rtlCol="0" anchor="ctr"/>
+          <a:lstStyle/>
+          <a:p>
+            <a:pPr algn="ctr"/>
+            <a:endParaRPr lang="en-US">
+              <a:solidFill>
+                <a:prstClr val="white"/>
+              </a:solidFill>
+            </a:endParaRPr>
+          </a:p>
+        </p:txBody>
+      </p:sp>
+      <p:cxnSp>
+        <p:nvCxnSpPr>
+          <p:cNvPr id="33" name="Straight Arrow Connector 32"/>
+          <p:cNvCxnSpPr/>
+          <p:nvPr/>
+        </p:nvCxnSpPr>
+        <p:spPr>
+          <a:xfrm>
+            <a:off x="4007081" y="3206952"/>
+            <a:ext cx="1447800" cy="866846"/>
+          </a:xfrm>
+          <a:prstGeom prst="straightConnector1">
+            <a:avLst/>
+          </a:prstGeom>
+          <a:ln w="19050">
+            <a:solidFill>
+              <a:schemeClr val="tx1"/>
+            </a:solidFill>
+            <a:prstDash val="dash"/>
+            <a:headEnd type="none"/>
+            <a:tailEnd type="none"/>
+          </a:ln>
+        </p:spPr>
+        <p:style>
+          <a:lnRef idx="1">
+            <a:schemeClr val="accent1"/>
+          </a:lnRef>
+          <a:fillRef idx="0">
+            <a:schemeClr val="accent1"/>
+          </a:fillRef>
+          <a:effectRef idx="0">
+            <a:schemeClr val="accent1"/>
+          </a:effectRef>
+          <a:fontRef idx="minor">
+            <a:schemeClr val="tx1"/>
+          </a:fontRef>
+        </p:style>
+      </p:cxnSp>
+    </p:spTree>
+    <p:extLst>
+      <p:ext uri="{BB962C8B-B14F-4D97-AF65-F5344CB8AC3E}">
+        <p14:creationId xmlns:p14="http://schemas.microsoft.com/office/powerpoint/2010/main" val="3389751521"/>
+      </p:ext>
+    </p:extLst>
+  </p:cSld>
+  <p:clrMapOvr>
+    <a:masterClrMapping/>
+  </p:clrMapOvr>
+  <mc:AlternateContent xmlns:mc="http://schemas.openxmlformats.org/markup-compatibility/2006" xmlns:p14="http://schemas.microsoft.com/office/powerpoint/2010/main">
+    <mc:Choice Requires="p14">
+      <p:transition p14:dur="10"/>
+    </mc:Choice>
+    <mc:Fallback xmlns="">
+      <p:transition/>
+    </mc:Fallback>
+  </mc:AlternateContent>
+</p:sld>
+</file>
+
+<file path=ppt/slides/slide6.xml><?xml version="1.0" encoding="utf-8"?>
+<p:sld xmlns:a="http://schemas.openxmlformats.org/drawingml/2006/main" xmlns:r="http://schemas.openxmlformats.org/officeDocument/2006/relationships" xmlns:p="http://schemas.openxmlformats.org/presentationml/2006/main">
+  <p:cSld>
+    <p:spTree>
+      <p:nvGrpSpPr>
+        <p:cNvPr id="1" name=""/>
+        <p:cNvGrpSpPr/>
+        <p:nvPr/>
+      </p:nvGrpSpPr>
+      <p:grpSpPr>
+        <a:xfrm>
+          <a:off x="0" y="0"/>
+          <a:ext cx="0" cy="0"/>
+          <a:chOff x="0" y="0"/>
+          <a:chExt cx="0" cy="0"/>
+        </a:xfrm>
+      </p:grpSpPr>
+      <p:sp>
+        <p:nvSpPr>
+          <p:cNvPr id="18" name="TextBox 17"/>
+          <p:cNvSpPr txBox="1"/>
+          <p:nvPr/>
+        </p:nvSpPr>
+        <p:spPr>
+          <a:xfrm>
+            <a:off x="4347265" y="2858900"/>
+            <a:ext cx="990600" cy="369332"/>
+          </a:xfrm>
+          <a:prstGeom prst="rect">
+            <a:avLst/>
+          </a:prstGeom>
+          <a:noFill/>
+        </p:spPr>
+        <p:txBody>
+          <a:bodyPr wrap="square" rtlCol="0">
+            <a:spAutoFit/>
+          </a:bodyPr>
+          <a:lstStyle/>
+          <a:p>
+            <a:endParaRPr lang="en-US" dirty="0">
+              <a:solidFill>
+                <a:prstClr val="black"/>
+              </a:solidFill>
+            </a:endParaRPr>
+          </a:p>
+        </p:txBody>
+      </p:sp>
+      <p:sp>
+        <p:nvSpPr>
+          <p:cNvPr id="25" name="Oval 24"/>
+          <p:cNvSpPr/>
+          <p:nvPr/>
+        </p:nvSpPr>
+        <p:spPr>
+          <a:xfrm>
+            <a:off x="3061924" y="2191899"/>
+            <a:ext cx="1667336" cy="1689479"/>
+          </a:xfrm>
+          <a:prstGeom prst="ellipse">
+            <a:avLst/>
+          </a:prstGeom>
+          <a:solidFill>
+            <a:srgbClr val="D1FFFF"/>
+          </a:solidFill>
+          <a:ln w="19050">
+            <a:solidFill>
+              <a:schemeClr val="tx1"/>
+            </a:solidFill>
+          </a:ln>
+          <a:effectLst>
+            <a:outerShdw blurRad="50800" dist="38100" dir="2700000" algn="tl" rotWithShape="0">
+              <a:prstClr val="black">
+                <a:alpha val="40000"/>
+              </a:prstClr>
+            </a:outerShdw>
+          </a:effectLst>
+        </p:spPr>
+        <p:style>
+          <a:lnRef idx="2">
+            <a:schemeClr val="accent1">
+              <a:shade val="50000"/>
+            </a:schemeClr>
+          </a:lnRef>
+          <a:fillRef idx="1">
+            <a:schemeClr val="accent1"/>
+          </a:fillRef>
+          <a:effectRef idx="0">
+            <a:schemeClr val="accent1"/>
+          </a:effectRef>
+          <a:fontRef idx="minor">
+            <a:schemeClr val="lt1"/>
+          </a:fontRef>
+        </p:style>
+        <p:txBody>
+          <a:bodyPr rtlCol="0" anchor="ctr"/>
+          <a:lstStyle/>
+          <a:p>
+            <a:pPr algn="ctr"/>
+            <a:endParaRPr lang="en-US">
+              <a:solidFill>
+                <a:prstClr val="white"/>
+              </a:solidFill>
+            </a:endParaRPr>
+          </a:p>
+        </p:txBody>
+      </p:sp>
+      <p:sp>
+        <p:nvSpPr>
+          <p:cNvPr id="26" name="Oval 25"/>
+          <p:cNvSpPr/>
+          <p:nvPr/>
+        </p:nvSpPr>
+        <p:spPr>
+          <a:xfrm>
+            <a:off x="4509724" y="3043566"/>
+            <a:ext cx="1667336" cy="1689479"/>
+          </a:xfrm>
+          <a:prstGeom prst="ellipse">
+            <a:avLst/>
+          </a:prstGeom>
+          <a:solidFill>
+            <a:srgbClr val="FDB1ED"/>
+          </a:solidFill>
+          <a:ln w="19050">
+            <a:solidFill>
+              <a:schemeClr val="tx1"/>
+            </a:solidFill>
+          </a:ln>
+          <a:effectLst>
+            <a:outerShdw blurRad="50800" dist="38100" dir="2700000" algn="tl" rotWithShape="0">
+              <a:prstClr val="black">
+                <a:alpha val="40000"/>
+              </a:prstClr>
+            </a:outerShdw>
+          </a:effectLst>
+        </p:spPr>
+        <p:style>
+          <a:lnRef idx="2">
+            <a:schemeClr val="accent1">
+              <a:shade val="50000"/>
+            </a:schemeClr>
+          </a:lnRef>
+          <a:fillRef idx="1">
+            <a:schemeClr val="accent1"/>
+          </a:fillRef>
+          <a:effectRef idx="0">
+            <a:schemeClr val="accent1"/>
+          </a:effectRef>
+          <a:fontRef idx="minor">
+            <a:schemeClr val="lt1"/>
+          </a:fontRef>
+        </p:style>
+        <p:txBody>
+          <a:bodyPr rtlCol="0" anchor="ctr"/>
+          <a:lstStyle/>
+          <a:p>
+            <a:pPr algn="ctr"/>
+            <a:endParaRPr lang="en-US">
+              <a:solidFill>
+                <a:prstClr val="white"/>
+              </a:solidFill>
+            </a:endParaRPr>
+          </a:p>
+        </p:txBody>
+      </p:sp>
+      <mc:AlternateContent xmlns:mc="http://schemas.openxmlformats.org/markup-compatibility/2006" xmlns:a14="http://schemas.microsoft.com/office/drawing/2010/main">
+        <mc:Choice Requires="a14">
+          <p:sp>
+            <p:nvSpPr>
+              <p:cNvPr id="29" name="TextBox 28"/>
+              <p:cNvSpPr txBox="1"/>
+              <p:nvPr/>
+            </p:nvSpPr>
+            <p:spPr>
+              <a:xfrm>
+                <a:off x="3629243" y="1782908"/>
+                <a:ext cx="513089" cy="400110"/>
+              </a:xfrm>
+              <a:prstGeom prst="rect">
+                <a:avLst/>
+              </a:prstGeom>
+              <a:noFill/>
+            </p:spPr>
+            <p:txBody>
+              <a:bodyPr wrap="none" rtlCol="0">
+                <a:spAutoFit/>
+              </a:bodyPr>
+              <a:lstStyle/>
+              <a:p>
+                <a:pPr/>
+                <a14:m>
+                  <m:oMathPara xmlns:m="http://schemas.openxmlformats.org/officeDocument/2006/math">
+                    <m:oMathParaPr>
+                      <m:jc m:val="centerGroup"/>
+                    </m:oMathParaPr>
+                    <m:oMath xmlns:m="http://schemas.openxmlformats.org/officeDocument/2006/math">
+                      <m:sSub>
+                        <m:sSubPr>
+                          <m:ctrlPr>
+                            <a:rPr lang="en-US" sz="2000" i="1" smtClean="0">
+                              <a:solidFill>
+                                <a:prstClr val="black"/>
+                              </a:solidFill>
+                              <a:latin typeface="Cambria Math" panose="02040503050406030204" pitchFamily="18" charset="0"/>
+                              <a:ea typeface="Cambria Math"/>
+                            </a:rPr>
+                          </m:ctrlPr>
+                        </m:sSubPr>
+                        <m:e>
+                          <m:r>
+                            <a:rPr lang="en-US" sz="2000" i="1" smtClean="0">
+                              <a:solidFill>
+                                <a:prstClr val="black"/>
+                              </a:solidFill>
+                              <a:latin typeface="Cambria Math"/>
+                              <a:ea typeface="Cambria Math"/>
+                            </a:rPr>
+                            <m:t>𝐵</m:t>
+                          </m:r>
+                        </m:e>
+                        <m:sub>
+                          <m:r>
+                            <a:rPr lang="en-US" sz="2000" i="1" smtClean="0">
+                              <a:solidFill>
+                                <a:prstClr val="black"/>
+                              </a:solidFill>
+                              <a:latin typeface="Cambria Math"/>
+                              <a:ea typeface="Cambria Math"/>
+                            </a:rPr>
+                            <m:t>1</m:t>
+                          </m:r>
+                        </m:sub>
+                      </m:sSub>
+                    </m:oMath>
+                  </m:oMathPara>
+                </a14:m>
+                <a:endParaRPr lang="en-US" sz="2000" dirty="0">
+                  <a:solidFill>
+                    <a:prstClr val="black"/>
+                  </a:solidFill>
+                </a:endParaRPr>
+              </a:p>
+            </p:txBody>
+          </p:sp>
+        </mc:Choice>
+        <mc:Fallback xmlns="">
+          <p:sp>
+            <p:nvSpPr>
+              <p:cNvPr id="29" name="TextBox 28"/>
+              <p:cNvSpPr txBox="1">
+                <a:spLocks noRot="1" noChangeAspect="1" noMove="1" noResize="1" noEditPoints="1" noAdjustHandles="1" noChangeArrowheads="1" noChangeShapeType="1" noTextEdit="1"/>
+              </p:cNvSpPr>
+              <p:nvPr/>
+            </p:nvSpPr>
+            <p:spPr>
+              <a:xfrm>
+                <a:off x="3629243" y="1782908"/>
+                <a:ext cx="513089" cy="400110"/>
+              </a:xfrm>
+              <a:prstGeom prst="rect">
+                <a:avLst/>
+              </a:prstGeom>
+              <a:blipFill rotWithShape="1">
+                <a:blip r:embed="rId3"/>
+                <a:stretch>
+                  <a:fillRect/>
+                </a:stretch>
+              </a:blipFill>
+            </p:spPr>
+            <p:txBody>
+              <a:bodyPr/>
+              <a:lstStyle/>
+              <a:p>
+                <a:r>
+                  <a:rPr lang="en-US">
+                    <a:noFill/>
+                  </a:rPr>
+                  <a:t> </a:t>
+                </a:r>
+              </a:p>
+            </p:txBody>
+          </p:sp>
+        </mc:Fallback>
+      </mc:AlternateContent>
+      <mc:AlternateContent xmlns:mc="http://schemas.openxmlformats.org/markup-compatibility/2006" xmlns:a14="http://schemas.microsoft.com/office/drawing/2010/main">
+        <mc:Choice Requires="a14">
+          <p:sp>
+            <p:nvSpPr>
+              <p:cNvPr id="30" name="TextBox 29"/>
+              <p:cNvSpPr txBox="1"/>
+              <p:nvPr/>
+            </p:nvSpPr>
+            <p:spPr>
+              <a:xfrm>
+                <a:off x="5127449" y="4754920"/>
+                <a:ext cx="519053" cy="400110"/>
+              </a:xfrm>
+              <a:prstGeom prst="rect">
+                <a:avLst/>
+              </a:prstGeom>
+              <a:noFill/>
+            </p:spPr>
+            <p:txBody>
+              <a:bodyPr wrap="none" rtlCol="0">
+                <a:spAutoFit/>
+              </a:bodyPr>
+              <a:lstStyle/>
+              <a:p>
+                <a:pPr/>
+                <a14:m>
+                  <m:oMathPara xmlns:m="http://schemas.openxmlformats.org/officeDocument/2006/math">
+                    <m:oMathParaPr>
+                      <m:jc m:val="centerGroup"/>
+                    </m:oMathParaPr>
+                    <m:oMath xmlns:m="http://schemas.openxmlformats.org/officeDocument/2006/math">
+                      <m:sSub>
+                        <m:sSubPr>
+                          <m:ctrlPr>
+                            <a:rPr lang="en-US" sz="2000" i="1" smtClean="0">
+                              <a:solidFill>
+                                <a:prstClr val="black"/>
+                              </a:solidFill>
+                              <a:latin typeface="Cambria Math" panose="02040503050406030204" pitchFamily="18" charset="0"/>
+                              <a:ea typeface="Cambria Math"/>
+                            </a:rPr>
+                          </m:ctrlPr>
+                        </m:sSubPr>
+                        <m:e>
+                          <m:r>
+                            <a:rPr lang="en-US" sz="2000" i="1" smtClean="0">
+                              <a:solidFill>
+                                <a:prstClr val="black"/>
+                              </a:solidFill>
+                              <a:latin typeface="Cambria Math"/>
+                              <a:ea typeface="Cambria Math"/>
+                            </a:rPr>
+                            <m:t>𝐵</m:t>
+                          </m:r>
+                        </m:e>
+                        <m:sub>
+                          <m:r>
+                            <a:rPr lang="en-US" sz="2000" i="1" smtClean="0">
+                              <a:solidFill>
+                                <a:prstClr val="black"/>
+                              </a:solidFill>
+                              <a:latin typeface="Cambria Math"/>
+                              <a:ea typeface="Cambria Math"/>
+                            </a:rPr>
+                            <m:t>2</m:t>
+                          </m:r>
+                        </m:sub>
+                      </m:sSub>
+                    </m:oMath>
+                  </m:oMathPara>
+                </a14:m>
+                <a:endParaRPr lang="en-US" sz="2000" dirty="0">
+                  <a:solidFill>
+                    <a:prstClr val="black"/>
+                  </a:solidFill>
+                </a:endParaRPr>
+              </a:p>
+            </p:txBody>
+          </p:sp>
+        </mc:Choice>
+        <mc:Fallback xmlns="">
+          <p:sp>
+            <p:nvSpPr>
+              <p:cNvPr id="30" name="TextBox 29"/>
+              <p:cNvSpPr txBox="1">
+                <a:spLocks noRot="1" noChangeAspect="1" noMove="1" noResize="1" noEditPoints="1" noAdjustHandles="1" noChangeArrowheads="1" noChangeShapeType="1" noTextEdit="1"/>
+              </p:cNvSpPr>
+              <p:nvPr/>
+            </p:nvSpPr>
+            <p:spPr>
+              <a:xfrm>
+                <a:off x="5127449" y="4754920"/>
+                <a:ext cx="519053" cy="400110"/>
+              </a:xfrm>
+              <a:prstGeom prst="rect">
+                <a:avLst/>
+              </a:prstGeom>
+              <a:blipFill rotWithShape="1">
+                <a:blip r:embed="rId4"/>
+                <a:stretch>
+                  <a:fillRect/>
+                </a:stretch>
+              </a:blipFill>
+            </p:spPr>
+            <p:txBody>
+              <a:bodyPr/>
+              <a:lstStyle/>
+              <a:p>
+                <a:r>
+                  <a:rPr lang="en-US">
+                    <a:noFill/>
+                  </a:rPr>
+                  <a:t> </a:t>
+                </a:r>
+              </a:p>
+            </p:txBody>
+          </p:sp>
+        </mc:Fallback>
+      </mc:AlternateContent>
+      <p:cxnSp>
+        <p:nvCxnSpPr>
+          <p:cNvPr id="34" name="Straight Arrow Connector 33"/>
+          <p:cNvCxnSpPr/>
+          <p:nvPr/>
+        </p:nvCxnSpPr>
+        <p:spPr>
+          <a:xfrm flipH="1" flipV="1">
+            <a:off x="2556565" y="2243527"/>
+            <a:ext cx="4357255" cy="2625438"/>
+          </a:xfrm>
+          <a:prstGeom prst="straightConnector1">
+            <a:avLst/>
+          </a:prstGeom>
+          <a:ln w="25400">
+            <a:solidFill>
+              <a:schemeClr val="bg1">
+                <a:lumMod val="50000"/>
+              </a:schemeClr>
+            </a:solidFill>
+            <a:prstDash val="dash"/>
+            <a:headEnd type="none"/>
+            <a:tailEnd type="none"/>
+          </a:ln>
+        </p:spPr>
+        <p:style>
+          <a:lnRef idx="1">
+            <a:schemeClr val="accent1"/>
+          </a:lnRef>
+          <a:fillRef idx="0">
+            <a:schemeClr val="accent1"/>
+          </a:fillRef>
+          <a:effectRef idx="0">
+            <a:schemeClr val="accent1"/>
+          </a:effectRef>
+          <a:fontRef idx="minor">
+            <a:schemeClr val="tx1"/>
+          </a:fontRef>
+        </p:style>
+      </p:cxnSp>
+      <p:cxnSp>
+        <p:nvCxnSpPr>
+          <p:cNvPr id="35" name="Straight Arrow Connector 34"/>
+          <p:cNvCxnSpPr/>
+          <p:nvPr/>
+        </p:nvCxnSpPr>
+        <p:spPr>
+          <a:xfrm flipV="1">
+            <a:off x="3602586" y="2063418"/>
+            <a:ext cx="1870361" cy="3082637"/>
+          </a:xfrm>
+          <a:prstGeom prst="straightConnector1">
+            <a:avLst/>
+          </a:prstGeom>
+          <a:ln w="25400">
+            <a:solidFill>
+              <a:schemeClr val="bg1">
+                <a:lumMod val="50000"/>
+              </a:schemeClr>
+            </a:solidFill>
+            <a:prstDash val="dash"/>
+            <a:headEnd type="none"/>
+            <a:tailEnd type="none"/>
+          </a:ln>
+        </p:spPr>
+        <p:style>
+          <a:lnRef idx="1">
+            <a:schemeClr val="accent1"/>
+          </a:lnRef>
+          <a:fillRef idx="0">
+            <a:schemeClr val="accent1"/>
+          </a:fillRef>
+          <a:effectRef idx="0">
+            <a:schemeClr val="accent1"/>
+          </a:effectRef>
+          <a:fontRef idx="minor">
+            <a:schemeClr val="tx1"/>
+          </a:fontRef>
+        </p:style>
+      </p:cxnSp>
+      <p:cxnSp>
+        <p:nvCxnSpPr>
+          <p:cNvPr id="36" name="Straight Arrow Connector 35"/>
+          <p:cNvCxnSpPr/>
+          <p:nvPr/>
+        </p:nvCxnSpPr>
+        <p:spPr>
+          <a:xfrm flipH="1" flipV="1">
+            <a:off x="4614895" y="3485228"/>
+            <a:ext cx="518583" cy="308724"/>
+          </a:xfrm>
+          <a:prstGeom prst="straightConnector1">
+            <a:avLst/>
+          </a:prstGeom>
+          <a:ln w="31750" cap="rnd">
+            <a:solidFill>
+              <a:schemeClr val="tx1"/>
+            </a:solidFill>
+            <a:headEnd type="arrow"/>
+            <a:tailEnd type="none"/>
+          </a:ln>
+          <a:effectLst>
+            <a:outerShdw blurRad="50800" dist="38100" dir="2700000" algn="tl" rotWithShape="0">
+              <a:prstClr val="black">
+                <a:alpha val="40000"/>
+              </a:prstClr>
+            </a:outerShdw>
+          </a:effectLst>
+        </p:spPr>
+        <p:style>
+          <a:lnRef idx="1">
+            <a:schemeClr val="accent1"/>
+          </a:lnRef>
+          <a:fillRef idx="0">
+            <a:schemeClr val="accent1"/>
+          </a:fillRef>
+          <a:effectRef idx="0">
+            <a:schemeClr val="accent1"/>
+          </a:effectRef>
+          <a:fontRef idx="minor">
+            <a:schemeClr val="tx1"/>
+          </a:fontRef>
+        </p:style>
+      </p:cxnSp>
+      <mc:AlternateContent xmlns:mc="http://schemas.openxmlformats.org/markup-compatibility/2006" xmlns:a14="http://schemas.microsoft.com/office/drawing/2010/main">
+        <mc:Choice Requires="a14">
+          <p:sp>
+            <p:nvSpPr>
+              <p:cNvPr id="39" name="TextBox 38"/>
+              <p:cNvSpPr txBox="1"/>
+              <p:nvPr/>
+            </p:nvSpPr>
+            <p:spPr>
+              <a:xfrm>
+                <a:off x="4698780" y="3285173"/>
+                <a:ext cx="519053" cy="400110"/>
+              </a:xfrm>
+              <a:prstGeom prst="rect">
+                <a:avLst/>
+              </a:prstGeom>
+              <a:noFill/>
+            </p:spPr>
+            <p:txBody>
+              <a:bodyPr wrap="square" rtlCol="0">
+                <a:spAutoFit/>
+              </a:bodyPr>
+              <a:lstStyle/>
+              <a:p>
+                <a:pPr/>
+                <a14:m>
+                  <m:oMathPara xmlns:m="http://schemas.openxmlformats.org/officeDocument/2006/math">
+                    <m:oMathParaPr>
+                      <m:jc m:val="centerGroup"/>
+                    </m:oMathParaPr>
+                    <m:oMath xmlns:m="http://schemas.openxmlformats.org/officeDocument/2006/math">
+                      <m:acc>
+                        <m:accPr>
+                          <m:chr m:val="̂"/>
+                          <m:ctrlPr>
+                            <a:rPr lang="en-US" sz="2000" i="1" smtClean="0">
+                              <a:solidFill>
+                                <a:prstClr val="black"/>
+                              </a:solidFill>
+                              <a:latin typeface="Cambria Math" panose="02040503050406030204" pitchFamily="18" charset="0"/>
+                            </a:rPr>
+                          </m:ctrlPr>
+                        </m:accPr>
+                        <m:e>
+                          <m:r>
+                            <a:rPr lang="en-US" sz="2000" i="1" smtClean="0">
+                              <a:solidFill>
+                                <a:prstClr val="black"/>
+                              </a:solidFill>
+                              <a:latin typeface="Cambria Math"/>
+                            </a:rPr>
+                            <m:t>𝑛</m:t>
+                          </m:r>
+                        </m:e>
+                      </m:acc>
+                    </m:oMath>
+                  </m:oMathPara>
+                </a14:m>
+                <a:endParaRPr lang="en-US" sz="2000" dirty="0">
+                  <a:solidFill>
+                    <a:prstClr val="black"/>
+                  </a:solidFill>
+                </a:endParaRPr>
+              </a:p>
+            </p:txBody>
+          </p:sp>
+        </mc:Choice>
+        <mc:Fallback xmlns="">
+          <p:sp>
+            <p:nvSpPr>
+              <p:cNvPr id="39" name="TextBox 38"/>
+              <p:cNvSpPr txBox="1">
+                <a:spLocks noRot="1" noChangeAspect="1" noMove="1" noResize="1" noEditPoints="1" noAdjustHandles="1" noChangeArrowheads="1" noChangeShapeType="1" noTextEdit="1"/>
+              </p:cNvSpPr>
+              <p:nvPr/>
+            </p:nvSpPr>
+            <p:spPr>
+              <a:xfrm>
+                <a:off x="4698780" y="3285173"/>
+                <a:ext cx="519053" cy="400110"/>
+              </a:xfrm>
+              <a:prstGeom prst="rect">
+                <a:avLst/>
+              </a:prstGeom>
+              <a:blipFill rotWithShape="1">
+                <a:blip r:embed="rId5"/>
+                <a:stretch>
+                  <a:fillRect t="-6061" r="-25882"/>
+                </a:stretch>
+              </a:blipFill>
+            </p:spPr>
+            <p:txBody>
+              <a:bodyPr/>
+              <a:lstStyle/>
+              <a:p>
+                <a:r>
+                  <a:rPr lang="en-US">
+                    <a:noFill/>
+                  </a:rPr>
+                  <a:t> </a:t>
+                </a:r>
+              </a:p>
+            </p:txBody>
+          </p:sp>
+        </mc:Fallback>
+      </mc:AlternateContent>
+      <p:sp>
+        <p:nvSpPr>
+          <p:cNvPr id="9" name="Rectangle 8"/>
+          <p:cNvSpPr/>
+          <p:nvPr/>
+        </p:nvSpPr>
+        <p:spPr>
+          <a:xfrm rot="1916611">
+            <a:off x="4446867" y="3167636"/>
+            <a:ext cx="242659" cy="274156"/>
+          </a:xfrm>
+          <a:prstGeom prst="rect">
+            <a:avLst/>
+          </a:prstGeom>
+          <a:noFill/>
+          <a:ln w="15875">
+            <a:solidFill>
+              <a:schemeClr val="bg1">
+                <a:lumMod val="75000"/>
+              </a:schemeClr>
+            </a:solidFill>
+            <a:prstDash val="dash"/>
+          </a:ln>
+        </p:spPr>
+        <p:style>
+          <a:lnRef idx="2">
+            <a:schemeClr val="accent1">
+              <a:shade val="50000"/>
+            </a:schemeClr>
+          </a:lnRef>
+          <a:fillRef idx="1">
+            <a:schemeClr val="accent1"/>
+          </a:fillRef>
+          <a:effectRef idx="0">
+            <a:schemeClr val="accent1"/>
+          </a:effectRef>
+          <a:fontRef idx="minor">
+            <a:schemeClr val="lt1"/>
+          </a:fontRef>
+        </p:style>
+        <p:txBody>
+          <a:bodyPr rtlCol="0" anchor="ctr"/>
+          <a:lstStyle/>
+          <a:p>
+            <a:pPr algn="ctr"/>
+            <a:endParaRPr lang="en-US">
+              <a:solidFill>
+                <a:prstClr val="white"/>
+              </a:solidFill>
+            </a:endParaRPr>
+          </a:p>
+        </p:txBody>
+      </p:sp>
+    </p:spTree>
+    <p:extLst>
+      <p:ext uri="{BB962C8B-B14F-4D97-AF65-F5344CB8AC3E}">
+        <p14:creationId xmlns:p14="http://schemas.microsoft.com/office/powerpoint/2010/main" val="2945582951"/>
+      </p:ext>
+    </p:extLst>
+  </p:cSld>
+  <p:clrMapOvr>
+    <a:masterClrMapping/>
+  </p:clrMapOvr>
+  <mc:AlternateContent xmlns:mc="http://schemas.openxmlformats.org/markup-compatibility/2006" xmlns:p14="http://schemas.microsoft.com/office/powerpoint/2010/main">
+    <mc:Choice Requires="p14">
+      <p:transition p14:dur="10"/>
+    </mc:Choice>
+    <mc:Fallback xmlns="">
+      <p:transition/>
+    </mc:Fallback>
+  </mc:AlternateContent>
+</p:sld>
+</file>
+
+<file path=ppt/slides/slide7.xml><?xml version="1.0" encoding="utf-8"?>
+<p:sld xmlns:a="http://schemas.openxmlformats.org/drawingml/2006/main" xmlns:r="http://schemas.openxmlformats.org/officeDocument/2006/relationships" xmlns:p="http://schemas.openxmlformats.org/presentationml/2006/main">
+  <p:cSld>
+    <p:spTree>
+      <p:nvGrpSpPr>
+        <p:cNvPr id="1" name=""/>
+        <p:cNvGrpSpPr/>
+        <p:nvPr/>
+      </p:nvGrpSpPr>
+      <p:grpSpPr>
+        <a:xfrm>
+          <a:off x="0" y="0"/>
+          <a:ext cx="0" cy="0"/>
+          <a:chOff x="0" y="0"/>
+          <a:chExt cx="0" cy="0"/>
+        </a:xfrm>
+      </p:grpSpPr>
+      <p:sp>
+        <p:nvSpPr>
+          <p:cNvPr id="2" name="Oval 1">
+            <a:extLst>
+              <a:ext uri="{FF2B5EF4-FFF2-40B4-BE49-F238E27FC236}">
+                <a16:creationId xmlns:a16="http://schemas.microsoft.com/office/drawing/2014/main" id="{76882713-B746-FC46-1437-505084C2A513}"/>
+              </a:ext>
+            </a:extLst>
+          </p:cNvPr>
+          <p:cNvSpPr/>
+          <p:nvPr/>
+        </p:nvSpPr>
+        <p:spPr>
+          <a:xfrm>
+            <a:off x="981436" y="1698718"/>
+            <a:ext cx="833668" cy="844739"/>
+          </a:xfrm>
+          <a:prstGeom prst="ellipse">
+            <a:avLst/>
+          </a:prstGeom>
+          <a:solidFill>
+            <a:srgbClr val="D1FFFF"/>
+          </a:solidFill>
+          <a:ln w="19050">
+            <a:solidFill>
+              <a:schemeClr val="tx1"/>
+            </a:solidFill>
+          </a:ln>
+          <a:effectLst>
+            <a:outerShdw blurRad="50800" dist="38100" dir="2700000" algn="tl" rotWithShape="0">
+              <a:prstClr val="black">
+                <a:alpha val="40000"/>
+              </a:prstClr>
+            </a:outerShdw>
+          </a:effectLst>
+        </p:spPr>
+        <p:style>
+          <a:lnRef idx="2">
+            <a:schemeClr val="accent1">
+              <a:shade val="50000"/>
+            </a:schemeClr>
+          </a:lnRef>
+          <a:fillRef idx="1">
+            <a:schemeClr val="accent1"/>
+          </a:fillRef>
+          <a:effectRef idx="0">
+            <a:schemeClr val="accent1"/>
+          </a:effectRef>
+          <a:fontRef idx="minor">
+            <a:schemeClr val="lt1"/>
+          </a:fontRef>
+        </p:style>
+        <p:txBody>
+          <a:bodyPr rtlCol="0" anchor="ctr"/>
+          <a:lstStyle/>
+          <a:p>
+            <a:pPr algn="ctr"/>
+            <a:endParaRPr lang="en-US">
+              <a:solidFill>
+                <a:prstClr val="white"/>
+              </a:solidFill>
+            </a:endParaRPr>
+          </a:p>
+        </p:txBody>
+      </p:sp>
+      <p:sp>
+        <p:nvSpPr>
+          <p:cNvPr id="3" name="Oval 2">
+            <a:extLst>
+              <a:ext uri="{FF2B5EF4-FFF2-40B4-BE49-F238E27FC236}">
+                <a16:creationId xmlns:a16="http://schemas.microsoft.com/office/drawing/2014/main" id="{8F544353-0F60-3754-543A-437805B9D876}"/>
+              </a:ext>
+            </a:extLst>
+          </p:cNvPr>
+          <p:cNvSpPr/>
+          <p:nvPr/>
+        </p:nvSpPr>
+        <p:spPr>
+          <a:xfrm>
+            <a:off x="2617470" y="1698717"/>
+            <a:ext cx="833668" cy="844739"/>
+          </a:xfrm>
+          <a:prstGeom prst="ellipse">
+            <a:avLst/>
+          </a:prstGeom>
+          <a:solidFill>
+            <a:srgbClr val="FDB1ED"/>
+          </a:solidFill>
+          <a:ln w="19050">
+            <a:solidFill>
+              <a:schemeClr val="tx1"/>
+            </a:solidFill>
+          </a:ln>
+          <a:effectLst>
+            <a:outerShdw blurRad="50800" dist="38100" dir="2700000" algn="tl" rotWithShape="0">
+              <a:prstClr val="black">
+                <a:alpha val="40000"/>
+              </a:prstClr>
+            </a:outerShdw>
+          </a:effectLst>
+        </p:spPr>
+        <p:style>
+          <a:lnRef idx="2">
+            <a:schemeClr val="accent1">
+              <a:shade val="50000"/>
+            </a:schemeClr>
+          </a:lnRef>
+          <a:fillRef idx="1">
+            <a:schemeClr val="accent1"/>
+          </a:fillRef>
+          <a:effectRef idx="0">
+            <a:schemeClr val="accent1"/>
+          </a:effectRef>
+          <a:fontRef idx="minor">
+            <a:schemeClr val="lt1"/>
+          </a:fontRef>
+        </p:style>
+        <p:txBody>
+          <a:bodyPr rtlCol="0" anchor="ctr"/>
+          <a:lstStyle/>
+          <a:p>
+            <a:pPr algn="ctr"/>
+            <a:endParaRPr lang="en-US">
+              <a:solidFill>
+                <a:prstClr val="white"/>
+              </a:solidFill>
+            </a:endParaRPr>
+          </a:p>
+        </p:txBody>
+      </p:sp>
+      <p:cxnSp>
+        <p:nvCxnSpPr>
+          <p:cNvPr id="4" name="Straight Arrow Connector 3">
+            <a:extLst>
+              <a:ext uri="{FF2B5EF4-FFF2-40B4-BE49-F238E27FC236}">
+                <a16:creationId xmlns:a16="http://schemas.microsoft.com/office/drawing/2014/main" id="{5B3DCC16-8C11-254D-B6FD-C5A24F9D7BB9}"/>
+              </a:ext>
+            </a:extLst>
+          </p:cNvPr>
+          <p:cNvCxnSpPr/>
+          <p:nvPr/>
+        </p:nvCxnSpPr>
+        <p:spPr>
+          <a:xfrm flipH="1">
+            <a:off x="1398270" y="2126802"/>
+            <a:ext cx="685800" cy="0"/>
+          </a:xfrm>
+          <a:prstGeom prst="straightConnector1">
+            <a:avLst/>
+          </a:prstGeom>
+          <a:ln w="31750" cap="rnd">
+            <a:solidFill>
+              <a:schemeClr val="tx1"/>
+            </a:solidFill>
+            <a:headEnd type="arrow"/>
+            <a:tailEnd type="none"/>
+          </a:ln>
+          <a:effectLst>
+            <a:outerShdw blurRad="50800" dist="38100" dir="2700000" algn="tl" rotWithShape="0">
+              <a:prstClr val="black">
+                <a:alpha val="40000"/>
+              </a:prstClr>
+            </a:outerShdw>
+          </a:effectLst>
+        </p:spPr>
+        <p:style>
+          <a:lnRef idx="1">
+            <a:schemeClr val="accent1"/>
+          </a:lnRef>
+          <a:fillRef idx="0">
+            <a:schemeClr val="accent1"/>
+          </a:fillRef>
+          <a:effectRef idx="0">
+            <a:schemeClr val="accent1"/>
+          </a:effectRef>
+          <a:fontRef idx="minor">
+            <a:schemeClr val="tx1"/>
+          </a:fontRef>
+        </p:style>
+      </p:cxnSp>
+      <p:cxnSp>
+        <p:nvCxnSpPr>
+          <p:cNvPr id="5" name="Straight Arrow Connector 4">
+            <a:extLst>
+              <a:ext uri="{FF2B5EF4-FFF2-40B4-BE49-F238E27FC236}">
+                <a16:creationId xmlns:a16="http://schemas.microsoft.com/office/drawing/2014/main" id="{22A7EAA5-39C8-57D6-04B6-D1E350595B90}"/>
+              </a:ext>
+            </a:extLst>
+          </p:cNvPr>
+          <p:cNvCxnSpPr/>
+          <p:nvPr/>
+        </p:nvCxnSpPr>
+        <p:spPr>
+          <a:xfrm flipV="1">
+            <a:off x="2236470" y="2126261"/>
+            <a:ext cx="797834" cy="541"/>
+          </a:xfrm>
+          <a:prstGeom prst="straightConnector1">
+            <a:avLst/>
+          </a:prstGeom>
+          <a:ln w="31750" cap="rnd">
+            <a:solidFill>
+              <a:schemeClr val="tx1"/>
+            </a:solidFill>
+            <a:headEnd type="arrow"/>
+            <a:tailEnd type="none"/>
+          </a:ln>
+          <a:effectLst>
+            <a:outerShdw blurRad="50800" dist="38100" dir="2700000" algn="tl" rotWithShape="0">
+              <a:prstClr val="black">
+                <a:alpha val="40000"/>
+              </a:prstClr>
+            </a:outerShdw>
+          </a:effectLst>
+        </p:spPr>
+        <p:style>
+          <a:lnRef idx="1">
+            <a:schemeClr val="accent1"/>
+          </a:lnRef>
+          <a:fillRef idx="0">
+            <a:schemeClr val="accent1"/>
+          </a:fillRef>
+          <a:effectRef idx="0">
+            <a:schemeClr val="accent1"/>
+          </a:effectRef>
+          <a:fontRef idx="minor">
+            <a:schemeClr val="tx1"/>
+          </a:fontRef>
+        </p:style>
+      </p:cxnSp>
+      <mc:AlternateContent xmlns:mc="http://schemas.openxmlformats.org/markup-compatibility/2006">
+        <mc:Choice xmlns:a14="http://schemas.microsoft.com/office/drawing/2010/main" Requires="a14">
+          <p:sp>
+            <p:nvSpPr>
+              <p:cNvPr id="6" name="TextBox 5">
+                <a:extLst>
+                  <a:ext uri="{FF2B5EF4-FFF2-40B4-BE49-F238E27FC236}">
+                    <a16:creationId xmlns:a16="http://schemas.microsoft.com/office/drawing/2014/main" id="{C35A14DC-9ACF-180A-964E-52A04CC93E95}"/>
+                  </a:ext>
+                </a:extLst>
+              </p:cNvPr>
+              <p:cNvSpPr txBox="1"/>
+              <p:nvPr/>
+            </p:nvSpPr>
+            <p:spPr>
+              <a:xfrm>
+                <a:off x="1690457" y="1636916"/>
+                <a:ext cx="609600" cy="461665"/>
+              </a:xfrm>
+              <a:prstGeom prst="rect">
+                <a:avLst/>
+              </a:prstGeom>
+              <a:noFill/>
+            </p:spPr>
+            <p:txBody>
+              <a:bodyPr wrap="square" rtlCol="0">
+                <a:spAutoFit/>
+              </a:bodyPr>
+              <a:lstStyle/>
+              <a:p>
+                <a:pPr/>
+                <a14:m>
+                  <m:oMathPara xmlns:m="http://schemas.openxmlformats.org/officeDocument/2006/math">
+                    <m:oMathParaPr>
+                      <m:jc m:val="centerGroup"/>
+                    </m:oMathParaPr>
+                    <m:oMath xmlns:m="http://schemas.openxmlformats.org/officeDocument/2006/math">
+                      <m:sSub>
+                        <m:sSubPr>
+                          <m:ctrlPr>
+                            <a:rPr lang="en-US" sz="2400" i="1" smtClean="0">
+                              <a:solidFill>
+                                <a:prstClr val="black"/>
+                              </a:solidFill>
+                              <a:latin typeface="Cambria Math" panose="02040503050406030204" pitchFamily="18" charset="0"/>
+                            </a:rPr>
+                          </m:ctrlPr>
+                        </m:sSubPr>
+                        <m:e>
+                          <m:r>
+                            <a:rPr lang="en-US" sz="2400" b="0" i="1" smtClean="0">
+                              <a:solidFill>
+                                <a:prstClr val="black"/>
+                              </a:solidFill>
+                              <a:latin typeface="Cambria Math" panose="02040503050406030204" pitchFamily="18" charset="0"/>
+                            </a:rPr>
+                            <m:t>𝑣</m:t>
+                          </m:r>
+                        </m:e>
+                        <m:sub>
+                          <m:r>
+                            <a:rPr lang="en-US" sz="2400" i="1">
+                              <a:solidFill>
+                                <a:prstClr val="black"/>
+                              </a:solidFill>
+                              <a:latin typeface="Cambria Math" panose="02040503050406030204" pitchFamily="18" charset="0"/>
+                            </a:rPr>
+                            <m:t>1</m:t>
+                          </m:r>
+                        </m:sub>
+                      </m:sSub>
+                    </m:oMath>
+                  </m:oMathPara>
+                </a14:m>
+                <a:endParaRPr lang="en-US" sz="2400" dirty="0">
+                  <a:solidFill>
+                    <a:prstClr val="black"/>
+                  </a:solidFill>
+                </a:endParaRPr>
+              </a:p>
+            </p:txBody>
+          </p:sp>
+        </mc:Choice>
+        <mc:Fallback>
+          <p:sp>
+            <p:nvSpPr>
+              <p:cNvPr id="6" name="TextBox 5">
+                <a:extLst>
+                  <a:ext uri="{FF2B5EF4-FFF2-40B4-BE49-F238E27FC236}">
+                    <a16:creationId xmlns:a16="http://schemas.microsoft.com/office/drawing/2014/main" id="{C35A14DC-9ACF-180A-964E-52A04CC93E95}"/>
+                  </a:ext>
+                </a:extLst>
+              </p:cNvPr>
+              <p:cNvSpPr txBox="1">
+                <a:spLocks noRot="1" noChangeAspect="1" noMove="1" noResize="1" noEditPoints="1" noAdjustHandles="1" noChangeArrowheads="1" noChangeShapeType="1" noTextEdit="1"/>
+              </p:cNvSpPr>
+              <p:nvPr/>
+            </p:nvSpPr>
+            <p:spPr>
+              <a:xfrm>
+                <a:off x="1690457" y="1636916"/>
+                <a:ext cx="609600" cy="461665"/>
+              </a:xfrm>
+              <a:prstGeom prst="rect">
+                <a:avLst/>
+              </a:prstGeom>
+              <a:blipFill>
+                <a:blip r:embed="rId2"/>
+                <a:stretch>
+                  <a:fillRect b="-1333"/>
+                </a:stretch>
+              </a:blipFill>
+            </p:spPr>
+            <p:txBody>
+              <a:bodyPr/>
+              <a:lstStyle/>
+              <a:p>
+                <a:r>
+                  <a:rPr lang="en-US">
+                    <a:noFill/>
+                  </a:rPr>
+                  <a:t> </a:t>
+                </a:r>
+              </a:p>
+            </p:txBody>
+          </p:sp>
+        </mc:Fallback>
+      </mc:AlternateContent>
+      <mc:AlternateContent xmlns:mc="http://schemas.openxmlformats.org/markup-compatibility/2006">
+        <mc:Choice xmlns:a14="http://schemas.microsoft.com/office/drawing/2010/main" Requires="a14">
+          <p:sp>
+            <p:nvSpPr>
+              <p:cNvPr id="7" name="TextBox 6">
+                <a:extLst>
+                  <a:ext uri="{FF2B5EF4-FFF2-40B4-BE49-F238E27FC236}">
+                    <a16:creationId xmlns:a16="http://schemas.microsoft.com/office/drawing/2014/main" id="{0510FFCC-B4F7-20E1-10B9-C386E3A38449}"/>
+                  </a:ext>
+                </a:extLst>
+              </p:cNvPr>
+              <p:cNvSpPr txBox="1"/>
+              <p:nvPr/>
+            </p:nvSpPr>
+            <p:spPr>
+              <a:xfrm>
+                <a:off x="2163453" y="1644447"/>
+                <a:ext cx="609600" cy="461665"/>
+              </a:xfrm>
+              <a:prstGeom prst="rect">
+                <a:avLst/>
+              </a:prstGeom>
+              <a:noFill/>
+            </p:spPr>
+            <p:txBody>
+              <a:bodyPr wrap="square" rtlCol="0">
+                <a:spAutoFit/>
+              </a:bodyPr>
+              <a:lstStyle/>
+              <a:p>
+                <a:pPr/>
+                <a14:m>
+                  <m:oMathPara xmlns:m="http://schemas.openxmlformats.org/officeDocument/2006/math">
+                    <m:oMathParaPr>
+                      <m:jc m:val="centerGroup"/>
+                    </m:oMathParaPr>
+                    <m:oMath xmlns:m="http://schemas.openxmlformats.org/officeDocument/2006/math">
+                      <m:sSub>
+                        <m:sSubPr>
+                          <m:ctrlPr>
+                            <a:rPr lang="en-US" sz="2400" i="1" smtClean="0">
+                              <a:solidFill>
+                                <a:prstClr val="black"/>
+                              </a:solidFill>
+                              <a:latin typeface="Cambria Math" panose="02040503050406030204" pitchFamily="18" charset="0"/>
+                            </a:rPr>
+                          </m:ctrlPr>
+                        </m:sSubPr>
+                        <m:e>
+                          <m:r>
+                            <a:rPr lang="en-US" sz="2400" b="0" i="1" smtClean="0">
+                              <a:solidFill>
+                                <a:prstClr val="black"/>
+                              </a:solidFill>
+                              <a:latin typeface="Cambria Math" panose="02040503050406030204" pitchFamily="18" charset="0"/>
+                            </a:rPr>
+                            <m:t>𝑣</m:t>
+                          </m:r>
+                        </m:e>
+                        <m:sub>
+                          <m:r>
+                            <a:rPr lang="en-US" sz="2400" i="1" smtClean="0">
+                              <a:solidFill>
+                                <a:prstClr val="black"/>
+                              </a:solidFill>
+                              <a:latin typeface="Cambria Math" panose="02040503050406030204" pitchFamily="18" charset="0"/>
+                            </a:rPr>
+                            <m:t>2</m:t>
+                          </m:r>
+                        </m:sub>
+                      </m:sSub>
+                    </m:oMath>
+                  </m:oMathPara>
+                </a14:m>
+                <a:endParaRPr lang="en-US" sz="2400" dirty="0">
+                  <a:solidFill>
+                    <a:prstClr val="black"/>
+                  </a:solidFill>
+                </a:endParaRPr>
+              </a:p>
+            </p:txBody>
+          </p:sp>
+        </mc:Choice>
+        <mc:Fallback>
+          <p:sp>
+            <p:nvSpPr>
+              <p:cNvPr id="7" name="TextBox 6">
+                <a:extLst>
+                  <a:ext uri="{FF2B5EF4-FFF2-40B4-BE49-F238E27FC236}">
+                    <a16:creationId xmlns:a16="http://schemas.microsoft.com/office/drawing/2014/main" id="{0510FFCC-B4F7-20E1-10B9-C386E3A38449}"/>
+                  </a:ext>
+                </a:extLst>
+              </p:cNvPr>
+              <p:cNvSpPr txBox="1">
+                <a:spLocks noRot="1" noChangeAspect="1" noMove="1" noResize="1" noEditPoints="1" noAdjustHandles="1" noChangeArrowheads="1" noChangeShapeType="1" noTextEdit="1"/>
+              </p:cNvSpPr>
+              <p:nvPr/>
+            </p:nvSpPr>
+            <p:spPr>
+              <a:xfrm>
+                <a:off x="2163453" y="1644447"/>
+                <a:ext cx="609600" cy="461665"/>
+              </a:xfrm>
+              <a:prstGeom prst="rect">
+                <a:avLst/>
+              </a:prstGeom>
+              <a:blipFill>
+                <a:blip r:embed="rId3"/>
+                <a:stretch>
+                  <a:fillRect b="-1333"/>
+                </a:stretch>
+              </a:blipFill>
+            </p:spPr>
+            <p:txBody>
+              <a:bodyPr/>
+              <a:lstStyle/>
+              <a:p>
+                <a:r>
+                  <a:rPr lang="en-US">
+                    <a:noFill/>
+                  </a:rPr>
+                  <a:t> </a:t>
+                </a:r>
+              </a:p>
+            </p:txBody>
+          </p:sp>
+        </mc:Fallback>
+      </mc:AlternateContent>
+      <p:sp>
+        <p:nvSpPr>
+          <p:cNvPr id="8" name="Oval 7">
+            <a:extLst>
+              <a:ext uri="{FF2B5EF4-FFF2-40B4-BE49-F238E27FC236}">
+                <a16:creationId xmlns:a16="http://schemas.microsoft.com/office/drawing/2014/main" id="{285DD871-BFA3-D1E4-50B8-1429DFA7C947}"/>
+              </a:ext>
+            </a:extLst>
+          </p:cNvPr>
+          <p:cNvSpPr/>
+          <p:nvPr/>
+        </p:nvSpPr>
+        <p:spPr>
+          <a:xfrm>
+            <a:off x="5907766" y="1698718"/>
+            <a:ext cx="833668" cy="844739"/>
+          </a:xfrm>
+          <a:prstGeom prst="ellipse">
+            <a:avLst/>
+          </a:prstGeom>
+          <a:solidFill>
+            <a:srgbClr val="D1FFFF"/>
+          </a:solidFill>
+          <a:ln w="19050">
+            <a:solidFill>
+              <a:schemeClr val="tx1"/>
+            </a:solidFill>
+          </a:ln>
+          <a:effectLst>
+            <a:outerShdw blurRad="50800" dist="38100" dir="2700000" algn="tl" rotWithShape="0">
+              <a:prstClr val="black">
+                <a:alpha val="40000"/>
+              </a:prstClr>
+            </a:outerShdw>
+          </a:effectLst>
+        </p:spPr>
+        <p:style>
+          <a:lnRef idx="2">
+            <a:schemeClr val="accent1">
+              <a:shade val="50000"/>
+            </a:schemeClr>
+          </a:lnRef>
+          <a:fillRef idx="1">
+            <a:schemeClr val="accent1"/>
+          </a:fillRef>
+          <a:effectRef idx="0">
+            <a:schemeClr val="accent1"/>
+          </a:effectRef>
+          <a:fontRef idx="minor">
+            <a:schemeClr val="lt1"/>
+          </a:fontRef>
+        </p:style>
+        <p:txBody>
+          <a:bodyPr rtlCol="0" anchor="ctr"/>
+          <a:lstStyle/>
+          <a:p>
+            <a:pPr algn="ctr"/>
+            <a:endParaRPr lang="en-US">
+              <a:solidFill>
+                <a:prstClr val="white"/>
+              </a:solidFill>
+            </a:endParaRPr>
+          </a:p>
+        </p:txBody>
+      </p:sp>
+      <p:sp>
+        <p:nvSpPr>
+          <p:cNvPr id="9" name="Oval 8">
+            <a:extLst>
+              <a:ext uri="{FF2B5EF4-FFF2-40B4-BE49-F238E27FC236}">
+                <a16:creationId xmlns:a16="http://schemas.microsoft.com/office/drawing/2014/main" id="{74D65C1B-BA2E-AE5C-025C-348827B7469C}"/>
+              </a:ext>
+            </a:extLst>
+          </p:cNvPr>
+          <p:cNvSpPr/>
+          <p:nvPr/>
+        </p:nvSpPr>
+        <p:spPr>
+          <a:xfrm>
+            <a:off x="7280672" y="1698717"/>
+            <a:ext cx="833668" cy="844739"/>
+          </a:xfrm>
+          <a:prstGeom prst="ellipse">
+            <a:avLst/>
+          </a:prstGeom>
+          <a:solidFill>
+            <a:srgbClr val="FDB1ED"/>
+          </a:solidFill>
+          <a:ln w="19050">
+            <a:solidFill>
+              <a:schemeClr val="tx1"/>
+            </a:solidFill>
+          </a:ln>
+          <a:effectLst>
+            <a:outerShdw blurRad="50800" dist="38100" dir="2700000" algn="tl" rotWithShape="0">
+              <a:prstClr val="black">
+                <a:alpha val="40000"/>
+              </a:prstClr>
+            </a:outerShdw>
+          </a:effectLst>
+        </p:spPr>
+        <p:style>
+          <a:lnRef idx="2">
+            <a:schemeClr val="accent1">
+              <a:shade val="50000"/>
+            </a:schemeClr>
+          </a:lnRef>
+          <a:fillRef idx="1">
+            <a:schemeClr val="accent1"/>
+          </a:fillRef>
+          <a:effectRef idx="0">
+            <a:schemeClr val="accent1"/>
+          </a:effectRef>
+          <a:fontRef idx="minor">
+            <a:schemeClr val="lt1"/>
+          </a:fontRef>
+        </p:style>
+        <p:txBody>
+          <a:bodyPr rtlCol="0" anchor="ctr"/>
+          <a:lstStyle/>
+          <a:p>
+            <a:pPr algn="ctr"/>
+            <a:endParaRPr lang="en-US">
+              <a:solidFill>
+                <a:prstClr val="white"/>
+              </a:solidFill>
+            </a:endParaRPr>
+          </a:p>
+        </p:txBody>
+      </p:sp>
+      <p:cxnSp>
+        <p:nvCxnSpPr>
+          <p:cNvPr id="10" name="Straight Arrow Connector 9">
+            <a:extLst>
+              <a:ext uri="{FF2B5EF4-FFF2-40B4-BE49-F238E27FC236}">
+                <a16:creationId xmlns:a16="http://schemas.microsoft.com/office/drawing/2014/main" id="{76C23FFA-8A21-8736-7291-81BCFB9719CC}"/>
+              </a:ext>
+            </a:extLst>
+          </p:cNvPr>
+          <p:cNvCxnSpPr/>
+          <p:nvPr/>
+        </p:nvCxnSpPr>
+        <p:spPr>
+          <a:xfrm flipH="1">
+            <a:off x="7697506" y="2126802"/>
+            <a:ext cx="685800" cy="0"/>
+          </a:xfrm>
+          <a:prstGeom prst="straightConnector1">
+            <a:avLst/>
+          </a:prstGeom>
+          <a:ln w="31750" cap="rnd">
+            <a:solidFill>
+              <a:schemeClr val="tx1"/>
+            </a:solidFill>
+            <a:headEnd type="arrow"/>
+            <a:tailEnd type="none"/>
+          </a:ln>
+          <a:effectLst>
+            <a:outerShdw blurRad="50800" dist="38100" dir="2700000" algn="tl" rotWithShape="0">
+              <a:prstClr val="black">
+                <a:alpha val="40000"/>
+              </a:prstClr>
+            </a:outerShdw>
+          </a:effectLst>
+        </p:spPr>
+        <p:style>
+          <a:lnRef idx="1">
+            <a:schemeClr val="accent1"/>
+          </a:lnRef>
+          <a:fillRef idx="0">
+            <a:schemeClr val="accent1"/>
+          </a:fillRef>
+          <a:effectRef idx="0">
+            <a:schemeClr val="accent1"/>
+          </a:effectRef>
+          <a:fontRef idx="minor">
+            <a:schemeClr val="tx1"/>
+          </a:fontRef>
+        </p:style>
+      </p:cxnSp>
+      <p:cxnSp>
+        <p:nvCxnSpPr>
+          <p:cNvPr id="11" name="Straight Arrow Connector 10">
+            <a:extLst>
+              <a:ext uri="{FF2B5EF4-FFF2-40B4-BE49-F238E27FC236}">
+                <a16:creationId xmlns:a16="http://schemas.microsoft.com/office/drawing/2014/main" id="{B7BC7779-9E0A-8717-2DCA-3AD4A28E8F08}"/>
+              </a:ext>
+            </a:extLst>
+          </p:cNvPr>
+          <p:cNvCxnSpPr/>
+          <p:nvPr/>
+        </p:nvCxnSpPr>
+        <p:spPr>
+          <a:xfrm flipV="1">
+            <a:off x="5526766" y="2130612"/>
+            <a:ext cx="797834" cy="541"/>
+          </a:xfrm>
+          <a:prstGeom prst="straightConnector1">
+            <a:avLst/>
+          </a:prstGeom>
+          <a:ln w="31750" cap="rnd">
+            <a:solidFill>
+              <a:schemeClr val="tx1"/>
+            </a:solidFill>
+            <a:headEnd type="arrow"/>
+            <a:tailEnd type="none"/>
+          </a:ln>
+          <a:effectLst>
+            <a:outerShdw blurRad="50800" dist="38100" dir="2700000" algn="tl" rotWithShape="0">
+              <a:prstClr val="black">
+                <a:alpha val="40000"/>
+              </a:prstClr>
+            </a:outerShdw>
+          </a:effectLst>
+        </p:spPr>
+        <p:style>
+          <a:lnRef idx="1">
+            <a:schemeClr val="accent1"/>
+          </a:lnRef>
+          <a:fillRef idx="0">
+            <a:schemeClr val="accent1"/>
+          </a:fillRef>
+          <a:effectRef idx="0">
+            <a:schemeClr val="accent1"/>
+          </a:effectRef>
+          <a:fontRef idx="minor">
+            <a:schemeClr val="tx1"/>
+          </a:fontRef>
+        </p:style>
+      </p:cxnSp>
+      <mc:AlternateContent xmlns:mc="http://schemas.openxmlformats.org/markup-compatibility/2006">
+        <mc:Choice xmlns:a14="http://schemas.microsoft.com/office/drawing/2010/main" Requires="a14">
+          <p:sp>
+            <p:nvSpPr>
+              <p:cNvPr id="12" name="TextBox 11">
+                <a:extLst>
+                  <a:ext uri="{FF2B5EF4-FFF2-40B4-BE49-F238E27FC236}">
+                    <a16:creationId xmlns:a16="http://schemas.microsoft.com/office/drawing/2014/main" id="{36D4AAE5-4AAA-512B-7709-FEF791B47215}"/>
+                  </a:ext>
+                </a:extLst>
+              </p:cNvPr>
+              <p:cNvSpPr txBox="1"/>
+              <p:nvPr/>
+            </p:nvSpPr>
+            <p:spPr>
+              <a:xfrm>
+                <a:off x="5412466" y="1643312"/>
+                <a:ext cx="609600" cy="461665"/>
+              </a:xfrm>
+              <a:prstGeom prst="rect">
+                <a:avLst/>
+              </a:prstGeom>
+              <a:noFill/>
+            </p:spPr>
+            <p:txBody>
+              <a:bodyPr wrap="square" rtlCol="0">
+                <a:spAutoFit/>
+              </a:bodyPr>
+              <a:lstStyle/>
+              <a:p>
+                <a:pPr/>
+                <a14:m>
+                  <m:oMathPara xmlns:m="http://schemas.openxmlformats.org/officeDocument/2006/math">
+                    <m:oMathParaPr>
+                      <m:jc m:val="centerGroup"/>
+                    </m:oMathParaPr>
+                    <m:oMath xmlns:m="http://schemas.openxmlformats.org/officeDocument/2006/math">
+                      <m:sSub>
+                        <m:sSubPr>
+                          <m:ctrlPr>
+                            <a:rPr lang="en-US" sz="2400" i="1" smtClean="0">
+                              <a:solidFill>
+                                <a:prstClr val="black"/>
+                              </a:solidFill>
+                              <a:latin typeface="Cambria Math" panose="02040503050406030204" pitchFamily="18" charset="0"/>
+                            </a:rPr>
+                          </m:ctrlPr>
+                        </m:sSubPr>
+                        <m:e>
+                          <m:r>
+                            <a:rPr lang="en-US" sz="2400" i="1" smtClean="0">
+                              <a:solidFill>
+                                <a:prstClr val="black"/>
+                              </a:solidFill>
+                              <a:latin typeface="Cambria Math" panose="02040503050406030204" pitchFamily="18" charset="0"/>
+                            </a:rPr>
+                            <m:t>𝑣</m:t>
+                          </m:r>
+                        </m:e>
+                        <m:sub>
+                          <m:r>
+                            <a:rPr lang="en-US" sz="2400" i="1">
+                              <a:solidFill>
+                                <a:prstClr val="black"/>
+                              </a:solidFill>
+                              <a:latin typeface="Cambria Math" panose="02040503050406030204" pitchFamily="18" charset="0"/>
+                            </a:rPr>
+                            <m:t>1</m:t>
+                          </m:r>
+                        </m:sub>
+                      </m:sSub>
+                      <m:r>
+                        <a:rPr lang="en-US" sz="2400" b="0" i="1" smtClean="0">
+                          <a:solidFill>
+                            <a:prstClr val="black"/>
+                          </a:solidFill>
+                          <a:latin typeface="Cambria Math" panose="02040503050406030204" pitchFamily="18" charset="0"/>
+                        </a:rPr>
+                        <m:t>′</m:t>
+                      </m:r>
+                    </m:oMath>
+                  </m:oMathPara>
+                </a14:m>
+                <a:endParaRPr lang="en-US" sz="2400" dirty="0">
+                  <a:solidFill>
+                    <a:prstClr val="black"/>
+                  </a:solidFill>
+                </a:endParaRPr>
+              </a:p>
+            </p:txBody>
+          </p:sp>
+        </mc:Choice>
+        <mc:Fallback>
+          <p:sp>
+            <p:nvSpPr>
+              <p:cNvPr id="12" name="TextBox 11">
+                <a:extLst>
+                  <a:ext uri="{FF2B5EF4-FFF2-40B4-BE49-F238E27FC236}">
+                    <a16:creationId xmlns:a16="http://schemas.microsoft.com/office/drawing/2014/main" id="{36D4AAE5-4AAA-512B-7709-FEF791B47215}"/>
+                  </a:ext>
+                </a:extLst>
+              </p:cNvPr>
+              <p:cNvSpPr txBox="1">
+                <a:spLocks noRot="1" noChangeAspect="1" noMove="1" noResize="1" noEditPoints="1" noAdjustHandles="1" noChangeArrowheads="1" noChangeShapeType="1" noTextEdit="1"/>
+              </p:cNvSpPr>
+              <p:nvPr/>
+            </p:nvSpPr>
+            <p:spPr>
+              <a:xfrm>
+                <a:off x="5412466" y="1643312"/>
+                <a:ext cx="609600" cy="461665"/>
+              </a:xfrm>
+              <a:prstGeom prst="rect">
+                <a:avLst/>
+              </a:prstGeom>
+              <a:blipFill>
+                <a:blip r:embed="rId4"/>
+                <a:stretch>
+                  <a:fillRect b="-1333"/>
+                </a:stretch>
+              </a:blipFill>
+            </p:spPr>
+            <p:txBody>
+              <a:bodyPr/>
+              <a:lstStyle/>
+              <a:p>
+                <a:r>
+                  <a:rPr lang="en-US">
+                    <a:noFill/>
+                  </a:rPr>
+                  <a:t> </a:t>
+                </a:r>
+              </a:p>
+            </p:txBody>
+          </p:sp>
+        </mc:Fallback>
+      </mc:AlternateContent>
+      <mc:AlternateContent xmlns:mc="http://schemas.openxmlformats.org/markup-compatibility/2006">
+        <mc:Choice xmlns:a14="http://schemas.microsoft.com/office/drawing/2010/main" Requires="a14">
+          <p:sp>
+            <p:nvSpPr>
+              <p:cNvPr id="13" name="TextBox 12">
+                <a:extLst>
+                  <a:ext uri="{FF2B5EF4-FFF2-40B4-BE49-F238E27FC236}">
+                    <a16:creationId xmlns:a16="http://schemas.microsoft.com/office/drawing/2014/main" id="{F9FC1D0A-AD83-D98A-CEAF-F02DB206C09E}"/>
+                  </a:ext>
+                </a:extLst>
+              </p:cNvPr>
+              <p:cNvSpPr txBox="1"/>
+              <p:nvPr/>
+            </p:nvSpPr>
+            <p:spPr>
+              <a:xfrm>
+                <a:off x="8040406" y="1643312"/>
+                <a:ext cx="609600" cy="461665"/>
+              </a:xfrm>
+              <a:prstGeom prst="rect">
+                <a:avLst/>
+              </a:prstGeom>
+              <a:noFill/>
+            </p:spPr>
+            <p:txBody>
+              <a:bodyPr wrap="square" rtlCol="0">
+                <a:spAutoFit/>
+              </a:bodyPr>
+              <a:lstStyle/>
+              <a:p>
+                <a:pPr/>
+                <a14:m>
+                  <m:oMathPara xmlns:m="http://schemas.openxmlformats.org/officeDocument/2006/math">
+                    <m:oMathParaPr>
+                      <m:jc m:val="centerGroup"/>
+                    </m:oMathParaPr>
+                    <m:oMath xmlns:m="http://schemas.openxmlformats.org/officeDocument/2006/math">
+                      <m:sSub>
+                        <m:sSubPr>
+                          <m:ctrlPr>
+                            <a:rPr lang="en-US" sz="2400" i="1" smtClean="0">
+                              <a:solidFill>
+                                <a:prstClr val="black"/>
+                              </a:solidFill>
+                              <a:latin typeface="Cambria Math" panose="02040503050406030204" pitchFamily="18" charset="0"/>
+                            </a:rPr>
+                          </m:ctrlPr>
+                        </m:sSubPr>
+                        <m:e>
+                          <m:r>
+                            <a:rPr lang="en-US" sz="2400" i="1">
+                              <a:solidFill>
+                                <a:prstClr val="black"/>
+                              </a:solidFill>
+                              <a:latin typeface="Cambria Math" panose="02040503050406030204" pitchFamily="18" charset="0"/>
+                            </a:rPr>
+                            <m:t>𝑣</m:t>
+                          </m:r>
+                        </m:e>
+                        <m:sub>
+                          <m:r>
+                            <a:rPr lang="en-US" sz="2400" i="1" smtClean="0">
+                              <a:solidFill>
+                                <a:prstClr val="black"/>
+                              </a:solidFill>
+                              <a:latin typeface="Cambria Math" panose="02040503050406030204" pitchFamily="18" charset="0"/>
+                            </a:rPr>
+                            <m:t>2</m:t>
+                          </m:r>
+                        </m:sub>
+                      </m:sSub>
+                      <m:r>
+                        <a:rPr lang="en-US" sz="2400" b="0" i="1" smtClean="0">
+                          <a:solidFill>
+                            <a:prstClr val="black"/>
+                          </a:solidFill>
+                          <a:latin typeface="Cambria Math" panose="02040503050406030204" pitchFamily="18" charset="0"/>
+                        </a:rPr>
+                        <m:t>′</m:t>
+                      </m:r>
+                    </m:oMath>
+                  </m:oMathPara>
+                </a14:m>
+                <a:endParaRPr lang="en-US" sz="2400" dirty="0">
+                  <a:solidFill>
+                    <a:prstClr val="black"/>
+                  </a:solidFill>
+                </a:endParaRPr>
+              </a:p>
+            </p:txBody>
+          </p:sp>
+        </mc:Choice>
+        <mc:Fallback>
+          <p:sp>
+            <p:nvSpPr>
+              <p:cNvPr id="13" name="TextBox 12">
+                <a:extLst>
+                  <a:ext uri="{FF2B5EF4-FFF2-40B4-BE49-F238E27FC236}">
+                    <a16:creationId xmlns:a16="http://schemas.microsoft.com/office/drawing/2014/main" id="{F9FC1D0A-AD83-D98A-CEAF-F02DB206C09E}"/>
+                  </a:ext>
+                </a:extLst>
+              </p:cNvPr>
+              <p:cNvSpPr txBox="1">
+                <a:spLocks noRot="1" noChangeAspect="1" noMove="1" noResize="1" noEditPoints="1" noAdjustHandles="1" noChangeArrowheads="1" noChangeShapeType="1" noTextEdit="1"/>
+              </p:cNvSpPr>
+              <p:nvPr/>
+            </p:nvSpPr>
+            <p:spPr>
+              <a:xfrm>
+                <a:off x="8040406" y="1643312"/>
+                <a:ext cx="609600" cy="461665"/>
+              </a:xfrm>
+              <a:prstGeom prst="rect">
+                <a:avLst/>
+              </a:prstGeom>
+              <a:blipFill>
+                <a:blip r:embed="rId5"/>
+                <a:stretch>
+                  <a:fillRect r="-1000" b="-1333"/>
+                </a:stretch>
+              </a:blipFill>
+            </p:spPr>
+            <p:txBody>
+              <a:bodyPr/>
+              <a:lstStyle/>
+              <a:p>
+                <a:r>
+                  <a:rPr lang="en-US">
+                    <a:noFill/>
+                  </a:rPr>
+                  <a:t> </a:t>
+                </a:r>
+              </a:p>
+            </p:txBody>
+          </p:sp>
+        </mc:Fallback>
+      </mc:AlternateContent>
+      <mc:AlternateContent xmlns:mc="http://schemas.openxmlformats.org/markup-compatibility/2006">
+        <mc:Choice xmlns:a14="http://schemas.microsoft.com/office/drawing/2010/main" Requires="a14">
+          <p:sp>
+            <p:nvSpPr>
+              <p:cNvPr id="14" name="TextBox 13">
+                <a:extLst>
+                  <a:ext uri="{FF2B5EF4-FFF2-40B4-BE49-F238E27FC236}">
+                    <a16:creationId xmlns:a16="http://schemas.microsoft.com/office/drawing/2014/main" id="{067F7AC4-1968-044F-15EE-9549B40F7BC6}"/>
+                  </a:ext>
+                </a:extLst>
+              </p:cNvPr>
+              <p:cNvSpPr txBox="1"/>
+              <p:nvPr/>
+            </p:nvSpPr>
+            <p:spPr>
+              <a:xfrm>
+                <a:off x="1141725" y="1243202"/>
+                <a:ext cx="513089" cy="400110"/>
+              </a:xfrm>
+              <a:prstGeom prst="rect">
+                <a:avLst/>
+              </a:prstGeom>
+              <a:noFill/>
+            </p:spPr>
+            <p:txBody>
+              <a:bodyPr wrap="none" rtlCol="0">
+                <a:spAutoFit/>
+              </a:bodyPr>
+              <a:lstStyle/>
+              <a:p>
+                <a:pPr/>
+                <a14:m>
+                  <m:oMathPara xmlns:m="http://schemas.openxmlformats.org/officeDocument/2006/math">
+                    <m:oMathParaPr>
+                      <m:jc m:val="centerGroup"/>
+                    </m:oMathParaPr>
+                    <m:oMath xmlns:m="http://schemas.openxmlformats.org/officeDocument/2006/math">
+                      <m:sSub>
+                        <m:sSubPr>
+                          <m:ctrlPr>
+                            <a:rPr lang="en-US" sz="2000" i="1" smtClean="0">
+                              <a:solidFill>
+                                <a:prstClr val="black"/>
+                              </a:solidFill>
+                              <a:latin typeface="Cambria Math" panose="02040503050406030204" pitchFamily="18" charset="0"/>
+                              <a:ea typeface="Cambria Math"/>
+                            </a:rPr>
+                          </m:ctrlPr>
+                        </m:sSubPr>
+                        <m:e>
+                          <m:r>
+                            <a:rPr lang="en-US" sz="2000" i="1" smtClean="0">
+                              <a:solidFill>
+                                <a:prstClr val="black"/>
+                              </a:solidFill>
+                              <a:latin typeface="Cambria Math"/>
+                              <a:ea typeface="Cambria Math"/>
+                            </a:rPr>
+                            <m:t>𝐵</m:t>
+                          </m:r>
+                        </m:e>
+                        <m:sub>
+                          <m:r>
+                            <a:rPr lang="en-US" sz="2000" i="1" smtClean="0">
+                              <a:solidFill>
+                                <a:prstClr val="black"/>
+                              </a:solidFill>
+                              <a:latin typeface="Cambria Math"/>
+                              <a:ea typeface="Cambria Math"/>
+                            </a:rPr>
+                            <m:t>1</m:t>
+                          </m:r>
+                        </m:sub>
+                      </m:sSub>
+                    </m:oMath>
+                  </m:oMathPara>
+                </a14:m>
+                <a:endParaRPr lang="en-US" sz="2000" dirty="0">
+                  <a:solidFill>
+                    <a:prstClr val="black"/>
+                  </a:solidFill>
+                </a:endParaRPr>
+              </a:p>
+            </p:txBody>
+          </p:sp>
+        </mc:Choice>
+        <mc:Fallback>
+          <p:sp>
+            <p:nvSpPr>
+              <p:cNvPr id="14" name="TextBox 13">
+                <a:extLst>
+                  <a:ext uri="{FF2B5EF4-FFF2-40B4-BE49-F238E27FC236}">
+                    <a16:creationId xmlns:a16="http://schemas.microsoft.com/office/drawing/2014/main" id="{067F7AC4-1968-044F-15EE-9549B40F7BC6}"/>
+                  </a:ext>
+                </a:extLst>
+              </p:cNvPr>
+              <p:cNvSpPr txBox="1">
+                <a:spLocks noRot="1" noChangeAspect="1" noMove="1" noResize="1" noEditPoints="1" noAdjustHandles="1" noChangeArrowheads="1" noChangeShapeType="1" noTextEdit="1"/>
+              </p:cNvSpPr>
+              <p:nvPr/>
+            </p:nvSpPr>
+            <p:spPr>
+              <a:xfrm>
+                <a:off x="1141725" y="1243202"/>
+                <a:ext cx="513089" cy="400110"/>
+              </a:xfrm>
+              <a:prstGeom prst="rect">
+                <a:avLst/>
+              </a:prstGeom>
+              <a:blipFill>
+                <a:blip r:embed="rId6"/>
+                <a:stretch>
+                  <a:fillRect/>
+                </a:stretch>
+              </a:blipFill>
+            </p:spPr>
+            <p:txBody>
+              <a:bodyPr/>
+              <a:lstStyle/>
+              <a:p>
+                <a:r>
+                  <a:rPr lang="en-US">
+                    <a:noFill/>
+                  </a:rPr>
+                  <a:t> </a:t>
+                </a:r>
+              </a:p>
+            </p:txBody>
+          </p:sp>
+        </mc:Fallback>
+      </mc:AlternateContent>
+      <mc:AlternateContent xmlns:mc="http://schemas.openxmlformats.org/markup-compatibility/2006">
+        <mc:Choice xmlns:a14="http://schemas.microsoft.com/office/drawing/2010/main" Requires="a14">
+          <p:sp>
+            <p:nvSpPr>
+              <p:cNvPr id="15" name="TextBox 14">
+                <a:extLst>
+                  <a:ext uri="{FF2B5EF4-FFF2-40B4-BE49-F238E27FC236}">
+                    <a16:creationId xmlns:a16="http://schemas.microsoft.com/office/drawing/2014/main" id="{B291B095-C49E-1268-10AC-F1D05FD6CE97}"/>
+                  </a:ext>
+                </a:extLst>
+              </p:cNvPr>
+              <p:cNvSpPr txBox="1"/>
+              <p:nvPr/>
+            </p:nvSpPr>
+            <p:spPr>
+              <a:xfrm>
+                <a:off x="6068055" y="1234543"/>
+                <a:ext cx="513089" cy="400110"/>
+              </a:xfrm>
+              <a:prstGeom prst="rect">
+                <a:avLst/>
+              </a:prstGeom>
+              <a:noFill/>
+            </p:spPr>
+            <p:txBody>
+              <a:bodyPr wrap="none" rtlCol="0">
+                <a:spAutoFit/>
+              </a:bodyPr>
+              <a:lstStyle/>
+              <a:p>
+                <a:pPr/>
+                <a14:m>
+                  <m:oMathPara xmlns:m="http://schemas.openxmlformats.org/officeDocument/2006/math">
+                    <m:oMathParaPr>
+                      <m:jc m:val="centerGroup"/>
+                    </m:oMathParaPr>
+                    <m:oMath xmlns:m="http://schemas.openxmlformats.org/officeDocument/2006/math">
+                      <m:sSub>
+                        <m:sSubPr>
+                          <m:ctrlPr>
+                            <a:rPr lang="en-US" sz="2000" i="1" smtClean="0">
+                              <a:solidFill>
+                                <a:prstClr val="black"/>
+                              </a:solidFill>
+                              <a:latin typeface="Cambria Math" panose="02040503050406030204" pitchFamily="18" charset="0"/>
+                              <a:ea typeface="Cambria Math"/>
+                            </a:rPr>
+                          </m:ctrlPr>
+                        </m:sSubPr>
+                        <m:e>
+                          <m:r>
+                            <a:rPr lang="en-US" sz="2000" i="1" smtClean="0">
+                              <a:solidFill>
+                                <a:prstClr val="black"/>
+                              </a:solidFill>
+                              <a:latin typeface="Cambria Math"/>
+                              <a:ea typeface="Cambria Math"/>
+                            </a:rPr>
+                            <m:t>𝐵</m:t>
+                          </m:r>
+                        </m:e>
+                        <m:sub>
+                          <m:r>
+                            <a:rPr lang="en-US" sz="2000" i="1" smtClean="0">
+                              <a:solidFill>
+                                <a:prstClr val="black"/>
+                              </a:solidFill>
+                              <a:latin typeface="Cambria Math"/>
+                              <a:ea typeface="Cambria Math"/>
+                            </a:rPr>
+                            <m:t>1</m:t>
+                          </m:r>
+                        </m:sub>
+                      </m:sSub>
+                    </m:oMath>
+                  </m:oMathPara>
+                </a14:m>
+                <a:endParaRPr lang="en-US" sz="2000" dirty="0">
+                  <a:solidFill>
+                    <a:prstClr val="black"/>
+                  </a:solidFill>
+                </a:endParaRPr>
+              </a:p>
+            </p:txBody>
+          </p:sp>
+        </mc:Choice>
+        <mc:Fallback>
+          <p:sp>
+            <p:nvSpPr>
+              <p:cNvPr id="15" name="TextBox 14">
+                <a:extLst>
+                  <a:ext uri="{FF2B5EF4-FFF2-40B4-BE49-F238E27FC236}">
+                    <a16:creationId xmlns:a16="http://schemas.microsoft.com/office/drawing/2014/main" id="{B291B095-C49E-1268-10AC-F1D05FD6CE97}"/>
+                  </a:ext>
+                </a:extLst>
+              </p:cNvPr>
+              <p:cNvSpPr txBox="1">
+                <a:spLocks noRot="1" noChangeAspect="1" noMove="1" noResize="1" noEditPoints="1" noAdjustHandles="1" noChangeArrowheads="1" noChangeShapeType="1" noTextEdit="1"/>
+              </p:cNvSpPr>
+              <p:nvPr/>
+            </p:nvSpPr>
+            <p:spPr>
+              <a:xfrm>
+                <a:off x="6068055" y="1234543"/>
+                <a:ext cx="513089" cy="400110"/>
+              </a:xfrm>
+              <a:prstGeom prst="rect">
+                <a:avLst/>
+              </a:prstGeom>
+              <a:blipFill>
+                <a:blip r:embed="rId7"/>
+                <a:stretch>
+                  <a:fillRect/>
+                </a:stretch>
+              </a:blipFill>
+            </p:spPr>
+            <p:txBody>
+              <a:bodyPr/>
+              <a:lstStyle/>
+              <a:p>
+                <a:r>
+                  <a:rPr lang="en-US">
+                    <a:noFill/>
+                  </a:rPr>
+                  <a:t> </a:t>
+                </a:r>
+              </a:p>
+            </p:txBody>
+          </p:sp>
+        </mc:Fallback>
+      </mc:AlternateContent>
+      <mc:AlternateContent xmlns:mc="http://schemas.openxmlformats.org/markup-compatibility/2006">
+        <mc:Choice xmlns:a14="http://schemas.microsoft.com/office/drawing/2010/main" Requires="a14">
+          <p:sp>
+            <p:nvSpPr>
+              <p:cNvPr id="16" name="TextBox 15">
+                <a:extLst>
+                  <a:ext uri="{FF2B5EF4-FFF2-40B4-BE49-F238E27FC236}">
+                    <a16:creationId xmlns:a16="http://schemas.microsoft.com/office/drawing/2014/main" id="{C372107F-AEDE-D179-4B00-C71672F063D7}"/>
+                  </a:ext>
+                </a:extLst>
+              </p:cNvPr>
+              <p:cNvSpPr txBox="1"/>
+              <p:nvPr/>
+            </p:nvSpPr>
+            <p:spPr>
+              <a:xfrm>
+                <a:off x="2790776" y="1265321"/>
+                <a:ext cx="487056" cy="369332"/>
+              </a:xfrm>
+              <a:prstGeom prst="rect">
+                <a:avLst/>
+              </a:prstGeom>
+              <a:noFill/>
+            </p:spPr>
+            <p:txBody>
+              <a:bodyPr wrap="none" rtlCol="0">
+                <a:spAutoFit/>
+              </a:bodyPr>
+              <a:lstStyle/>
+              <a:p>
+                <a:pPr/>
+                <a14:m>
+                  <m:oMathPara xmlns:m="http://schemas.openxmlformats.org/officeDocument/2006/math">
+                    <m:oMathParaPr>
+                      <m:jc m:val="centerGroup"/>
+                    </m:oMathParaPr>
+                    <m:oMath xmlns:m="http://schemas.openxmlformats.org/officeDocument/2006/math">
+                      <m:sSub>
+                        <m:sSubPr>
+                          <m:ctrlPr>
+                            <a:rPr lang="en-US" i="1" smtClean="0">
+                              <a:solidFill>
+                                <a:prstClr val="black"/>
+                              </a:solidFill>
+                              <a:latin typeface="Cambria Math" panose="02040503050406030204" pitchFamily="18" charset="0"/>
+                              <a:ea typeface="Cambria Math"/>
+                            </a:rPr>
+                          </m:ctrlPr>
+                        </m:sSubPr>
+                        <m:e>
+                          <m:r>
+                            <a:rPr lang="en-US" i="1" smtClean="0">
+                              <a:solidFill>
+                                <a:prstClr val="black"/>
+                              </a:solidFill>
+                              <a:latin typeface="Cambria Math"/>
+                              <a:ea typeface="Cambria Math"/>
+                            </a:rPr>
+                            <m:t>𝐵</m:t>
+                          </m:r>
+                        </m:e>
+                        <m:sub>
+                          <m:r>
+                            <a:rPr lang="en-US" i="1" smtClean="0">
+                              <a:solidFill>
+                                <a:prstClr val="black"/>
+                              </a:solidFill>
+                              <a:latin typeface="Cambria Math"/>
+                              <a:ea typeface="Cambria Math"/>
+                            </a:rPr>
+                            <m:t>2</m:t>
+                          </m:r>
+                        </m:sub>
+                      </m:sSub>
+                    </m:oMath>
+                  </m:oMathPara>
+                </a14:m>
+                <a:endParaRPr lang="en-US" dirty="0">
+                  <a:solidFill>
+                    <a:prstClr val="black"/>
+                  </a:solidFill>
+                </a:endParaRPr>
+              </a:p>
+            </p:txBody>
+          </p:sp>
+        </mc:Choice>
+        <mc:Fallback>
+          <p:sp>
+            <p:nvSpPr>
+              <p:cNvPr id="16" name="TextBox 15">
+                <a:extLst>
+                  <a:ext uri="{FF2B5EF4-FFF2-40B4-BE49-F238E27FC236}">
+                    <a16:creationId xmlns:a16="http://schemas.microsoft.com/office/drawing/2014/main" id="{C372107F-AEDE-D179-4B00-C71672F063D7}"/>
+                  </a:ext>
+                </a:extLst>
+              </p:cNvPr>
+              <p:cNvSpPr txBox="1">
+                <a:spLocks noRot="1" noChangeAspect="1" noMove="1" noResize="1" noEditPoints="1" noAdjustHandles="1" noChangeArrowheads="1" noChangeShapeType="1" noTextEdit="1"/>
+              </p:cNvSpPr>
+              <p:nvPr/>
+            </p:nvSpPr>
+            <p:spPr>
+              <a:xfrm>
+                <a:off x="2790776" y="1265321"/>
+                <a:ext cx="487056" cy="369332"/>
+              </a:xfrm>
+              <a:prstGeom prst="rect">
+                <a:avLst/>
+              </a:prstGeom>
+              <a:blipFill>
+                <a:blip r:embed="rId8"/>
+                <a:stretch>
+                  <a:fillRect/>
+                </a:stretch>
+              </a:blipFill>
+            </p:spPr>
+            <p:txBody>
+              <a:bodyPr/>
+              <a:lstStyle/>
+              <a:p>
+                <a:r>
+                  <a:rPr lang="en-US">
+                    <a:noFill/>
+                  </a:rPr>
+                  <a:t> </a:t>
+                </a:r>
+              </a:p>
+            </p:txBody>
+          </p:sp>
+        </mc:Fallback>
+      </mc:AlternateContent>
+      <mc:AlternateContent xmlns:mc="http://schemas.openxmlformats.org/markup-compatibility/2006">
+        <mc:Choice xmlns:a14="http://schemas.microsoft.com/office/drawing/2010/main" Requires="a14">
+          <p:sp>
+            <p:nvSpPr>
+              <p:cNvPr id="17" name="TextBox 16">
+                <a:extLst>
+                  <a:ext uri="{FF2B5EF4-FFF2-40B4-BE49-F238E27FC236}">
+                    <a16:creationId xmlns:a16="http://schemas.microsoft.com/office/drawing/2014/main" id="{B3AF9F2D-0339-8AC6-70E0-39C3E0A405C6}"/>
+                  </a:ext>
+                </a:extLst>
+              </p:cNvPr>
+              <p:cNvSpPr txBox="1"/>
+              <p:nvPr/>
+            </p:nvSpPr>
+            <p:spPr>
+              <a:xfrm>
+                <a:off x="7453978" y="1258591"/>
+                <a:ext cx="487056" cy="369332"/>
+              </a:xfrm>
+              <a:prstGeom prst="rect">
+                <a:avLst/>
+              </a:prstGeom>
+              <a:noFill/>
+            </p:spPr>
+            <p:txBody>
+              <a:bodyPr wrap="none" rtlCol="0">
+                <a:spAutoFit/>
+              </a:bodyPr>
+              <a:lstStyle/>
+              <a:p>
+                <a:pPr/>
+                <a14:m>
+                  <m:oMathPara xmlns:m="http://schemas.openxmlformats.org/officeDocument/2006/math">
+                    <m:oMathParaPr>
+                      <m:jc m:val="centerGroup"/>
+                    </m:oMathParaPr>
+                    <m:oMath xmlns:m="http://schemas.openxmlformats.org/officeDocument/2006/math">
+                      <m:sSub>
+                        <m:sSubPr>
+                          <m:ctrlPr>
+                            <a:rPr lang="en-US" i="1" smtClean="0">
+                              <a:solidFill>
+                                <a:prstClr val="black"/>
+                              </a:solidFill>
+                              <a:latin typeface="Cambria Math" panose="02040503050406030204" pitchFamily="18" charset="0"/>
+                              <a:ea typeface="Cambria Math"/>
+                            </a:rPr>
+                          </m:ctrlPr>
+                        </m:sSubPr>
+                        <m:e>
+                          <m:r>
+                            <a:rPr lang="en-US" i="1" smtClean="0">
+                              <a:solidFill>
+                                <a:prstClr val="black"/>
+                              </a:solidFill>
+                              <a:latin typeface="Cambria Math"/>
+                              <a:ea typeface="Cambria Math"/>
+                            </a:rPr>
+                            <m:t>𝐵</m:t>
+                          </m:r>
+                        </m:e>
+                        <m:sub>
+                          <m:r>
+                            <a:rPr lang="en-US" i="1" smtClean="0">
+                              <a:solidFill>
+                                <a:prstClr val="black"/>
+                              </a:solidFill>
+                              <a:latin typeface="Cambria Math"/>
+                              <a:ea typeface="Cambria Math"/>
+                            </a:rPr>
+                            <m:t>2</m:t>
+                          </m:r>
+                        </m:sub>
+                      </m:sSub>
+                    </m:oMath>
+                  </m:oMathPara>
+                </a14:m>
+                <a:endParaRPr lang="en-US" dirty="0">
+                  <a:solidFill>
+                    <a:prstClr val="black"/>
+                  </a:solidFill>
+                </a:endParaRPr>
+              </a:p>
+            </p:txBody>
+          </p:sp>
+        </mc:Choice>
+        <mc:Fallback>
+          <p:sp>
+            <p:nvSpPr>
+              <p:cNvPr id="17" name="TextBox 16">
+                <a:extLst>
+                  <a:ext uri="{FF2B5EF4-FFF2-40B4-BE49-F238E27FC236}">
+                    <a16:creationId xmlns:a16="http://schemas.microsoft.com/office/drawing/2014/main" id="{B3AF9F2D-0339-8AC6-70E0-39C3E0A405C6}"/>
+                  </a:ext>
+                </a:extLst>
+              </p:cNvPr>
+              <p:cNvSpPr txBox="1">
+                <a:spLocks noRot="1" noChangeAspect="1" noMove="1" noResize="1" noEditPoints="1" noAdjustHandles="1" noChangeArrowheads="1" noChangeShapeType="1" noTextEdit="1"/>
+              </p:cNvSpPr>
+              <p:nvPr/>
+            </p:nvSpPr>
+            <p:spPr>
+              <a:xfrm>
+                <a:off x="7453978" y="1258591"/>
+                <a:ext cx="487056" cy="369332"/>
+              </a:xfrm>
+              <a:prstGeom prst="rect">
+                <a:avLst/>
+              </a:prstGeom>
+              <a:blipFill>
+                <a:blip r:embed="rId9"/>
+                <a:stretch>
+                  <a:fillRect/>
+                </a:stretch>
+              </a:blipFill>
+            </p:spPr>
+            <p:txBody>
+              <a:bodyPr/>
+              <a:lstStyle/>
+              <a:p>
+                <a:r>
+                  <a:rPr lang="en-US">
+                    <a:noFill/>
+                  </a:rPr>
+                  <a:t> </a:t>
+                </a:r>
+              </a:p>
+            </p:txBody>
+          </p:sp>
+        </mc:Fallback>
+      </mc:AlternateContent>
+    </p:spTree>
+    <p:extLst>
+      <p:ext uri="{BB962C8B-B14F-4D97-AF65-F5344CB8AC3E}">
+        <p14:creationId xmlns:p14="http://schemas.microsoft.com/office/powerpoint/2010/main" val="2727434866"/>
       </p:ext>
     </p:extLst>
   </p:cSld>
@@ -6792,4 +11112,299 @@
     </a:ext>
   </a:extLst>
 </a:theme>
+</file>
+
+<file path=ppt/theme/theme2.xml><?xml version="1.0" encoding="utf-8"?>
+<a:theme xmlns:a="http://schemas.openxmlformats.org/drawingml/2006/main" name="Office Theme">
+  <a:themeElements>
+    <a:clrScheme name="Office">
+      <a:dk1>
+        <a:sysClr val="windowText" lastClr="000000"/>
+      </a:dk1>
+      <a:lt1>
+        <a:sysClr val="window" lastClr="FFFFFF"/>
+      </a:lt1>
+      <a:dk2>
+        <a:srgbClr val="44546A"/>
+      </a:dk2>
+      <a:lt2>
+        <a:srgbClr val="E7E6E6"/>
+      </a:lt2>
+      <a:accent1>
+        <a:srgbClr val="4472C4"/>
+      </a:accent1>
+      <a:accent2>
+        <a:srgbClr val="ED7D31"/>
+      </a:accent2>
+      <a:accent3>
+        <a:srgbClr val="A5A5A5"/>
+      </a:accent3>
+      <a:accent4>
+        <a:srgbClr val="FFC000"/>
+      </a:accent4>
+      <a:accent5>
+        <a:srgbClr val="5B9BD5"/>
+      </a:accent5>
+      <a:accent6>
+        <a:srgbClr val="70AD47"/>
+      </a:accent6>
+      <a:hlink>
+        <a:srgbClr val="0563C1"/>
+      </a:hlink>
+      <a:folHlink>
+        <a:srgbClr val="954F72"/>
+      </a:folHlink>
+    </a:clrScheme>
+    <a:fontScheme name="Office">
+      <a:majorFont>
+        <a:latin typeface="Calibri Light" panose="020F0302020204030204"/>
+        <a:ea typeface=""/>
+        <a:cs typeface=""/>
+        <a:font script="Jpan" typeface="游ゴシック Light"/>
+        <a:font script="Hang" typeface="맑은 고딕"/>
+        <a:font script="Hans" typeface="等线 Light"/>
+        <a:font script="Hant" typeface="新細明體"/>
+        <a:font script="Arab" typeface="Times New Roman"/>
+        <a:font script="Hebr" typeface="Times New Roman"/>
+        <a:font script="Thai" typeface="Angsana New"/>
+        <a:font script="Ethi" typeface="Nyala"/>
+        <a:font script="Beng" typeface="Vrinda"/>
+        <a:font script="Gujr" typeface="Shruti"/>
+        <a:font script="Khmr" typeface="MoolBoran"/>
+        <a:font script="Knda" typeface="Tunga"/>
+        <a:font script="Guru" typeface="Raavi"/>
+        <a:font script="Cans" typeface="Euphemia"/>
+        <a:font script="Cher" typeface="Plantagenet Cherokee"/>
+        <a:font script="Yiii" typeface="Microsoft Yi Baiti"/>
+        <a:font script="Tibt" typeface="Microsoft Himalaya"/>
+        <a:font script="Thaa" typeface="MV Boli"/>
+        <a:font script="Deva" typeface="Mangal"/>
+        <a:font script="Telu" typeface="Gautami"/>
+        <a:font script="Taml" typeface="Latha"/>
+        <a:font script="Syrc" typeface="Estrangelo Edessa"/>
+        <a:font script="Orya" typeface="Kalinga"/>
+        <a:font script="Mlym" typeface="Kartika"/>
+        <a:font script="Laoo" typeface="DokChampa"/>
+        <a:font script="Sinh" typeface="Iskoola Pota"/>
+        <a:font script="Mong" typeface="Mongolian Baiti"/>
+        <a:font script="Viet" typeface="Times New Roman"/>
+        <a:font script="Uigh" typeface="Microsoft Uighur"/>
+        <a:font script="Geor" typeface="Sylfaen"/>
+        <a:font script="Armn" typeface="Arial"/>
+        <a:font script="Bugi" typeface="Leelawadee UI"/>
+        <a:font script="Bopo" typeface="Microsoft JhengHei"/>
+        <a:font script="Java" typeface="Javanese Text"/>
+        <a:font script="Lisu" typeface="Segoe UI"/>
+        <a:font script="Mymr" typeface="Myanmar Text"/>
+        <a:font script="Nkoo" typeface="Ebrima"/>
+        <a:font script="Olck" typeface="Nirmala UI"/>
+        <a:font script="Osma" typeface="Ebrima"/>
+        <a:font script="Phag" typeface="Phagspa"/>
+        <a:font script="Syrn" typeface="Estrangelo Edessa"/>
+        <a:font script="Syrj" typeface="Estrangelo Edessa"/>
+        <a:font script="Syre" typeface="Estrangelo Edessa"/>
+        <a:font script="Sora" typeface="Nirmala UI"/>
+        <a:font script="Tale" typeface="Microsoft Tai Le"/>
+        <a:font script="Talu" typeface="Microsoft New Tai Lue"/>
+        <a:font script="Tfng" typeface="Ebrima"/>
+      </a:majorFont>
+      <a:minorFont>
+        <a:latin typeface="Calibri" panose="020F0502020204030204"/>
+        <a:ea typeface=""/>
+        <a:cs typeface=""/>
+        <a:font script="Jpan" typeface="游ゴシック"/>
+        <a:font script="Hang" typeface="맑은 고딕"/>
+        <a:font script="Hans" typeface="等线"/>
+        <a:font script="Hant" typeface="新細明體"/>
+        <a:font script="Arab" typeface="Arial"/>
+        <a:font script="Hebr" typeface="Arial"/>
+        <a:font script="Thai" typeface="Cordia New"/>
+        <a:font script="Ethi" typeface="Nyala"/>
+        <a:font script="Beng" typeface="Vrinda"/>
+        <a:font script="Gujr" typeface="Shruti"/>
+        <a:font script="Khmr" typeface="DaunPenh"/>
+        <a:font script="Knda" typeface="Tunga"/>
+        <a:font script="Guru" typeface="Raavi"/>
+        <a:font script="Cans" typeface="Euphemia"/>
+        <a:font script="Cher" typeface="Plantagenet Cherokee"/>
+        <a:font script="Yiii" typeface="Microsoft Yi Baiti"/>
+        <a:font script="Tibt" typeface="Microsoft Himalaya"/>
+        <a:font script="Thaa" typeface="MV Boli"/>
+        <a:font script="Deva" typeface="Mangal"/>
+        <a:font script="Telu" typeface="Gautami"/>
+        <a:font script="Taml" typeface="Latha"/>
+        <a:font script="Syrc" typeface="Estrangelo Edessa"/>
+        <a:font script="Orya" typeface="Kalinga"/>
+        <a:font script="Mlym" typeface="Kartika"/>
+        <a:font script="Laoo" typeface="DokChampa"/>
+        <a:font script="Sinh" typeface="Iskoola Pota"/>
+        <a:font script="Mong" typeface="Mongolian Baiti"/>
+        <a:font script="Viet" typeface="Arial"/>
+        <a:font script="Uigh" typeface="Microsoft Uighur"/>
+        <a:font script="Geor" typeface="Sylfaen"/>
+        <a:font script="Armn" typeface="Arial"/>
+        <a:font script="Bugi" typeface="Leelawadee UI"/>
+        <a:font script="Bopo" typeface="Microsoft JhengHei"/>
+        <a:font script="Java" typeface="Javanese Text"/>
+        <a:font script="Lisu" typeface="Segoe UI"/>
+        <a:font script="Mymr" typeface="Myanmar Text"/>
+        <a:font script="Nkoo" typeface="Ebrima"/>
+        <a:font script="Olck" typeface="Nirmala UI"/>
+        <a:font script="Osma" typeface="Ebrima"/>
+        <a:font script="Phag" typeface="Phagspa"/>
+        <a:font script="Syrn" typeface="Estrangelo Edessa"/>
+        <a:font script="Syrj" typeface="Estrangelo Edessa"/>
+        <a:font script="Syre" typeface="Estrangelo Edessa"/>
+        <a:font script="Sora" typeface="Nirmala UI"/>
+        <a:font script="Tale" typeface="Microsoft Tai Le"/>
+        <a:font script="Talu" typeface="Microsoft New Tai Lue"/>
+        <a:font script="Tfng" typeface="Ebrima"/>
+      </a:minorFont>
+    </a:fontScheme>
+    <a:fmtScheme name="Office">
+      <a:fillStyleLst>
+        <a:solidFill>
+          <a:schemeClr val="phClr"/>
+        </a:solidFill>
+        <a:gradFill rotWithShape="1">
+          <a:gsLst>
+            <a:gs pos="0">
+              <a:schemeClr val="phClr">
+                <a:lumMod val="110000"/>
+                <a:satMod val="105000"/>
+                <a:tint val="67000"/>
+              </a:schemeClr>
+            </a:gs>
+            <a:gs pos="50000">
+              <a:schemeClr val="phClr">
+                <a:lumMod val="105000"/>
+                <a:satMod val="103000"/>
+                <a:tint val="73000"/>
+              </a:schemeClr>
+            </a:gs>
+            <a:gs pos="100000">
+              <a:schemeClr val="phClr">
+                <a:lumMod val="105000"/>
+                <a:satMod val="109000"/>
+                <a:tint val="81000"/>
+              </a:schemeClr>
+            </a:gs>
+          </a:gsLst>
+          <a:lin ang="5400000" scaled="0"/>
+        </a:gradFill>
+        <a:gradFill rotWithShape="1">
+          <a:gsLst>
+            <a:gs pos="0">
+              <a:schemeClr val="phClr">
+                <a:satMod val="103000"/>
+                <a:lumMod val="102000"/>
+                <a:tint val="94000"/>
+              </a:schemeClr>
+            </a:gs>
+            <a:gs pos="50000">
+              <a:schemeClr val="phClr">
+                <a:satMod val="110000"/>
+                <a:lumMod val="100000"/>
+                <a:shade val="100000"/>
+              </a:schemeClr>
+            </a:gs>
+            <a:gs pos="100000">
+              <a:schemeClr val="phClr">
+                <a:lumMod val="99000"/>
+                <a:satMod val="120000"/>
+                <a:shade val="78000"/>
+              </a:schemeClr>
+            </a:gs>
+          </a:gsLst>
+          <a:lin ang="5400000" scaled="0"/>
+        </a:gradFill>
+      </a:fillStyleLst>
+      <a:lnStyleLst>
+        <a:ln w="6350" cap="flat" cmpd="sng" algn="ctr">
+          <a:solidFill>
+            <a:schemeClr val="phClr"/>
+          </a:solidFill>
+          <a:prstDash val="solid"/>
+          <a:miter lim="800000"/>
+        </a:ln>
+        <a:ln w="12700" cap="flat" cmpd="sng" algn="ctr">
+          <a:solidFill>
+            <a:schemeClr val="phClr"/>
+          </a:solidFill>
+          <a:prstDash val="solid"/>
+          <a:miter lim="800000"/>
+        </a:ln>
+        <a:ln w="19050" cap="flat" cmpd="sng" algn="ctr">
+          <a:solidFill>
+            <a:schemeClr val="phClr"/>
+          </a:solidFill>
+          <a:prstDash val="solid"/>
+          <a:miter lim="800000"/>
+        </a:ln>
+      </a:lnStyleLst>
+      <a:effectStyleLst>
+        <a:effectStyle>
+          <a:effectLst/>
+        </a:effectStyle>
+        <a:effectStyle>
+          <a:effectLst/>
+        </a:effectStyle>
+        <a:effectStyle>
+          <a:effectLst>
+            <a:outerShdw blurRad="57150" dist="19050" dir="5400000" algn="ctr" rotWithShape="0">
+              <a:srgbClr val="000000">
+                <a:alpha val="63000"/>
+              </a:srgbClr>
+            </a:outerShdw>
+          </a:effectLst>
+        </a:effectStyle>
+      </a:effectStyleLst>
+      <a:bgFillStyleLst>
+        <a:solidFill>
+          <a:schemeClr val="phClr"/>
+        </a:solidFill>
+        <a:solidFill>
+          <a:schemeClr val="phClr">
+            <a:tint val="95000"/>
+            <a:satMod val="170000"/>
+          </a:schemeClr>
+        </a:solidFill>
+        <a:gradFill rotWithShape="1">
+          <a:gsLst>
+            <a:gs pos="0">
+              <a:schemeClr val="phClr">
+                <a:tint val="93000"/>
+                <a:satMod val="150000"/>
+                <a:shade val="98000"/>
+                <a:lumMod val="102000"/>
+              </a:schemeClr>
+            </a:gs>
+            <a:gs pos="50000">
+              <a:schemeClr val="phClr">
+                <a:tint val="98000"/>
+                <a:satMod val="130000"/>
+                <a:shade val="90000"/>
+                <a:lumMod val="103000"/>
+              </a:schemeClr>
+            </a:gs>
+            <a:gs pos="100000">
+              <a:schemeClr val="phClr">
+                <a:shade val="63000"/>
+                <a:satMod val="120000"/>
+              </a:schemeClr>
+            </a:gs>
+          </a:gsLst>
+          <a:lin ang="5400000" scaled="0"/>
+        </a:gradFill>
+      </a:bgFillStyleLst>
+    </a:fmtScheme>
+  </a:themeElements>
+  <a:objectDefaults/>
+  <a:extraClrSchemeLst/>
+  <a:extLst>
+    <a:ext uri="{05A4C25C-085E-4340-85A3-A5531E510DB2}">
+      <thm15:themeFamily xmlns:thm15="http://schemas.microsoft.com/office/thememl/2012/main" name="Office Theme" id="{62F939B6-93AF-4DB8-9C6B-D6C7DFDC589F}" vid="{4A3C46E8-61CC-4603-A589-7422A47A8E4A}"/>
+    </a:ext>
+  </a:extLst>
+</a:theme>
 </file>
--- a/Doxygen/physics/1. Pool End Game/figures.pptx
+++ b/Doxygen/physics/1. Pool End Game/figures.pptx
@@ -5,7 +5,7 @@
     <p:sldMasterId id="2147483660" r:id="rId1"/>
   </p:sldMasterIdLst>
   <p:notesMasterIdLst>
-    <p:notesMasterId r:id="rId9"/>
+    <p:notesMasterId r:id="rId11"/>
   </p:notesMasterIdLst>
   <p:sldIdLst>
     <p:sldId id="256" r:id="rId2"/>
@@ -15,6 +15,8 @@
     <p:sldId id="327" r:id="rId6"/>
     <p:sldId id="328" r:id="rId7"/>
     <p:sldId id="329" r:id="rId8"/>
+    <p:sldId id="330" r:id="rId9"/>
+    <p:sldId id="260" r:id="rId10"/>
   </p:sldIdLst>
   <p:sldSz cx="9144000" cy="6858000" type="screen4x3"/>
   <p:notesSz cx="6858000" cy="9144000"/>
@@ -203,7 +205,7 @@
           <a:p>
             <a:fld id="{7D0E2FA4-032C-404F-8FB9-E4E398410F6B}" type="datetimeFigureOut">
               <a:rPr lang="en-US" smtClean="0"/>
-              <a:t>12/5/2023</a:t>
+              <a:t>2/26/2024</a:t>
             </a:fld>
             <a:endParaRPr lang="en-US"/>
           </a:p>
@@ -733,6 +735,203 @@
 </p:notes>
 </file>
 
+<file path=ppt/notesSlides/notesSlide3.xml><?xml version="1.0" encoding="utf-8"?>
+<p:notes xmlns:a="http://schemas.openxmlformats.org/drawingml/2006/main" xmlns:r="http://schemas.openxmlformats.org/officeDocument/2006/relationships" xmlns:p="http://schemas.openxmlformats.org/presentationml/2006/main">
+  <p:cSld>
+    <p:spTree>
+      <p:nvGrpSpPr>
+        <p:cNvPr id="1" name=""/>
+        <p:cNvGrpSpPr/>
+        <p:nvPr/>
+      </p:nvGrpSpPr>
+      <p:grpSpPr>
+        <a:xfrm>
+          <a:off x="0" y="0"/>
+          <a:ext cx="0" cy="0"/>
+          <a:chOff x="0" y="0"/>
+          <a:chExt cx="0" cy="0"/>
+        </a:xfrm>
+      </p:grpSpPr>
+      <p:sp>
+        <p:nvSpPr>
+          <p:cNvPr id="2" name="Slide Image Placeholder 1"/>
+          <p:cNvSpPr>
+            <a:spLocks noGrp="1" noRot="1" noChangeAspect="1"/>
+          </p:cNvSpPr>
+          <p:nvPr>
+            <p:ph type="sldImg"/>
+          </p:nvPr>
+        </p:nvSpPr>
+        <p:spPr/>
+      </p:sp>
+      <p:sp>
+        <p:nvSpPr>
+          <p:cNvPr id="3" name="Notes Placeholder 2"/>
+          <p:cNvSpPr>
+            <a:spLocks noGrp="1"/>
+          </p:cNvSpPr>
+          <p:nvPr>
+            <p:ph type="body" idx="1"/>
+          </p:nvPr>
+        </p:nvSpPr>
+        <p:spPr/>
+        <p:txBody>
+          <a:bodyPr/>
+          <a:lstStyle/>
+          <a:p>
+            <a:r>
+              <a:rPr lang="en-US" dirty="0"/>
+              <a:t>Time is discrete. We only know where things are at discrete time slices. Riff on Heisenberg here if you wish. Yes, we can know both position</a:t>
+            </a:r>
+            <a:r>
+              <a:rPr lang="en-US" baseline="0" dirty="0"/>
+              <a:t> and velocity.</a:t>
+            </a:r>
+            <a:endParaRPr lang="en-US" dirty="0"/>
+          </a:p>
+        </p:txBody>
+      </p:sp>
+      <p:sp>
+        <p:nvSpPr>
+          <p:cNvPr id="4" name="Slide Number Placeholder 3"/>
+          <p:cNvSpPr>
+            <a:spLocks noGrp="1"/>
+          </p:cNvSpPr>
+          <p:nvPr>
+            <p:ph type="sldNum" sz="quarter" idx="10"/>
+          </p:nvPr>
+        </p:nvSpPr>
+        <p:spPr/>
+        <p:txBody>
+          <a:bodyPr/>
+          <a:lstStyle/>
+          <a:p>
+            <a:fld id="{126C7370-1126-4CB4-A486-49B27BFF7F38}" type="slidenum">
+              <a:rPr lang="en-US" smtClean="0">
+                <a:solidFill>
+                  <a:prstClr val="black"/>
+                </a:solidFill>
+              </a:rPr>
+              <a:pPr/>
+              <a:t>8</a:t>
+            </a:fld>
+            <a:endParaRPr lang="en-US">
+              <a:solidFill>
+                <a:prstClr val="black"/>
+              </a:solidFill>
+            </a:endParaRPr>
+          </a:p>
+        </p:txBody>
+      </p:sp>
+    </p:spTree>
+    <p:extLst>
+      <p:ext uri="{BB962C8B-B14F-4D97-AF65-F5344CB8AC3E}">
+        <p14:creationId xmlns:p14="http://schemas.microsoft.com/office/powerpoint/2010/main" val="2974889956"/>
+      </p:ext>
+    </p:extLst>
+  </p:cSld>
+  <p:clrMapOvr>
+    <a:masterClrMapping/>
+  </p:clrMapOvr>
+</p:notes>
+</file>
+
+<file path=ppt/notesSlides/notesSlide4.xml><?xml version="1.0" encoding="utf-8"?>
+<p:notes xmlns:a="http://schemas.openxmlformats.org/drawingml/2006/main" xmlns:r="http://schemas.openxmlformats.org/officeDocument/2006/relationships" xmlns:p="http://schemas.openxmlformats.org/presentationml/2006/main">
+  <p:cSld>
+    <p:spTree>
+      <p:nvGrpSpPr>
+        <p:cNvPr id="1" name=""/>
+        <p:cNvGrpSpPr/>
+        <p:nvPr/>
+      </p:nvGrpSpPr>
+      <p:grpSpPr>
+        <a:xfrm>
+          <a:off x="0" y="0"/>
+          <a:ext cx="0" cy="0"/>
+          <a:chOff x="0" y="0"/>
+          <a:chExt cx="0" cy="0"/>
+        </a:xfrm>
+      </p:grpSpPr>
+      <p:sp>
+        <p:nvSpPr>
+          <p:cNvPr id="2" name="Slide Image Placeholder 1"/>
+          <p:cNvSpPr>
+            <a:spLocks noGrp="1" noRot="1" noChangeAspect="1"/>
+          </p:cNvSpPr>
+          <p:nvPr>
+            <p:ph type="sldImg"/>
+          </p:nvPr>
+        </p:nvSpPr>
+        <p:spPr/>
+      </p:sp>
+      <p:sp>
+        <p:nvSpPr>
+          <p:cNvPr id="3" name="Notes Placeholder 2"/>
+          <p:cNvSpPr>
+            <a:spLocks noGrp="1"/>
+          </p:cNvSpPr>
+          <p:nvPr>
+            <p:ph type="body" idx="1"/>
+          </p:nvPr>
+        </p:nvSpPr>
+        <p:spPr/>
+        <p:txBody>
+          <a:bodyPr/>
+          <a:lstStyle/>
+          <a:p>
+            <a:r>
+              <a:rPr lang="en-US" dirty="0"/>
+              <a:t>Image at right from Wikimedia Commons.</a:t>
+            </a:r>
+          </a:p>
+        </p:txBody>
+      </p:sp>
+      <p:sp>
+        <p:nvSpPr>
+          <p:cNvPr id="4" name="Slide Number Placeholder 3"/>
+          <p:cNvSpPr>
+            <a:spLocks noGrp="1"/>
+          </p:cNvSpPr>
+          <p:nvPr>
+            <p:ph type="sldNum" sz="quarter" idx="10"/>
+          </p:nvPr>
+        </p:nvSpPr>
+        <p:spPr/>
+        <p:txBody>
+          <a:bodyPr/>
+          <a:lstStyle/>
+          <a:p>
+            <a:fld id="{126C7370-1126-4CB4-A486-49B27BFF7F38}" type="slidenum">
+              <a:rPr lang="en-US" smtClean="0">
+                <a:solidFill>
+                  <a:prstClr val="black"/>
+                </a:solidFill>
+              </a:rPr>
+              <a:pPr/>
+              <a:t>9</a:t>
+            </a:fld>
+            <a:endParaRPr lang="en-US">
+              <a:solidFill>
+                <a:prstClr val="black"/>
+              </a:solidFill>
+            </a:endParaRPr>
+          </a:p>
+        </p:txBody>
+      </p:sp>
+    </p:spTree>
+    <p:extLst>
+      <p:ext uri="{BB962C8B-B14F-4D97-AF65-F5344CB8AC3E}">
+        <p14:creationId xmlns:p14="http://schemas.microsoft.com/office/powerpoint/2010/main" val="823567907"/>
+      </p:ext>
+    </p:extLst>
+  </p:cSld>
+  <p:clrMapOvr>
+    <a:masterClrMapping/>
+  </p:clrMapOvr>
+</p:notes>
+</file>
+
 <file path=ppt/slideLayouts/slideLayout1.xml><?xml version="1.0" encoding="utf-8"?>
 <p:sldLayout xmlns:a="http://schemas.openxmlformats.org/drawingml/2006/main" xmlns:r="http://schemas.openxmlformats.org/officeDocument/2006/relationships" xmlns:p="http://schemas.openxmlformats.org/presentationml/2006/main" type="title" preserve="1">
   <p:cSld name="Title Slide">
@@ -864,7 +1063,7 @@
           <a:p>
             <a:fld id="{FB8B2293-C92A-45D8-B67B-C67BEF3F85AE}" type="datetimeFigureOut">
               <a:rPr lang="en-US" smtClean="0"/>
-              <a:t>12/5/2023</a:t>
+              <a:t>2/26/2024</a:t>
             </a:fld>
             <a:endParaRPr lang="en-US"/>
           </a:p>
@@ -1034,7 +1233,7 @@
           <a:p>
             <a:fld id="{FB8B2293-C92A-45D8-B67B-C67BEF3F85AE}" type="datetimeFigureOut">
               <a:rPr lang="en-US" smtClean="0"/>
-              <a:t>12/5/2023</a:t>
+              <a:t>2/26/2024</a:t>
             </a:fld>
             <a:endParaRPr lang="en-US"/>
           </a:p>
@@ -1214,7 +1413,7 @@
           <a:p>
             <a:fld id="{FB8B2293-C92A-45D8-B67B-C67BEF3F85AE}" type="datetimeFigureOut">
               <a:rPr lang="en-US" smtClean="0"/>
-              <a:t>12/5/2023</a:t>
+              <a:t>2/26/2024</a:t>
             </a:fld>
             <a:endParaRPr lang="en-US"/>
           </a:p>
@@ -1384,7 +1583,7 @@
           <a:p>
             <a:fld id="{FB8B2293-C92A-45D8-B67B-C67BEF3F85AE}" type="datetimeFigureOut">
               <a:rPr lang="en-US" smtClean="0"/>
-              <a:t>12/5/2023</a:t>
+              <a:t>2/26/2024</a:t>
             </a:fld>
             <a:endParaRPr lang="en-US"/>
           </a:p>
@@ -1628,7 +1827,7 @@
           <a:p>
             <a:fld id="{FB8B2293-C92A-45D8-B67B-C67BEF3F85AE}" type="datetimeFigureOut">
               <a:rPr lang="en-US" smtClean="0"/>
-              <a:t>12/5/2023</a:t>
+              <a:t>2/26/2024</a:t>
             </a:fld>
             <a:endParaRPr lang="en-US"/>
           </a:p>
@@ -1860,7 +2059,7 @@
           <a:p>
             <a:fld id="{FB8B2293-C92A-45D8-B67B-C67BEF3F85AE}" type="datetimeFigureOut">
               <a:rPr lang="en-US" smtClean="0"/>
-              <a:t>12/5/2023</a:t>
+              <a:t>2/26/2024</a:t>
             </a:fld>
             <a:endParaRPr lang="en-US"/>
           </a:p>
@@ -2227,7 +2426,7 @@
           <a:p>
             <a:fld id="{FB8B2293-C92A-45D8-B67B-C67BEF3F85AE}" type="datetimeFigureOut">
               <a:rPr lang="en-US" smtClean="0"/>
-              <a:t>12/5/2023</a:t>
+              <a:t>2/26/2024</a:t>
             </a:fld>
             <a:endParaRPr lang="en-US"/>
           </a:p>
@@ -2345,7 +2544,7 @@
           <a:p>
             <a:fld id="{FB8B2293-C92A-45D8-B67B-C67BEF3F85AE}" type="datetimeFigureOut">
               <a:rPr lang="en-US" smtClean="0"/>
-              <a:t>12/5/2023</a:t>
+              <a:t>2/26/2024</a:t>
             </a:fld>
             <a:endParaRPr lang="en-US"/>
           </a:p>
@@ -2440,7 +2639,7 @@
           <a:p>
             <a:fld id="{FB8B2293-C92A-45D8-B67B-C67BEF3F85AE}" type="datetimeFigureOut">
               <a:rPr lang="en-US" smtClean="0"/>
-              <a:t>12/5/2023</a:t>
+              <a:t>2/26/2024</a:t>
             </a:fld>
             <a:endParaRPr lang="en-US"/>
           </a:p>
@@ -2717,7 +2916,7 @@
           <a:p>
             <a:fld id="{FB8B2293-C92A-45D8-B67B-C67BEF3F85AE}" type="datetimeFigureOut">
               <a:rPr lang="en-US" smtClean="0"/>
-              <a:t>12/5/2023</a:t>
+              <a:t>2/26/2024</a:t>
             </a:fld>
             <a:endParaRPr lang="en-US"/>
           </a:p>
@@ -2974,7 +3173,7 @@
           <a:p>
             <a:fld id="{FB8B2293-C92A-45D8-B67B-C67BEF3F85AE}" type="datetimeFigureOut">
               <a:rPr lang="en-US" smtClean="0"/>
-              <a:t>12/5/2023</a:t>
+              <a:t>2/26/2024</a:t>
             </a:fld>
             <a:endParaRPr lang="en-US"/>
           </a:p>
@@ -3187,7 +3386,7 @@
           <a:p>
             <a:fld id="{FB8B2293-C92A-45D8-B67B-C67BEF3F85AE}" type="datetimeFigureOut">
               <a:rPr lang="en-US" smtClean="0"/>
-              <a:t>12/5/2023</a:t>
+              <a:t>2/26/2024</a:t>
             </a:fld>
             <a:endParaRPr lang="en-US"/>
           </a:p>
@@ -9556,8 +9755,8 @@
           </a:fontRef>
         </p:style>
       </p:cxnSp>
-      <mc:AlternateContent xmlns:mc="http://schemas.openxmlformats.org/markup-compatibility/2006">
-        <mc:Choice xmlns:a14="http://schemas.microsoft.com/office/drawing/2010/main" Requires="a14">
+      <mc:AlternateContent xmlns:mc="http://schemas.openxmlformats.org/markup-compatibility/2006" xmlns:a14="http://schemas.microsoft.com/office/drawing/2010/main">
+        <mc:Choice Requires="a14">
           <p:sp>
             <p:nvSpPr>
               <p:cNvPr id="6" name="TextBox 5">
@@ -9639,7 +9838,7 @@
             </p:txBody>
           </p:sp>
         </mc:Choice>
-        <mc:Fallback>
+        <mc:Fallback xmlns="">
           <p:sp>
             <p:nvSpPr>
               <p:cNvPr id="6" name="TextBox 5">
@@ -9684,8 +9883,8 @@
           </p:sp>
         </mc:Fallback>
       </mc:AlternateContent>
-      <mc:AlternateContent xmlns:mc="http://schemas.openxmlformats.org/markup-compatibility/2006">
-        <mc:Choice xmlns:a14="http://schemas.microsoft.com/office/drawing/2010/main" Requires="a14">
+      <mc:AlternateContent xmlns:mc="http://schemas.openxmlformats.org/markup-compatibility/2006" xmlns:a14="http://schemas.microsoft.com/office/drawing/2010/main">
+        <mc:Choice Requires="a14">
           <p:sp>
             <p:nvSpPr>
               <p:cNvPr id="7" name="TextBox 6">
@@ -9767,7 +9966,7 @@
             </p:txBody>
           </p:sp>
         </mc:Choice>
-        <mc:Fallback>
+        <mc:Fallback xmlns="">
           <p:sp>
             <p:nvSpPr>
               <p:cNvPr id="7" name="TextBox 6">
@@ -10042,8 +10241,8 @@
           </a:fontRef>
         </p:style>
       </p:cxnSp>
-      <mc:AlternateContent xmlns:mc="http://schemas.openxmlformats.org/markup-compatibility/2006">
-        <mc:Choice xmlns:a14="http://schemas.microsoft.com/office/drawing/2010/main" Requires="a14">
+      <mc:AlternateContent xmlns:mc="http://schemas.openxmlformats.org/markup-compatibility/2006" xmlns:a14="http://schemas.microsoft.com/office/drawing/2010/main">
+        <mc:Choice Requires="a14">
           <p:sp>
             <p:nvSpPr>
               <p:cNvPr id="12" name="TextBox 11">
@@ -10134,7 +10333,7 @@
             </p:txBody>
           </p:sp>
         </mc:Choice>
-        <mc:Fallback>
+        <mc:Fallback xmlns="">
           <p:sp>
             <p:nvSpPr>
               <p:cNvPr id="12" name="TextBox 11">
@@ -10179,8 +10378,8 @@
           </p:sp>
         </mc:Fallback>
       </mc:AlternateContent>
-      <mc:AlternateContent xmlns:mc="http://schemas.openxmlformats.org/markup-compatibility/2006">
-        <mc:Choice xmlns:a14="http://schemas.microsoft.com/office/drawing/2010/main" Requires="a14">
+      <mc:AlternateContent xmlns:mc="http://schemas.openxmlformats.org/markup-compatibility/2006" xmlns:a14="http://schemas.microsoft.com/office/drawing/2010/main">
+        <mc:Choice Requires="a14">
           <p:sp>
             <p:nvSpPr>
               <p:cNvPr id="13" name="TextBox 12">
@@ -10271,7 +10470,7 @@
             </p:txBody>
           </p:sp>
         </mc:Choice>
-        <mc:Fallback>
+        <mc:Fallback xmlns="">
           <p:sp>
             <p:nvSpPr>
               <p:cNvPr id="13" name="TextBox 12">
@@ -10316,8 +10515,8 @@
           </p:sp>
         </mc:Fallback>
       </mc:AlternateContent>
-      <mc:AlternateContent xmlns:mc="http://schemas.openxmlformats.org/markup-compatibility/2006">
-        <mc:Choice xmlns:a14="http://schemas.microsoft.com/office/drawing/2010/main" Requires="a14">
+      <mc:AlternateContent xmlns:mc="http://schemas.openxmlformats.org/markup-compatibility/2006" xmlns:a14="http://schemas.microsoft.com/office/drawing/2010/main">
+        <mc:Choice Requires="a14">
           <p:sp>
             <p:nvSpPr>
               <p:cNvPr id="14" name="TextBox 13">
@@ -10402,7 +10601,7 @@
             </p:txBody>
           </p:sp>
         </mc:Choice>
-        <mc:Fallback>
+        <mc:Fallback xmlns="">
           <p:sp>
             <p:nvSpPr>
               <p:cNvPr id="14" name="TextBox 13">
@@ -10447,8 +10646,8 @@
           </p:sp>
         </mc:Fallback>
       </mc:AlternateContent>
-      <mc:AlternateContent xmlns:mc="http://schemas.openxmlformats.org/markup-compatibility/2006">
-        <mc:Choice xmlns:a14="http://schemas.microsoft.com/office/drawing/2010/main" Requires="a14">
+      <mc:AlternateContent xmlns:mc="http://schemas.openxmlformats.org/markup-compatibility/2006" xmlns:a14="http://schemas.microsoft.com/office/drawing/2010/main">
+        <mc:Choice Requires="a14">
           <p:sp>
             <p:nvSpPr>
               <p:cNvPr id="15" name="TextBox 14">
@@ -10533,7 +10732,7 @@
             </p:txBody>
           </p:sp>
         </mc:Choice>
-        <mc:Fallback>
+        <mc:Fallback xmlns="">
           <p:sp>
             <p:nvSpPr>
               <p:cNvPr id="15" name="TextBox 14">
@@ -10578,8 +10777,8 @@
           </p:sp>
         </mc:Fallback>
       </mc:AlternateContent>
-      <mc:AlternateContent xmlns:mc="http://schemas.openxmlformats.org/markup-compatibility/2006">
-        <mc:Choice xmlns:a14="http://schemas.microsoft.com/office/drawing/2010/main" Requires="a14">
+      <mc:AlternateContent xmlns:mc="http://schemas.openxmlformats.org/markup-compatibility/2006" xmlns:a14="http://schemas.microsoft.com/office/drawing/2010/main">
+        <mc:Choice Requires="a14">
           <p:sp>
             <p:nvSpPr>
               <p:cNvPr id="16" name="TextBox 15">
@@ -10664,7 +10863,7 @@
             </p:txBody>
           </p:sp>
         </mc:Choice>
-        <mc:Fallback>
+        <mc:Fallback xmlns="">
           <p:sp>
             <p:nvSpPr>
               <p:cNvPr id="16" name="TextBox 15">
@@ -10709,8 +10908,8 @@
           </p:sp>
         </mc:Fallback>
       </mc:AlternateContent>
-      <mc:AlternateContent xmlns:mc="http://schemas.openxmlformats.org/markup-compatibility/2006">
-        <mc:Choice xmlns:a14="http://schemas.microsoft.com/office/drawing/2010/main" Requires="a14">
+      <mc:AlternateContent xmlns:mc="http://schemas.openxmlformats.org/markup-compatibility/2006" xmlns:a14="http://schemas.microsoft.com/office/drawing/2010/main">
+        <mc:Choice Requires="a14">
           <p:sp>
             <p:nvSpPr>
               <p:cNvPr id="17" name="TextBox 16">
@@ -10795,7 +10994,7 @@
             </p:txBody>
           </p:sp>
         </mc:Choice>
-        <mc:Fallback>
+        <mc:Fallback xmlns="">
           <p:sp>
             <p:nvSpPr>
               <p:cNvPr id="17" name="TextBox 16">
@@ -10844,6 +11043,2289 @@
     <p:extLst>
       <p:ext uri="{BB962C8B-B14F-4D97-AF65-F5344CB8AC3E}">
         <p14:creationId xmlns:p14="http://schemas.microsoft.com/office/powerpoint/2010/main" val="2727434866"/>
+      </p:ext>
+    </p:extLst>
+  </p:cSld>
+  <p:clrMapOvr>
+    <a:masterClrMapping/>
+  </p:clrMapOvr>
+</p:sld>
+</file>
+
+<file path=ppt/slides/slide8.xml><?xml version="1.0" encoding="utf-8"?>
+<p:sld xmlns:a="http://schemas.openxmlformats.org/drawingml/2006/main" xmlns:r="http://schemas.openxmlformats.org/officeDocument/2006/relationships" xmlns:p="http://schemas.openxmlformats.org/presentationml/2006/main">
+  <p:cSld>
+    <p:spTree>
+      <p:nvGrpSpPr>
+        <p:cNvPr id="1" name=""/>
+        <p:cNvGrpSpPr/>
+        <p:nvPr/>
+      </p:nvGrpSpPr>
+      <p:grpSpPr>
+        <a:xfrm>
+          <a:off x="0" y="0"/>
+          <a:ext cx="0" cy="0"/>
+          <a:chOff x="0" y="0"/>
+          <a:chExt cx="0" cy="0"/>
+        </a:xfrm>
+      </p:grpSpPr>
+      <p:cxnSp>
+        <p:nvCxnSpPr>
+          <p:cNvPr id="6" name="Straight Connector 5"/>
+          <p:cNvCxnSpPr/>
+          <p:nvPr/>
+        </p:nvCxnSpPr>
+        <p:spPr>
+          <a:xfrm>
+            <a:off x="2286000" y="3568079"/>
+            <a:ext cx="4191000" cy="0"/>
+          </a:xfrm>
+          <a:prstGeom prst="line">
+            <a:avLst/>
+          </a:prstGeom>
+          <a:ln w="44450" cap="rnd">
+            <a:solidFill>
+              <a:schemeClr val="tx1"/>
+            </a:solidFill>
+            <a:tailEnd type="none"/>
+          </a:ln>
+        </p:spPr>
+        <p:style>
+          <a:lnRef idx="1">
+            <a:schemeClr val="accent1"/>
+          </a:lnRef>
+          <a:fillRef idx="0">
+            <a:schemeClr val="accent1"/>
+          </a:fillRef>
+          <a:effectRef idx="0">
+            <a:schemeClr val="accent1"/>
+          </a:effectRef>
+          <a:fontRef idx="minor">
+            <a:schemeClr val="tx1"/>
+          </a:fontRef>
+        </p:style>
+      </p:cxnSp>
+      <p:cxnSp>
+        <p:nvCxnSpPr>
+          <p:cNvPr id="7" name="Straight Connector 6"/>
+          <p:cNvCxnSpPr/>
+          <p:nvPr/>
+        </p:nvCxnSpPr>
+        <p:spPr>
+          <a:xfrm flipV="1">
+            <a:off x="2286000" y="3490642"/>
+            <a:ext cx="0" cy="152400"/>
+          </a:xfrm>
+          <a:prstGeom prst="line">
+            <a:avLst/>
+          </a:prstGeom>
+          <a:ln w="25400">
+            <a:solidFill>
+              <a:schemeClr val="tx1"/>
+            </a:solidFill>
+          </a:ln>
+        </p:spPr>
+        <p:style>
+          <a:lnRef idx="1">
+            <a:schemeClr val="accent1"/>
+          </a:lnRef>
+          <a:fillRef idx="0">
+            <a:schemeClr val="accent1"/>
+          </a:fillRef>
+          <a:effectRef idx="0">
+            <a:schemeClr val="accent1"/>
+          </a:effectRef>
+          <a:fontRef idx="minor">
+            <a:schemeClr val="tx1"/>
+          </a:fontRef>
+        </p:style>
+      </p:cxnSp>
+      <p:cxnSp>
+        <p:nvCxnSpPr>
+          <p:cNvPr id="11" name="Straight Connector 10"/>
+          <p:cNvCxnSpPr/>
+          <p:nvPr/>
+        </p:nvCxnSpPr>
+        <p:spPr>
+          <a:xfrm flipV="1">
+            <a:off x="2895600" y="3490642"/>
+            <a:ext cx="0" cy="152400"/>
+          </a:xfrm>
+          <a:prstGeom prst="line">
+            <a:avLst/>
+          </a:prstGeom>
+          <a:ln w="25400">
+            <a:solidFill>
+              <a:schemeClr val="tx1"/>
+            </a:solidFill>
+          </a:ln>
+        </p:spPr>
+        <p:style>
+          <a:lnRef idx="1">
+            <a:schemeClr val="accent1"/>
+          </a:lnRef>
+          <a:fillRef idx="0">
+            <a:schemeClr val="accent1"/>
+          </a:fillRef>
+          <a:effectRef idx="0">
+            <a:schemeClr val="accent1"/>
+          </a:effectRef>
+          <a:fontRef idx="minor">
+            <a:schemeClr val="tx1"/>
+          </a:fontRef>
+        </p:style>
+      </p:cxnSp>
+      <p:cxnSp>
+        <p:nvCxnSpPr>
+          <p:cNvPr id="12" name="Straight Connector 11"/>
+          <p:cNvCxnSpPr/>
+          <p:nvPr/>
+        </p:nvCxnSpPr>
+        <p:spPr>
+          <a:xfrm flipV="1">
+            <a:off x="3505200" y="3490642"/>
+            <a:ext cx="0" cy="152400"/>
+          </a:xfrm>
+          <a:prstGeom prst="line">
+            <a:avLst/>
+          </a:prstGeom>
+          <a:ln w="25400">
+            <a:solidFill>
+              <a:schemeClr val="tx1"/>
+            </a:solidFill>
+          </a:ln>
+        </p:spPr>
+        <p:style>
+          <a:lnRef idx="1">
+            <a:schemeClr val="accent1"/>
+          </a:lnRef>
+          <a:fillRef idx="0">
+            <a:schemeClr val="accent1"/>
+          </a:fillRef>
+          <a:effectRef idx="0">
+            <a:schemeClr val="accent1"/>
+          </a:effectRef>
+          <a:fontRef idx="minor">
+            <a:schemeClr val="tx1"/>
+          </a:fontRef>
+        </p:style>
+      </p:cxnSp>
+      <p:cxnSp>
+        <p:nvCxnSpPr>
+          <p:cNvPr id="15" name="Straight Connector 14"/>
+          <p:cNvCxnSpPr/>
+          <p:nvPr/>
+        </p:nvCxnSpPr>
+        <p:spPr>
+          <a:xfrm flipV="1">
+            <a:off x="5410200" y="3490642"/>
+            <a:ext cx="0" cy="152400"/>
+          </a:xfrm>
+          <a:prstGeom prst="line">
+            <a:avLst/>
+          </a:prstGeom>
+          <a:ln w="25400">
+            <a:solidFill>
+              <a:schemeClr val="tx1"/>
+            </a:solidFill>
+          </a:ln>
+        </p:spPr>
+        <p:style>
+          <a:lnRef idx="1">
+            <a:schemeClr val="accent1"/>
+          </a:lnRef>
+          <a:fillRef idx="0">
+            <a:schemeClr val="accent1"/>
+          </a:fillRef>
+          <a:effectRef idx="0">
+            <a:schemeClr val="accent1"/>
+          </a:effectRef>
+          <a:fontRef idx="minor">
+            <a:schemeClr val="tx1"/>
+          </a:fontRef>
+        </p:style>
+      </p:cxnSp>
+      <p:cxnSp>
+        <p:nvCxnSpPr>
+          <p:cNvPr id="16" name="Straight Connector 15"/>
+          <p:cNvCxnSpPr/>
+          <p:nvPr/>
+        </p:nvCxnSpPr>
+        <p:spPr>
+          <a:xfrm flipV="1">
+            <a:off x="6248400" y="3490642"/>
+            <a:ext cx="0" cy="152400"/>
+          </a:xfrm>
+          <a:prstGeom prst="line">
+            <a:avLst/>
+          </a:prstGeom>
+          <a:ln w="25400">
+            <a:solidFill>
+              <a:schemeClr val="tx1"/>
+            </a:solidFill>
+          </a:ln>
+        </p:spPr>
+        <p:style>
+          <a:lnRef idx="1">
+            <a:schemeClr val="accent1"/>
+          </a:lnRef>
+          <a:fillRef idx="0">
+            <a:schemeClr val="accent1"/>
+          </a:fillRef>
+          <a:effectRef idx="0">
+            <a:schemeClr val="accent1"/>
+          </a:effectRef>
+          <a:fontRef idx="minor">
+            <a:schemeClr val="tx1"/>
+          </a:fontRef>
+        </p:style>
+      </p:cxnSp>
+      <p:cxnSp>
+        <p:nvCxnSpPr>
+          <p:cNvPr id="17" name="Straight Connector 16"/>
+          <p:cNvCxnSpPr/>
+          <p:nvPr/>
+        </p:nvCxnSpPr>
+        <p:spPr>
+          <a:xfrm flipV="1">
+            <a:off x="6934200" y="3490642"/>
+            <a:ext cx="0" cy="152400"/>
+          </a:xfrm>
+          <a:prstGeom prst="line">
+            <a:avLst/>
+          </a:prstGeom>
+          <a:ln w="25400">
+            <a:solidFill>
+              <a:schemeClr val="bg1">
+                <a:lumMod val="75000"/>
+              </a:schemeClr>
+            </a:solidFill>
+          </a:ln>
+        </p:spPr>
+        <p:style>
+          <a:lnRef idx="1">
+            <a:schemeClr val="accent1"/>
+          </a:lnRef>
+          <a:fillRef idx="0">
+            <a:schemeClr val="accent1"/>
+          </a:fillRef>
+          <a:effectRef idx="0">
+            <a:schemeClr val="accent1"/>
+          </a:effectRef>
+          <a:fontRef idx="minor">
+            <a:schemeClr val="tx1"/>
+          </a:fontRef>
+        </p:style>
+      </p:cxnSp>
+      <p:sp>
+        <p:nvSpPr>
+          <p:cNvPr id="24" name="TextBox 23"/>
+          <p:cNvSpPr txBox="1"/>
+          <p:nvPr/>
+        </p:nvSpPr>
+        <p:spPr>
+          <a:xfrm>
+            <a:off x="2133600" y="3121310"/>
+            <a:ext cx="304800" cy="369332"/>
+          </a:xfrm>
+          <a:prstGeom prst="rect">
+            <a:avLst/>
+          </a:prstGeom>
+          <a:noFill/>
+        </p:spPr>
+        <p:txBody>
+          <a:bodyPr wrap="square" rtlCol="0">
+            <a:spAutoFit/>
+          </a:bodyPr>
+          <a:lstStyle/>
+          <a:p>
+            <a:r>
+              <a:rPr lang="en-US" dirty="0">
+                <a:solidFill>
+                  <a:prstClr val="black"/>
+                </a:solidFill>
+              </a:rPr>
+              <a:t>0</a:t>
+            </a:r>
+          </a:p>
+        </p:txBody>
+      </p:sp>
+      <p:sp>
+        <p:nvSpPr>
+          <p:cNvPr id="25" name="TextBox 24"/>
+          <p:cNvSpPr txBox="1"/>
+          <p:nvPr/>
+        </p:nvSpPr>
+        <p:spPr>
+          <a:xfrm>
+            <a:off x="2743200" y="3121310"/>
+            <a:ext cx="304800" cy="369332"/>
+          </a:xfrm>
+          <a:prstGeom prst="rect">
+            <a:avLst/>
+          </a:prstGeom>
+          <a:noFill/>
+        </p:spPr>
+        <p:txBody>
+          <a:bodyPr wrap="square" rtlCol="0">
+            <a:spAutoFit/>
+          </a:bodyPr>
+          <a:lstStyle/>
+          <a:p>
+            <a:r>
+              <a:rPr lang="en-US" dirty="0">
+                <a:solidFill>
+                  <a:prstClr val="black"/>
+                </a:solidFill>
+              </a:rPr>
+              <a:t>1</a:t>
+            </a:r>
+          </a:p>
+        </p:txBody>
+      </p:sp>
+      <p:sp>
+        <p:nvSpPr>
+          <p:cNvPr id="26" name="TextBox 25"/>
+          <p:cNvSpPr txBox="1"/>
+          <p:nvPr/>
+        </p:nvSpPr>
+        <p:spPr>
+          <a:xfrm>
+            <a:off x="3352800" y="3121310"/>
+            <a:ext cx="304800" cy="369332"/>
+          </a:xfrm>
+          <a:prstGeom prst="rect">
+            <a:avLst/>
+          </a:prstGeom>
+          <a:noFill/>
+        </p:spPr>
+        <p:txBody>
+          <a:bodyPr wrap="square" rtlCol="0">
+            <a:spAutoFit/>
+          </a:bodyPr>
+          <a:lstStyle/>
+          <a:p>
+            <a:r>
+              <a:rPr lang="en-US" dirty="0">
+                <a:solidFill>
+                  <a:prstClr val="black"/>
+                </a:solidFill>
+              </a:rPr>
+              <a:t>2</a:t>
+            </a:r>
+          </a:p>
+        </p:txBody>
+      </p:sp>
+      <mc:AlternateContent xmlns:mc="http://schemas.openxmlformats.org/markup-compatibility/2006" xmlns:a14="http://schemas.microsoft.com/office/drawing/2010/main">
+        <mc:Choice Requires="a14">
+          <p:sp>
+            <p:nvSpPr>
+              <p:cNvPr id="27" name="TextBox 26"/>
+              <p:cNvSpPr txBox="1"/>
+              <p:nvPr/>
+            </p:nvSpPr>
+            <p:spPr>
+              <a:xfrm>
+                <a:off x="4267200" y="3046100"/>
+                <a:ext cx="304800" cy="369332"/>
+              </a:xfrm>
+              <a:prstGeom prst="rect">
+                <a:avLst/>
+              </a:prstGeom>
+              <a:noFill/>
+            </p:spPr>
+            <p:txBody>
+              <a:bodyPr wrap="square" rtlCol="0">
+                <a:spAutoFit/>
+              </a:bodyPr>
+              <a:lstStyle/>
+              <a:p>
+                <a:pPr/>
+                <a14:m>
+                  <m:oMathPara xmlns:m="http://schemas.openxmlformats.org/officeDocument/2006/math">
+                    <m:oMathParaPr>
+                      <m:jc m:val="centerGroup"/>
+                    </m:oMathParaPr>
+                    <m:oMath xmlns:m="http://schemas.openxmlformats.org/officeDocument/2006/math">
+                      <m:r>
+                        <a:rPr lang="en-US" i="1">
+                          <a:solidFill>
+                            <a:prstClr val="black"/>
+                          </a:solidFill>
+                          <a:latin typeface="Cambria Math"/>
+                          <a:ea typeface="Cambria Math"/>
+                        </a:rPr>
+                        <m:t>⋯</m:t>
+                      </m:r>
+                    </m:oMath>
+                  </m:oMathPara>
+                </a14:m>
+                <a:endParaRPr lang="en-US" dirty="0">
+                  <a:solidFill>
+                    <a:prstClr val="black"/>
+                  </a:solidFill>
+                </a:endParaRPr>
+              </a:p>
+            </p:txBody>
+          </p:sp>
+        </mc:Choice>
+        <mc:Fallback xmlns="">
+          <p:sp>
+            <p:nvSpPr>
+              <p:cNvPr id="27" name="TextBox 26"/>
+              <p:cNvSpPr txBox="1">
+                <a:spLocks noRot="1" noChangeAspect="1" noMove="1" noResize="1" noEditPoints="1" noAdjustHandles="1" noChangeArrowheads="1" noChangeShapeType="1" noTextEdit="1"/>
+              </p:cNvSpPr>
+              <p:nvPr/>
+            </p:nvSpPr>
+            <p:spPr>
+              <a:xfrm>
+                <a:off x="4267200" y="3046100"/>
+                <a:ext cx="304800" cy="369332"/>
+              </a:xfrm>
+              <a:prstGeom prst="rect">
+                <a:avLst/>
+              </a:prstGeom>
+              <a:blipFill rotWithShape="1">
+                <a:blip r:embed="rId4"/>
+                <a:stretch>
+                  <a:fillRect r="-10000"/>
+                </a:stretch>
+              </a:blipFill>
+            </p:spPr>
+            <p:txBody>
+              <a:bodyPr/>
+              <a:lstStyle/>
+              <a:p>
+                <a:r>
+                  <a:rPr lang="en-US">
+                    <a:noFill/>
+                  </a:rPr>
+                  <a:t> </a:t>
+                </a:r>
+              </a:p>
+            </p:txBody>
+          </p:sp>
+        </mc:Fallback>
+      </mc:AlternateContent>
+      <mc:AlternateContent xmlns:mc="http://schemas.openxmlformats.org/markup-compatibility/2006" xmlns:a14="http://schemas.microsoft.com/office/drawing/2010/main">
+        <mc:Choice Requires="a14">
+          <p:sp>
+            <p:nvSpPr>
+              <p:cNvPr id="28" name="TextBox 27"/>
+              <p:cNvSpPr txBox="1"/>
+              <p:nvPr/>
+            </p:nvSpPr>
+            <p:spPr>
+              <a:xfrm>
+                <a:off x="4914900" y="3121310"/>
+                <a:ext cx="990600" cy="369332"/>
+              </a:xfrm>
+              <a:prstGeom prst="rect">
+                <a:avLst/>
+              </a:prstGeom>
+              <a:noFill/>
+            </p:spPr>
+            <p:txBody>
+              <a:bodyPr wrap="square" rtlCol="0">
+                <a:spAutoFit/>
+              </a:bodyPr>
+              <a:lstStyle/>
+              <a:p>
+                <a:pPr/>
+                <a14:m>
+                  <m:oMathPara xmlns:m="http://schemas.openxmlformats.org/officeDocument/2006/math">
+                    <m:oMathParaPr>
+                      <m:jc m:val="centerGroup"/>
+                    </m:oMathParaPr>
+                    <m:oMath xmlns:m="http://schemas.openxmlformats.org/officeDocument/2006/math">
+                      <m:r>
+                        <a:rPr lang="en-US" i="1">
+                          <a:solidFill>
+                            <a:prstClr val="black"/>
+                          </a:solidFill>
+                          <a:latin typeface="Cambria Math"/>
+                          <a:ea typeface="Cambria Math"/>
+                        </a:rPr>
+                        <m:t>𝑖</m:t>
+                      </m:r>
+                      <m:r>
+                        <a:rPr lang="en-US" i="1">
+                          <a:solidFill>
+                            <a:prstClr val="black"/>
+                          </a:solidFill>
+                          <a:latin typeface="Cambria Math"/>
+                          <a:ea typeface="Cambria Math"/>
+                        </a:rPr>
+                        <m:t>−1</m:t>
+                      </m:r>
+                    </m:oMath>
+                  </m:oMathPara>
+                </a14:m>
+                <a:endParaRPr lang="en-US" dirty="0">
+                  <a:solidFill>
+                    <a:prstClr val="black"/>
+                  </a:solidFill>
+                </a:endParaRPr>
+              </a:p>
+            </p:txBody>
+          </p:sp>
+        </mc:Choice>
+        <mc:Fallback xmlns="">
+          <p:sp>
+            <p:nvSpPr>
+              <p:cNvPr id="28" name="TextBox 27"/>
+              <p:cNvSpPr txBox="1">
+                <a:spLocks noRot="1" noChangeAspect="1" noMove="1" noResize="1" noEditPoints="1" noAdjustHandles="1" noChangeArrowheads="1" noChangeShapeType="1" noTextEdit="1"/>
+              </p:cNvSpPr>
+              <p:nvPr/>
+            </p:nvSpPr>
+            <p:spPr>
+              <a:xfrm>
+                <a:off x="4914900" y="3121310"/>
+                <a:ext cx="990600" cy="369332"/>
+              </a:xfrm>
+              <a:prstGeom prst="rect">
+                <a:avLst/>
+              </a:prstGeom>
+              <a:blipFill rotWithShape="1">
+                <a:blip r:embed="rId5"/>
+                <a:stretch>
+                  <a:fillRect/>
+                </a:stretch>
+              </a:blipFill>
+            </p:spPr>
+            <p:txBody>
+              <a:bodyPr/>
+              <a:lstStyle/>
+              <a:p>
+                <a:r>
+                  <a:rPr lang="en-US">
+                    <a:noFill/>
+                  </a:rPr>
+                  <a:t> </a:t>
+                </a:r>
+              </a:p>
+            </p:txBody>
+          </p:sp>
+        </mc:Fallback>
+      </mc:AlternateContent>
+      <mc:AlternateContent xmlns:mc="http://schemas.openxmlformats.org/markup-compatibility/2006" xmlns:a14="http://schemas.microsoft.com/office/drawing/2010/main">
+        <mc:Choice Requires="a14">
+          <p:sp>
+            <p:nvSpPr>
+              <p:cNvPr id="29" name="TextBox 28"/>
+              <p:cNvSpPr txBox="1"/>
+              <p:nvPr/>
+            </p:nvSpPr>
+            <p:spPr>
+              <a:xfrm>
+                <a:off x="6057900" y="3121310"/>
+                <a:ext cx="381000" cy="369332"/>
+              </a:xfrm>
+              <a:prstGeom prst="rect">
+                <a:avLst/>
+              </a:prstGeom>
+              <a:noFill/>
+            </p:spPr>
+            <p:txBody>
+              <a:bodyPr wrap="square" rtlCol="0">
+                <a:spAutoFit/>
+              </a:bodyPr>
+              <a:lstStyle/>
+              <a:p>
+                <a:pPr/>
+                <a14:m>
+                  <m:oMathPara xmlns:m="http://schemas.openxmlformats.org/officeDocument/2006/math">
+                    <m:oMathParaPr>
+                      <m:jc m:val="centerGroup"/>
+                    </m:oMathParaPr>
+                    <m:oMath xmlns:m="http://schemas.openxmlformats.org/officeDocument/2006/math">
+                      <m:r>
+                        <a:rPr lang="en-US" i="1">
+                          <a:solidFill>
+                            <a:prstClr val="black"/>
+                          </a:solidFill>
+                          <a:latin typeface="Cambria Math"/>
+                          <a:ea typeface="Cambria Math"/>
+                        </a:rPr>
+                        <m:t>𝑖</m:t>
+                      </m:r>
+                    </m:oMath>
+                  </m:oMathPara>
+                </a14:m>
+                <a:endParaRPr lang="en-US" dirty="0">
+                  <a:solidFill>
+                    <a:prstClr val="black"/>
+                  </a:solidFill>
+                </a:endParaRPr>
+              </a:p>
+            </p:txBody>
+          </p:sp>
+        </mc:Choice>
+        <mc:Fallback xmlns="">
+          <p:sp>
+            <p:nvSpPr>
+              <p:cNvPr id="29" name="TextBox 28"/>
+              <p:cNvSpPr txBox="1">
+                <a:spLocks noRot="1" noChangeAspect="1" noMove="1" noResize="1" noEditPoints="1" noAdjustHandles="1" noChangeArrowheads="1" noChangeShapeType="1" noTextEdit="1"/>
+              </p:cNvSpPr>
+              <p:nvPr/>
+            </p:nvSpPr>
+            <p:spPr>
+              <a:xfrm>
+                <a:off x="6057900" y="3121310"/>
+                <a:ext cx="381000" cy="369332"/>
+              </a:xfrm>
+              <a:prstGeom prst="rect">
+                <a:avLst/>
+              </a:prstGeom>
+              <a:blipFill rotWithShape="1">
+                <a:blip r:embed="rId6"/>
+                <a:stretch>
+                  <a:fillRect/>
+                </a:stretch>
+              </a:blipFill>
+            </p:spPr>
+            <p:txBody>
+              <a:bodyPr/>
+              <a:lstStyle/>
+              <a:p>
+                <a:r>
+                  <a:rPr lang="en-US">
+                    <a:noFill/>
+                  </a:rPr>
+                  <a:t> </a:t>
+                </a:r>
+              </a:p>
+            </p:txBody>
+          </p:sp>
+        </mc:Fallback>
+      </mc:AlternateContent>
+      <mc:AlternateContent xmlns:mc="http://schemas.openxmlformats.org/markup-compatibility/2006">
+        <mc:Choice xmlns:a14="http://schemas.microsoft.com/office/drawing/2010/main" Requires="a14">
+          <p:sp>
+            <p:nvSpPr>
+              <p:cNvPr id="30" name="TextBox 29"/>
+              <p:cNvSpPr txBox="1"/>
+              <p:nvPr/>
+            </p:nvSpPr>
+            <p:spPr>
+              <a:xfrm>
+                <a:off x="6438900" y="3127040"/>
+                <a:ext cx="990600" cy="369332"/>
+              </a:xfrm>
+              <a:prstGeom prst="rect">
+                <a:avLst/>
+              </a:prstGeom>
+              <a:noFill/>
+            </p:spPr>
+            <p:txBody>
+              <a:bodyPr wrap="square" rtlCol="0">
+                <a:spAutoFit/>
+              </a:bodyPr>
+              <a:lstStyle/>
+              <a:p>
+                <a:pPr/>
+                <a14:m>
+                  <m:oMathPara xmlns:m="http://schemas.openxmlformats.org/officeDocument/2006/math">
+                    <m:oMathParaPr>
+                      <m:jc m:val="centerGroup"/>
+                    </m:oMathParaPr>
+                    <m:oMath xmlns:m="http://schemas.openxmlformats.org/officeDocument/2006/math">
+                      <m:r>
+                        <a:rPr lang="en-US" i="1" smtClean="0">
+                          <a:solidFill>
+                            <a:schemeClr val="bg1">
+                              <a:lumMod val="65000"/>
+                            </a:schemeClr>
+                          </a:solidFill>
+                          <a:latin typeface="Cambria Math"/>
+                          <a:ea typeface="Cambria Math"/>
+                        </a:rPr>
+                        <m:t>𝑖</m:t>
+                      </m:r>
+                      <m:r>
+                        <a:rPr lang="en-US" i="1" smtClean="0">
+                          <a:solidFill>
+                            <a:schemeClr val="bg1">
+                              <a:lumMod val="65000"/>
+                            </a:schemeClr>
+                          </a:solidFill>
+                          <a:latin typeface="Cambria Math"/>
+                          <a:ea typeface="Cambria Math"/>
+                        </a:rPr>
+                        <m:t>+1</m:t>
+                      </m:r>
+                    </m:oMath>
+                  </m:oMathPara>
+                </a14:m>
+                <a:endParaRPr lang="en-US" dirty="0">
+                  <a:solidFill>
+                    <a:schemeClr val="bg1">
+                      <a:lumMod val="65000"/>
+                    </a:schemeClr>
+                  </a:solidFill>
+                </a:endParaRPr>
+              </a:p>
+            </p:txBody>
+          </p:sp>
+        </mc:Choice>
+        <mc:Fallback>
+          <p:sp>
+            <p:nvSpPr>
+              <p:cNvPr id="30" name="TextBox 29"/>
+              <p:cNvSpPr txBox="1">
+                <a:spLocks noRot="1" noChangeAspect="1" noMove="1" noResize="1" noEditPoints="1" noAdjustHandles="1" noChangeArrowheads="1" noChangeShapeType="1" noTextEdit="1"/>
+              </p:cNvSpPr>
+              <p:nvPr/>
+            </p:nvSpPr>
+            <p:spPr>
+              <a:xfrm>
+                <a:off x="6438900" y="3127040"/>
+                <a:ext cx="990600" cy="369332"/>
+              </a:xfrm>
+              <a:prstGeom prst="rect">
+                <a:avLst/>
+              </a:prstGeom>
+              <a:blipFill>
+                <a:blip r:embed="rId7"/>
+                <a:stretch>
+                  <a:fillRect/>
+                </a:stretch>
+              </a:blipFill>
+            </p:spPr>
+            <p:txBody>
+              <a:bodyPr/>
+              <a:lstStyle/>
+              <a:p>
+                <a:r>
+                  <a:rPr lang="en-US">
+                    <a:noFill/>
+                  </a:rPr>
+                  <a:t> </a:t>
+                </a:r>
+              </a:p>
+            </p:txBody>
+          </p:sp>
+        </mc:Fallback>
+      </mc:AlternateContent>
+      <mc:AlternateContent xmlns:mc="http://schemas.openxmlformats.org/markup-compatibility/2006">
+        <mc:Choice xmlns:a14="http://schemas.microsoft.com/office/drawing/2010/main" Requires="a14">
+          <p:sp>
+            <p:nvSpPr>
+              <p:cNvPr id="35" name="TextBox 34"/>
+              <p:cNvSpPr txBox="1"/>
+              <p:nvPr/>
+            </p:nvSpPr>
+            <p:spPr>
+              <a:xfrm>
+                <a:off x="1447800" y="4256062"/>
+                <a:ext cx="1676400" cy="923330"/>
+              </a:xfrm>
+              <a:prstGeom prst="rect">
+                <a:avLst/>
+              </a:prstGeom>
+              <a:noFill/>
+            </p:spPr>
+            <p:txBody>
+              <a:bodyPr wrap="square" rtlCol="0">
+                <a:spAutoFit/>
+              </a:bodyPr>
+              <a:lstStyle/>
+              <a:p>
+                <a:pPr algn="ctr"/>
+                <a:r>
+                  <a:rPr lang="en-US" dirty="0">
+                    <a:solidFill>
+                      <a:prstClr val="black"/>
+                    </a:solidFill>
+                  </a:rPr>
+                  <a:t>Acceleration </a:t>
+                </a:r>
+                <a14:m>
+                  <m:oMath xmlns:m="http://schemas.openxmlformats.org/officeDocument/2006/math">
+                    <m:sSub>
+                      <m:sSubPr>
+                        <m:ctrlPr>
+                          <a:rPr lang="en-US" i="1">
+                            <a:solidFill>
+                              <a:prstClr val="black"/>
+                            </a:solidFill>
+                            <a:latin typeface="Cambria Math" panose="02040503050406030204" pitchFamily="18" charset="0"/>
+                          </a:rPr>
+                        </m:ctrlPr>
+                      </m:sSubPr>
+                      <m:e>
+                        <m:acc>
+                          <m:accPr>
+                            <m:chr m:val="⃗"/>
+                            <m:ctrlPr>
+                              <a:rPr lang="en-US" i="1">
+                                <a:solidFill>
+                                  <a:prstClr val="black"/>
+                                </a:solidFill>
+                                <a:latin typeface="Cambria Math" panose="02040503050406030204" pitchFamily="18" charset="0"/>
+                              </a:rPr>
+                            </m:ctrlPr>
+                          </m:accPr>
+                          <m:e>
+                            <m:r>
+                              <a:rPr lang="en-US" i="1">
+                                <a:solidFill>
+                                  <a:prstClr val="black"/>
+                                </a:solidFill>
+                                <a:latin typeface="Cambria Math" panose="02040503050406030204" pitchFamily="18" charset="0"/>
+                              </a:rPr>
+                              <m:t>𝑎</m:t>
+                            </m:r>
+                          </m:e>
+                        </m:acc>
+                      </m:e>
+                      <m:sub>
+                        <m:r>
+                          <a:rPr lang="en-US" b="0" i="1" smtClean="0">
+                            <a:solidFill>
+                              <a:prstClr val="black"/>
+                            </a:solidFill>
+                            <a:latin typeface="Cambria Math" panose="02040503050406030204" pitchFamily="18" charset="0"/>
+                          </a:rPr>
+                          <m:t>0</m:t>
+                        </m:r>
+                      </m:sub>
+                    </m:sSub>
+                  </m:oMath>
+                </a14:m>
+                <a:endParaRPr lang="en-US" dirty="0">
+                  <a:solidFill>
+                    <a:prstClr val="black"/>
+                  </a:solidFill>
+                </a:endParaRPr>
+              </a:p>
+              <a:p>
+                <a:pPr algn="ctr"/>
+                <a:r>
+                  <a:rPr lang="en-US" dirty="0">
+                    <a:solidFill>
+                      <a:prstClr val="black"/>
+                    </a:solidFill>
+                  </a:rPr>
+                  <a:t>Velocity </a:t>
+                </a:r>
+                <a14:m>
+                  <m:oMath xmlns:m="http://schemas.openxmlformats.org/officeDocument/2006/math">
+                    <m:sSub>
+                      <m:sSubPr>
+                        <m:ctrlPr>
+                          <a:rPr lang="en-US" i="1">
+                            <a:solidFill>
+                              <a:prstClr val="black"/>
+                            </a:solidFill>
+                            <a:latin typeface="Cambria Math" panose="02040503050406030204" pitchFamily="18" charset="0"/>
+                          </a:rPr>
+                        </m:ctrlPr>
+                      </m:sSubPr>
+                      <m:e>
+                        <m:acc>
+                          <m:accPr>
+                            <m:chr m:val="⃗"/>
+                            <m:ctrlPr>
+                              <a:rPr lang="en-US" i="1" smtClean="0">
+                                <a:solidFill>
+                                  <a:prstClr val="black"/>
+                                </a:solidFill>
+                                <a:latin typeface="Cambria Math" panose="02040503050406030204" pitchFamily="18" charset="0"/>
+                              </a:rPr>
+                            </m:ctrlPr>
+                          </m:accPr>
+                          <m:e>
+                            <m:r>
+                              <a:rPr lang="en-US" b="0" i="1" smtClean="0">
+                                <a:solidFill>
+                                  <a:prstClr val="black"/>
+                                </a:solidFill>
+                                <a:latin typeface="Cambria Math" panose="02040503050406030204" pitchFamily="18" charset="0"/>
+                              </a:rPr>
+                              <m:t>𝑣</m:t>
+                            </m:r>
+                          </m:e>
+                        </m:acc>
+                      </m:e>
+                      <m:sub>
+                        <m:r>
+                          <a:rPr lang="en-US" i="1">
+                            <a:solidFill>
+                              <a:prstClr val="black"/>
+                            </a:solidFill>
+                            <a:latin typeface="Cambria Math" panose="02040503050406030204" pitchFamily="18" charset="0"/>
+                          </a:rPr>
+                          <m:t>0</m:t>
+                        </m:r>
+                      </m:sub>
+                    </m:sSub>
+                  </m:oMath>
+                </a14:m>
+                <a:endParaRPr lang="en-US" dirty="0">
+                  <a:solidFill>
+                    <a:prstClr val="black"/>
+                  </a:solidFill>
+                </a:endParaRPr>
+              </a:p>
+              <a:p>
+                <a:pPr algn="ctr"/>
+                <a:r>
+                  <a:rPr lang="en-US" dirty="0">
+                    <a:solidFill>
+                      <a:prstClr val="black"/>
+                    </a:solidFill>
+                  </a:rPr>
+                  <a:t>Position </a:t>
+                </a:r>
+                <a14:m>
+                  <m:oMath xmlns:m="http://schemas.openxmlformats.org/officeDocument/2006/math">
+                    <m:sSub>
+                      <m:sSubPr>
+                        <m:ctrlPr>
+                          <a:rPr lang="en-US" i="1">
+                            <a:solidFill>
+                              <a:prstClr val="black"/>
+                            </a:solidFill>
+                            <a:latin typeface="Cambria Math" panose="02040503050406030204" pitchFamily="18" charset="0"/>
+                          </a:rPr>
+                        </m:ctrlPr>
+                      </m:sSubPr>
+                      <m:e>
+                        <m:acc>
+                          <m:accPr>
+                            <m:chr m:val="⃗"/>
+                            <m:ctrlPr>
+                              <a:rPr lang="en-US" i="1">
+                                <a:solidFill>
+                                  <a:prstClr val="black"/>
+                                </a:solidFill>
+                                <a:latin typeface="Cambria Math" panose="02040503050406030204" pitchFamily="18" charset="0"/>
+                              </a:rPr>
+                            </m:ctrlPr>
+                          </m:accPr>
+                          <m:e>
+                            <m:r>
+                              <a:rPr lang="en-US" b="0" i="1" smtClean="0">
+                                <a:solidFill>
+                                  <a:prstClr val="black"/>
+                                </a:solidFill>
+                                <a:latin typeface="Cambria Math" panose="02040503050406030204" pitchFamily="18" charset="0"/>
+                              </a:rPr>
+                              <m:t>𝑠</m:t>
+                            </m:r>
+                          </m:e>
+                        </m:acc>
+                      </m:e>
+                      <m:sub>
+                        <m:r>
+                          <a:rPr lang="en-US" i="1">
+                            <a:solidFill>
+                              <a:prstClr val="black"/>
+                            </a:solidFill>
+                            <a:latin typeface="Cambria Math" panose="02040503050406030204" pitchFamily="18" charset="0"/>
+                          </a:rPr>
+                          <m:t>0</m:t>
+                        </m:r>
+                      </m:sub>
+                    </m:sSub>
+                  </m:oMath>
+                </a14:m>
+                <a:endParaRPr lang="en-US" dirty="0">
+                  <a:solidFill>
+                    <a:prstClr val="black"/>
+                  </a:solidFill>
+                </a:endParaRPr>
+              </a:p>
+            </p:txBody>
+          </p:sp>
+        </mc:Choice>
+        <mc:Fallback>
+          <p:sp>
+            <p:nvSpPr>
+              <p:cNvPr id="35" name="TextBox 34"/>
+              <p:cNvSpPr txBox="1">
+                <a:spLocks noRot="1" noChangeAspect="1" noMove="1" noResize="1" noEditPoints="1" noAdjustHandles="1" noChangeArrowheads="1" noChangeShapeType="1" noTextEdit="1"/>
+              </p:cNvSpPr>
+              <p:nvPr/>
+            </p:nvSpPr>
+            <p:spPr>
+              <a:xfrm>
+                <a:off x="1447800" y="4256062"/>
+                <a:ext cx="1676400" cy="923330"/>
+              </a:xfrm>
+              <a:prstGeom prst="rect">
+                <a:avLst/>
+              </a:prstGeom>
+              <a:blipFill>
+                <a:blip r:embed="rId8"/>
+                <a:stretch>
+                  <a:fillRect l="-1818" t="-9211" r="-9091" b="-9211"/>
+                </a:stretch>
+              </a:blipFill>
+            </p:spPr>
+            <p:txBody>
+              <a:bodyPr/>
+              <a:lstStyle/>
+              <a:p>
+                <a:r>
+                  <a:rPr lang="en-US">
+                    <a:noFill/>
+                  </a:rPr>
+                  <a:t> </a:t>
+                </a:r>
+              </a:p>
+            </p:txBody>
+          </p:sp>
+        </mc:Fallback>
+      </mc:AlternateContent>
+      <p:cxnSp>
+        <p:nvCxnSpPr>
+          <p:cNvPr id="36" name="Straight Arrow Connector 35"/>
+          <p:cNvCxnSpPr/>
+          <p:nvPr/>
+        </p:nvCxnSpPr>
+        <p:spPr>
+          <a:xfrm flipV="1">
+            <a:off x="2286000" y="3640281"/>
+            <a:ext cx="0" cy="542821"/>
+          </a:xfrm>
+          <a:prstGeom prst="straightConnector1">
+            <a:avLst/>
+          </a:prstGeom>
+          <a:ln w="28575">
+            <a:solidFill>
+              <a:schemeClr val="accent1"/>
+            </a:solidFill>
+            <a:tailEnd type="arrow" w="med" len="lg"/>
+          </a:ln>
+          <a:effectLst>
+            <a:outerShdw blurRad="50800" dist="38100" dir="2700000" sx="104000" sy="104000" algn="tl" rotWithShape="0">
+              <a:prstClr val="black">
+                <a:alpha val="40000"/>
+              </a:prstClr>
+            </a:outerShdw>
+          </a:effectLst>
+        </p:spPr>
+        <p:style>
+          <a:lnRef idx="1">
+            <a:schemeClr val="accent1"/>
+          </a:lnRef>
+          <a:fillRef idx="0">
+            <a:schemeClr val="accent1"/>
+          </a:fillRef>
+          <a:effectRef idx="0">
+            <a:schemeClr val="accent1"/>
+          </a:effectRef>
+          <a:fontRef idx="minor">
+            <a:schemeClr val="tx1"/>
+          </a:fontRef>
+        </p:style>
+      </p:cxnSp>
+      <p:cxnSp>
+        <p:nvCxnSpPr>
+          <p:cNvPr id="38" name="Straight Arrow Connector 37"/>
+          <p:cNvCxnSpPr>
+            <a:cxnSpLocks/>
+            <a:endCxn id="25" idx="0"/>
+          </p:cNvCxnSpPr>
+          <p:nvPr/>
+        </p:nvCxnSpPr>
+        <p:spPr>
+          <a:xfrm>
+            <a:off x="2895600" y="2673456"/>
+            <a:ext cx="0" cy="447854"/>
+          </a:xfrm>
+          <a:prstGeom prst="straightConnector1">
+            <a:avLst/>
+          </a:prstGeom>
+          <a:ln w="28575">
+            <a:solidFill>
+              <a:schemeClr val="accent1"/>
+            </a:solidFill>
+            <a:tailEnd type="arrow" w="med" len="lg"/>
+          </a:ln>
+          <a:effectLst>
+            <a:outerShdw blurRad="50800" dist="38100" dir="2700000" sx="104000" sy="104000" algn="tl" rotWithShape="0">
+              <a:prstClr val="black">
+                <a:alpha val="40000"/>
+              </a:prstClr>
+            </a:outerShdw>
+          </a:effectLst>
+        </p:spPr>
+        <p:style>
+          <a:lnRef idx="1">
+            <a:schemeClr val="accent1"/>
+          </a:lnRef>
+          <a:fillRef idx="0">
+            <a:schemeClr val="accent1"/>
+          </a:fillRef>
+          <a:effectRef idx="0">
+            <a:schemeClr val="accent1"/>
+          </a:effectRef>
+          <a:fontRef idx="minor">
+            <a:schemeClr val="tx1"/>
+          </a:fontRef>
+        </p:style>
+      </p:cxnSp>
+      <p:sp>
+        <p:nvSpPr>
+          <p:cNvPr id="43" name="TextBox 42"/>
+          <p:cNvSpPr txBox="1"/>
+          <p:nvPr/>
+        </p:nvSpPr>
+        <p:spPr>
+          <a:xfrm>
+            <a:off x="6050724" y="4155432"/>
+            <a:ext cx="904009" cy="369332"/>
+          </a:xfrm>
+          <a:prstGeom prst="rect">
+            <a:avLst/>
+          </a:prstGeom>
+          <a:noFill/>
+        </p:spPr>
+        <p:txBody>
+          <a:bodyPr wrap="square" rtlCol="0">
+            <a:spAutoFit/>
+          </a:bodyPr>
+          <a:lstStyle/>
+          <a:p>
+            <a:pPr algn="ctr"/>
+            <a:r>
+              <a:rPr lang="en-US" dirty="0">
+                <a:solidFill>
+                  <a:prstClr val="black"/>
+                </a:solidFill>
+              </a:rPr>
+              <a:t>Now</a:t>
+            </a:r>
+          </a:p>
+        </p:txBody>
+      </p:sp>
+      <p:cxnSp>
+        <p:nvCxnSpPr>
+          <p:cNvPr id="44" name="Straight Arrow Connector 43"/>
+          <p:cNvCxnSpPr>
+            <a:cxnSpLocks/>
+          </p:cNvCxnSpPr>
+          <p:nvPr/>
+        </p:nvCxnSpPr>
+        <p:spPr>
+          <a:xfrm flipV="1">
+            <a:off x="6477000" y="3565607"/>
+            <a:ext cx="0" cy="583737"/>
+          </a:xfrm>
+          <a:prstGeom prst="straightConnector1">
+            <a:avLst/>
+          </a:prstGeom>
+          <a:ln w="25400">
+            <a:solidFill>
+              <a:srgbClr val="C00000"/>
+            </a:solidFill>
+            <a:tailEnd type="arrow" w="med" len="lg"/>
+          </a:ln>
+          <a:effectLst>
+            <a:outerShdw blurRad="50800" dist="38100" dir="2700000" sx="104000" sy="104000" algn="tl" rotWithShape="0">
+              <a:prstClr val="black">
+                <a:alpha val="40000"/>
+              </a:prstClr>
+            </a:outerShdw>
+          </a:effectLst>
+        </p:spPr>
+        <p:style>
+          <a:lnRef idx="1">
+            <a:schemeClr val="accent1"/>
+          </a:lnRef>
+          <a:fillRef idx="0">
+            <a:schemeClr val="accent1"/>
+          </a:fillRef>
+          <a:effectRef idx="0">
+            <a:schemeClr val="accent1"/>
+          </a:effectRef>
+          <a:fontRef idx="minor">
+            <a:schemeClr val="tx1"/>
+          </a:fontRef>
+        </p:style>
+      </p:cxnSp>
+      <p:cxnSp>
+        <p:nvCxnSpPr>
+          <p:cNvPr id="46" name="Straight Connector 45"/>
+          <p:cNvCxnSpPr/>
+          <p:nvPr/>
+        </p:nvCxnSpPr>
+        <p:spPr>
+          <a:xfrm>
+            <a:off x="6496050" y="3565605"/>
+            <a:ext cx="1019175" cy="0"/>
+          </a:xfrm>
+          <a:prstGeom prst="line">
+            <a:avLst/>
+          </a:prstGeom>
+          <a:ln w="44450" cap="rnd">
+            <a:solidFill>
+              <a:schemeClr val="bg1">
+                <a:lumMod val="65000"/>
+              </a:schemeClr>
+            </a:solidFill>
+            <a:tailEnd type="arrow"/>
+          </a:ln>
+        </p:spPr>
+        <p:style>
+          <a:lnRef idx="1">
+            <a:schemeClr val="accent1"/>
+          </a:lnRef>
+          <a:fillRef idx="0">
+            <a:schemeClr val="accent1"/>
+          </a:fillRef>
+          <a:effectRef idx="0">
+            <a:schemeClr val="accent1"/>
+          </a:effectRef>
+          <a:fontRef idx="minor">
+            <a:schemeClr val="tx1"/>
+          </a:fontRef>
+        </p:style>
+      </p:cxnSp>
+      <p:sp>
+        <p:nvSpPr>
+          <p:cNvPr id="52" name="TextBox 51"/>
+          <p:cNvSpPr txBox="1"/>
+          <p:nvPr/>
+        </p:nvSpPr>
+        <p:spPr>
+          <a:xfrm>
+            <a:off x="1346201" y="3099370"/>
+            <a:ext cx="876300" cy="369332"/>
+          </a:xfrm>
+          <a:prstGeom prst="rect">
+            <a:avLst/>
+          </a:prstGeom>
+          <a:noFill/>
+        </p:spPr>
+        <p:txBody>
+          <a:bodyPr wrap="square" rtlCol="0">
+            <a:spAutoFit/>
+          </a:bodyPr>
+          <a:lstStyle/>
+          <a:p>
+            <a:pPr algn="r"/>
+            <a:r>
+              <a:rPr lang="en-US" dirty="0">
+                <a:solidFill>
+                  <a:prstClr val="black"/>
+                </a:solidFill>
+              </a:rPr>
+              <a:t>Frame:</a:t>
+            </a:r>
+          </a:p>
+        </p:txBody>
+      </p:sp>
+      <p:sp>
+        <p:nvSpPr>
+          <p:cNvPr id="53" name="Right Brace 52"/>
+          <p:cNvSpPr/>
+          <p:nvPr/>
+        </p:nvSpPr>
+        <p:spPr>
+          <a:xfrm rot="5400000">
+            <a:off x="5716485" y="3428400"/>
+            <a:ext cx="228600" cy="835232"/>
+          </a:xfrm>
+          <a:prstGeom prst="rightBrace">
+            <a:avLst>
+              <a:gd name="adj1" fmla="val 44444"/>
+              <a:gd name="adj2" fmla="val 50000"/>
+            </a:avLst>
+          </a:prstGeom>
+          <a:ln w="22225" cap="rnd">
+            <a:solidFill>
+              <a:schemeClr val="tx1"/>
+            </a:solidFill>
+            <a:round/>
+          </a:ln>
+          <a:effectLst>
+            <a:outerShdw blurRad="50800" dist="38100" dir="2700000" algn="tl" rotWithShape="0">
+              <a:prstClr val="black">
+                <a:alpha val="40000"/>
+              </a:prstClr>
+            </a:outerShdw>
+          </a:effectLst>
+        </p:spPr>
+        <p:style>
+          <a:lnRef idx="1">
+            <a:schemeClr val="accent1"/>
+          </a:lnRef>
+          <a:fillRef idx="0">
+            <a:schemeClr val="accent1"/>
+          </a:fillRef>
+          <a:effectRef idx="0">
+            <a:schemeClr val="accent1"/>
+          </a:effectRef>
+          <a:fontRef idx="minor">
+            <a:schemeClr val="tx1"/>
+          </a:fontRef>
+        </p:style>
+        <p:txBody>
+          <a:bodyPr rtlCol="0" anchor="ctr"/>
+          <a:lstStyle/>
+          <a:p>
+            <a:pPr algn="ctr"/>
+            <a:endParaRPr lang="en-US" dirty="0">
+              <a:solidFill>
+                <a:prstClr val="black"/>
+              </a:solidFill>
+            </a:endParaRPr>
+          </a:p>
+        </p:txBody>
+      </p:sp>
+      <mc:AlternateContent xmlns:mc="http://schemas.openxmlformats.org/markup-compatibility/2006" xmlns:a14="http://schemas.microsoft.com/office/drawing/2010/main">
+        <mc:Choice Requires="a14">
+          <p:sp>
+            <p:nvSpPr>
+              <p:cNvPr id="57" name="TextBox 56"/>
+              <p:cNvSpPr txBox="1"/>
+              <p:nvPr/>
+            </p:nvSpPr>
+            <p:spPr>
+              <a:xfrm>
+                <a:off x="5664530" y="3964678"/>
+                <a:ext cx="332509" cy="369332"/>
+              </a:xfrm>
+              <a:prstGeom prst="rect">
+                <a:avLst/>
+              </a:prstGeom>
+              <a:noFill/>
+            </p:spPr>
+            <p:txBody>
+              <a:bodyPr wrap="square" rtlCol="0">
+                <a:spAutoFit/>
+              </a:bodyPr>
+              <a:lstStyle/>
+              <a:p>
+                <a:pPr algn="ctr"/>
+                <a14:m>
+                  <m:oMathPara xmlns:m="http://schemas.openxmlformats.org/officeDocument/2006/math">
+                    <m:oMathParaPr>
+                      <m:jc m:val="center"/>
+                    </m:oMathParaPr>
+                    <m:oMath xmlns:m="http://schemas.openxmlformats.org/officeDocument/2006/math">
+                      <m:r>
+                        <m:rPr>
+                          <m:sty m:val="p"/>
+                        </m:rPr>
+                        <a:rPr lang="el-GR" i="1" dirty="0">
+                          <a:solidFill>
+                            <a:prstClr val="black"/>
+                          </a:solidFill>
+                          <a:latin typeface="Cambria Math"/>
+                          <a:ea typeface="Cambria Math"/>
+                        </a:rPr>
+                        <m:t>Δ</m:t>
+                      </m:r>
+                      <m:r>
+                        <a:rPr lang="en-US" i="1" dirty="0">
+                          <a:solidFill>
+                            <a:prstClr val="black"/>
+                          </a:solidFill>
+                          <a:latin typeface="Cambria Math"/>
+                          <a:ea typeface="Cambria Math"/>
+                        </a:rPr>
+                        <m:t>𝑡</m:t>
+                      </m:r>
+                    </m:oMath>
+                  </m:oMathPara>
+                </a14:m>
+                <a:endParaRPr lang="en-US" i="1" dirty="0">
+                  <a:solidFill>
+                    <a:prstClr val="black"/>
+                  </a:solidFill>
+                  <a:latin typeface="Cambria Math"/>
+                  <a:ea typeface="Cambria Math"/>
+                </a:endParaRPr>
+              </a:p>
+            </p:txBody>
+          </p:sp>
+        </mc:Choice>
+        <mc:Fallback xmlns="">
+          <p:sp>
+            <p:nvSpPr>
+              <p:cNvPr id="57" name="TextBox 56"/>
+              <p:cNvSpPr txBox="1">
+                <a:spLocks noRot="1" noChangeAspect="1" noMove="1" noResize="1" noEditPoints="1" noAdjustHandles="1" noChangeArrowheads="1" noChangeShapeType="1" noTextEdit="1"/>
+              </p:cNvSpPr>
+              <p:nvPr/>
+            </p:nvSpPr>
+            <p:spPr>
+              <a:xfrm>
+                <a:off x="5664530" y="3964678"/>
+                <a:ext cx="332509" cy="369332"/>
+              </a:xfrm>
+              <a:prstGeom prst="rect">
+                <a:avLst/>
+              </a:prstGeom>
+              <a:blipFill rotWithShape="1">
+                <a:blip r:embed="rId10"/>
+                <a:stretch>
+                  <a:fillRect l="-16364"/>
+                </a:stretch>
+              </a:blipFill>
+            </p:spPr>
+            <p:txBody>
+              <a:bodyPr/>
+              <a:lstStyle/>
+              <a:p>
+                <a:r>
+                  <a:rPr lang="en-US">
+                    <a:noFill/>
+                  </a:rPr>
+                  <a:t> </a:t>
+                </a:r>
+              </a:p>
+            </p:txBody>
+          </p:sp>
+        </mc:Fallback>
+      </mc:AlternateContent>
+      <mc:AlternateContent xmlns:mc="http://schemas.openxmlformats.org/markup-compatibility/2006">
+        <mc:Choice xmlns:a14="http://schemas.microsoft.com/office/drawing/2010/main" Requires="a14">
+          <p:sp>
+            <p:nvSpPr>
+              <p:cNvPr id="34" name="TextBox 33">
+                <a:extLst>
+                  <a:ext uri="{FF2B5EF4-FFF2-40B4-BE49-F238E27FC236}">
+                    <a16:creationId xmlns:a16="http://schemas.microsoft.com/office/drawing/2014/main" id="{6723D409-92D4-4358-8355-63013672FECE}"/>
+                  </a:ext>
+                </a:extLst>
+              </p:cNvPr>
+              <p:cNvSpPr txBox="1"/>
+              <p:nvPr/>
+            </p:nvSpPr>
+            <p:spPr>
+              <a:xfrm>
+                <a:off x="2063338" y="1704741"/>
+                <a:ext cx="1676400" cy="923330"/>
+              </a:xfrm>
+              <a:prstGeom prst="rect">
+                <a:avLst/>
+              </a:prstGeom>
+              <a:noFill/>
+            </p:spPr>
+            <p:txBody>
+              <a:bodyPr wrap="square" rtlCol="0">
+                <a:spAutoFit/>
+              </a:bodyPr>
+              <a:lstStyle/>
+              <a:p>
+                <a:pPr algn="ctr"/>
+                <a:r>
+                  <a:rPr lang="en-US" dirty="0">
+                    <a:solidFill>
+                      <a:prstClr val="black"/>
+                    </a:solidFill>
+                  </a:rPr>
+                  <a:t>Acceleration </a:t>
+                </a:r>
+                <a14:m>
+                  <m:oMath xmlns:m="http://schemas.openxmlformats.org/officeDocument/2006/math">
+                    <m:sSub>
+                      <m:sSubPr>
+                        <m:ctrlPr>
+                          <a:rPr lang="en-US" i="1">
+                            <a:solidFill>
+                              <a:prstClr val="black"/>
+                            </a:solidFill>
+                            <a:latin typeface="Cambria Math" panose="02040503050406030204" pitchFamily="18" charset="0"/>
+                          </a:rPr>
+                        </m:ctrlPr>
+                      </m:sSubPr>
+                      <m:e>
+                        <m:acc>
+                          <m:accPr>
+                            <m:chr m:val="⃗"/>
+                            <m:ctrlPr>
+                              <a:rPr lang="en-US" i="1">
+                                <a:solidFill>
+                                  <a:prstClr val="black"/>
+                                </a:solidFill>
+                                <a:latin typeface="Cambria Math" panose="02040503050406030204" pitchFamily="18" charset="0"/>
+                              </a:rPr>
+                            </m:ctrlPr>
+                          </m:accPr>
+                          <m:e>
+                            <m:r>
+                              <a:rPr lang="en-US" i="1">
+                                <a:solidFill>
+                                  <a:prstClr val="black"/>
+                                </a:solidFill>
+                                <a:latin typeface="Cambria Math" panose="02040503050406030204" pitchFamily="18" charset="0"/>
+                              </a:rPr>
+                              <m:t>𝑎</m:t>
+                            </m:r>
+                          </m:e>
+                        </m:acc>
+                      </m:e>
+                      <m:sub>
+                        <m:r>
+                          <a:rPr lang="en-US" b="0" i="1" smtClean="0">
+                            <a:solidFill>
+                              <a:prstClr val="black"/>
+                            </a:solidFill>
+                            <a:latin typeface="Cambria Math" panose="02040503050406030204" pitchFamily="18" charset="0"/>
+                          </a:rPr>
+                          <m:t>1</m:t>
+                        </m:r>
+                      </m:sub>
+                    </m:sSub>
+                  </m:oMath>
+                </a14:m>
+                <a:endParaRPr lang="en-US" dirty="0">
+                  <a:solidFill>
+                    <a:prstClr val="black"/>
+                  </a:solidFill>
+                </a:endParaRPr>
+              </a:p>
+              <a:p>
+                <a:pPr algn="ctr"/>
+                <a:r>
+                  <a:rPr lang="en-US" dirty="0">
+                    <a:solidFill>
+                      <a:prstClr val="black"/>
+                    </a:solidFill>
+                  </a:rPr>
+                  <a:t>Velocity </a:t>
+                </a:r>
+                <a14:m>
+                  <m:oMath xmlns:m="http://schemas.openxmlformats.org/officeDocument/2006/math">
+                    <m:sSub>
+                      <m:sSubPr>
+                        <m:ctrlPr>
+                          <a:rPr lang="en-US" i="1">
+                            <a:solidFill>
+                              <a:prstClr val="black"/>
+                            </a:solidFill>
+                            <a:latin typeface="Cambria Math" panose="02040503050406030204" pitchFamily="18" charset="0"/>
+                          </a:rPr>
+                        </m:ctrlPr>
+                      </m:sSubPr>
+                      <m:e>
+                        <m:acc>
+                          <m:accPr>
+                            <m:chr m:val="⃗"/>
+                            <m:ctrlPr>
+                              <a:rPr lang="en-US" i="1" smtClean="0">
+                                <a:solidFill>
+                                  <a:prstClr val="black"/>
+                                </a:solidFill>
+                                <a:latin typeface="Cambria Math" panose="02040503050406030204" pitchFamily="18" charset="0"/>
+                              </a:rPr>
+                            </m:ctrlPr>
+                          </m:accPr>
+                          <m:e>
+                            <m:r>
+                              <a:rPr lang="en-US" b="0" i="1" smtClean="0">
+                                <a:solidFill>
+                                  <a:prstClr val="black"/>
+                                </a:solidFill>
+                                <a:latin typeface="Cambria Math" panose="02040503050406030204" pitchFamily="18" charset="0"/>
+                              </a:rPr>
+                              <m:t>𝑣</m:t>
+                            </m:r>
+                          </m:e>
+                        </m:acc>
+                      </m:e>
+                      <m:sub>
+                        <m:r>
+                          <a:rPr lang="en-US" b="0" i="1" smtClean="0">
+                            <a:solidFill>
+                              <a:prstClr val="black"/>
+                            </a:solidFill>
+                            <a:latin typeface="Cambria Math" panose="02040503050406030204" pitchFamily="18" charset="0"/>
+                          </a:rPr>
+                          <m:t>1</m:t>
+                        </m:r>
+                      </m:sub>
+                    </m:sSub>
+                  </m:oMath>
+                </a14:m>
+                <a:endParaRPr lang="en-US" dirty="0">
+                  <a:solidFill>
+                    <a:prstClr val="black"/>
+                  </a:solidFill>
+                </a:endParaRPr>
+              </a:p>
+              <a:p>
+                <a:pPr algn="ctr"/>
+                <a:r>
+                  <a:rPr lang="en-US" dirty="0">
+                    <a:solidFill>
+                      <a:prstClr val="black"/>
+                    </a:solidFill>
+                  </a:rPr>
+                  <a:t>Position </a:t>
+                </a:r>
+                <a14:m>
+                  <m:oMath xmlns:m="http://schemas.openxmlformats.org/officeDocument/2006/math">
+                    <m:sSub>
+                      <m:sSubPr>
+                        <m:ctrlPr>
+                          <a:rPr lang="en-US" i="1">
+                            <a:solidFill>
+                              <a:prstClr val="black"/>
+                            </a:solidFill>
+                            <a:latin typeface="Cambria Math" panose="02040503050406030204" pitchFamily="18" charset="0"/>
+                          </a:rPr>
+                        </m:ctrlPr>
+                      </m:sSubPr>
+                      <m:e>
+                        <m:acc>
+                          <m:accPr>
+                            <m:chr m:val="⃗"/>
+                            <m:ctrlPr>
+                              <a:rPr lang="en-US" i="1">
+                                <a:solidFill>
+                                  <a:prstClr val="black"/>
+                                </a:solidFill>
+                                <a:latin typeface="Cambria Math" panose="02040503050406030204" pitchFamily="18" charset="0"/>
+                              </a:rPr>
+                            </m:ctrlPr>
+                          </m:accPr>
+                          <m:e>
+                            <m:r>
+                              <a:rPr lang="en-US" b="0" i="1" smtClean="0">
+                                <a:solidFill>
+                                  <a:prstClr val="black"/>
+                                </a:solidFill>
+                                <a:latin typeface="Cambria Math" panose="02040503050406030204" pitchFamily="18" charset="0"/>
+                              </a:rPr>
+                              <m:t>𝑠</m:t>
+                            </m:r>
+                          </m:e>
+                        </m:acc>
+                      </m:e>
+                      <m:sub>
+                        <m:r>
+                          <a:rPr lang="en-US" b="0" i="1" smtClean="0">
+                            <a:solidFill>
+                              <a:prstClr val="black"/>
+                            </a:solidFill>
+                            <a:latin typeface="Cambria Math" panose="02040503050406030204" pitchFamily="18" charset="0"/>
+                          </a:rPr>
+                          <m:t>1</m:t>
+                        </m:r>
+                      </m:sub>
+                    </m:sSub>
+                  </m:oMath>
+                </a14:m>
+                <a:endParaRPr lang="en-US" dirty="0">
+                  <a:solidFill>
+                    <a:prstClr val="black"/>
+                  </a:solidFill>
+                </a:endParaRPr>
+              </a:p>
+            </p:txBody>
+          </p:sp>
+        </mc:Choice>
+        <mc:Fallback>
+          <p:sp>
+            <p:nvSpPr>
+              <p:cNvPr id="34" name="TextBox 33">
+                <a:extLst>
+                  <a:ext uri="{FF2B5EF4-FFF2-40B4-BE49-F238E27FC236}">
+                    <a16:creationId xmlns:a16="http://schemas.microsoft.com/office/drawing/2014/main" id="{6723D409-92D4-4358-8355-63013672FECE}"/>
+                  </a:ext>
+                </a:extLst>
+              </p:cNvPr>
+              <p:cNvSpPr txBox="1">
+                <a:spLocks noRot="1" noChangeAspect="1" noMove="1" noResize="1" noEditPoints="1" noAdjustHandles="1" noChangeArrowheads="1" noChangeShapeType="1" noTextEdit="1"/>
+              </p:cNvSpPr>
+              <p:nvPr/>
+            </p:nvSpPr>
+            <p:spPr>
+              <a:xfrm>
+                <a:off x="2063338" y="1704741"/>
+                <a:ext cx="1676400" cy="923330"/>
+              </a:xfrm>
+              <a:prstGeom prst="rect">
+                <a:avLst/>
+              </a:prstGeom>
+              <a:blipFill>
+                <a:blip r:embed="rId11"/>
+                <a:stretch>
+                  <a:fillRect l="-1455" t="-9272" r="-9455" b="-9934"/>
+                </a:stretch>
+              </a:blipFill>
+            </p:spPr>
+            <p:txBody>
+              <a:bodyPr/>
+              <a:lstStyle/>
+              <a:p>
+                <a:r>
+                  <a:rPr lang="en-US">
+                    <a:noFill/>
+                  </a:rPr>
+                  <a:t> </a:t>
+                </a:r>
+              </a:p>
+            </p:txBody>
+          </p:sp>
+        </mc:Fallback>
+      </mc:AlternateContent>
+      <mc:AlternateContent xmlns:mc="http://schemas.openxmlformats.org/markup-compatibility/2006">
+        <mc:Choice xmlns:a14="http://schemas.microsoft.com/office/drawing/2010/main" Requires="a14">
+          <p:sp>
+            <p:nvSpPr>
+              <p:cNvPr id="39" name="TextBox 38">
+                <a:extLst>
+                  <a:ext uri="{FF2B5EF4-FFF2-40B4-BE49-F238E27FC236}">
+                    <a16:creationId xmlns:a16="http://schemas.microsoft.com/office/drawing/2014/main" id="{D391C7B6-2BE2-4FF6-95C0-FBA5A7B77735}"/>
+                  </a:ext>
+                </a:extLst>
+              </p:cNvPr>
+              <p:cNvSpPr txBox="1"/>
+              <p:nvPr/>
+            </p:nvSpPr>
+            <p:spPr>
+              <a:xfrm>
+                <a:off x="5329237" y="1706465"/>
+                <a:ext cx="1676400" cy="923330"/>
+              </a:xfrm>
+              <a:prstGeom prst="rect">
+                <a:avLst/>
+              </a:prstGeom>
+              <a:noFill/>
+            </p:spPr>
+            <p:txBody>
+              <a:bodyPr wrap="square" rtlCol="0">
+                <a:spAutoFit/>
+              </a:bodyPr>
+              <a:lstStyle/>
+              <a:p>
+                <a:pPr algn="ctr"/>
+                <a:r>
+                  <a:rPr lang="en-US" dirty="0">
+                    <a:solidFill>
+                      <a:prstClr val="black"/>
+                    </a:solidFill>
+                  </a:rPr>
+                  <a:t>Acceleration </a:t>
+                </a:r>
+                <a14:m>
+                  <m:oMath xmlns:m="http://schemas.openxmlformats.org/officeDocument/2006/math">
+                    <m:sSub>
+                      <m:sSubPr>
+                        <m:ctrlPr>
+                          <a:rPr lang="en-US" i="1">
+                            <a:solidFill>
+                              <a:prstClr val="black"/>
+                            </a:solidFill>
+                            <a:latin typeface="Cambria Math" panose="02040503050406030204" pitchFamily="18" charset="0"/>
+                          </a:rPr>
+                        </m:ctrlPr>
+                      </m:sSubPr>
+                      <m:e>
+                        <m:acc>
+                          <m:accPr>
+                            <m:chr m:val="⃗"/>
+                            <m:ctrlPr>
+                              <a:rPr lang="en-US" i="1">
+                                <a:solidFill>
+                                  <a:prstClr val="black"/>
+                                </a:solidFill>
+                                <a:latin typeface="Cambria Math" panose="02040503050406030204" pitchFamily="18" charset="0"/>
+                              </a:rPr>
+                            </m:ctrlPr>
+                          </m:accPr>
+                          <m:e>
+                            <m:r>
+                              <a:rPr lang="en-US" i="1">
+                                <a:solidFill>
+                                  <a:prstClr val="black"/>
+                                </a:solidFill>
+                                <a:latin typeface="Cambria Math" panose="02040503050406030204" pitchFamily="18" charset="0"/>
+                              </a:rPr>
+                              <m:t>𝑎</m:t>
+                            </m:r>
+                          </m:e>
+                        </m:acc>
+                      </m:e>
+                      <m:sub>
+                        <m:r>
+                          <a:rPr lang="en-US" b="0" i="1" smtClean="0">
+                            <a:solidFill>
+                              <a:prstClr val="black"/>
+                            </a:solidFill>
+                            <a:latin typeface="Cambria Math" panose="02040503050406030204" pitchFamily="18" charset="0"/>
+                          </a:rPr>
+                          <m:t>𝑖</m:t>
+                        </m:r>
+                      </m:sub>
+                    </m:sSub>
+                  </m:oMath>
+                </a14:m>
+                <a:endParaRPr lang="en-US" dirty="0">
+                  <a:solidFill>
+                    <a:prstClr val="black"/>
+                  </a:solidFill>
+                </a:endParaRPr>
+              </a:p>
+              <a:p>
+                <a:pPr algn="ctr"/>
+                <a:r>
+                  <a:rPr lang="en-US" dirty="0">
+                    <a:solidFill>
+                      <a:prstClr val="black"/>
+                    </a:solidFill>
+                  </a:rPr>
+                  <a:t>Velocity </a:t>
+                </a:r>
+                <a14:m>
+                  <m:oMath xmlns:m="http://schemas.openxmlformats.org/officeDocument/2006/math">
+                    <m:sSub>
+                      <m:sSubPr>
+                        <m:ctrlPr>
+                          <a:rPr lang="en-US" i="1">
+                            <a:solidFill>
+                              <a:prstClr val="black"/>
+                            </a:solidFill>
+                            <a:latin typeface="Cambria Math" panose="02040503050406030204" pitchFamily="18" charset="0"/>
+                          </a:rPr>
+                        </m:ctrlPr>
+                      </m:sSubPr>
+                      <m:e>
+                        <m:acc>
+                          <m:accPr>
+                            <m:chr m:val="⃗"/>
+                            <m:ctrlPr>
+                              <a:rPr lang="en-US" i="1" smtClean="0">
+                                <a:solidFill>
+                                  <a:prstClr val="black"/>
+                                </a:solidFill>
+                                <a:latin typeface="Cambria Math" panose="02040503050406030204" pitchFamily="18" charset="0"/>
+                              </a:rPr>
+                            </m:ctrlPr>
+                          </m:accPr>
+                          <m:e>
+                            <m:r>
+                              <a:rPr lang="en-US" b="0" i="1" smtClean="0">
+                                <a:solidFill>
+                                  <a:prstClr val="black"/>
+                                </a:solidFill>
+                                <a:latin typeface="Cambria Math" panose="02040503050406030204" pitchFamily="18" charset="0"/>
+                              </a:rPr>
+                              <m:t>𝑣</m:t>
+                            </m:r>
+                          </m:e>
+                        </m:acc>
+                      </m:e>
+                      <m:sub>
+                        <m:r>
+                          <a:rPr lang="en-US" b="0" i="1" smtClean="0">
+                            <a:solidFill>
+                              <a:prstClr val="black"/>
+                            </a:solidFill>
+                            <a:latin typeface="Cambria Math" panose="02040503050406030204" pitchFamily="18" charset="0"/>
+                          </a:rPr>
+                          <m:t>𝑖</m:t>
+                        </m:r>
+                      </m:sub>
+                    </m:sSub>
+                  </m:oMath>
+                </a14:m>
+                <a:endParaRPr lang="en-US" dirty="0">
+                  <a:solidFill>
+                    <a:prstClr val="black"/>
+                  </a:solidFill>
+                </a:endParaRPr>
+              </a:p>
+              <a:p>
+                <a:pPr algn="ctr"/>
+                <a:r>
+                  <a:rPr lang="en-US" dirty="0">
+                    <a:solidFill>
+                      <a:prstClr val="black"/>
+                    </a:solidFill>
+                  </a:rPr>
+                  <a:t>Position </a:t>
+                </a:r>
+                <a14:m>
+                  <m:oMath xmlns:m="http://schemas.openxmlformats.org/officeDocument/2006/math">
+                    <m:sSub>
+                      <m:sSubPr>
+                        <m:ctrlPr>
+                          <a:rPr lang="en-US" i="1">
+                            <a:solidFill>
+                              <a:prstClr val="black"/>
+                            </a:solidFill>
+                            <a:latin typeface="Cambria Math" panose="02040503050406030204" pitchFamily="18" charset="0"/>
+                          </a:rPr>
+                        </m:ctrlPr>
+                      </m:sSubPr>
+                      <m:e>
+                        <m:acc>
+                          <m:accPr>
+                            <m:chr m:val="⃗"/>
+                            <m:ctrlPr>
+                              <a:rPr lang="en-US" i="1">
+                                <a:solidFill>
+                                  <a:prstClr val="black"/>
+                                </a:solidFill>
+                                <a:latin typeface="Cambria Math" panose="02040503050406030204" pitchFamily="18" charset="0"/>
+                              </a:rPr>
+                            </m:ctrlPr>
+                          </m:accPr>
+                          <m:e>
+                            <m:r>
+                              <a:rPr lang="en-US" b="0" i="1" smtClean="0">
+                                <a:solidFill>
+                                  <a:prstClr val="black"/>
+                                </a:solidFill>
+                                <a:latin typeface="Cambria Math" panose="02040503050406030204" pitchFamily="18" charset="0"/>
+                              </a:rPr>
+                              <m:t>𝑠</m:t>
+                            </m:r>
+                          </m:e>
+                        </m:acc>
+                      </m:e>
+                      <m:sub>
+                        <m:r>
+                          <a:rPr lang="en-US" b="0" i="1" smtClean="0">
+                            <a:solidFill>
+                              <a:prstClr val="black"/>
+                            </a:solidFill>
+                            <a:latin typeface="Cambria Math" panose="02040503050406030204" pitchFamily="18" charset="0"/>
+                          </a:rPr>
+                          <m:t>𝑖</m:t>
+                        </m:r>
+                      </m:sub>
+                    </m:sSub>
+                  </m:oMath>
+                </a14:m>
+                <a:endParaRPr lang="en-US" dirty="0">
+                  <a:solidFill>
+                    <a:prstClr val="black"/>
+                  </a:solidFill>
+                </a:endParaRPr>
+              </a:p>
+            </p:txBody>
+          </p:sp>
+        </mc:Choice>
+        <mc:Fallback>
+          <p:sp>
+            <p:nvSpPr>
+              <p:cNvPr id="39" name="TextBox 38">
+                <a:extLst>
+                  <a:ext uri="{FF2B5EF4-FFF2-40B4-BE49-F238E27FC236}">
+                    <a16:creationId xmlns:a16="http://schemas.microsoft.com/office/drawing/2014/main" id="{D391C7B6-2BE2-4FF6-95C0-FBA5A7B77735}"/>
+                  </a:ext>
+                </a:extLst>
+              </p:cNvPr>
+              <p:cNvSpPr txBox="1">
+                <a:spLocks noRot="1" noChangeAspect="1" noMove="1" noResize="1" noEditPoints="1" noAdjustHandles="1" noChangeArrowheads="1" noChangeShapeType="1" noTextEdit="1"/>
+              </p:cNvSpPr>
+              <p:nvPr/>
+            </p:nvSpPr>
+            <p:spPr>
+              <a:xfrm>
+                <a:off x="5329237" y="1706465"/>
+                <a:ext cx="1676400" cy="923330"/>
+              </a:xfrm>
+              <a:prstGeom prst="rect">
+                <a:avLst/>
+              </a:prstGeom>
+              <a:blipFill>
+                <a:blip r:embed="rId12"/>
+                <a:stretch>
+                  <a:fillRect l="-727" t="-9272" r="-10182" b="-9934"/>
+                </a:stretch>
+              </a:blipFill>
+            </p:spPr>
+            <p:txBody>
+              <a:bodyPr/>
+              <a:lstStyle/>
+              <a:p>
+                <a:r>
+                  <a:rPr lang="en-US">
+                    <a:noFill/>
+                  </a:rPr>
+                  <a:t> </a:t>
+                </a:r>
+              </a:p>
+            </p:txBody>
+          </p:sp>
+        </mc:Fallback>
+      </mc:AlternateContent>
+      <p:cxnSp>
+        <p:nvCxnSpPr>
+          <p:cNvPr id="41" name="Straight Arrow Connector 40">
+            <a:extLst>
+              <a:ext uri="{FF2B5EF4-FFF2-40B4-BE49-F238E27FC236}">
+                <a16:creationId xmlns:a16="http://schemas.microsoft.com/office/drawing/2014/main" id="{BB329AED-C2F5-4177-BE94-7F2C5F4D7B72}"/>
+              </a:ext>
+            </a:extLst>
+          </p:cNvPr>
+          <p:cNvCxnSpPr>
+            <a:cxnSpLocks/>
+          </p:cNvCxnSpPr>
+          <p:nvPr/>
+        </p:nvCxnSpPr>
+        <p:spPr>
+          <a:xfrm>
+            <a:off x="6248400" y="2651516"/>
+            <a:ext cx="0" cy="447854"/>
+          </a:xfrm>
+          <a:prstGeom prst="straightConnector1">
+            <a:avLst/>
+          </a:prstGeom>
+          <a:ln w="28575">
+            <a:solidFill>
+              <a:schemeClr val="accent1"/>
+            </a:solidFill>
+            <a:tailEnd type="arrow" w="med" len="lg"/>
+          </a:ln>
+          <a:effectLst>
+            <a:outerShdw blurRad="50800" dist="38100" dir="2700000" sx="104000" sy="104000" algn="tl" rotWithShape="0">
+              <a:prstClr val="black">
+                <a:alpha val="40000"/>
+              </a:prstClr>
+            </a:outerShdw>
+          </a:effectLst>
+        </p:spPr>
+        <p:style>
+          <a:lnRef idx="1">
+            <a:schemeClr val="accent1"/>
+          </a:lnRef>
+          <a:fillRef idx="0">
+            <a:schemeClr val="accent1"/>
+          </a:fillRef>
+          <a:effectRef idx="0">
+            <a:schemeClr val="accent1"/>
+          </a:effectRef>
+          <a:fontRef idx="minor">
+            <a:schemeClr val="tx1"/>
+          </a:fontRef>
+        </p:style>
+      </p:cxnSp>
+    </p:spTree>
+    <p:extLst>
+      <p:ext uri="{BB962C8B-B14F-4D97-AF65-F5344CB8AC3E}">
+        <p14:creationId xmlns:p14="http://schemas.microsoft.com/office/powerpoint/2010/main" val="4061229100"/>
+      </p:ext>
+    </p:extLst>
+  </p:cSld>
+  <p:clrMapOvr>
+    <a:masterClrMapping/>
+  </p:clrMapOvr>
+</p:sld>
+</file>
+
+<file path=ppt/slides/slide9.xml><?xml version="1.0" encoding="utf-8"?>
+<p:sld xmlns:a="http://schemas.openxmlformats.org/drawingml/2006/main" xmlns:r="http://schemas.openxmlformats.org/officeDocument/2006/relationships" xmlns:p="http://schemas.openxmlformats.org/presentationml/2006/main">
+  <p:cSld>
+    <p:spTree>
+      <p:nvGrpSpPr>
+        <p:cNvPr id="1" name=""/>
+        <p:cNvGrpSpPr/>
+        <p:nvPr/>
+      </p:nvGrpSpPr>
+      <p:grpSpPr>
+        <a:xfrm>
+          <a:off x="0" y="0"/>
+          <a:ext cx="0" cy="0"/>
+          <a:chOff x="0" y="0"/>
+          <a:chExt cx="0" cy="0"/>
+        </a:xfrm>
+      </p:grpSpPr>
+      <p:pic>
+        <p:nvPicPr>
+          <p:cNvPr id="5" name="Picture 2"/>
+          <p:cNvPicPr>
+            <a:picLocks noChangeAspect="1" noChangeArrowheads="1"/>
+          </p:cNvPicPr>
+          <p:nvPr/>
+        </p:nvPicPr>
+        <p:blipFill>
+          <a:blip r:embed="rId3" cstate="print">
+            <a:extLst>
+              <a:ext uri="{28A0092B-C50C-407E-A947-70E740481C1C}">
+                <a14:useLocalDpi xmlns:a14="http://schemas.microsoft.com/office/drawing/2010/main" val="0"/>
+              </a:ext>
+            </a:extLst>
+          </a:blip>
+          <a:srcRect/>
+          <a:stretch>
+            <a:fillRect/>
+          </a:stretch>
+        </p:blipFill>
+        <p:spPr bwMode="auto">
+          <a:xfrm>
+            <a:off x="2875390" y="2220553"/>
+            <a:ext cx="1372760" cy="999755"/>
+          </a:xfrm>
+          <a:prstGeom prst="rect">
+            <a:avLst/>
+          </a:prstGeom>
+          <a:noFill/>
+          <a:ln>
+            <a:noFill/>
+          </a:ln>
+          <a:effectLst/>
+          <a:extLst>
+            <a:ext uri="{909E8E84-426E-40DD-AFC4-6F175D3DCCD1}">
+              <a14:hiddenFill xmlns:a14="http://schemas.microsoft.com/office/drawing/2010/main">
+                <a:solidFill>
+                  <a:schemeClr val="accent1"/>
+                </a:solidFill>
+              </a14:hiddenFill>
+            </a:ext>
+            <a:ext uri="{91240B29-F687-4F45-9708-019B960494DF}">
+              <a14:hiddenLine xmlns:a14="http://schemas.microsoft.com/office/drawing/2010/main" w="9525">
+                <a:solidFill>
+                  <a:schemeClr val="tx1"/>
+                </a:solidFill>
+                <a:miter lim="800000"/>
+                <a:headEnd/>
+                <a:tailEnd/>
+              </a14:hiddenLine>
+            </a:ext>
+            <a:ext uri="{AF507438-7753-43E0-B8FC-AC1667EBCBE1}">
+              <a14:hiddenEffects xmlns:a14="http://schemas.microsoft.com/office/drawing/2010/main">
+                <a:effectLst>
+                  <a:outerShdw dist="35921" dir="2700000" algn="ctr" rotWithShape="0">
+                    <a:schemeClr val="bg2"/>
+                  </a:outerShdw>
+                </a:effectLst>
+              </a14:hiddenEffects>
+            </a:ext>
+          </a:extLst>
+        </p:spPr>
+      </p:pic>
+      <p:pic>
+        <p:nvPicPr>
+          <p:cNvPr id="6" name="Picture 3"/>
+          <p:cNvPicPr>
+            <a:picLocks noChangeAspect="1" noChangeArrowheads="1"/>
+          </p:cNvPicPr>
+          <p:nvPr/>
+        </p:nvPicPr>
+        <p:blipFill>
+          <a:blip r:embed="rId4" cstate="print">
+            <a:extLst>
+              <a:ext uri="{28A0092B-C50C-407E-A947-70E740481C1C}">
+                <a14:useLocalDpi xmlns:a14="http://schemas.microsoft.com/office/drawing/2010/main" val="0"/>
+              </a:ext>
+            </a:extLst>
+          </a:blip>
+          <a:srcRect/>
+          <a:stretch>
+            <a:fillRect/>
+          </a:stretch>
+        </p:blipFill>
+        <p:spPr bwMode="auto">
+          <a:xfrm>
+            <a:off x="3638550" y="2641600"/>
+            <a:ext cx="1724025" cy="1284124"/>
+          </a:xfrm>
+          <a:prstGeom prst="rect">
+            <a:avLst/>
+          </a:prstGeom>
+          <a:noFill/>
+          <a:ln>
+            <a:noFill/>
+          </a:ln>
+          <a:effectLst>
+            <a:outerShdw blurRad="50800" dist="38100" dir="2700000" algn="tl" rotWithShape="0">
+              <a:prstClr val="black">
+                <a:alpha val="40000"/>
+              </a:prstClr>
+            </a:outerShdw>
+          </a:effectLst>
+          <a:extLst>
+            <a:ext uri="{909E8E84-426E-40DD-AFC4-6F175D3DCCD1}">
+              <a14:hiddenFill xmlns:a14="http://schemas.microsoft.com/office/drawing/2010/main">
+                <a:solidFill>
+                  <a:schemeClr val="accent1"/>
+                </a:solidFill>
+              </a14:hiddenFill>
+            </a:ext>
+            <a:ext uri="{91240B29-F687-4F45-9708-019B960494DF}">
+              <a14:hiddenLine xmlns:a14="http://schemas.microsoft.com/office/drawing/2010/main" w="9525">
+                <a:solidFill>
+                  <a:schemeClr val="tx1"/>
+                </a:solidFill>
+                <a:miter lim="800000"/>
+                <a:headEnd/>
+                <a:tailEnd/>
+              </a14:hiddenLine>
+            </a:ext>
+          </a:extLst>
+        </p:spPr>
+      </p:pic>
+      <p:pic>
+        <p:nvPicPr>
+          <p:cNvPr id="7" name="Picture 4"/>
+          <p:cNvPicPr>
+            <a:picLocks noChangeAspect="1" noChangeArrowheads="1"/>
+          </p:cNvPicPr>
+          <p:nvPr/>
+        </p:nvPicPr>
+        <p:blipFill>
+          <a:blip r:embed="rId5" cstate="print">
+            <a:extLst>
+              <a:ext uri="{28A0092B-C50C-407E-A947-70E740481C1C}">
+                <a14:useLocalDpi xmlns:a14="http://schemas.microsoft.com/office/drawing/2010/main" val="0"/>
+              </a:ext>
+            </a:extLst>
+          </a:blip>
+          <a:srcRect/>
+          <a:stretch>
+            <a:fillRect/>
+          </a:stretch>
+        </p:blipFill>
+        <p:spPr bwMode="auto">
+          <a:xfrm>
+            <a:off x="4400550" y="3403600"/>
+            <a:ext cx="2133600" cy="1466850"/>
+          </a:xfrm>
+          <a:prstGeom prst="rect">
+            <a:avLst/>
+          </a:prstGeom>
+          <a:noFill/>
+          <a:ln>
+            <a:noFill/>
+          </a:ln>
+          <a:effectLst>
+            <a:outerShdw blurRad="50800" dist="38100" dir="2700000" algn="tl" rotWithShape="0">
+              <a:prstClr val="black">
+                <a:alpha val="40000"/>
+              </a:prstClr>
+            </a:outerShdw>
+          </a:effectLst>
+          <a:extLst>
+            <a:ext uri="{909E8E84-426E-40DD-AFC4-6F175D3DCCD1}">
+              <a14:hiddenFill xmlns:a14="http://schemas.microsoft.com/office/drawing/2010/main">
+                <a:solidFill>
+                  <a:schemeClr val="accent1"/>
+                </a:solidFill>
+              </a14:hiddenFill>
+            </a:ext>
+            <a:ext uri="{91240B29-F687-4F45-9708-019B960494DF}">
+              <a14:hiddenLine xmlns:a14="http://schemas.microsoft.com/office/drawing/2010/main" w="9525">
+                <a:solidFill>
+                  <a:schemeClr val="tx1"/>
+                </a:solidFill>
+                <a:miter lim="800000"/>
+                <a:headEnd/>
+                <a:tailEnd/>
+              </a14:hiddenLine>
+            </a:ext>
+          </a:extLst>
+        </p:spPr>
+      </p:pic>
+    </p:spTree>
+    <p:extLst>
+      <p:ext uri="{BB962C8B-B14F-4D97-AF65-F5344CB8AC3E}">
+        <p14:creationId xmlns:p14="http://schemas.microsoft.com/office/powerpoint/2010/main" val="3380168954"/>
       </p:ext>
     </p:extLst>
   </p:cSld>

--- a/Doxygen/physics/1. Pool End Game/figures.pptx
+++ b/Doxygen/physics/1. Pool End Game/figures.pptx
@@ -5,7 +5,7 @@
     <p:sldMasterId id="2147483660" r:id="rId1"/>
   </p:sldMasterIdLst>
   <p:notesMasterIdLst>
-    <p:notesMasterId r:id="rId11"/>
+    <p:notesMasterId r:id="rId9"/>
   </p:notesMasterIdLst>
   <p:sldIdLst>
     <p:sldId id="256" r:id="rId2"/>
@@ -15,8 +15,6 @@
     <p:sldId id="327" r:id="rId6"/>
     <p:sldId id="328" r:id="rId7"/>
     <p:sldId id="329" r:id="rId8"/>
-    <p:sldId id="330" r:id="rId9"/>
-    <p:sldId id="260" r:id="rId10"/>
   </p:sldIdLst>
   <p:sldSz cx="9144000" cy="6858000" type="screen4x3"/>
   <p:notesSz cx="6858000" cy="9144000"/>
@@ -205,7 +203,7 @@
           <a:p>
             <a:fld id="{7D0E2FA4-032C-404F-8FB9-E4E398410F6B}" type="datetimeFigureOut">
               <a:rPr lang="en-US" smtClean="0"/>
-              <a:t>2/26/2024</a:t>
+              <a:t>2/28/2024</a:t>
             </a:fld>
             <a:endParaRPr lang="en-US"/>
           </a:p>
@@ -735,203 +733,6 @@
 </p:notes>
 </file>
 
-<file path=ppt/notesSlides/notesSlide3.xml><?xml version="1.0" encoding="utf-8"?>
-<p:notes xmlns:a="http://schemas.openxmlformats.org/drawingml/2006/main" xmlns:r="http://schemas.openxmlformats.org/officeDocument/2006/relationships" xmlns:p="http://schemas.openxmlformats.org/presentationml/2006/main">
-  <p:cSld>
-    <p:spTree>
-      <p:nvGrpSpPr>
-        <p:cNvPr id="1" name=""/>
-        <p:cNvGrpSpPr/>
-        <p:nvPr/>
-      </p:nvGrpSpPr>
-      <p:grpSpPr>
-        <a:xfrm>
-          <a:off x="0" y="0"/>
-          <a:ext cx="0" cy="0"/>
-          <a:chOff x="0" y="0"/>
-          <a:chExt cx="0" cy="0"/>
-        </a:xfrm>
-      </p:grpSpPr>
-      <p:sp>
-        <p:nvSpPr>
-          <p:cNvPr id="2" name="Slide Image Placeholder 1"/>
-          <p:cNvSpPr>
-            <a:spLocks noGrp="1" noRot="1" noChangeAspect="1"/>
-          </p:cNvSpPr>
-          <p:nvPr>
-            <p:ph type="sldImg"/>
-          </p:nvPr>
-        </p:nvSpPr>
-        <p:spPr/>
-      </p:sp>
-      <p:sp>
-        <p:nvSpPr>
-          <p:cNvPr id="3" name="Notes Placeholder 2"/>
-          <p:cNvSpPr>
-            <a:spLocks noGrp="1"/>
-          </p:cNvSpPr>
-          <p:nvPr>
-            <p:ph type="body" idx="1"/>
-          </p:nvPr>
-        </p:nvSpPr>
-        <p:spPr/>
-        <p:txBody>
-          <a:bodyPr/>
-          <a:lstStyle/>
-          <a:p>
-            <a:r>
-              <a:rPr lang="en-US" dirty="0"/>
-              <a:t>Time is discrete. We only know where things are at discrete time slices. Riff on Heisenberg here if you wish. Yes, we can know both position</a:t>
-            </a:r>
-            <a:r>
-              <a:rPr lang="en-US" baseline="0" dirty="0"/>
-              <a:t> and velocity.</a:t>
-            </a:r>
-            <a:endParaRPr lang="en-US" dirty="0"/>
-          </a:p>
-        </p:txBody>
-      </p:sp>
-      <p:sp>
-        <p:nvSpPr>
-          <p:cNvPr id="4" name="Slide Number Placeholder 3"/>
-          <p:cNvSpPr>
-            <a:spLocks noGrp="1"/>
-          </p:cNvSpPr>
-          <p:nvPr>
-            <p:ph type="sldNum" sz="quarter" idx="10"/>
-          </p:nvPr>
-        </p:nvSpPr>
-        <p:spPr/>
-        <p:txBody>
-          <a:bodyPr/>
-          <a:lstStyle/>
-          <a:p>
-            <a:fld id="{126C7370-1126-4CB4-A486-49B27BFF7F38}" type="slidenum">
-              <a:rPr lang="en-US" smtClean="0">
-                <a:solidFill>
-                  <a:prstClr val="black"/>
-                </a:solidFill>
-              </a:rPr>
-              <a:pPr/>
-              <a:t>8</a:t>
-            </a:fld>
-            <a:endParaRPr lang="en-US">
-              <a:solidFill>
-                <a:prstClr val="black"/>
-              </a:solidFill>
-            </a:endParaRPr>
-          </a:p>
-        </p:txBody>
-      </p:sp>
-    </p:spTree>
-    <p:extLst>
-      <p:ext uri="{BB962C8B-B14F-4D97-AF65-F5344CB8AC3E}">
-        <p14:creationId xmlns:p14="http://schemas.microsoft.com/office/powerpoint/2010/main" val="2974889956"/>
-      </p:ext>
-    </p:extLst>
-  </p:cSld>
-  <p:clrMapOvr>
-    <a:masterClrMapping/>
-  </p:clrMapOvr>
-</p:notes>
-</file>
-
-<file path=ppt/notesSlides/notesSlide4.xml><?xml version="1.0" encoding="utf-8"?>
-<p:notes xmlns:a="http://schemas.openxmlformats.org/drawingml/2006/main" xmlns:r="http://schemas.openxmlformats.org/officeDocument/2006/relationships" xmlns:p="http://schemas.openxmlformats.org/presentationml/2006/main">
-  <p:cSld>
-    <p:spTree>
-      <p:nvGrpSpPr>
-        <p:cNvPr id="1" name=""/>
-        <p:cNvGrpSpPr/>
-        <p:nvPr/>
-      </p:nvGrpSpPr>
-      <p:grpSpPr>
-        <a:xfrm>
-          <a:off x="0" y="0"/>
-          <a:ext cx="0" cy="0"/>
-          <a:chOff x="0" y="0"/>
-          <a:chExt cx="0" cy="0"/>
-        </a:xfrm>
-      </p:grpSpPr>
-      <p:sp>
-        <p:nvSpPr>
-          <p:cNvPr id="2" name="Slide Image Placeholder 1"/>
-          <p:cNvSpPr>
-            <a:spLocks noGrp="1" noRot="1" noChangeAspect="1"/>
-          </p:cNvSpPr>
-          <p:nvPr>
-            <p:ph type="sldImg"/>
-          </p:nvPr>
-        </p:nvSpPr>
-        <p:spPr/>
-      </p:sp>
-      <p:sp>
-        <p:nvSpPr>
-          <p:cNvPr id="3" name="Notes Placeholder 2"/>
-          <p:cNvSpPr>
-            <a:spLocks noGrp="1"/>
-          </p:cNvSpPr>
-          <p:nvPr>
-            <p:ph type="body" idx="1"/>
-          </p:nvPr>
-        </p:nvSpPr>
-        <p:spPr/>
-        <p:txBody>
-          <a:bodyPr/>
-          <a:lstStyle/>
-          <a:p>
-            <a:r>
-              <a:rPr lang="en-US" dirty="0"/>
-              <a:t>Image at right from Wikimedia Commons.</a:t>
-            </a:r>
-          </a:p>
-        </p:txBody>
-      </p:sp>
-      <p:sp>
-        <p:nvSpPr>
-          <p:cNvPr id="4" name="Slide Number Placeholder 3"/>
-          <p:cNvSpPr>
-            <a:spLocks noGrp="1"/>
-          </p:cNvSpPr>
-          <p:nvPr>
-            <p:ph type="sldNum" sz="quarter" idx="10"/>
-          </p:nvPr>
-        </p:nvSpPr>
-        <p:spPr/>
-        <p:txBody>
-          <a:bodyPr/>
-          <a:lstStyle/>
-          <a:p>
-            <a:fld id="{126C7370-1126-4CB4-A486-49B27BFF7F38}" type="slidenum">
-              <a:rPr lang="en-US" smtClean="0">
-                <a:solidFill>
-                  <a:prstClr val="black"/>
-                </a:solidFill>
-              </a:rPr>
-              <a:pPr/>
-              <a:t>9</a:t>
-            </a:fld>
-            <a:endParaRPr lang="en-US">
-              <a:solidFill>
-                <a:prstClr val="black"/>
-              </a:solidFill>
-            </a:endParaRPr>
-          </a:p>
-        </p:txBody>
-      </p:sp>
-    </p:spTree>
-    <p:extLst>
-      <p:ext uri="{BB962C8B-B14F-4D97-AF65-F5344CB8AC3E}">
-        <p14:creationId xmlns:p14="http://schemas.microsoft.com/office/powerpoint/2010/main" val="823567907"/>
-      </p:ext>
-    </p:extLst>
-  </p:cSld>
-  <p:clrMapOvr>
-    <a:masterClrMapping/>
-  </p:clrMapOvr>
-</p:notes>
-</file>
-
 <file path=ppt/slideLayouts/slideLayout1.xml><?xml version="1.0" encoding="utf-8"?>
 <p:sldLayout xmlns:a="http://schemas.openxmlformats.org/drawingml/2006/main" xmlns:r="http://schemas.openxmlformats.org/officeDocument/2006/relationships" xmlns:p="http://schemas.openxmlformats.org/presentationml/2006/main" type="title" preserve="1">
   <p:cSld name="Title Slide">
@@ -1063,7 +864,7 @@
           <a:p>
             <a:fld id="{FB8B2293-C92A-45D8-B67B-C67BEF3F85AE}" type="datetimeFigureOut">
               <a:rPr lang="en-US" smtClean="0"/>
-              <a:t>2/26/2024</a:t>
+              <a:t>2/28/2024</a:t>
             </a:fld>
             <a:endParaRPr lang="en-US"/>
           </a:p>
@@ -1233,7 +1034,7 @@
           <a:p>
             <a:fld id="{FB8B2293-C92A-45D8-B67B-C67BEF3F85AE}" type="datetimeFigureOut">
               <a:rPr lang="en-US" smtClean="0"/>
-              <a:t>2/26/2024</a:t>
+              <a:t>2/28/2024</a:t>
             </a:fld>
             <a:endParaRPr lang="en-US"/>
           </a:p>
@@ -1413,7 +1214,7 @@
           <a:p>
             <a:fld id="{FB8B2293-C92A-45D8-B67B-C67BEF3F85AE}" type="datetimeFigureOut">
               <a:rPr lang="en-US" smtClean="0"/>
-              <a:t>2/26/2024</a:t>
+              <a:t>2/28/2024</a:t>
             </a:fld>
             <a:endParaRPr lang="en-US"/>
           </a:p>
@@ -1583,7 +1384,7 @@
           <a:p>
             <a:fld id="{FB8B2293-C92A-45D8-B67B-C67BEF3F85AE}" type="datetimeFigureOut">
               <a:rPr lang="en-US" smtClean="0"/>
-              <a:t>2/26/2024</a:t>
+              <a:t>2/28/2024</a:t>
             </a:fld>
             <a:endParaRPr lang="en-US"/>
           </a:p>
@@ -1827,7 +1628,7 @@
           <a:p>
             <a:fld id="{FB8B2293-C92A-45D8-B67B-C67BEF3F85AE}" type="datetimeFigureOut">
               <a:rPr lang="en-US" smtClean="0"/>
-              <a:t>2/26/2024</a:t>
+              <a:t>2/28/2024</a:t>
             </a:fld>
             <a:endParaRPr lang="en-US"/>
           </a:p>
@@ -2059,7 +1860,7 @@
           <a:p>
             <a:fld id="{FB8B2293-C92A-45D8-B67B-C67BEF3F85AE}" type="datetimeFigureOut">
               <a:rPr lang="en-US" smtClean="0"/>
-              <a:t>2/26/2024</a:t>
+              <a:t>2/28/2024</a:t>
             </a:fld>
             <a:endParaRPr lang="en-US"/>
           </a:p>
@@ -2426,7 +2227,7 @@
           <a:p>
             <a:fld id="{FB8B2293-C92A-45D8-B67B-C67BEF3F85AE}" type="datetimeFigureOut">
               <a:rPr lang="en-US" smtClean="0"/>
-              <a:t>2/26/2024</a:t>
+              <a:t>2/28/2024</a:t>
             </a:fld>
             <a:endParaRPr lang="en-US"/>
           </a:p>
@@ -2544,7 +2345,7 @@
           <a:p>
             <a:fld id="{FB8B2293-C92A-45D8-B67B-C67BEF3F85AE}" type="datetimeFigureOut">
               <a:rPr lang="en-US" smtClean="0"/>
-              <a:t>2/26/2024</a:t>
+              <a:t>2/28/2024</a:t>
             </a:fld>
             <a:endParaRPr lang="en-US"/>
           </a:p>
@@ -2639,7 +2440,7 @@
           <a:p>
             <a:fld id="{FB8B2293-C92A-45D8-B67B-C67BEF3F85AE}" type="datetimeFigureOut">
               <a:rPr lang="en-US" smtClean="0"/>
-              <a:t>2/26/2024</a:t>
+              <a:t>2/28/2024</a:t>
             </a:fld>
             <a:endParaRPr lang="en-US"/>
           </a:p>
@@ -2916,7 +2717,7 @@
           <a:p>
             <a:fld id="{FB8B2293-C92A-45D8-B67B-C67BEF3F85AE}" type="datetimeFigureOut">
               <a:rPr lang="en-US" smtClean="0"/>
-              <a:t>2/26/2024</a:t>
+              <a:t>2/28/2024</a:t>
             </a:fld>
             <a:endParaRPr lang="en-US"/>
           </a:p>
@@ -3173,7 +2974,7 @@
           <a:p>
             <a:fld id="{FB8B2293-C92A-45D8-B67B-C67BEF3F85AE}" type="datetimeFigureOut">
               <a:rPr lang="en-US" smtClean="0"/>
-              <a:t>2/26/2024</a:t>
+              <a:t>2/28/2024</a:t>
             </a:fld>
             <a:endParaRPr lang="en-US"/>
           </a:p>
@@ -3386,7 +3187,7 @@
           <a:p>
             <a:fld id="{FB8B2293-C92A-45D8-B67B-C67BEF3F85AE}" type="datetimeFigureOut">
               <a:rPr lang="en-US" smtClean="0"/>
-              <a:t>2/26/2024</a:t>
+              <a:t>2/28/2024</a:t>
             </a:fld>
             <a:endParaRPr lang="en-US"/>
           </a:p>
@@ -11052,2289 +10853,6 @@
 </p:sld>
 </file>
 
-<file path=ppt/slides/slide8.xml><?xml version="1.0" encoding="utf-8"?>
-<p:sld xmlns:a="http://schemas.openxmlformats.org/drawingml/2006/main" xmlns:r="http://schemas.openxmlformats.org/officeDocument/2006/relationships" xmlns:p="http://schemas.openxmlformats.org/presentationml/2006/main">
-  <p:cSld>
-    <p:spTree>
-      <p:nvGrpSpPr>
-        <p:cNvPr id="1" name=""/>
-        <p:cNvGrpSpPr/>
-        <p:nvPr/>
-      </p:nvGrpSpPr>
-      <p:grpSpPr>
-        <a:xfrm>
-          <a:off x="0" y="0"/>
-          <a:ext cx="0" cy="0"/>
-          <a:chOff x="0" y="0"/>
-          <a:chExt cx="0" cy="0"/>
-        </a:xfrm>
-      </p:grpSpPr>
-      <p:cxnSp>
-        <p:nvCxnSpPr>
-          <p:cNvPr id="6" name="Straight Connector 5"/>
-          <p:cNvCxnSpPr/>
-          <p:nvPr/>
-        </p:nvCxnSpPr>
-        <p:spPr>
-          <a:xfrm>
-            <a:off x="2286000" y="3568079"/>
-            <a:ext cx="4191000" cy="0"/>
-          </a:xfrm>
-          <a:prstGeom prst="line">
-            <a:avLst/>
-          </a:prstGeom>
-          <a:ln w="44450" cap="rnd">
-            <a:solidFill>
-              <a:schemeClr val="tx1"/>
-            </a:solidFill>
-            <a:tailEnd type="none"/>
-          </a:ln>
-        </p:spPr>
-        <p:style>
-          <a:lnRef idx="1">
-            <a:schemeClr val="accent1"/>
-          </a:lnRef>
-          <a:fillRef idx="0">
-            <a:schemeClr val="accent1"/>
-          </a:fillRef>
-          <a:effectRef idx="0">
-            <a:schemeClr val="accent1"/>
-          </a:effectRef>
-          <a:fontRef idx="minor">
-            <a:schemeClr val="tx1"/>
-          </a:fontRef>
-        </p:style>
-      </p:cxnSp>
-      <p:cxnSp>
-        <p:nvCxnSpPr>
-          <p:cNvPr id="7" name="Straight Connector 6"/>
-          <p:cNvCxnSpPr/>
-          <p:nvPr/>
-        </p:nvCxnSpPr>
-        <p:spPr>
-          <a:xfrm flipV="1">
-            <a:off x="2286000" y="3490642"/>
-            <a:ext cx="0" cy="152400"/>
-          </a:xfrm>
-          <a:prstGeom prst="line">
-            <a:avLst/>
-          </a:prstGeom>
-          <a:ln w="25400">
-            <a:solidFill>
-              <a:schemeClr val="tx1"/>
-            </a:solidFill>
-          </a:ln>
-        </p:spPr>
-        <p:style>
-          <a:lnRef idx="1">
-            <a:schemeClr val="accent1"/>
-          </a:lnRef>
-          <a:fillRef idx="0">
-            <a:schemeClr val="accent1"/>
-          </a:fillRef>
-          <a:effectRef idx="0">
-            <a:schemeClr val="accent1"/>
-          </a:effectRef>
-          <a:fontRef idx="minor">
-            <a:schemeClr val="tx1"/>
-          </a:fontRef>
-        </p:style>
-      </p:cxnSp>
-      <p:cxnSp>
-        <p:nvCxnSpPr>
-          <p:cNvPr id="11" name="Straight Connector 10"/>
-          <p:cNvCxnSpPr/>
-          <p:nvPr/>
-        </p:nvCxnSpPr>
-        <p:spPr>
-          <a:xfrm flipV="1">
-            <a:off x="2895600" y="3490642"/>
-            <a:ext cx="0" cy="152400"/>
-          </a:xfrm>
-          <a:prstGeom prst="line">
-            <a:avLst/>
-          </a:prstGeom>
-          <a:ln w="25400">
-            <a:solidFill>
-              <a:schemeClr val="tx1"/>
-            </a:solidFill>
-          </a:ln>
-        </p:spPr>
-        <p:style>
-          <a:lnRef idx="1">
-            <a:schemeClr val="accent1"/>
-          </a:lnRef>
-          <a:fillRef idx="0">
-            <a:schemeClr val="accent1"/>
-          </a:fillRef>
-          <a:effectRef idx="0">
-            <a:schemeClr val="accent1"/>
-          </a:effectRef>
-          <a:fontRef idx="minor">
-            <a:schemeClr val="tx1"/>
-          </a:fontRef>
-        </p:style>
-      </p:cxnSp>
-      <p:cxnSp>
-        <p:nvCxnSpPr>
-          <p:cNvPr id="12" name="Straight Connector 11"/>
-          <p:cNvCxnSpPr/>
-          <p:nvPr/>
-        </p:nvCxnSpPr>
-        <p:spPr>
-          <a:xfrm flipV="1">
-            <a:off x="3505200" y="3490642"/>
-            <a:ext cx="0" cy="152400"/>
-          </a:xfrm>
-          <a:prstGeom prst="line">
-            <a:avLst/>
-          </a:prstGeom>
-          <a:ln w="25400">
-            <a:solidFill>
-              <a:schemeClr val="tx1"/>
-            </a:solidFill>
-          </a:ln>
-        </p:spPr>
-        <p:style>
-          <a:lnRef idx="1">
-            <a:schemeClr val="accent1"/>
-          </a:lnRef>
-          <a:fillRef idx="0">
-            <a:schemeClr val="accent1"/>
-          </a:fillRef>
-          <a:effectRef idx="0">
-            <a:schemeClr val="accent1"/>
-          </a:effectRef>
-          <a:fontRef idx="minor">
-            <a:schemeClr val="tx1"/>
-          </a:fontRef>
-        </p:style>
-      </p:cxnSp>
-      <p:cxnSp>
-        <p:nvCxnSpPr>
-          <p:cNvPr id="15" name="Straight Connector 14"/>
-          <p:cNvCxnSpPr/>
-          <p:nvPr/>
-        </p:nvCxnSpPr>
-        <p:spPr>
-          <a:xfrm flipV="1">
-            <a:off x="5410200" y="3490642"/>
-            <a:ext cx="0" cy="152400"/>
-          </a:xfrm>
-          <a:prstGeom prst="line">
-            <a:avLst/>
-          </a:prstGeom>
-          <a:ln w="25400">
-            <a:solidFill>
-              <a:schemeClr val="tx1"/>
-            </a:solidFill>
-          </a:ln>
-        </p:spPr>
-        <p:style>
-          <a:lnRef idx="1">
-            <a:schemeClr val="accent1"/>
-          </a:lnRef>
-          <a:fillRef idx="0">
-            <a:schemeClr val="accent1"/>
-          </a:fillRef>
-          <a:effectRef idx="0">
-            <a:schemeClr val="accent1"/>
-          </a:effectRef>
-          <a:fontRef idx="minor">
-            <a:schemeClr val="tx1"/>
-          </a:fontRef>
-        </p:style>
-      </p:cxnSp>
-      <p:cxnSp>
-        <p:nvCxnSpPr>
-          <p:cNvPr id="16" name="Straight Connector 15"/>
-          <p:cNvCxnSpPr/>
-          <p:nvPr/>
-        </p:nvCxnSpPr>
-        <p:spPr>
-          <a:xfrm flipV="1">
-            <a:off x="6248400" y="3490642"/>
-            <a:ext cx="0" cy="152400"/>
-          </a:xfrm>
-          <a:prstGeom prst="line">
-            <a:avLst/>
-          </a:prstGeom>
-          <a:ln w="25400">
-            <a:solidFill>
-              <a:schemeClr val="tx1"/>
-            </a:solidFill>
-          </a:ln>
-        </p:spPr>
-        <p:style>
-          <a:lnRef idx="1">
-            <a:schemeClr val="accent1"/>
-          </a:lnRef>
-          <a:fillRef idx="0">
-            <a:schemeClr val="accent1"/>
-          </a:fillRef>
-          <a:effectRef idx="0">
-            <a:schemeClr val="accent1"/>
-          </a:effectRef>
-          <a:fontRef idx="minor">
-            <a:schemeClr val="tx1"/>
-          </a:fontRef>
-        </p:style>
-      </p:cxnSp>
-      <p:cxnSp>
-        <p:nvCxnSpPr>
-          <p:cNvPr id="17" name="Straight Connector 16"/>
-          <p:cNvCxnSpPr/>
-          <p:nvPr/>
-        </p:nvCxnSpPr>
-        <p:spPr>
-          <a:xfrm flipV="1">
-            <a:off x="6934200" y="3490642"/>
-            <a:ext cx="0" cy="152400"/>
-          </a:xfrm>
-          <a:prstGeom prst="line">
-            <a:avLst/>
-          </a:prstGeom>
-          <a:ln w="25400">
-            <a:solidFill>
-              <a:schemeClr val="bg1">
-                <a:lumMod val="75000"/>
-              </a:schemeClr>
-            </a:solidFill>
-          </a:ln>
-        </p:spPr>
-        <p:style>
-          <a:lnRef idx="1">
-            <a:schemeClr val="accent1"/>
-          </a:lnRef>
-          <a:fillRef idx="0">
-            <a:schemeClr val="accent1"/>
-          </a:fillRef>
-          <a:effectRef idx="0">
-            <a:schemeClr val="accent1"/>
-          </a:effectRef>
-          <a:fontRef idx="minor">
-            <a:schemeClr val="tx1"/>
-          </a:fontRef>
-        </p:style>
-      </p:cxnSp>
-      <p:sp>
-        <p:nvSpPr>
-          <p:cNvPr id="24" name="TextBox 23"/>
-          <p:cNvSpPr txBox="1"/>
-          <p:nvPr/>
-        </p:nvSpPr>
-        <p:spPr>
-          <a:xfrm>
-            <a:off x="2133600" y="3121310"/>
-            <a:ext cx="304800" cy="369332"/>
-          </a:xfrm>
-          <a:prstGeom prst="rect">
-            <a:avLst/>
-          </a:prstGeom>
-          <a:noFill/>
-        </p:spPr>
-        <p:txBody>
-          <a:bodyPr wrap="square" rtlCol="0">
-            <a:spAutoFit/>
-          </a:bodyPr>
-          <a:lstStyle/>
-          <a:p>
-            <a:r>
-              <a:rPr lang="en-US" dirty="0">
-                <a:solidFill>
-                  <a:prstClr val="black"/>
-                </a:solidFill>
-              </a:rPr>
-              <a:t>0</a:t>
-            </a:r>
-          </a:p>
-        </p:txBody>
-      </p:sp>
-      <p:sp>
-        <p:nvSpPr>
-          <p:cNvPr id="25" name="TextBox 24"/>
-          <p:cNvSpPr txBox="1"/>
-          <p:nvPr/>
-        </p:nvSpPr>
-        <p:spPr>
-          <a:xfrm>
-            <a:off x="2743200" y="3121310"/>
-            <a:ext cx="304800" cy="369332"/>
-          </a:xfrm>
-          <a:prstGeom prst="rect">
-            <a:avLst/>
-          </a:prstGeom>
-          <a:noFill/>
-        </p:spPr>
-        <p:txBody>
-          <a:bodyPr wrap="square" rtlCol="0">
-            <a:spAutoFit/>
-          </a:bodyPr>
-          <a:lstStyle/>
-          <a:p>
-            <a:r>
-              <a:rPr lang="en-US" dirty="0">
-                <a:solidFill>
-                  <a:prstClr val="black"/>
-                </a:solidFill>
-              </a:rPr>
-              <a:t>1</a:t>
-            </a:r>
-          </a:p>
-        </p:txBody>
-      </p:sp>
-      <p:sp>
-        <p:nvSpPr>
-          <p:cNvPr id="26" name="TextBox 25"/>
-          <p:cNvSpPr txBox="1"/>
-          <p:nvPr/>
-        </p:nvSpPr>
-        <p:spPr>
-          <a:xfrm>
-            <a:off x="3352800" y="3121310"/>
-            <a:ext cx="304800" cy="369332"/>
-          </a:xfrm>
-          <a:prstGeom prst="rect">
-            <a:avLst/>
-          </a:prstGeom>
-          <a:noFill/>
-        </p:spPr>
-        <p:txBody>
-          <a:bodyPr wrap="square" rtlCol="0">
-            <a:spAutoFit/>
-          </a:bodyPr>
-          <a:lstStyle/>
-          <a:p>
-            <a:r>
-              <a:rPr lang="en-US" dirty="0">
-                <a:solidFill>
-                  <a:prstClr val="black"/>
-                </a:solidFill>
-              </a:rPr>
-              <a:t>2</a:t>
-            </a:r>
-          </a:p>
-        </p:txBody>
-      </p:sp>
-      <mc:AlternateContent xmlns:mc="http://schemas.openxmlformats.org/markup-compatibility/2006" xmlns:a14="http://schemas.microsoft.com/office/drawing/2010/main">
-        <mc:Choice Requires="a14">
-          <p:sp>
-            <p:nvSpPr>
-              <p:cNvPr id="27" name="TextBox 26"/>
-              <p:cNvSpPr txBox="1"/>
-              <p:nvPr/>
-            </p:nvSpPr>
-            <p:spPr>
-              <a:xfrm>
-                <a:off x="4267200" y="3046100"/>
-                <a:ext cx="304800" cy="369332"/>
-              </a:xfrm>
-              <a:prstGeom prst="rect">
-                <a:avLst/>
-              </a:prstGeom>
-              <a:noFill/>
-            </p:spPr>
-            <p:txBody>
-              <a:bodyPr wrap="square" rtlCol="0">
-                <a:spAutoFit/>
-              </a:bodyPr>
-              <a:lstStyle/>
-              <a:p>
-                <a:pPr/>
-                <a14:m>
-                  <m:oMathPara xmlns:m="http://schemas.openxmlformats.org/officeDocument/2006/math">
-                    <m:oMathParaPr>
-                      <m:jc m:val="centerGroup"/>
-                    </m:oMathParaPr>
-                    <m:oMath xmlns:m="http://schemas.openxmlformats.org/officeDocument/2006/math">
-                      <m:r>
-                        <a:rPr lang="en-US" i="1">
-                          <a:solidFill>
-                            <a:prstClr val="black"/>
-                          </a:solidFill>
-                          <a:latin typeface="Cambria Math"/>
-                          <a:ea typeface="Cambria Math"/>
-                        </a:rPr>
-                        <m:t>⋯</m:t>
-                      </m:r>
-                    </m:oMath>
-                  </m:oMathPara>
-                </a14:m>
-                <a:endParaRPr lang="en-US" dirty="0">
-                  <a:solidFill>
-                    <a:prstClr val="black"/>
-                  </a:solidFill>
-                </a:endParaRPr>
-              </a:p>
-            </p:txBody>
-          </p:sp>
-        </mc:Choice>
-        <mc:Fallback xmlns="">
-          <p:sp>
-            <p:nvSpPr>
-              <p:cNvPr id="27" name="TextBox 26"/>
-              <p:cNvSpPr txBox="1">
-                <a:spLocks noRot="1" noChangeAspect="1" noMove="1" noResize="1" noEditPoints="1" noAdjustHandles="1" noChangeArrowheads="1" noChangeShapeType="1" noTextEdit="1"/>
-              </p:cNvSpPr>
-              <p:nvPr/>
-            </p:nvSpPr>
-            <p:spPr>
-              <a:xfrm>
-                <a:off x="4267200" y="3046100"/>
-                <a:ext cx="304800" cy="369332"/>
-              </a:xfrm>
-              <a:prstGeom prst="rect">
-                <a:avLst/>
-              </a:prstGeom>
-              <a:blipFill rotWithShape="1">
-                <a:blip r:embed="rId4"/>
-                <a:stretch>
-                  <a:fillRect r="-10000"/>
-                </a:stretch>
-              </a:blipFill>
-            </p:spPr>
-            <p:txBody>
-              <a:bodyPr/>
-              <a:lstStyle/>
-              <a:p>
-                <a:r>
-                  <a:rPr lang="en-US">
-                    <a:noFill/>
-                  </a:rPr>
-                  <a:t> </a:t>
-                </a:r>
-              </a:p>
-            </p:txBody>
-          </p:sp>
-        </mc:Fallback>
-      </mc:AlternateContent>
-      <mc:AlternateContent xmlns:mc="http://schemas.openxmlformats.org/markup-compatibility/2006" xmlns:a14="http://schemas.microsoft.com/office/drawing/2010/main">
-        <mc:Choice Requires="a14">
-          <p:sp>
-            <p:nvSpPr>
-              <p:cNvPr id="28" name="TextBox 27"/>
-              <p:cNvSpPr txBox="1"/>
-              <p:nvPr/>
-            </p:nvSpPr>
-            <p:spPr>
-              <a:xfrm>
-                <a:off x="4914900" y="3121310"/>
-                <a:ext cx="990600" cy="369332"/>
-              </a:xfrm>
-              <a:prstGeom prst="rect">
-                <a:avLst/>
-              </a:prstGeom>
-              <a:noFill/>
-            </p:spPr>
-            <p:txBody>
-              <a:bodyPr wrap="square" rtlCol="0">
-                <a:spAutoFit/>
-              </a:bodyPr>
-              <a:lstStyle/>
-              <a:p>
-                <a:pPr/>
-                <a14:m>
-                  <m:oMathPara xmlns:m="http://schemas.openxmlformats.org/officeDocument/2006/math">
-                    <m:oMathParaPr>
-                      <m:jc m:val="centerGroup"/>
-                    </m:oMathParaPr>
-                    <m:oMath xmlns:m="http://schemas.openxmlformats.org/officeDocument/2006/math">
-                      <m:r>
-                        <a:rPr lang="en-US" i="1">
-                          <a:solidFill>
-                            <a:prstClr val="black"/>
-                          </a:solidFill>
-                          <a:latin typeface="Cambria Math"/>
-                          <a:ea typeface="Cambria Math"/>
-                        </a:rPr>
-                        <m:t>𝑖</m:t>
-                      </m:r>
-                      <m:r>
-                        <a:rPr lang="en-US" i="1">
-                          <a:solidFill>
-                            <a:prstClr val="black"/>
-                          </a:solidFill>
-                          <a:latin typeface="Cambria Math"/>
-                          <a:ea typeface="Cambria Math"/>
-                        </a:rPr>
-                        <m:t>−1</m:t>
-                      </m:r>
-                    </m:oMath>
-                  </m:oMathPara>
-                </a14:m>
-                <a:endParaRPr lang="en-US" dirty="0">
-                  <a:solidFill>
-                    <a:prstClr val="black"/>
-                  </a:solidFill>
-                </a:endParaRPr>
-              </a:p>
-            </p:txBody>
-          </p:sp>
-        </mc:Choice>
-        <mc:Fallback xmlns="">
-          <p:sp>
-            <p:nvSpPr>
-              <p:cNvPr id="28" name="TextBox 27"/>
-              <p:cNvSpPr txBox="1">
-                <a:spLocks noRot="1" noChangeAspect="1" noMove="1" noResize="1" noEditPoints="1" noAdjustHandles="1" noChangeArrowheads="1" noChangeShapeType="1" noTextEdit="1"/>
-              </p:cNvSpPr>
-              <p:nvPr/>
-            </p:nvSpPr>
-            <p:spPr>
-              <a:xfrm>
-                <a:off x="4914900" y="3121310"/>
-                <a:ext cx="990600" cy="369332"/>
-              </a:xfrm>
-              <a:prstGeom prst="rect">
-                <a:avLst/>
-              </a:prstGeom>
-              <a:blipFill rotWithShape="1">
-                <a:blip r:embed="rId5"/>
-                <a:stretch>
-                  <a:fillRect/>
-                </a:stretch>
-              </a:blipFill>
-            </p:spPr>
-            <p:txBody>
-              <a:bodyPr/>
-              <a:lstStyle/>
-              <a:p>
-                <a:r>
-                  <a:rPr lang="en-US">
-                    <a:noFill/>
-                  </a:rPr>
-                  <a:t> </a:t>
-                </a:r>
-              </a:p>
-            </p:txBody>
-          </p:sp>
-        </mc:Fallback>
-      </mc:AlternateContent>
-      <mc:AlternateContent xmlns:mc="http://schemas.openxmlformats.org/markup-compatibility/2006" xmlns:a14="http://schemas.microsoft.com/office/drawing/2010/main">
-        <mc:Choice Requires="a14">
-          <p:sp>
-            <p:nvSpPr>
-              <p:cNvPr id="29" name="TextBox 28"/>
-              <p:cNvSpPr txBox="1"/>
-              <p:nvPr/>
-            </p:nvSpPr>
-            <p:spPr>
-              <a:xfrm>
-                <a:off x="6057900" y="3121310"/>
-                <a:ext cx="381000" cy="369332"/>
-              </a:xfrm>
-              <a:prstGeom prst="rect">
-                <a:avLst/>
-              </a:prstGeom>
-              <a:noFill/>
-            </p:spPr>
-            <p:txBody>
-              <a:bodyPr wrap="square" rtlCol="0">
-                <a:spAutoFit/>
-              </a:bodyPr>
-              <a:lstStyle/>
-              <a:p>
-                <a:pPr/>
-                <a14:m>
-                  <m:oMathPara xmlns:m="http://schemas.openxmlformats.org/officeDocument/2006/math">
-                    <m:oMathParaPr>
-                      <m:jc m:val="centerGroup"/>
-                    </m:oMathParaPr>
-                    <m:oMath xmlns:m="http://schemas.openxmlformats.org/officeDocument/2006/math">
-                      <m:r>
-                        <a:rPr lang="en-US" i="1">
-                          <a:solidFill>
-                            <a:prstClr val="black"/>
-                          </a:solidFill>
-                          <a:latin typeface="Cambria Math"/>
-                          <a:ea typeface="Cambria Math"/>
-                        </a:rPr>
-                        <m:t>𝑖</m:t>
-                      </m:r>
-                    </m:oMath>
-                  </m:oMathPara>
-                </a14:m>
-                <a:endParaRPr lang="en-US" dirty="0">
-                  <a:solidFill>
-                    <a:prstClr val="black"/>
-                  </a:solidFill>
-                </a:endParaRPr>
-              </a:p>
-            </p:txBody>
-          </p:sp>
-        </mc:Choice>
-        <mc:Fallback xmlns="">
-          <p:sp>
-            <p:nvSpPr>
-              <p:cNvPr id="29" name="TextBox 28"/>
-              <p:cNvSpPr txBox="1">
-                <a:spLocks noRot="1" noChangeAspect="1" noMove="1" noResize="1" noEditPoints="1" noAdjustHandles="1" noChangeArrowheads="1" noChangeShapeType="1" noTextEdit="1"/>
-              </p:cNvSpPr>
-              <p:nvPr/>
-            </p:nvSpPr>
-            <p:spPr>
-              <a:xfrm>
-                <a:off x="6057900" y="3121310"/>
-                <a:ext cx="381000" cy="369332"/>
-              </a:xfrm>
-              <a:prstGeom prst="rect">
-                <a:avLst/>
-              </a:prstGeom>
-              <a:blipFill rotWithShape="1">
-                <a:blip r:embed="rId6"/>
-                <a:stretch>
-                  <a:fillRect/>
-                </a:stretch>
-              </a:blipFill>
-            </p:spPr>
-            <p:txBody>
-              <a:bodyPr/>
-              <a:lstStyle/>
-              <a:p>
-                <a:r>
-                  <a:rPr lang="en-US">
-                    <a:noFill/>
-                  </a:rPr>
-                  <a:t> </a:t>
-                </a:r>
-              </a:p>
-            </p:txBody>
-          </p:sp>
-        </mc:Fallback>
-      </mc:AlternateContent>
-      <mc:AlternateContent xmlns:mc="http://schemas.openxmlformats.org/markup-compatibility/2006">
-        <mc:Choice xmlns:a14="http://schemas.microsoft.com/office/drawing/2010/main" Requires="a14">
-          <p:sp>
-            <p:nvSpPr>
-              <p:cNvPr id="30" name="TextBox 29"/>
-              <p:cNvSpPr txBox="1"/>
-              <p:nvPr/>
-            </p:nvSpPr>
-            <p:spPr>
-              <a:xfrm>
-                <a:off x="6438900" y="3127040"/>
-                <a:ext cx="990600" cy="369332"/>
-              </a:xfrm>
-              <a:prstGeom prst="rect">
-                <a:avLst/>
-              </a:prstGeom>
-              <a:noFill/>
-            </p:spPr>
-            <p:txBody>
-              <a:bodyPr wrap="square" rtlCol="0">
-                <a:spAutoFit/>
-              </a:bodyPr>
-              <a:lstStyle/>
-              <a:p>
-                <a:pPr/>
-                <a14:m>
-                  <m:oMathPara xmlns:m="http://schemas.openxmlformats.org/officeDocument/2006/math">
-                    <m:oMathParaPr>
-                      <m:jc m:val="centerGroup"/>
-                    </m:oMathParaPr>
-                    <m:oMath xmlns:m="http://schemas.openxmlformats.org/officeDocument/2006/math">
-                      <m:r>
-                        <a:rPr lang="en-US" i="1" smtClean="0">
-                          <a:solidFill>
-                            <a:schemeClr val="bg1">
-                              <a:lumMod val="65000"/>
-                            </a:schemeClr>
-                          </a:solidFill>
-                          <a:latin typeface="Cambria Math"/>
-                          <a:ea typeface="Cambria Math"/>
-                        </a:rPr>
-                        <m:t>𝑖</m:t>
-                      </m:r>
-                      <m:r>
-                        <a:rPr lang="en-US" i="1" smtClean="0">
-                          <a:solidFill>
-                            <a:schemeClr val="bg1">
-                              <a:lumMod val="65000"/>
-                            </a:schemeClr>
-                          </a:solidFill>
-                          <a:latin typeface="Cambria Math"/>
-                          <a:ea typeface="Cambria Math"/>
-                        </a:rPr>
-                        <m:t>+1</m:t>
-                      </m:r>
-                    </m:oMath>
-                  </m:oMathPara>
-                </a14:m>
-                <a:endParaRPr lang="en-US" dirty="0">
-                  <a:solidFill>
-                    <a:schemeClr val="bg1">
-                      <a:lumMod val="65000"/>
-                    </a:schemeClr>
-                  </a:solidFill>
-                </a:endParaRPr>
-              </a:p>
-            </p:txBody>
-          </p:sp>
-        </mc:Choice>
-        <mc:Fallback>
-          <p:sp>
-            <p:nvSpPr>
-              <p:cNvPr id="30" name="TextBox 29"/>
-              <p:cNvSpPr txBox="1">
-                <a:spLocks noRot="1" noChangeAspect="1" noMove="1" noResize="1" noEditPoints="1" noAdjustHandles="1" noChangeArrowheads="1" noChangeShapeType="1" noTextEdit="1"/>
-              </p:cNvSpPr>
-              <p:nvPr/>
-            </p:nvSpPr>
-            <p:spPr>
-              <a:xfrm>
-                <a:off x="6438900" y="3127040"/>
-                <a:ext cx="990600" cy="369332"/>
-              </a:xfrm>
-              <a:prstGeom prst="rect">
-                <a:avLst/>
-              </a:prstGeom>
-              <a:blipFill>
-                <a:blip r:embed="rId7"/>
-                <a:stretch>
-                  <a:fillRect/>
-                </a:stretch>
-              </a:blipFill>
-            </p:spPr>
-            <p:txBody>
-              <a:bodyPr/>
-              <a:lstStyle/>
-              <a:p>
-                <a:r>
-                  <a:rPr lang="en-US">
-                    <a:noFill/>
-                  </a:rPr>
-                  <a:t> </a:t>
-                </a:r>
-              </a:p>
-            </p:txBody>
-          </p:sp>
-        </mc:Fallback>
-      </mc:AlternateContent>
-      <mc:AlternateContent xmlns:mc="http://schemas.openxmlformats.org/markup-compatibility/2006">
-        <mc:Choice xmlns:a14="http://schemas.microsoft.com/office/drawing/2010/main" Requires="a14">
-          <p:sp>
-            <p:nvSpPr>
-              <p:cNvPr id="35" name="TextBox 34"/>
-              <p:cNvSpPr txBox="1"/>
-              <p:nvPr/>
-            </p:nvSpPr>
-            <p:spPr>
-              <a:xfrm>
-                <a:off x="1447800" y="4256062"/>
-                <a:ext cx="1676400" cy="923330"/>
-              </a:xfrm>
-              <a:prstGeom prst="rect">
-                <a:avLst/>
-              </a:prstGeom>
-              <a:noFill/>
-            </p:spPr>
-            <p:txBody>
-              <a:bodyPr wrap="square" rtlCol="0">
-                <a:spAutoFit/>
-              </a:bodyPr>
-              <a:lstStyle/>
-              <a:p>
-                <a:pPr algn="ctr"/>
-                <a:r>
-                  <a:rPr lang="en-US" dirty="0">
-                    <a:solidFill>
-                      <a:prstClr val="black"/>
-                    </a:solidFill>
-                  </a:rPr>
-                  <a:t>Acceleration </a:t>
-                </a:r>
-                <a14:m>
-                  <m:oMath xmlns:m="http://schemas.openxmlformats.org/officeDocument/2006/math">
-                    <m:sSub>
-                      <m:sSubPr>
-                        <m:ctrlPr>
-                          <a:rPr lang="en-US" i="1">
-                            <a:solidFill>
-                              <a:prstClr val="black"/>
-                            </a:solidFill>
-                            <a:latin typeface="Cambria Math" panose="02040503050406030204" pitchFamily="18" charset="0"/>
-                          </a:rPr>
-                        </m:ctrlPr>
-                      </m:sSubPr>
-                      <m:e>
-                        <m:acc>
-                          <m:accPr>
-                            <m:chr m:val="⃗"/>
-                            <m:ctrlPr>
-                              <a:rPr lang="en-US" i="1">
-                                <a:solidFill>
-                                  <a:prstClr val="black"/>
-                                </a:solidFill>
-                                <a:latin typeface="Cambria Math" panose="02040503050406030204" pitchFamily="18" charset="0"/>
-                              </a:rPr>
-                            </m:ctrlPr>
-                          </m:accPr>
-                          <m:e>
-                            <m:r>
-                              <a:rPr lang="en-US" i="1">
-                                <a:solidFill>
-                                  <a:prstClr val="black"/>
-                                </a:solidFill>
-                                <a:latin typeface="Cambria Math" panose="02040503050406030204" pitchFamily="18" charset="0"/>
-                              </a:rPr>
-                              <m:t>𝑎</m:t>
-                            </m:r>
-                          </m:e>
-                        </m:acc>
-                      </m:e>
-                      <m:sub>
-                        <m:r>
-                          <a:rPr lang="en-US" b="0" i="1" smtClean="0">
-                            <a:solidFill>
-                              <a:prstClr val="black"/>
-                            </a:solidFill>
-                            <a:latin typeface="Cambria Math" panose="02040503050406030204" pitchFamily="18" charset="0"/>
-                          </a:rPr>
-                          <m:t>0</m:t>
-                        </m:r>
-                      </m:sub>
-                    </m:sSub>
-                  </m:oMath>
-                </a14:m>
-                <a:endParaRPr lang="en-US" dirty="0">
-                  <a:solidFill>
-                    <a:prstClr val="black"/>
-                  </a:solidFill>
-                </a:endParaRPr>
-              </a:p>
-              <a:p>
-                <a:pPr algn="ctr"/>
-                <a:r>
-                  <a:rPr lang="en-US" dirty="0">
-                    <a:solidFill>
-                      <a:prstClr val="black"/>
-                    </a:solidFill>
-                  </a:rPr>
-                  <a:t>Velocity </a:t>
-                </a:r>
-                <a14:m>
-                  <m:oMath xmlns:m="http://schemas.openxmlformats.org/officeDocument/2006/math">
-                    <m:sSub>
-                      <m:sSubPr>
-                        <m:ctrlPr>
-                          <a:rPr lang="en-US" i="1">
-                            <a:solidFill>
-                              <a:prstClr val="black"/>
-                            </a:solidFill>
-                            <a:latin typeface="Cambria Math" panose="02040503050406030204" pitchFamily="18" charset="0"/>
-                          </a:rPr>
-                        </m:ctrlPr>
-                      </m:sSubPr>
-                      <m:e>
-                        <m:acc>
-                          <m:accPr>
-                            <m:chr m:val="⃗"/>
-                            <m:ctrlPr>
-                              <a:rPr lang="en-US" i="1" smtClean="0">
-                                <a:solidFill>
-                                  <a:prstClr val="black"/>
-                                </a:solidFill>
-                                <a:latin typeface="Cambria Math" panose="02040503050406030204" pitchFamily="18" charset="0"/>
-                              </a:rPr>
-                            </m:ctrlPr>
-                          </m:accPr>
-                          <m:e>
-                            <m:r>
-                              <a:rPr lang="en-US" b="0" i="1" smtClean="0">
-                                <a:solidFill>
-                                  <a:prstClr val="black"/>
-                                </a:solidFill>
-                                <a:latin typeface="Cambria Math" panose="02040503050406030204" pitchFamily="18" charset="0"/>
-                              </a:rPr>
-                              <m:t>𝑣</m:t>
-                            </m:r>
-                          </m:e>
-                        </m:acc>
-                      </m:e>
-                      <m:sub>
-                        <m:r>
-                          <a:rPr lang="en-US" i="1">
-                            <a:solidFill>
-                              <a:prstClr val="black"/>
-                            </a:solidFill>
-                            <a:latin typeface="Cambria Math" panose="02040503050406030204" pitchFamily="18" charset="0"/>
-                          </a:rPr>
-                          <m:t>0</m:t>
-                        </m:r>
-                      </m:sub>
-                    </m:sSub>
-                  </m:oMath>
-                </a14:m>
-                <a:endParaRPr lang="en-US" dirty="0">
-                  <a:solidFill>
-                    <a:prstClr val="black"/>
-                  </a:solidFill>
-                </a:endParaRPr>
-              </a:p>
-              <a:p>
-                <a:pPr algn="ctr"/>
-                <a:r>
-                  <a:rPr lang="en-US" dirty="0">
-                    <a:solidFill>
-                      <a:prstClr val="black"/>
-                    </a:solidFill>
-                  </a:rPr>
-                  <a:t>Position </a:t>
-                </a:r>
-                <a14:m>
-                  <m:oMath xmlns:m="http://schemas.openxmlformats.org/officeDocument/2006/math">
-                    <m:sSub>
-                      <m:sSubPr>
-                        <m:ctrlPr>
-                          <a:rPr lang="en-US" i="1">
-                            <a:solidFill>
-                              <a:prstClr val="black"/>
-                            </a:solidFill>
-                            <a:latin typeface="Cambria Math" panose="02040503050406030204" pitchFamily="18" charset="0"/>
-                          </a:rPr>
-                        </m:ctrlPr>
-                      </m:sSubPr>
-                      <m:e>
-                        <m:acc>
-                          <m:accPr>
-                            <m:chr m:val="⃗"/>
-                            <m:ctrlPr>
-                              <a:rPr lang="en-US" i="1">
-                                <a:solidFill>
-                                  <a:prstClr val="black"/>
-                                </a:solidFill>
-                                <a:latin typeface="Cambria Math" panose="02040503050406030204" pitchFamily="18" charset="0"/>
-                              </a:rPr>
-                            </m:ctrlPr>
-                          </m:accPr>
-                          <m:e>
-                            <m:r>
-                              <a:rPr lang="en-US" b="0" i="1" smtClean="0">
-                                <a:solidFill>
-                                  <a:prstClr val="black"/>
-                                </a:solidFill>
-                                <a:latin typeface="Cambria Math" panose="02040503050406030204" pitchFamily="18" charset="0"/>
-                              </a:rPr>
-                              <m:t>𝑠</m:t>
-                            </m:r>
-                          </m:e>
-                        </m:acc>
-                      </m:e>
-                      <m:sub>
-                        <m:r>
-                          <a:rPr lang="en-US" i="1">
-                            <a:solidFill>
-                              <a:prstClr val="black"/>
-                            </a:solidFill>
-                            <a:latin typeface="Cambria Math" panose="02040503050406030204" pitchFamily="18" charset="0"/>
-                          </a:rPr>
-                          <m:t>0</m:t>
-                        </m:r>
-                      </m:sub>
-                    </m:sSub>
-                  </m:oMath>
-                </a14:m>
-                <a:endParaRPr lang="en-US" dirty="0">
-                  <a:solidFill>
-                    <a:prstClr val="black"/>
-                  </a:solidFill>
-                </a:endParaRPr>
-              </a:p>
-            </p:txBody>
-          </p:sp>
-        </mc:Choice>
-        <mc:Fallback>
-          <p:sp>
-            <p:nvSpPr>
-              <p:cNvPr id="35" name="TextBox 34"/>
-              <p:cNvSpPr txBox="1">
-                <a:spLocks noRot="1" noChangeAspect="1" noMove="1" noResize="1" noEditPoints="1" noAdjustHandles="1" noChangeArrowheads="1" noChangeShapeType="1" noTextEdit="1"/>
-              </p:cNvSpPr>
-              <p:nvPr/>
-            </p:nvSpPr>
-            <p:spPr>
-              <a:xfrm>
-                <a:off x="1447800" y="4256062"/>
-                <a:ext cx="1676400" cy="923330"/>
-              </a:xfrm>
-              <a:prstGeom prst="rect">
-                <a:avLst/>
-              </a:prstGeom>
-              <a:blipFill>
-                <a:blip r:embed="rId8"/>
-                <a:stretch>
-                  <a:fillRect l="-1818" t="-9211" r="-9091" b="-9211"/>
-                </a:stretch>
-              </a:blipFill>
-            </p:spPr>
-            <p:txBody>
-              <a:bodyPr/>
-              <a:lstStyle/>
-              <a:p>
-                <a:r>
-                  <a:rPr lang="en-US">
-                    <a:noFill/>
-                  </a:rPr>
-                  <a:t> </a:t>
-                </a:r>
-              </a:p>
-            </p:txBody>
-          </p:sp>
-        </mc:Fallback>
-      </mc:AlternateContent>
-      <p:cxnSp>
-        <p:nvCxnSpPr>
-          <p:cNvPr id="36" name="Straight Arrow Connector 35"/>
-          <p:cNvCxnSpPr/>
-          <p:nvPr/>
-        </p:nvCxnSpPr>
-        <p:spPr>
-          <a:xfrm flipV="1">
-            <a:off x="2286000" y="3640281"/>
-            <a:ext cx="0" cy="542821"/>
-          </a:xfrm>
-          <a:prstGeom prst="straightConnector1">
-            <a:avLst/>
-          </a:prstGeom>
-          <a:ln w="28575">
-            <a:solidFill>
-              <a:schemeClr val="accent1"/>
-            </a:solidFill>
-            <a:tailEnd type="arrow" w="med" len="lg"/>
-          </a:ln>
-          <a:effectLst>
-            <a:outerShdw blurRad="50800" dist="38100" dir="2700000" sx="104000" sy="104000" algn="tl" rotWithShape="0">
-              <a:prstClr val="black">
-                <a:alpha val="40000"/>
-              </a:prstClr>
-            </a:outerShdw>
-          </a:effectLst>
-        </p:spPr>
-        <p:style>
-          <a:lnRef idx="1">
-            <a:schemeClr val="accent1"/>
-          </a:lnRef>
-          <a:fillRef idx="0">
-            <a:schemeClr val="accent1"/>
-          </a:fillRef>
-          <a:effectRef idx="0">
-            <a:schemeClr val="accent1"/>
-          </a:effectRef>
-          <a:fontRef idx="minor">
-            <a:schemeClr val="tx1"/>
-          </a:fontRef>
-        </p:style>
-      </p:cxnSp>
-      <p:cxnSp>
-        <p:nvCxnSpPr>
-          <p:cNvPr id="38" name="Straight Arrow Connector 37"/>
-          <p:cNvCxnSpPr>
-            <a:cxnSpLocks/>
-            <a:endCxn id="25" idx="0"/>
-          </p:cNvCxnSpPr>
-          <p:nvPr/>
-        </p:nvCxnSpPr>
-        <p:spPr>
-          <a:xfrm>
-            <a:off x="2895600" y="2673456"/>
-            <a:ext cx="0" cy="447854"/>
-          </a:xfrm>
-          <a:prstGeom prst="straightConnector1">
-            <a:avLst/>
-          </a:prstGeom>
-          <a:ln w="28575">
-            <a:solidFill>
-              <a:schemeClr val="accent1"/>
-            </a:solidFill>
-            <a:tailEnd type="arrow" w="med" len="lg"/>
-          </a:ln>
-          <a:effectLst>
-            <a:outerShdw blurRad="50800" dist="38100" dir="2700000" sx="104000" sy="104000" algn="tl" rotWithShape="0">
-              <a:prstClr val="black">
-                <a:alpha val="40000"/>
-              </a:prstClr>
-            </a:outerShdw>
-          </a:effectLst>
-        </p:spPr>
-        <p:style>
-          <a:lnRef idx="1">
-            <a:schemeClr val="accent1"/>
-          </a:lnRef>
-          <a:fillRef idx="0">
-            <a:schemeClr val="accent1"/>
-          </a:fillRef>
-          <a:effectRef idx="0">
-            <a:schemeClr val="accent1"/>
-          </a:effectRef>
-          <a:fontRef idx="minor">
-            <a:schemeClr val="tx1"/>
-          </a:fontRef>
-        </p:style>
-      </p:cxnSp>
-      <p:sp>
-        <p:nvSpPr>
-          <p:cNvPr id="43" name="TextBox 42"/>
-          <p:cNvSpPr txBox="1"/>
-          <p:nvPr/>
-        </p:nvSpPr>
-        <p:spPr>
-          <a:xfrm>
-            <a:off x="6050724" y="4155432"/>
-            <a:ext cx="904009" cy="369332"/>
-          </a:xfrm>
-          <a:prstGeom prst="rect">
-            <a:avLst/>
-          </a:prstGeom>
-          <a:noFill/>
-        </p:spPr>
-        <p:txBody>
-          <a:bodyPr wrap="square" rtlCol="0">
-            <a:spAutoFit/>
-          </a:bodyPr>
-          <a:lstStyle/>
-          <a:p>
-            <a:pPr algn="ctr"/>
-            <a:r>
-              <a:rPr lang="en-US" dirty="0">
-                <a:solidFill>
-                  <a:prstClr val="black"/>
-                </a:solidFill>
-              </a:rPr>
-              <a:t>Now</a:t>
-            </a:r>
-          </a:p>
-        </p:txBody>
-      </p:sp>
-      <p:cxnSp>
-        <p:nvCxnSpPr>
-          <p:cNvPr id="44" name="Straight Arrow Connector 43"/>
-          <p:cNvCxnSpPr>
-            <a:cxnSpLocks/>
-          </p:cNvCxnSpPr>
-          <p:nvPr/>
-        </p:nvCxnSpPr>
-        <p:spPr>
-          <a:xfrm flipV="1">
-            <a:off x="6477000" y="3565607"/>
-            <a:ext cx="0" cy="583737"/>
-          </a:xfrm>
-          <a:prstGeom prst="straightConnector1">
-            <a:avLst/>
-          </a:prstGeom>
-          <a:ln w="25400">
-            <a:solidFill>
-              <a:srgbClr val="C00000"/>
-            </a:solidFill>
-            <a:tailEnd type="arrow" w="med" len="lg"/>
-          </a:ln>
-          <a:effectLst>
-            <a:outerShdw blurRad="50800" dist="38100" dir="2700000" sx="104000" sy="104000" algn="tl" rotWithShape="0">
-              <a:prstClr val="black">
-                <a:alpha val="40000"/>
-              </a:prstClr>
-            </a:outerShdw>
-          </a:effectLst>
-        </p:spPr>
-        <p:style>
-          <a:lnRef idx="1">
-            <a:schemeClr val="accent1"/>
-          </a:lnRef>
-          <a:fillRef idx="0">
-            <a:schemeClr val="accent1"/>
-          </a:fillRef>
-          <a:effectRef idx="0">
-            <a:schemeClr val="accent1"/>
-          </a:effectRef>
-          <a:fontRef idx="minor">
-            <a:schemeClr val="tx1"/>
-          </a:fontRef>
-        </p:style>
-      </p:cxnSp>
-      <p:cxnSp>
-        <p:nvCxnSpPr>
-          <p:cNvPr id="46" name="Straight Connector 45"/>
-          <p:cNvCxnSpPr/>
-          <p:nvPr/>
-        </p:nvCxnSpPr>
-        <p:spPr>
-          <a:xfrm>
-            <a:off x="6496050" y="3565605"/>
-            <a:ext cx="1019175" cy="0"/>
-          </a:xfrm>
-          <a:prstGeom prst="line">
-            <a:avLst/>
-          </a:prstGeom>
-          <a:ln w="44450" cap="rnd">
-            <a:solidFill>
-              <a:schemeClr val="bg1">
-                <a:lumMod val="65000"/>
-              </a:schemeClr>
-            </a:solidFill>
-            <a:tailEnd type="arrow"/>
-          </a:ln>
-        </p:spPr>
-        <p:style>
-          <a:lnRef idx="1">
-            <a:schemeClr val="accent1"/>
-          </a:lnRef>
-          <a:fillRef idx="0">
-            <a:schemeClr val="accent1"/>
-          </a:fillRef>
-          <a:effectRef idx="0">
-            <a:schemeClr val="accent1"/>
-          </a:effectRef>
-          <a:fontRef idx="minor">
-            <a:schemeClr val="tx1"/>
-          </a:fontRef>
-        </p:style>
-      </p:cxnSp>
-      <p:sp>
-        <p:nvSpPr>
-          <p:cNvPr id="52" name="TextBox 51"/>
-          <p:cNvSpPr txBox="1"/>
-          <p:nvPr/>
-        </p:nvSpPr>
-        <p:spPr>
-          <a:xfrm>
-            <a:off x="1346201" y="3099370"/>
-            <a:ext cx="876300" cy="369332"/>
-          </a:xfrm>
-          <a:prstGeom prst="rect">
-            <a:avLst/>
-          </a:prstGeom>
-          <a:noFill/>
-        </p:spPr>
-        <p:txBody>
-          <a:bodyPr wrap="square" rtlCol="0">
-            <a:spAutoFit/>
-          </a:bodyPr>
-          <a:lstStyle/>
-          <a:p>
-            <a:pPr algn="r"/>
-            <a:r>
-              <a:rPr lang="en-US" dirty="0">
-                <a:solidFill>
-                  <a:prstClr val="black"/>
-                </a:solidFill>
-              </a:rPr>
-              <a:t>Frame:</a:t>
-            </a:r>
-          </a:p>
-        </p:txBody>
-      </p:sp>
-      <p:sp>
-        <p:nvSpPr>
-          <p:cNvPr id="53" name="Right Brace 52"/>
-          <p:cNvSpPr/>
-          <p:nvPr/>
-        </p:nvSpPr>
-        <p:spPr>
-          <a:xfrm rot="5400000">
-            <a:off x="5716485" y="3428400"/>
-            <a:ext cx="228600" cy="835232"/>
-          </a:xfrm>
-          <a:prstGeom prst="rightBrace">
-            <a:avLst>
-              <a:gd name="adj1" fmla="val 44444"/>
-              <a:gd name="adj2" fmla="val 50000"/>
-            </a:avLst>
-          </a:prstGeom>
-          <a:ln w="22225" cap="rnd">
-            <a:solidFill>
-              <a:schemeClr val="tx1"/>
-            </a:solidFill>
-            <a:round/>
-          </a:ln>
-          <a:effectLst>
-            <a:outerShdw blurRad="50800" dist="38100" dir="2700000" algn="tl" rotWithShape="0">
-              <a:prstClr val="black">
-                <a:alpha val="40000"/>
-              </a:prstClr>
-            </a:outerShdw>
-          </a:effectLst>
-        </p:spPr>
-        <p:style>
-          <a:lnRef idx="1">
-            <a:schemeClr val="accent1"/>
-          </a:lnRef>
-          <a:fillRef idx="0">
-            <a:schemeClr val="accent1"/>
-          </a:fillRef>
-          <a:effectRef idx="0">
-            <a:schemeClr val="accent1"/>
-          </a:effectRef>
-          <a:fontRef idx="minor">
-            <a:schemeClr val="tx1"/>
-          </a:fontRef>
-        </p:style>
-        <p:txBody>
-          <a:bodyPr rtlCol="0" anchor="ctr"/>
-          <a:lstStyle/>
-          <a:p>
-            <a:pPr algn="ctr"/>
-            <a:endParaRPr lang="en-US" dirty="0">
-              <a:solidFill>
-                <a:prstClr val="black"/>
-              </a:solidFill>
-            </a:endParaRPr>
-          </a:p>
-        </p:txBody>
-      </p:sp>
-      <mc:AlternateContent xmlns:mc="http://schemas.openxmlformats.org/markup-compatibility/2006" xmlns:a14="http://schemas.microsoft.com/office/drawing/2010/main">
-        <mc:Choice Requires="a14">
-          <p:sp>
-            <p:nvSpPr>
-              <p:cNvPr id="57" name="TextBox 56"/>
-              <p:cNvSpPr txBox="1"/>
-              <p:nvPr/>
-            </p:nvSpPr>
-            <p:spPr>
-              <a:xfrm>
-                <a:off x="5664530" y="3964678"/>
-                <a:ext cx="332509" cy="369332"/>
-              </a:xfrm>
-              <a:prstGeom prst="rect">
-                <a:avLst/>
-              </a:prstGeom>
-              <a:noFill/>
-            </p:spPr>
-            <p:txBody>
-              <a:bodyPr wrap="square" rtlCol="0">
-                <a:spAutoFit/>
-              </a:bodyPr>
-              <a:lstStyle/>
-              <a:p>
-                <a:pPr algn="ctr"/>
-                <a14:m>
-                  <m:oMathPara xmlns:m="http://schemas.openxmlformats.org/officeDocument/2006/math">
-                    <m:oMathParaPr>
-                      <m:jc m:val="center"/>
-                    </m:oMathParaPr>
-                    <m:oMath xmlns:m="http://schemas.openxmlformats.org/officeDocument/2006/math">
-                      <m:r>
-                        <m:rPr>
-                          <m:sty m:val="p"/>
-                        </m:rPr>
-                        <a:rPr lang="el-GR" i="1" dirty="0">
-                          <a:solidFill>
-                            <a:prstClr val="black"/>
-                          </a:solidFill>
-                          <a:latin typeface="Cambria Math"/>
-                          <a:ea typeface="Cambria Math"/>
-                        </a:rPr>
-                        <m:t>Δ</m:t>
-                      </m:r>
-                      <m:r>
-                        <a:rPr lang="en-US" i="1" dirty="0">
-                          <a:solidFill>
-                            <a:prstClr val="black"/>
-                          </a:solidFill>
-                          <a:latin typeface="Cambria Math"/>
-                          <a:ea typeface="Cambria Math"/>
-                        </a:rPr>
-                        <m:t>𝑡</m:t>
-                      </m:r>
-                    </m:oMath>
-                  </m:oMathPara>
-                </a14:m>
-                <a:endParaRPr lang="en-US" i="1" dirty="0">
-                  <a:solidFill>
-                    <a:prstClr val="black"/>
-                  </a:solidFill>
-                  <a:latin typeface="Cambria Math"/>
-                  <a:ea typeface="Cambria Math"/>
-                </a:endParaRPr>
-              </a:p>
-            </p:txBody>
-          </p:sp>
-        </mc:Choice>
-        <mc:Fallback xmlns="">
-          <p:sp>
-            <p:nvSpPr>
-              <p:cNvPr id="57" name="TextBox 56"/>
-              <p:cNvSpPr txBox="1">
-                <a:spLocks noRot="1" noChangeAspect="1" noMove="1" noResize="1" noEditPoints="1" noAdjustHandles="1" noChangeArrowheads="1" noChangeShapeType="1" noTextEdit="1"/>
-              </p:cNvSpPr>
-              <p:nvPr/>
-            </p:nvSpPr>
-            <p:spPr>
-              <a:xfrm>
-                <a:off x="5664530" y="3964678"/>
-                <a:ext cx="332509" cy="369332"/>
-              </a:xfrm>
-              <a:prstGeom prst="rect">
-                <a:avLst/>
-              </a:prstGeom>
-              <a:blipFill rotWithShape="1">
-                <a:blip r:embed="rId10"/>
-                <a:stretch>
-                  <a:fillRect l="-16364"/>
-                </a:stretch>
-              </a:blipFill>
-            </p:spPr>
-            <p:txBody>
-              <a:bodyPr/>
-              <a:lstStyle/>
-              <a:p>
-                <a:r>
-                  <a:rPr lang="en-US">
-                    <a:noFill/>
-                  </a:rPr>
-                  <a:t> </a:t>
-                </a:r>
-              </a:p>
-            </p:txBody>
-          </p:sp>
-        </mc:Fallback>
-      </mc:AlternateContent>
-      <mc:AlternateContent xmlns:mc="http://schemas.openxmlformats.org/markup-compatibility/2006">
-        <mc:Choice xmlns:a14="http://schemas.microsoft.com/office/drawing/2010/main" Requires="a14">
-          <p:sp>
-            <p:nvSpPr>
-              <p:cNvPr id="34" name="TextBox 33">
-                <a:extLst>
-                  <a:ext uri="{FF2B5EF4-FFF2-40B4-BE49-F238E27FC236}">
-                    <a16:creationId xmlns:a16="http://schemas.microsoft.com/office/drawing/2014/main" id="{6723D409-92D4-4358-8355-63013672FECE}"/>
-                  </a:ext>
-                </a:extLst>
-              </p:cNvPr>
-              <p:cNvSpPr txBox="1"/>
-              <p:nvPr/>
-            </p:nvSpPr>
-            <p:spPr>
-              <a:xfrm>
-                <a:off x="2063338" y="1704741"/>
-                <a:ext cx="1676400" cy="923330"/>
-              </a:xfrm>
-              <a:prstGeom prst="rect">
-                <a:avLst/>
-              </a:prstGeom>
-              <a:noFill/>
-            </p:spPr>
-            <p:txBody>
-              <a:bodyPr wrap="square" rtlCol="0">
-                <a:spAutoFit/>
-              </a:bodyPr>
-              <a:lstStyle/>
-              <a:p>
-                <a:pPr algn="ctr"/>
-                <a:r>
-                  <a:rPr lang="en-US" dirty="0">
-                    <a:solidFill>
-                      <a:prstClr val="black"/>
-                    </a:solidFill>
-                  </a:rPr>
-                  <a:t>Acceleration </a:t>
-                </a:r>
-                <a14:m>
-                  <m:oMath xmlns:m="http://schemas.openxmlformats.org/officeDocument/2006/math">
-                    <m:sSub>
-                      <m:sSubPr>
-                        <m:ctrlPr>
-                          <a:rPr lang="en-US" i="1">
-                            <a:solidFill>
-                              <a:prstClr val="black"/>
-                            </a:solidFill>
-                            <a:latin typeface="Cambria Math" panose="02040503050406030204" pitchFamily="18" charset="0"/>
-                          </a:rPr>
-                        </m:ctrlPr>
-                      </m:sSubPr>
-                      <m:e>
-                        <m:acc>
-                          <m:accPr>
-                            <m:chr m:val="⃗"/>
-                            <m:ctrlPr>
-                              <a:rPr lang="en-US" i="1">
-                                <a:solidFill>
-                                  <a:prstClr val="black"/>
-                                </a:solidFill>
-                                <a:latin typeface="Cambria Math" panose="02040503050406030204" pitchFamily="18" charset="0"/>
-                              </a:rPr>
-                            </m:ctrlPr>
-                          </m:accPr>
-                          <m:e>
-                            <m:r>
-                              <a:rPr lang="en-US" i="1">
-                                <a:solidFill>
-                                  <a:prstClr val="black"/>
-                                </a:solidFill>
-                                <a:latin typeface="Cambria Math" panose="02040503050406030204" pitchFamily="18" charset="0"/>
-                              </a:rPr>
-                              <m:t>𝑎</m:t>
-                            </m:r>
-                          </m:e>
-                        </m:acc>
-                      </m:e>
-                      <m:sub>
-                        <m:r>
-                          <a:rPr lang="en-US" b="0" i="1" smtClean="0">
-                            <a:solidFill>
-                              <a:prstClr val="black"/>
-                            </a:solidFill>
-                            <a:latin typeface="Cambria Math" panose="02040503050406030204" pitchFamily="18" charset="0"/>
-                          </a:rPr>
-                          <m:t>1</m:t>
-                        </m:r>
-                      </m:sub>
-                    </m:sSub>
-                  </m:oMath>
-                </a14:m>
-                <a:endParaRPr lang="en-US" dirty="0">
-                  <a:solidFill>
-                    <a:prstClr val="black"/>
-                  </a:solidFill>
-                </a:endParaRPr>
-              </a:p>
-              <a:p>
-                <a:pPr algn="ctr"/>
-                <a:r>
-                  <a:rPr lang="en-US" dirty="0">
-                    <a:solidFill>
-                      <a:prstClr val="black"/>
-                    </a:solidFill>
-                  </a:rPr>
-                  <a:t>Velocity </a:t>
-                </a:r>
-                <a14:m>
-                  <m:oMath xmlns:m="http://schemas.openxmlformats.org/officeDocument/2006/math">
-                    <m:sSub>
-                      <m:sSubPr>
-                        <m:ctrlPr>
-                          <a:rPr lang="en-US" i="1">
-                            <a:solidFill>
-                              <a:prstClr val="black"/>
-                            </a:solidFill>
-                            <a:latin typeface="Cambria Math" panose="02040503050406030204" pitchFamily="18" charset="0"/>
-                          </a:rPr>
-                        </m:ctrlPr>
-                      </m:sSubPr>
-                      <m:e>
-                        <m:acc>
-                          <m:accPr>
-                            <m:chr m:val="⃗"/>
-                            <m:ctrlPr>
-                              <a:rPr lang="en-US" i="1" smtClean="0">
-                                <a:solidFill>
-                                  <a:prstClr val="black"/>
-                                </a:solidFill>
-                                <a:latin typeface="Cambria Math" panose="02040503050406030204" pitchFamily="18" charset="0"/>
-                              </a:rPr>
-                            </m:ctrlPr>
-                          </m:accPr>
-                          <m:e>
-                            <m:r>
-                              <a:rPr lang="en-US" b="0" i="1" smtClean="0">
-                                <a:solidFill>
-                                  <a:prstClr val="black"/>
-                                </a:solidFill>
-                                <a:latin typeface="Cambria Math" panose="02040503050406030204" pitchFamily="18" charset="0"/>
-                              </a:rPr>
-                              <m:t>𝑣</m:t>
-                            </m:r>
-                          </m:e>
-                        </m:acc>
-                      </m:e>
-                      <m:sub>
-                        <m:r>
-                          <a:rPr lang="en-US" b="0" i="1" smtClean="0">
-                            <a:solidFill>
-                              <a:prstClr val="black"/>
-                            </a:solidFill>
-                            <a:latin typeface="Cambria Math" panose="02040503050406030204" pitchFamily="18" charset="0"/>
-                          </a:rPr>
-                          <m:t>1</m:t>
-                        </m:r>
-                      </m:sub>
-                    </m:sSub>
-                  </m:oMath>
-                </a14:m>
-                <a:endParaRPr lang="en-US" dirty="0">
-                  <a:solidFill>
-                    <a:prstClr val="black"/>
-                  </a:solidFill>
-                </a:endParaRPr>
-              </a:p>
-              <a:p>
-                <a:pPr algn="ctr"/>
-                <a:r>
-                  <a:rPr lang="en-US" dirty="0">
-                    <a:solidFill>
-                      <a:prstClr val="black"/>
-                    </a:solidFill>
-                  </a:rPr>
-                  <a:t>Position </a:t>
-                </a:r>
-                <a14:m>
-                  <m:oMath xmlns:m="http://schemas.openxmlformats.org/officeDocument/2006/math">
-                    <m:sSub>
-                      <m:sSubPr>
-                        <m:ctrlPr>
-                          <a:rPr lang="en-US" i="1">
-                            <a:solidFill>
-                              <a:prstClr val="black"/>
-                            </a:solidFill>
-                            <a:latin typeface="Cambria Math" panose="02040503050406030204" pitchFamily="18" charset="0"/>
-                          </a:rPr>
-                        </m:ctrlPr>
-                      </m:sSubPr>
-                      <m:e>
-                        <m:acc>
-                          <m:accPr>
-                            <m:chr m:val="⃗"/>
-                            <m:ctrlPr>
-                              <a:rPr lang="en-US" i="1">
-                                <a:solidFill>
-                                  <a:prstClr val="black"/>
-                                </a:solidFill>
-                                <a:latin typeface="Cambria Math" panose="02040503050406030204" pitchFamily="18" charset="0"/>
-                              </a:rPr>
-                            </m:ctrlPr>
-                          </m:accPr>
-                          <m:e>
-                            <m:r>
-                              <a:rPr lang="en-US" b="0" i="1" smtClean="0">
-                                <a:solidFill>
-                                  <a:prstClr val="black"/>
-                                </a:solidFill>
-                                <a:latin typeface="Cambria Math" panose="02040503050406030204" pitchFamily="18" charset="0"/>
-                              </a:rPr>
-                              <m:t>𝑠</m:t>
-                            </m:r>
-                          </m:e>
-                        </m:acc>
-                      </m:e>
-                      <m:sub>
-                        <m:r>
-                          <a:rPr lang="en-US" b="0" i="1" smtClean="0">
-                            <a:solidFill>
-                              <a:prstClr val="black"/>
-                            </a:solidFill>
-                            <a:latin typeface="Cambria Math" panose="02040503050406030204" pitchFamily="18" charset="0"/>
-                          </a:rPr>
-                          <m:t>1</m:t>
-                        </m:r>
-                      </m:sub>
-                    </m:sSub>
-                  </m:oMath>
-                </a14:m>
-                <a:endParaRPr lang="en-US" dirty="0">
-                  <a:solidFill>
-                    <a:prstClr val="black"/>
-                  </a:solidFill>
-                </a:endParaRPr>
-              </a:p>
-            </p:txBody>
-          </p:sp>
-        </mc:Choice>
-        <mc:Fallback>
-          <p:sp>
-            <p:nvSpPr>
-              <p:cNvPr id="34" name="TextBox 33">
-                <a:extLst>
-                  <a:ext uri="{FF2B5EF4-FFF2-40B4-BE49-F238E27FC236}">
-                    <a16:creationId xmlns:a16="http://schemas.microsoft.com/office/drawing/2014/main" id="{6723D409-92D4-4358-8355-63013672FECE}"/>
-                  </a:ext>
-                </a:extLst>
-              </p:cNvPr>
-              <p:cNvSpPr txBox="1">
-                <a:spLocks noRot="1" noChangeAspect="1" noMove="1" noResize="1" noEditPoints="1" noAdjustHandles="1" noChangeArrowheads="1" noChangeShapeType="1" noTextEdit="1"/>
-              </p:cNvSpPr>
-              <p:nvPr/>
-            </p:nvSpPr>
-            <p:spPr>
-              <a:xfrm>
-                <a:off x="2063338" y="1704741"/>
-                <a:ext cx="1676400" cy="923330"/>
-              </a:xfrm>
-              <a:prstGeom prst="rect">
-                <a:avLst/>
-              </a:prstGeom>
-              <a:blipFill>
-                <a:blip r:embed="rId11"/>
-                <a:stretch>
-                  <a:fillRect l="-1455" t="-9272" r="-9455" b="-9934"/>
-                </a:stretch>
-              </a:blipFill>
-            </p:spPr>
-            <p:txBody>
-              <a:bodyPr/>
-              <a:lstStyle/>
-              <a:p>
-                <a:r>
-                  <a:rPr lang="en-US">
-                    <a:noFill/>
-                  </a:rPr>
-                  <a:t> </a:t>
-                </a:r>
-              </a:p>
-            </p:txBody>
-          </p:sp>
-        </mc:Fallback>
-      </mc:AlternateContent>
-      <mc:AlternateContent xmlns:mc="http://schemas.openxmlformats.org/markup-compatibility/2006">
-        <mc:Choice xmlns:a14="http://schemas.microsoft.com/office/drawing/2010/main" Requires="a14">
-          <p:sp>
-            <p:nvSpPr>
-              <p:cNvPr id="39" name="TextBox 38">
-                <a:extLst>
-                  <a:ext uri="{FF2B5EF4-FFF2-40B4-BE49-F238E27FC236}">
-                    <a16:creationId xmlns:a16="http://schemas.microsoft.com/office/drawing/2014/main" id="{D391C7B6-2BE2-4FF6-95C0-FBA5A7B77735}"/>
-                  </a:ext>
-                </a:extLst>
-              </p:cNvPr>
-              <p:cNvSpPr txBox="1"/>
-              <p:nvPr/>
-            </p:nvSpPr>
-            <p:spPr>
-              <a:xfrm>
-                <a:off x="5329237" y="1706465"/>
-                <a:ext cx="1676400" cy="923330"/>
-              </a:xfrm>
-              <a:prstGeom prst="rect">
-                <a:avLst/>
-              </a:prstGeom>
-              <a:noFill/>
-            </p:spPr>
-            <p:txBody>
-              <a:bodyPr wrap="square" rtlCol="0">
-                <a:spAutoFit/>
-              </a:bodyPr>
-              <a:lstStyle/>
-              <a:p>
-                <a:pPr algn="ctr"/>
-                <a:r>
-                  <a:rPr lang="en-US" dirty="0">
-                    <a:solidFill>
-                      <a:prstClr val="black"/>
-                    </a:solidFill>
-                  </a:rPr>
-                  <a:t>Acceleration </a:t>
-                </a:r>
-                <a14:m>
-                  <m:oMath xmlns:m="http://schemas.openxmlformats.org/officeDocument/2006/math">
-                    <m:sSub>
-                      <m:sSubPr>
-                        <m:ctrlPr>
-                          <a:rPr lang="en-US" i="1">
-                            <a:solidFill>
-                              <a:prstClr val="black"/>
-                            </a:solidFill>
-                            <a:latin typeface="Cambria Math" panose="02040503050406030204" pitchFamily="18" charset="0"/>
-                          </a:rPr>
-                        </m:ctrlPr>
-                      </m:sSubPr>
-                      <m:e>
-                        <m:acc>
-                          <m:accPr>
-                            <m:chr m:val="⃗"/>
-                            <m:ctrlPr>
-                              <a:rPr lang="en-US" i="1">
-                                <a:solidFill>
-                                  <a:prstClr val="black"/>
-                                </a:solidFill>
-                                <a:latin typeface="Cambria Math" panose="02040503050406030204" pitchFamily="18" charset="0"/>
-                              </a:rPr>
-                            </m:ctrlPr>
-                          </m:accPr>
-                          <m:e>
-                            <m:r>
-                              <a:rPr lang="en-US" i="1">
-                                <a:solidFill>
-                                  <a:prstClr val="black"/>
-                                </a:solidFill>
-                                <a:latin typeface="Cambria Math" panose="02040503050406030204" pitchFamily="18" charset="0"/>
-                              </a:rPr>
-                              <m:t>𝑎</m:t>
-                            </m:r>
-                          </m:e>
-                        </m:acc>
-                      </m:e>
-                      <m:sub>
-                        <m:r>
-                          <a:rPr lang="en-US" b="0" i="1" smtClean="0">
-                            <a:solidFill>
-                              <a:prstClr val="black"/>
-                            </a:solidFill>
-                            <a:latin typeface="Cambria Math" panose="02040503050406030204" pitchFamily="18" charset="0"/>
-                          </a:rPr>
-                          <m:t>𝑖</m:t>
-                        </m:r>
-                      </m:sub>
-                    </m:sSub>
-                  </m:oMath>
-                </a14:m>
-                <a:endParaRPr lang="en-US" dirty="0">
-                  <a:solidFill>
-                    <a:prstClr val="black"/>
-                  </a:solidFill>
-                </a:endParaRPr>
-              </a:p>
-              <a:p>
-                <a:pPr algn="ctr"/>
-                <a:r>
-                  <a:rPr lang="en-US" dirty="0">
-                    <a:solidFill>
-                      <a:prstClr val="black"/>
-                    </a:solidFill>
-                  </a:rPr>
-                  <a:t>Velocity </a:t>
-                </a:r>
-                <a14:m>
-                  <m:oMath xmlns:m="http://schemas.openxmlformats.org/officeDocument/2006/math">
-                    <m:sSub>
-                      <m:sSubPr>
-                        <m:ctrlPr>
-                          <a:rPr lang="en-US" i="1">
-                            <a:solidFill>
-                              <a:prstClr val="black"/>
-                            </a:solidFill>
-                            <a:latin typeface="Cambria Math" panose="02040503050406030204" pitchFamily="18" charset="0"/>
-                          </a:rPr>
-                        </m:ctrlPr>
-                      </m:sSubPr>
-                      <m:e>
-                        <m:acc>
-                          <m:accPr>
-                            <m:chr m:val="⃗"/>
-                            <m:ctrlPr>
-                              <a:rPr lang="en-US" i="1" smtClean="0">
-                                <a:solidFill>
-                                  <a:prstClr val="black"/>
-                                </a:solidFill>
-                                <a:latin typeface="Cambria Math" panose="02040503050406030204" pitchFamily="18" charset="0"/>
-                              </a:rPr>
-                            </m:ctrlPr>
-                          </m:accPr>
-                          <m:e>
-                            <m:r>
-                              <a:rPr lang="en-US" b="0" i="1" smtClean="0">
-                                <a:solidFill>
-                                  <a:prstClr val="black"/>
-                                </a:solidFill>
-                                <a:latin typeface="Cambria Math" panose="02040503050406030204" pitchFamily="18" charset="0"/>
-                              </a:rPr>
-                              <m:t>𝑣</m:t>
-                            </m:r>
-                          </m:e>
-                        </m:acc>
-                      </m:e>
-                      <m:sub>
-                        <m:r>
-                          <a:rPr lang="en-US" b="0" i="1" smtClean="0">
-                            <a:solidFill>
-                              <a:prstClr val="black"/>
-                            </a:solidFill>
-                            <a:latin typeface="Cambria Math" panose="02040503050406030204" pitchFamily="18" charset="0"/>
-                          </a:rPr>
-                          <m:t>𝑖</m:t>
-                        </m:r>
-                      </m:sub>
-                    </m:sSub>
-                  </m:oMath>
-                </a14:m>
-                <a:endParaRPr lang="en-US" dirty="0">
-                  <a:solidFill>
-                    <a:prstClr val="black"/>
-                  </a:solidFill>
-                </a:endParaRPr>
-              </a:p>
-              <a:p>
-                <a:pPr algn="ctr"/>
-                <a:r>
-                  <a:rPr lang="en-US" dirty="0">
-                    <a:solidFill>
-                      <a:prstClr val="black"/>
-                    </a:solidFill>
-                  </a:rPr>
-                  <a:t>Position </a:t>
-                </a:r>
-                <a14:m>
-                  <m:oMath xmlns:m="http://schemas.openxmlformats.org/officeDocument/2006/math">
-                    <m:sSub>
-                      <m:sSubPr>
-                        <m:ctrlPr>
-                          <a:rPr lang="en-US" i="1">
-                            <a:solidFill>
-                              <a:prstClr val="black"/>
-                            </a:solidFill>
-                            <a:latin typeface="Cambria Math" panose="02040503050406030204" pitchFamily="18" charset="0"/>
-                          </a:rPr>
-                        </m:ctrlPr>
-                      </m:sSubPr>
-                      <m:e>
-                        <m:acc>
-                          <m:accPr>
-                            <m:chr m:val="⃗"/>
-                            <m:ctrlPr>
-                              <a:rPr lang="en-US" i="1">
-                                <a:solidFill>
-                                  <a:prstClr val="black"/>
-                                </a:solidFill>
-                                <a:latin typeface="Cambria Math" panose="02040503050406030204" pitchFamily="18" charset="0"/>
-                              </a:rPr>
-                            </m:ctrlPr>
-                          </m:accPr>
-                          <m:e>
-                            <m:r>
-                              <a:rPr lang="en-US" b="0" i="1" smtClean="0">
-                                <a:solidFill>
-                                  <a:prstClr val="black"/>
-                                </a:solidFill>
-                                <a:latin typeface="Cambria Math" panose="02040503050406030204" pitchFamily="18" charset="0"/>
-                              </a:rPr>
-                              <m:t>𝑠</m:t>
-                            </m:r>
-                          </m:e>
-                        </m:acc>
-                      </m:e>
-                      <m:sub>
-                        <m:r>
-                          <a:rPr lang="en-US" b="0" i="1" smtClean="0">
-                            <a:solidFill>
-                              <a:prstClr val="black"/>
-                            </a:solidFill>
-                            <a:latin typeface="Cambria Math" panose="02040503050406030204" pitchFamily="18" charset="0"/>
-                          </a:rPr>
-                          <m:t>𝑖</m:t>
-                        </m:r>
-                      </m:sub>
-                    </m:sSub>
-                  </m:oMath>
-                </a14:m>
-                <a:endParaRPr lang="en-US" dirty="0">
-                  <a:solidFill>
-                    <a:prstClr val="black"/>
-                  </a:solidFill>
-                </a:endParaRPr>
-              </a:p>
-            </p:txBody>
-          </p:sp>
-        </mc:Choice>
-        <mc:Fallback>
-          <p:sp>
-            <p:nvSpPr>
-              <p:cNvPr id="39" name="TextBox 38">
-                <a:extLst>
-                  <a:ext uri="{FF2B5EF4-FFF2-40B4-BE49-F238E27FC236}">
-                    <a16:creationId xmlns:a16="http://schemas.microsoft.com/office/drawing/2014/main" id="{D391C7B6-2BE2-4FF6-95C0-FBA5A7B77735}"/>
-                  </a:ext>
-                </a:extLst>
-              </p:cNvPr>
-              <p:cNvSpPr txBox="1">
-                <a:spLocks noRot="1" noChangeAspect="1" noMove="1" noResize="1" noEditPoints="1" noAdjustHandles="1" noChangeArrowheads="1" noChangeShapeType="1" noTextEdit="1"/>
-              </p:cNvSpPr>
-              <p:nvPr/>
-            </p:nvSpPr>
-            <p:spPr>
-              <a:xfrm>
-                <a:off x="5329237" y="1706465"/>
-                <a:ext cx="1676400" cy="923330"/>
-              </a:xfrm>
-              <a:prstGeom prst="rect">
-                <a:avLst/>
-              </a:prstGeom>
-              <a:blipFill>
-                <a:blip r:embed="rId12"/>
-                <a:stretch>
-                  <a:fillRect l="-727" t="-9272" r="-10182" b="-9934"/>
-                </a:stretch>
-              </a:blipFill>
-            </p:spPr>
-            <p:txBody>
-              <a:bodyPr/>
-              <a:lstStyle/>
-              <a:p>
-                <a:r>
-                  <a:rPr lang="en-US">
-                    <a:noFill/>
-                  </a:rPr>
-                  <a:t> </a:t>
-                </a:r>
-              </a:p>
-            </p:txBody>
-          </p:sp>
-        </mc:Fallback>
-      </mc:AlternateContent>
-      <p:cxnSp>
-        <p:nvCxnSpPr>
-          <p:cNvPr id="41" name="Straight Arrow Connector 40">
-            <a:extLst>
-              <a:ext uri="{FF2B5EF4-FFF2-40B4-BE49-F238E27FC236}">
-                <a16:creationId xmlns:a16="http://schemas.microsoft.com/office/drawing/2014/main" id="{BB329AED-C2F5-4177-BE94-7F2C5F4D7B72}"/>
-              </a:ext>
-            </a:extLst>
-          </p:cNvPr>
-          <p:cNvCxnSpPr>
-            <a:cxnSpLocks/>
-          </p:cNvCxnSpPr>
-          <p:nvPr/>
-        </p:nvCxnSpPr>
-        <p:spPr>
-          <a:xfrm>
-            <a:off x="6248400" y="2651516"/>
-            <a:ext cx="0" cy="447854"/>
-          </a:xfrm>
-          <a:prstGeom prst="straightConnector1">
-            <a:avLst/>
-          </a:prstGeom>
-          <a:ln w="28575">
-            <a:solidFill>
-              <a:schemeClr val="accent1"/>
-            </a:solidFill>
-            <a:tailEnd type="arrow" w="med" len="lg"/>
-          </a:ln>
-          <a:effectLst>
-            <a:outerShdw blurRad="50800" dist="38100" dir="2700000" sx="104000" sy="104000" algn="tl" rotWithShape="0">
-              <a:prstClr val="black">
-                <a:alpha val="40000"/>
-              </a:prstClr>
-            </a:outerShdw>
-          </a:effectLst>
-        </p:spPr>
-        <p:style>
-          <a:lnRef idx="1">
-            <a:schemeClr val="accent1"/>
-          </a:lnRef>
-          <a:fillRef idx="0">
-            <a:schemeClr val="accent1"/>
-          </a:fillRef>
-          <a:effectRef idx="0">
-            <a:schemeClr val="accent1"/>
-          </a:effectRef>
-          <a:fontRef idx="minor">
-            <a:schemeClr val="tx1"/>
-          </a:fontRef>
-        </p:style>
-      </p:cxnSp>
-    </p:spTree>
-    <p:extLst>
-      <p:ext uri="{BB962C8B-B14F-4D97-AF65-F5344CB8AC3E}">
-        <p14:creationId xmlns:p14="http://schemas.microsoft.com/office/powerpoint/2010/main" val="4061229100"/>
-      </p:ext>
-    </p:extLst>
-  </p:cSld>
-  <p:clrMapOvr>
-    <a:masterClrMapping/>
-  </p:clrMapOvr>
-</p:sld>
-</file>
-
-<file path=ppt/slides/slide9.xml><?xml version="1.0" encoding="utf-8"?>
-<p:sld xmlns:a="http://schemas.openxmlformats.org/drawingml/2006/main" xmlns:r="http://schemas.openxmlformats.org/officeDocument/2006/relationships" xmlns:p="http://schemas.openxmlformats.org/presentationml/2006/main">
-  <p:cSld>
-    <p:spTree>
-      <p:nvGrpSpPr>
-        <p:cNvPr id="1" name=""/>
-        <p:cNvGrpSpPr/>
-        <p:nvPr/>
-      </p:nvGrpSpPr>
-      <p:grpSpPr>
-        <a:xfrm>
-          <a:off x="0" y="0"/>
-          <a:ext cx="0" cy="0"/>
-          <a:chOff x="0" y="0"/>
-          <a:chExt cx="0" cy="0"/>
-        </a:xfrm>
-      </p:grpSpPr>
-      <p:pic>
-        <p:nvPicPr>
-          <p:cNvPr id="5" name="Picture 2"/>
-          <p:cNvPicPr>
-            <a:picLocks noChangeAspect="1" noChangeArrowheads="1"/>
-          </p:cNvPicPr>
-          <p:nvPr/>
-        </p:nvPicPr>
-        <p:blipFill>
-          <a:blip r:embed="rId3" cstate="print">
-            <a:extLst>
-              <a:ext uri="{28A0092B-C50C-407E-A947-70E740481C1C}">
-                <a14:useLocalDpi xmlns:a14="http://schemas.microsoft.com/office/drawing/2010/main" val="0"/>
-              </a:ext>
-            </a:extLst>
-          </a:blip>
-          <a:srcRect/>
-          <a:stretch>
-            <a:fillRect/>
-          </a:stretch>
-        </p:blipFill>
-        <p:spPr bwMode="auto">
-          <a:xfrm>
-            <a:off x="2875390" y="2220553"/>
-            <a:ext cx="1372760" cy="999755"/>
-          </a:xfrm>
-          <a:prstGeom prst="rect">
-            <a:avLst/>
-          </a:prstGeom>
-          <a:noFill/>
-          <a:ln>
-            <a:noFill/>
-          </a:ln>
-          <a:effectLst/>
-          <a:extLst>
-            <a:ext uri="{909E8E84-426E-40DD-AFC4-6F175D3DCCD1}">
-              <a14:hiddenFill xmlns:a14="http://schemas.microsoft.com/office/drawing/2010/main">
-                <a:solidFill>
-                  <a:schemeClr val="accent1"/>
-                </a:solidFill>
-              </a14:hiddenFill>
-            </a:ext>
-            <a:ext uri="{91240B29-F687-4F45-9708-019B960494DF}">
-              <a14:hiddenLine xmlns:a14="http://schemas.microsoft.com/office/drawing/2010/main" w="9525">
-                <a:solidFill>
-                  <a:schemeClr val="tx1"/>
-                </a:solidFill>
-                <a:miter lim="800000"/>
-                <a:headEnd/>
-                <a:tailEnd/>
-              </a14:hiddenLine>
-            </a:ext>
-            <a:ext uri="{AF507438-7753-43E0-B8FC-AC1667EBCBE1}">
-              <a14:hiddenEffects xmlns:a14="http://schemas.microsoft.com/office/drawing/2010/main">
-                <a:effectLst>
-                  <a:outerShdw dist="35921" dir="2700000" algn="ctr" rotWithShape="0">
-                    <a:schemeClr val="bg2"/>
-                  </a:outerShdw>
-                </a:effectLst>
-              </a14:hiddenEffects>
-            </a:ext>
-          </a:extLst>
-        </p:spPr>
-      </p:pic>
-      <p:pic>
-        <p:nvPicPr>
-          <p:cNvPr id="6" name="Picture 3"/>
-          <p:cNvPicPr>
-            <a:picLocks noChangeAspect="1" noChangeArrowheads="1"/>
-          </p:cNvPicPr>
-          <p:nvPr/>
-        </p:nvPicPr>
-        <p:blipFill>
-          <a:blip r:embed="rId4" cstate="print">
-            <a:extLst>
-              <a:ext uri="{28A0092B-C50C-407E-A947-70E740481C1C}">
-                <a14:useLocalDpi xmlns:a14="http://schemas.microsoft.com/office/drawing/2010/main" val="0"/>
-              </a:ext>
-            </a:extLst>
-          </a:blip>
-          <a:srcRect/>
-          <a:stretch>
-            <a:fillRect/>
-          </a:stretch>
-        </p:blipFill>
-        <p:spPr bwMode="auto">
-          <a:xfrm>
-            <a:off x="3638550" y="2641600"/>
-            <a:ext cx="1724025" cy="1284124"/>
-          </a:xfrm>
-          <a:prstGeom prst="rect">
-            <a:avLst/>
-          </a:prstGeom>
-          <a:noFill/>
-          <a:ln>
-            <a:noFill/>
-          </a:ln>
-          <a:effectLst>
-            <a:outerShdw blurRad="50800" dist="38100" dir="2700000" algn="tl" rotWithShape="0">
-              <a:prstClr val="black">
-                <a:alpha val="40000"/>
-              </a:prstClr>
-            </a:outerShdw>
-          </a:effectLst>
-          <a:extLst>
-            <a:ext uri="{909E8E84-426E-40DD-AFC4-6F175D3DCCD1}">
-              <a14:hiddenFill xmlns:a14="http://schemas.microsoft.com/office/drawing/2010/main">
-                <a:solidFill>
-                  <a:schemeClr val="accent1"/>
-                </a:solidFill>
-              </a14:hiddenFill>
-            </a:ext>
-            <a:ext uri="{91240B29-F687-4F45-9708-019B960494DF}">
-              <a14:hiddenLine xmlns:a14="http://schemas.microsoft.com/office/drawing/2010/main" w="9525">
-                <a:solidFill>
-                  <a:schemeClr val="tx1"/>
-                </a:solidFill>
-                <a:miter lim="800000"/>
-                <a:headEnd/>
-                <a:tailEnd/>
-              </a14:hiddenLine>
-            </a:ext>
-          </a:extLst>
-        </p:spPr>
-      </p:pic>
-      <p:pic>
-        <p:nvPicPr>
-          <p:cNvPr id="7" name="Picture 4"/>
-          <p:cNvPicPr>
-            <a:picLocks noChangeAspect="1" noChangeArrowheads="1"/>
-          </p:cNvPicPr>
-          <p:nvPr/>
-        </p:nvPicPr>
-        <p:blipFill>
-          <a:blip r:embed="rId5" cstate="print">
-            <a:extLst>
-              <a:ext uri="{28A0092B-C50C-407E-A947-70E740481C1C}">
-                <a14:useLocalDpi xmlns:a14="http://schemas.microsoft.com/office/drawing/2010/main" val="0"/>
-              </a:ext>
-            </a:extLst>
-          </a:blip>
-          <a:srcRect/>
-          <a:stretch>
-            <a:fillRect/>
-          </a:stretch>
-        </p:blipFill>
-        <p:spPr bwMode="auto">
-          <a:xfrm>
-            <a:off x="4400550" y="3403600"/>
-            <a:ext cx="2133600" cy="1466850"/>
-          </a:xfrm>
-          <a:prstGeom prst="rect">
-            <a:avLst/>
-          </a:prstGeom>
-          <a:noFill/>
-          <a:ln>
-            <a:noFill/>
-          </a:ln>
-          <a:effectLst>
-            <a:outerShdw blurRad="50800" dist="38100" dir="2700000" algn="tl" rotWithShape="0">
-              <a:prstClr val="black">
-                <a:alpha val="40000"/>
-              </a:prstClr>
-            </a:outerShdw>
-          </a:effectLst>
-          <a:extLst>
-            <a:ext uri="{909E8E84-426E-40DD-AFC4-6F175D3DCCD1}">
-              <a14:hiddenFill xmlns:a14="http://schemas.microsoft.com/office/drawing/2010/main">
-                <a:solidFill>
-                  <a:schemeClr val="accent1"/>
-                </a:solidFill>
-              </a14:hiddenFill>
-            </a:ext>
-            <a:ext uri="{91240B29-F687-4F45-9708-019B960494DF}">
-              <a14:hiddenLine xmlns:a14="http://schemas.microsoft.com/office/drawing/2010/main" w="9525">
-                <a:solidFill>
-                  <a:schemeClr val="tx1"/>
-                </a:solidFill>
-                <a:miter lim="800000"/>
-                <a:headEnd/>
-                <a:tailEnd/>
-              </a14:hiddenLine>
-            </a:ext>
-          </a:extLst>
-        </p:spPr>
-      </p:pic>
-    </p:spTree>
-    <p:extLst>
-      <p:ext uri="{BB962C8B-B14F-4D97-AF65-F5344CB8AC3E}">
-        <p14:creationId xmlns:p14="http://schemas.microsoft.com/office/powerpoint/2010/main" val="3380168954"/>
-      </p:ext>
-    </p:extLst>
-  </p:cSld>
-  <p:clrMapOvr>
-    <a:masterClrMapping/>
-  </p:clrMapOvr>
-</p:sld>
-</file>
-
 <file path=ppt/theme/theme1.xml><?xml version="1.0" encoding="utf-8"?>
 <a:theme xmlns:a="http://schemas.openxmlformats.org/drawingml/2006/main" name="Office Theme">
   <a:themeElements>
